--- a/CaseStudy2Presentation.pptx
+++ b/CaseStudy2Presentation.pptx
@@ -9,12 +9,16 @@
     <p:sldId id="257" r:id="rId3"/>
     <p:sldId id="259" r:id="rId4"/>
     <p:sldId id="260" r:id="rId5"/>
-    <p:sldId id="261" r:id="rId6"/>
-    <p:sldId id="262" r:id="rId7"/>
-    <p:sldId id="263" r:id="rId8"/>
-    <p:sldId id="264" r:id="rId9"/>
-    <p:sldId id="258" r:id="rId10"/>
-    <p:sldId id="265" r:id="rId11"/>
+    <p:sldId id="266" r:id="rId6"/>
+    <p:sldId id="267" r:id="rId7"/>
+    <p:sldId id="261" r:id="rId8"/>
+    <p:sldId id="268" r:id="rId9"/>
+    <p:sldId id="269" r:id="rId10"/>
+    <p:sldId id="262" r:id="rId11"/>
+    <p:sldId id="263" r:id="rId12"/>
+    <p:sldId id="264" r:id="rId13"/>
+    <p:sldId id="258" r:id="rId14"/>
+    <p:sldId id="265" r:id="rId15"/>
   </p:sldIdLst>
   <p:sldSz cx="12192000" cy="6858000"/>
   <p:notesSz cx="6858000" cy="9144000"/>
@@ -113,10 +117,762 @@
       </a:defRPr>
     </a:lvl9pPr>
   </p:defaultTextStyle>
+  <p:extLst>
+    <p:ext uri="{EFAFB233-063F-42B5-8137-9DF3F51BA10A}">
+      <p15:sldGuideLst xmlns:p15="http://schemas.microsoft.com/office/powerpoint/2012/main"/>
+    </p:ext>
+  </p:extLst>
 </p:presentation>
 </file>
 
 <file path=ppt/diagrams/colors1.xml><?xml version="1.0" encoding="utf-8"?>
+<dgm:colorsDef xmlns:dgm="http://schemas.openxmlformats.org/drawingml/2006/diagram" xmlns:a="http://schemas.openxmlformats.org/drawingml/2006/main" uniqueId="urn:microsoft.com/office/officeart/2005/8/colors/accent1_2">
+  <dgm:title val=""/>
+  <dgm:desc val=""/>
+  <dgm:catLst>
+    <dgm:cat type="accent1" pri="11200"/>
+  </dgm:catLst>
+  <dgm:styleLbl name="node0">
+    <dgm:fillClrLst meth="repeat">
+      <a:schemeClr val="accent1"/>
+    </dgm:fillClrLst>
+    <dgm:linClrLst meth="repeat">
+      <a:schemeClr val="lt1"/>
+    </dgm:linClrLst>
+    <dgm:effectClrLst/>
+    <dgm:txLinClrLst/>
+    <dgm:txFillClrLst/>
+    <dgm:txEffectClrLst/>
+  </dgm:styleLbl>
+  <dgm:styleLbl name="alignNode1">
+    <dgm:fillClrLst meth="repeat">
+      <a:schemeClr val="accent1"/>
+    </dgm:fillClrLst>
+    <dgm:linClrLst meth="repeat">
+      <a:schemeClr val="accent1"/>
+    </dgm:linClrLst>
+    <dgm:effectClrLst/>
+    <dgm:txLinClrLst/>
+    <dgm:txFillClrLst/>
+    <dgm:txEffectClrLst/>
+  </dgm:styleLbl>
+  <dgm:styleLbl name="node1">
+    <dgm:fillClrLst meth="repeat">
+      <a:schemeClr val="accent1"/>
+    </dgm:fillClrLst>
+    <dgm:linClrLst meth="repeat">
+      <a:schemeClr val="lt1"/>
+    </dgm:linClrLst>
+    <dgm:effectClrLst/>
+    <dgm:txLinClrLst/>
+    <dgm:txFillClrLst/>
+    <dgm:txEffectClrLst/>
+  </dgm:styleLbl>
+  <dgm:styleLbl name="lnNode1">
+    <dgm:fillClrLst meth="repeat">
+      <a:schemeClr val="accent1"/>
+    </dgm:fillClrLst>
+    <dgm:linClrLst meth="repeat">
+      <a:schemeClr val="lt1"/>
+    </dgm:linClrLst>
+    <dgm:effectClrLst/>
+    <dgm:txLinClrLst/>
+    <dgm:txFillClrLst/>
+    <dgm:txEffectClrLst/>
+  </dgm:styleLbl>
+  <dgm:styleLbl name="vennNode1">
+    <dgm:fillClrLst meth="repeat">
+      <a:schemeClr val="accent1">
+        <a:alpha val="50000"/>
+      </a:schemeClr>
+    </dgm:fillClrLst>
+    <dgm:linClrLst meth="repeat">
+      <a:schemeClr val="lt1"/>
+    </dgm:linClrLst>
+    <dgm:effectClrLst/>
+    <dgm:txLinClrLst/>
+    <dgm:txFillClrLst/>
+    <dgm:txEffectClrLst/>
+  </dgm:styleLbl>
+  <dgm:styleLbl name="node2">
+    <dgm:fillClrLst meth="repeat">
+      <a:schemeClr val="accent1"/>
+    </dgm:fillClrLst>
+    <dgm:linClrLst meth="repeat">
+      <a:schemeClr val="lt1"/>
+    </dgm:linClrLst>
+    <dgm:effectClrLst/>
+    <dgm:txLinClrLst/>
+    <dgm:txFillClrLst/>
+    <dgm:txEffectClrLst/>
+  </dgm:styleLbl>
+  <dgm:styleLbl name="node3">
+    <dgm:fillClrLst meth="repeat">
+      <a:schemeClr val="accent1"/>
+    </dgm:fillClrLst>
+    <dgm:linClrLst meth="repeat">
+      <a:schemeClr val="lt1"/>
+    </dgm:linClrLst>
+    <dgm:effectClrLst/>
+    <dgm:txLinClrLst/>
+    <dgm:txFillClrLst/>
+    <dgm:txEffectClrLst/>
+  </dgm:styleLbl>
+  <dgm:styleLbl name="node4">
+    <dgm:fillClrLst meth="repeat">
+      <a:schemeClr val="accent1"/>
+    </dgm:fillClrLst>
+    <dgm:linClrLst meth="repeat">
+      <a:schemeClr val="lt1"/>
+    </dgm:linClrLst>
+    <dgm:effectClrLst/>
+    <dgm:txLinClrLst/>
+    <dgm:txFillClrLst/>
+    <dgm:txEffectClrLst/>
+  </dgm:styleLbl>
+  <dgm:styleLbl name="fgImgPlace1">
+    <dgm:fillClrLst meth="repeat">
+      <a:schemeClr val="accent1">
+        <a:tint val="50000"/>
+      </a:schemeClr>
+    </dgm:fillClrLst>
+    <dgm:linClrLst meth="repeat">
+      <a:schemeClr val="lt1"/>
+    </dgm:linClrLst>
+    <dgm:effectClrLst/>
+    <dgm:txLinClrLst/>
+    <dgm:txFillClrLst meth="repeat">
+      <a:schemeClr val="lt1"/>
+    </dgm:txFillClrLst>
+    <dgm:txEffectClrLst/>
+  </dgm:styleLbl>
+  <dgm:styleLbl name="alignImgPlace1">
+    <dgm:fillClrLst meth="repeat">
+      <a:schemeClr val="accent1">
+        <a:tint val="50000"/>
+      </a:schemeClr>
+    </dgm:fillClrLst>
+    <dgm:linClrLst meth="repeat">
+      <a:schemeClr val="lt1"/>
+    </dgm:linClrLst>
+    <dgm:effectClrLst/>
+    <dgm:txLinClrLst/>
+    <dgm:txFillClrLst meth="repeat">
+      <a:schemeClr val="lt1"/>
+    </dgm:txFillClrLst>
+    <dgm:txEffectClrLst/>
+  </dgm:styleLbl>
+  <dgm:styleLbl name="bgImgPlace1">
+    <dgm:fillClrLst meth="repeat">
+      <a:schemeClr val="accent1">
+        <a:tint val="50000"/>
+      </a:schemeClr>
+    </dgm:fillClrLst>
+    <dgm:linClrLst meth="repeat">
+      <a:schemeClr val="lt1"/>
+    </dgm:linClrLst>
+    <dgm:effectClrLst/>
+    <dgm:txLinClrLst/>
+    <dgm:txFillClrLst meth="repeat">
+      <a:schemeClr val="lt1"/>
+    </dgm:txFillClrLst>
+    <dgm:txEffectClrLst/>
+  </dgm:styleLbl>
+  <dgm:styleLbl name="sibTrans2D1">
+    <dgm:fillClrLst meth="repeat">
+      <a:schemeClr val="accent1">
+        <a:tint val="60000"/>
+      </a:schemeClr>
+    </dgm:fillClrLst>
+    <dgm:linClrLst meth="repeat">
+      <a:schemeClr val="accent1">
+        <a:tint val="60000"/>
+      </a:schemeClr>
+    </dgm:linClrLst>
+    <dgm:effectClrLst/>
+    <dgm:txLinClrLst/>
+    <dgm:txFillClrLst/>
+    <dgm:txEffectClrLst/>
+  </dgm:styleLbl>
+  <dgm:styleLbl name="fgSibTrans2D1">
+    <dgm:fillClrLst meth="repeat">
+      <a:schemeClr val="accent1">
+        <a:tint val="60000"/>
+      </a:schemeClr>
+    </dgm:fillClrLst>
+    <dgm:linClrLst meth="repeat">
+      <a:schemeClr val="accent1">
+        <a:tint val="60000"/>
+      </a:schemeClr>
+    </dgm:linClrLst>
+    <dgm:effectClrLst/>
+    <dgm:txLinClrLst/>
+    <dgm:txFillClrLst/>
+    <dgm:txEffectClrLst/>
+  </dgm:styleLbl>
+  <dgm:styleLbl name="bgSibTrans2D1">
+    <dgm:fillClrLst meth="repeat">
+      <a:schemeClr val="accent1">
+        <a:tint val="60000"/>
+      </a:schemeClr>
+    </dgm:fillClrLst>
+    <dgm:linClrLst meth="repeat">
+      <a:schemeClr val="accent1">
+        <a:tint val="60000"/>
+      </a:schemeClr>
+    </dgm:linClrLst>
+    <dgm:effectClrLst/>
+    <dgm:txLinClrLst/>
+    <dgm:txFillClrLst/>
+    <dgm:txEffectClrLst/>
+  </dgm:styleLbl>
+  <dgm:styleLbl name="sibTrans1D1">
+    <dgm:fillClrLst meth="repeat">
+      <a:schemeClr val="accent1"/>
+    </dgm:fillClrLst>
+    <dgm:linClrLst meth="repeat">
+      <a:schemeClr val="accent1"/>
+    </dgm:linClrLst>
+    <dgm:effectClrLst/>
+    <dgm:txLinClrLst/>
+    <dgm:txFillClrLst meth="repeat">
+      <a:schemeClr val="tx1"/>
+    </dgm:txFillClrLst>
+    <dgm:txEffectClrLst/>
+  </dgm:styleLbl>
+  <dgm:styleLbl name="callout">
+    <dgm:fillClrLst meth="repeat">
+      <a:schemeClr val="accent1"/>
+    </dgm:fillClrLst>
+    <dgm:linClrLst meth="repeat">
+      <a:schemeClr val="accent1">
+        <a:tint val="50000"/>
+      </a:schemeClr>
+    </dgm:linClrLst>
+    <dgm:effectClrLst/>
+    <dgm:txLinClrLst/>
+    <dgm:txFillClrLst meth="repeat">
+      <a:schemeClr val="tx1"/>
+    </dgm:txFillClrLst>
+    <dgm:txEffectClrLst/>
+  </dgm:styleLbl>
+  <dgm:styleLbl name="asst0">
+    <dgm:fillClrLst meth="repeat">
+      <a:schemeClr val="accent1"/>
+    </dgm:fillClrLst>
+    <dgm:linClrLst meth="repeat">
+      <a:schemeClr val="lt1"/>
+    </dgm:linClrLst>
+    <dgm:effectClrLst/>
+    <dgm:txLinClrLst/>
+    <dgm:txFillClrLst/>
+    <dgm:txEffectClrLst/>
+  </dgm:styleLbl>
+  <dgm:styleLbl name="asst1">
+    <dgm:fillClrLst meth="repeat">
+      <a:schemeClr val="accent1"/>
+    </dgm:fillClrLst>
+    <dgm:linClrLst meth="repeat">
+      <a:schemeClr val="lt1"/>
+    </dgm:linClrLst>
+    <dgm:effectClrLst/>
+    <dgm:txLinClrLst/>
+    <dgm:txFillClrLst/>
+    <dgm:txEffectClrLst/>
+  </dgm:styleLbl>
+  <dgm:styleLbl name="asst2">
+    <dgm:fillClrLst meth="repeat">
+      <a:schemeClr val="accent1"/>
+    </dgm:fillClrLst>
+    <dgm:linClrLst meth="repeat">
+      <a:schemeClr val="lt1"/>
+    </dgm:linClrLst>
+    <dgm:effectClrLst/>
+    <dgm:txLinClrLst/>
+    <dgm:txFillClrLst/>
+    <dgm:txEffectClrLst/>
+  </dgm:styleLbl>
+  <dgm:styleLbl name="asst3">
+    <dgm:fillClrLst meth="repeat">
+      <a:schemeClr val="accent1"/>
+    </dgm:fillClrLst>
+    <dgm:linClrLst meth="repeat">
+      <a:schemeClr val="lt1"/>
+    </dgm:linClrLst>
+    <dgm:effectClrLst/>
+    <dgm:txLinClrLst/>
+    <dgm:txFillClrLst/>
+    <dgm:txEffectClrLst/>
+  </dgm:styleLbl>
+  <dgm:styleLbl name="asst4">
+    <dgm:fillClrLst meth="repeat">
+      <a:schemeClr val="accent1"/>
+    </dgm:fillClrLst>
+    <dgm:linClrLst meth="repeat">
+      <a:schemeClr val="lt1"/>
+    </dgm:linClrLst>
+    <dgm:effectClrLst/>
+    <dgm:txLinClrLst/>
+    <dgm:txFillClrLst/>
+    <dgm:txEffectClrLst/>
+  </dgm:styleLbl>
+  <dgm:styleLbl name="parChTrans2D1">
+    <dgm:fillClrLst meth="repeat">
+      <a:schemeClr val="accent1">
+        <a:tint val="60000"/>
+      </a:schemeClr>
+    </dgm:fillClrLst>
+    <dgm:linClrLst meth="repeat">
+      <a:schemeClr val="accent1">
+        <a:tint val="60000"/>
+      </a:schemeClr>
+    </dgm:linClrLst>
+    <dgm:effectClrLst/>
+    <dgm:txLinClrLst/>
+    <dgm:txFillClrLst meth="repeat">
+      <a:schemeClr val="lt1"/>
+    </dgm:txFillClrLst>
+    <dgm:txEffectClrLst/>
+  </dgm:styleLbl>
+  <dgm:styleLbl name="parChTrans2D2">
+    <dgm:fillClrLst meth="repeat">
+      <a:schemeClr val="accent1"/>
+    </dgm:fillClrLst>
+    <dgm:linClrLst meth="repeat">
+      <a:schemeClr val="accent1"/>
+    </dgm:linClrLst>
+    <dgm:effectClrLst/>
+    <dgm:txLinClrLst/>
+    <dgm:txFillClrLst meth="repeat">
+      <a:schemeClr val="lt1"/>
+    </dgm:txFillClrLst>
+    <dgm:txEffectClrLst/>
+  </dgm:styleLbl>
+  <dgm:styleLbl name="parChTrans2D3">
+    <dgm:fillClrLst meth="repeat">
+      <a:schemeClr val="accent1"/>
+    </dgm:fillClrLst>
+    <dgm:linClrLst meth="repeat">
+      <a:schemeClr val="accent1"/>
+    </dgm:linClrLst>
+    <dgm:effectClrLst/>
+    <dgm:txLinClrLst/>
+    <dgm:txFillClrLst meth="repeat">
+      <a:schemeClr val="lt1"/>
+    </dgm:txFillClrLst>
+    <dgm:txEffectClrLst/>
+  </dgm:styleLbl>
+  <dgm:styleLbl name="parChTrans2D4">
+    <dgm:fillClrLst meth="repeat">
+      <a:schemeClr val="accent1"/>
+    </dgm:fillClrLst>
+    <dgm:linClrLst meth="repeat">
+      <a:schemeClr val="accent1"/>
+    </dgm:linClrLst>
+    <dgm:effectClrLst/>
+    <dgm:txLinClrLst/>
+    <dgm:txFillClrLst meth="repeat">
+      <a:schemeClr val="lt1"/>
+    </dgm:txFillClrLst>
+    <dgm:txEffectClrLst/>
+  </dgm:styleLbl>
+  <dgm:styleLbl name="parChTrans1D1">
+    <dgm:fillClrLst meth="repeat">
+      <a:schemeClr val="accent1"/>
+    </dgm:fillClrLst>
+    <dgm:linClrLst meth="repeat">
+      <a:schemeClr val="accent1">
+        <a:shade val="60000"/>
+      </a:schemeClr>
+    </dgm:linClrLst>
+    <dgm:effectClrLst/>
+    <dgm:txLinClrLst/>
+    <dgm:txFillClrLst meth="repeat">
+      <a:schemeClr val="tx1"/>
+    </dgm:txFillClrLst>
+    <dgm:txEffectClrLst/>
+  </dgm:styleLbl>
+  <dgm:styleLbl name="parChTrans1D2">
+    <dgm:fillClrLst meth="repeat">
+      <a:schemeClr val="accent1"/>
+    </dgm:fillClrLst>
+    <dgm:linClrLst meth="repeat">
+      <a:schemeClr val="accent1">
+        <a:shade val="60000"/>
+      </a:schemeClr>
+    </dgm:linClrLst>
+    <dgm:effectClrLst/>
+    <dgm:txLinClrLst/>
+    <dgm:txFillClrLst meth="repeat">
+      <a:schemeClr val="tx1"/>
+    </dgm:txFillClrLst>
+    <dgm:txEffectClrLst/>
+  </dgm:styleLbl>
+  <dgm:styleLbl name="parChTrans1D3">
+    <dgm:fillClrLst meth="repeat">
+      <a:schemeClr val="accent1"/>
+    </dgm:fillClrLst>
+    <dgm:linClrLst meth="repeat">
+      <a:schemeClr val="accent1">
+        <a:shade val="80000"/>
+      </a:schemeClr>
+    </dgm:linClrLst>
+    <dgm:effectClrLst/>
+    <dgm:txLinClrLst/>
+    <dgm:txFillClrLst meth="repeat">
+      <a:schemeClr val="tx1"/>
+    </dgm:txFillClrLst>
+    <dgm:txEffectClrLst/>
+  </dgm:styleLbl>
+  <dgm:styleLbl name="parChTrans1D4">
+    <dgm:fillClrLst meth="repeat">
+      <a:schemeClr val="accent1"/>
+    </dgm:fillClrLst>
+    <dgm:linClrLst meth="repeat">
+      <a:schemeClr val="accent1">
+        <a:shade val="80000"/>
+      </a:schemeClr>
+    </dgm:linClrLst>
+    <dgm:effectClrLst/>
+    <dgm:txLinClrLst/>
+    <dgm:txFillClrLst meth="repeat">
+      <a:schemeClr val="tx1"/>
+    </dgm:txFillClrLst>
+    <dgm:txEffectClrLst/>
+  </dgm:styleLbl>
+  <dgm:styleLbl name="fgAcc1">
+    <dgm:fillClrLst meth="repeat">
+      <a:schemeClr val="lt1">
+        <a:alpha val="90000"/>
+      </a:schemeClr>
+    </dgm:fillClrLst>
+    <dgm:linClrLst meth="repeat">
+      <a:schemeClr val="accent1"/>
+    </dgm:linClrLst>
+    <dgm:effectClrLst/>
+    <dgm:txLinClrLst/>
+    <dgm:txFillClrLst meth="repeat">
+      <a:schemeClr val="dk1"/>
+    </dgm:txFillClrLst>
+    <dgm:txEffectClrLst/>
+  </dgm:styleLbl>
+  <dgm:styleLbl name="conFgAcc1">
+    <dgm:fillClrLst meth="repeat">
+      <a:schemeClr val="lt1">
+        <a:alpha val="90000"/>
+      </a:schemeClr>
+    </dgm:fillClrLst>
+    <dgm:linClrLst meth="repeat">
+      <a:schemeClr val="accent1"/>
+    </dgm:linClrLst>
+    <dgm:effectClrLst/>
+    <dgm:txLinClrLst/>
+    <dgm:txFillClrLst meth="repeat">
+      <a:schemeClr val="dk1"/>
+    </dgm:txFillClrLst>
+    <dgm:txEffectClrLst/>
+  </dgm:styleLbl>
+  <dgm:styleLbl name="alignAcc1">
+    <dgm:fillClrLst meth="repeat">
+      <a:schemeClr val="lt1">
+        <a:alpha val="90000"/>
+      </a:schemeClr>
+    </dgm:fillClrLst>
+    <dgm:linClrLst meth="repeat">
+      <a:schemeClr val="accent1"/>
+    </dgm:linClrLst>
+    <dgm:effectClrLst/>
+    <dgm:txLinClrLst/>
+    <dgm:txFillClrLst meth="repeat">
+      <a:schemeClr val="dk1"/>
+    </dgm:txFillClrLst>
+    <dgm:txEffectClrLst/>
+  </dgm:styleLbl>
+  <dgm:styleLbl name="trAlignAcc1">
+    <dgm:fillClrLst meth="repeat">
+      <a:schemeClr val="lt1">
+        <a:alpha val="40000"/>
+      </a:schemeClr>
+    </dgm:fillClrLst>
+    <dgm:linClrLst meth="repeat">
+      <a:schemeClr val="accent1"/>
+    </dgm:linClrLst>
+    <dgm:effectClrLst/>
+    <dgm:txLinClrLst/>
+    <dgm:txFillClrLst meth="repeat">
+      <a:schemeClr val="dk1"/>
+    </dgm:txFillClrLst>
+    <dgm:txEffectClrLst/>
+  </dgm:styleLbl>
+  <dgm:styleLbl name="bgAcc1">
+    <dgm:fillClrLst meth="repeat">
+      <a:schemeClr val="lt1">
+        <a:alpha val="90000"/>
+      </a:schemeClr>
+    </dgm:fillClrLst>
+    <dgm:linClrLst meth="repeat">
+      <a:schemeClr val="accent1"/>
+    </dgm:linClrLst>
+    <dgm:effectClrLst/>
+    <dgm:txLinClrLst/>
+    <dgm:txFillClrLst meth="repeat">
+      <a:schemeClr val="dk1"/>
+    </dgm:txFillClrLst>
+    <dgm:txEffectClrLst/>
+  </dgm:styleLbl>
+  <dgm:styleLbl name="solidFgAcc1">
+    <dgm:fillClrLst meth="repeat">
+      <a:schemeClr val="lt1"/>
+    </dgm:fillClrLst>
+    <dgm:linClrLst meth="repeat">
+      <a:schemeClr val="accent1"/>
+    </dgm:linClrLst>
+    <dgm:effectClrLst/>
+    <dgm:txLinClrLst/>
+    <dgm:txFillClrLst meth="repeat">
+      <a:schemeClr val="dk1"/>
+    </dgm:txFillClrLst>
+    <dgm:txEffectClrLst/>
+  </dgm:styleLbl>
+  <dgm:styleLbl name="solidAlignAcc1">
+    <dgm:fillClrLst meth="repeat">
+      <a:schemeClr val="lt1"/>
+    </dgm:fillClrLst>
+    <dgm:linClrLst meth="repeat">
+      <a:schemeClr val="accent1"/>
+    </dgm:linClrLst>
+    <dgm:effectClrLst/>
+    <dgm:txLinClrLst/>
+    <dgm:txFillClrLst meth="repeat">
+      <a:schemeClr val="dk1"/>
+    </dgm:txFillClrLst>
+    <dgm:txEffectClrLst/>
+  </dgm:styleLbl>
+  <dgm:styleLbl name="solidBgAcc1">
+    <dgm:fillClrLst meth="repeat">
+      <a:schemeClr val="lt1"/>
+    </dgm:fillClrLst>
+    <dgm:linClrLst meth="repeat">
+      <a:schemeClr val="accent1"/>
+    </dgm:linClrLst>
+    <dgm:effectClrLst/>
+    <dgm:txLinClrLst/>
+    <dgm:txFillClrLst meth="repeat">
+      <a:schemeClr val="dk1"/>
+    </dgm:txFillClrLst>
+    <dgm:txEffectClrLst/>
+  </dgm:styleLbl>
+  <dgm:styleLbl name="fgAccFollowNode1">
+    <dgm:fillClrLst meth="repeat">
+      <a:schemeClr val="accent1">
+        <a:alpha val="90000"/>
+        <a:tint val="40000"/>
+      </a:schemeClr>
+    </dgm:fillClrLst>
+    <dgm:linClrLst meth="repeat">
+      <a:schemeClr val="accent1">
+        <a:alpha val="90000"/>
+        <a:tint val="40000"/>
+      </a:schemeClr>
+    </dgm:linClrLst>
+    <dgm:effectClrLst/>
+    <dgm:txLinClrLst/>
+    <dgm:txFillClrLst meth="repeat">
+      <a:schemeClr val="dk1"/>
+    </dgm:txFillClrLst>
+    <dgm:txEffectClrLst/>
+  </dgm:styleLbl>
+  <dgm:styleLbl name="alignAccFollowNode1">
+    <dgm:fillClrLst meth="repeat">
+      <a:schemeClr val="accent1">
+        <a:alpha val="90000"/>
+        <a:tint val="40000"/>
+      </a:schemeClr>
+    </dgm:fillClrLst>
+    <dgm:linClrLst meth="repeat">
+      <a:schemeClr val="accent1">
+        <a:alpha val="90000"/>
+        <a:tint val="40000"/>
+      </a:schemeClr>
+    </dgm:linClrLst>
+    <dgm:effectClrLst/>
+    <dgm:txLinClrLst/>
+    <dgm:txFillClrLst meth="repeat">
+      <a:schemeClr val="dk1"/>
+    </dgm:txFillClrLst>
+    <dgm:txEffectClrLst/>
+  </dgm:styleLbl>
+  <dgm:styleLbl name="bgAccFollowNode1">
+    <dgm:fillClrLst meth="repeat">
+      <a:schemeClr val="accent1">
+        <a:alpha val="90000"/>
+        <a:tint val="40000"/>
+      </a:schemeClr>
+    </dgm:fillClrLst>
+    <dgm:linClrLst meth="repeat">
+      <a:schemeClr val="accent1">
+        <a:alpha val="90000"/>
+        <a:tint val="40000"/>
+      </a:schemeClr>
+    </dgm:linClrLst>
+    <dgm:effectClrLst/>
+    <dgm:txLinClrLst/>
+    <dgm:txFillClrLst meth="repeat">
+      <a:schemeClr val="dk1"/>
+    </dgm:txFillClrLst>
+    <dgm:txEffectClrLst/>
+  </dgm:styleLbl>
+  <dgm:styleLbl name="fgAcc0">
+    <dgm:fillClrLst meth="repeat">
+      <a:schemeClr val="lt1">
+        <a:alpha val="90000"/>
+      </a:schemeClr>
+    </dgm:fillClrLst>
+    <dgm:linClrLst meth="repeat">
+      <a:schemeClr val="accent1"/>
+    </dgm:linClrLst>
+    <dgm:effectClrLst/>
+    <dgm:txLinClrLst/>
+    <dgm:txFillClrLst meth="repeat">
+      <a:schemeClr val="dk1"/>
+    </dgm:txFillClrLst>
+    <dgm:txEffectClrLst/>
+  </dgm:styleLbl>
+  <dgm:styleLbl name="fgAcc2">
+    <dgm:fillClrLst meth="repeat">
+      <a:schemeClr val="lt1">
+        <a:alpha val="90000"/>
+      </a:schemeClr>
+    </dgm:fillClrLst>
+    <dgm:linClrLst meth="repeat">
+      <a:schemeClr val="accent1"/>
+    </dgm:linClrLst>
+    <dgm:effectClrLst/>
+    <dgm:txLinClrLst/>
+    <dgm:txFillClrLst meth="repeat">
+      <a:schemeClr val="dk1"/>
+    </dgm:txFillClrLst>
+    <dgm:txEffectClrLst/>
+  </dgm:styleLbl>
+  <dgm:styleLbl name="fgAcc3">
+    <dgm:fillClrLst meth="repeat">
+      <a:schemeClr val="lt1">
+        <a:alpha val="90000"/>
+      </a:schemeClr>
+    </dgm:fillClrLst>
+    <dgm:linClrLst meth="repeat">
+      <a:schemeClr val="accent1"/>
+    </dgm:linClrLst>
+    <dgm:effectClrLst/>
+    <dgm:txLinClrLst/>
+    <dgm:txFillClrLst meth="repeat">
+      <a:schemeClr val="dk1"/>
+    </dgm:txFillClrLst>
+    <dgm:txEffectClrLst/>
+  </dgm:styleLbl>
+  <dgm:styleLbl name="fgAcc4">
+    <dgm:fillClrLst meth="repeat">
+      <a:schemeClr val="lt1">
+        <a:alpha val="90000"/>
+      </a:schemeClr>
+    </dgm:fillClrLst>
+    <dgm:linClrLst meth="repeat">
+      <a:schemeClr val="accent1"/>
+    </dgm:linClrLst>
+    <dgm:effectClrLst/>
+    <dgm:txLinClrLst/>
+    <dgm:txFillClrLst meth="repeat">
+      <a:schemeClr val="dk1"/>
+    </dgm:txFillClrLst>
+    <dgm:txEffectClrLst/>
+  </dgm:styleLbl>
+  <dgm:styleLbl name="bgShp">
+    <dgm:fillClrLst meth="repeat">
+      <a:schemeClr val="accent1">
+        <a:tint val="40000"/>
+      </a:schemeClr>
+    </dgm:fillClrLst>
+    <dgm:linClrLst meth="repeat">
+      <a:schemeClr val="accent1"/>
+    </dgm:linClrLst>
+    <dgm:effectClrLst/>
+    <dgm:txLinClrLst/>
+    <dgm:txFillClrLst meth="repeat">
+      <a:schemeClr val="dk1"/>
+    </dgm:txFillClrLst>
+    <dgm:txEffectClrLst/>
+  </dgm:styleLbl>
+  <dgm:styleLbl name="dkBgShp">
+    <dgm:fillClrLst meth="repeat">
+      <a:schemeClr val="accent1">
+        <a:shade val="80000"/>
+      </a:schemeClr>
+    </dgm:fillClrLst>
+    <dgm:linClrLst meth="repeat">
+      <a:schemeClr val="accent1"/>
+    </dgm:linClrLst>
+    <dgm:effectClrLst/>
+    <dgm:txLinClrLst/>
+    <dgm:txFillClrLst meth="repeat">
+      <a:schemeClr val="lt1"/>
+    </dgm:txFillClrLst>
+    <dgm:txEffectClrLst/>
+  </dgm:styleLbl>
+  <dgm:styleLbl name="trBgShp">
+    <dgm:fillClrLst meth="repeat">
+      <a:schemeClr val="accent1">
+        <a:tint val="50000"/>
+        <a:alpha val="40000"/>
+      </a:schemeClr>
+    </dgm:fillClrLst>
+    <dgm:linClrLst meth="repeat">
+      <a:schemeClr val="accent1"/>
+    </dgm:linClrLst>
+    <dgm:effectClrLst/>
+    <dgm:txLinClrLst/>
+    <dgm:txFillClrLst meth="repeat">
+      <a:schemeClr val="lt1"/>
+    </dgm:txFillClrLst>
+    <dgm:txEffectClrLst/>
+  </dgm:styleLbl>
+  <dgm:styleLbl name="fgShp">
+    <dgm:fillClrLst meth="repeat">
+      <a:schemeClr val="accent1">
+        <a:tint val="60000"/>
+      </a:schemeClr>
+    </dgm:fillClrLst>
+    <dgm:linClrLst meth="repeat">
+      <a:schemeClr val="lt1"/>
+    </dgm:linClrLst>
+    <dgm:effectClrLst/>
+    <dgm:txLinClrLst/>
+    <dgm:txFillClrLst meth="repeat">
+      <a:schemeClr val="dk1"/>
+    </dgm:txFillClrLst>
+    <dgm:txEffectClrLst/>
+  </dgm:styleLbl>
+  <dgm:styleLbl name="revTx">
+    <dgm:fillClrLst meth="repeat">
+      <a:schemeClr val="lt1">
+        <a:alpha val="0"/>
+      </a:schemeClr>
+    </dgm:fillClrLst>
+    <dgm:linClrLst meth="repeat">
+      <a:schemeClr val="dk1">
+        <a:alpha val="0"/>
+      </a:schemeClr>
+    </dgm:linClrLst>
+    <dgm:effectClrLst/>
+    <dgm:txLinClrLst/>
+    <dgm:txFillClrLst meth="repeat">
+      <a:schemeClr val="tx1"/>
+    </dgm:txFillClrLst>
+    <dgm:txEffectClrLst/>
+  </dgm:styleLbl>
+</dgm:colorsDef>
+</file>
+
+<file path=ppt/diagrams/colors2.xml><?xml version="1.0" encoding="utf-8"?>
 <dgm:colorsDef xmlns:dgm="http://schemas.openxmlformats.org/drawingml/2006/diagram" xmlns:a="http://schemas.openxmlformats.org/drawingml/2006/main" uniqueId="urn:microsoft.com/office/officeart/2005/8/colors/accent1_2">
   <dgm:title val=""/>
   <dgm:desc val=""/>
@@ -1441,6 +2197,584 @@
 </dgm:dataModel>
 </file>
 
+<file path=ppt/diagrams/data2.xml><?xml version="1.0" encoding="utf-8"?>
+<dgm:dataModel xmlns:dgm="http://schemas.openxmlformats.org/drawingml/2006/diagram" xmlns:a="http://schemas.openxmlformats.org/drawingml/2006/main">
+  <dgm:ptLst>
+    <dgm:pt modelId="{FE674894-103A-4880-8EBF-BB226A32C0FC}" type="doc">
+      <dgm:prSet loTypeId="urn:microsoft.com/office/officeart/2018/2/layout/IconVerticalSolidList" loCatId="icon" qsTypeId="urn:microsoft.com/office/officeart/2005/8/quickstyle/simple1" qsCatId="simple" csTypeId="urn:microsoft.com/office/officeart/2005/8/colors/accent1_2" csCatId="accent1" phldr="1"/>
+      <dgm:spPr/>
+      <dgm:t>
+        <a:bodyPr/>
+        <a:lstStyle/>
+        <a:p>
+          <a:endParaRPr lang="en-US"/>
+        </a:p>
+      </dgm:t>
+    </dgm:pt>
+    <dgm:pt modelId="{B168B582-97F5-4612-B69A-ED01E3A03CD1}">
+      <dgm:prSet/>
+      <dgm:spPr/>
+      <dgm:t>
+        <a:bodyPr/>
+        <a:lstStyle/>
+        <a:p>
+          <a:pPr>
+            <a:lnSpc>
+              <a:spcPct val="100000"/>
+            </a:lnSpc>
+          </a:pPr>
+          <a:r>
+            <a:rPr lang="en-US" dirty="0"/>
+            <a:t>Monthly Income</a:t>
+          </a:r>
+        </a:p>
+      </dgm:t>
+    </dgm:pt>
+    <dgm:pt modelId="{368DE178-E228-426D-83EC-ED809E28179E}" type="parTrans" cxnId="{042A7CB0-2D62-4365-82E9-E049F312017F}">
+      <dgm:prSet/>
+      <dgm:spPr/>
+      <dgm:t>
+        <a:bodyPr/>
+        <a:lstStyle/>
+        <a:p>
+          <a:endParaRPr lang="en-US"/>
+        </a:p>
+      </dgm:t>
+    </dgm:pt>
+    <dgm:pt modelId="{F2EC5DCC-292E-45BC-A0C5-1693CFBDE6C6}" type="sibTrans" cxnId="{042A7CB0-2D62-4365-82E9-E049F312017F}">
+      <dgm:prSet/>
+      <dgm:spPr/>
+      <dgm:t>
+        <a:bodyPr/>
+        <a:lstStyle/>
+        <a:p>
+          <a:endParaRPr lang="en-US"/>
+        </a:p>
+      </dgm:t>
+    </dgm:pt>
+    <dgm:pt modelId="{63B3B4B9-B654-423D-A8DC-0581B89B001D}">
+      <dgm:prSet/>
+      <dgm:spPr/>
+      <dgm:t>
+        <a:bodyPr/>
+        <a:lstStyle/>
+        <a:p>
+          <a:pPr>
+            <a:lnSpc>
+              <a:spcPct val="100000"/>
+            </a:lnSpc>
+          </a:pPr>
+          <a:r>
+            <a:rPr lang="en-US" dirty="0"/>
+            <a:t>The most significant factor</a:t>
+          </a:r>
+        </a:p>
+      </dgm:t>
+    </dgm:pt>
+    <dgm:pt modelId="{6C9A2D5E-521E-48F4-95DF-31463AD69159}" type="parTrans" cxnId="{E517DB28-29B6-44CD-80CD-ED9E105370CA}">
+      <dgm:prSet/>
+      <dgm:spPr/>
+      <dgm:t>
+        <a:bodyPr/>
+        <a:lstStyle/>
+        <a:p>
+          <a:endParaRPr lang="en-US"/>
+        </a:p>
+      </dgm:t>
+    </dgm:pt>
+    <dgm:pt modelId="{0E8A0870-D176-4E7A-A101-9166B5C29F18}" type="sibTrans" cxnId="{E517DB28-29B6-44CD-80CD-ED9E105370CA}">
+      <dgm:prSet/>
+      <dgm:spPr/>
+      <dgm:t>
+        <a:bodyPr/>
+        <a:lstStyle/>
+        <a:p>
+          <a:endParaRPr lang="en-US"/>
+        </a:p>
+      </dgm:t>
+    </dgm:pt>
+    <dgm:pt modelId="{8FE5C119-7930-4B01-A10F-E2F282C40AE4}">
+      <dgm:prSet/>
+      <dgm:spPr/>
+      <dgm:t>
+        <a:bodyPr/>
+        <a:lstStyle/>
+        <a:p>
+          <a:pPr>
+            <a:lnSpc>
+              <a:spcPct val="100000"/>
+            </a:lnSpc>
+          </a:pPr>
+          <a:r>
+            <a:rPr lang="en-US" dirty="0"/>
+            <a:t>Employees earning more are less likely to leave</a:t>
+          </a:r>
+        </a:p>
+      </dgm:t>
+    </dgm:pt>
+    <dgm:pt modelId="{FCD5E9DF-7373-4FE0-A70E-33D09EA540A9}" type="parTrans" cxnId="{E5D6C5F5-F275-427F-B44E-9C74DA91E9C6}">
+      <dgm:prSet/>
+      <dgm:spPr/>
+      <dgm:t>
+        <a:bodyPr/>
+        <a:lstStyle/>
+        <a:p>
+          <a:endParaRPr lang="en-US"/>
+        </a:p>
+      </dgm:t>
+    </dgm:pt>
+    <dgm:pt modelId="{FDA4922A-3F51-4A5B-8330-EB8933C973B2}" type="sibTrans" cxnId="{E5D6C5F5-F275-427F-B44E-9C74DA91E9C6}">
+      <dgm:prSet/>
+      <dgm:spPr/>
+      <dgm:t>
+        <a:bodyPr/>
+        <a:lstStyle/>
+        <a:p>
+          <a:endParaRPr lang="en-US"/>
+        </a:p>
+      </dgm:t>
+    </dgm:pt>
+    <dgm:pt modelId="{E43405C8-6C4E-4790-9CE8-F4294D0915E3}">
+      <dgm:prSet/>
+      <dgm:spPr/>
+      <dgm:t>
+        <a:bodyPr/>
+        <a:lstStyle/>
+        <a:p>
+          <a:pPr>
+            <a:lnSpc>
+              <a:spcPct val="100000"/>
+            </a:lnSpc>
+          </a:pPr>
+          <a:r>
+            <a:rPr lang="en-US" dirty="0"/>
+            <a:t>Job Level</a:t>
+          </a:r>
+        </a:p>
+      </dgm:t>
+    </dgm:pt>
+    <dgm:pt modelId="{CC5751AC-CC2A-4DD8-B103-0FEE69858899}" type="parTrans" cxnId="{7A90BC91-E4EF-4206-A98E-E677925637F3}">
+      <dgm:prSet/>
+      <dgm:spPr/>
+      <dgm:t>
+        <a:bodyPr/>
+        <a:lstStyle/>
+        <a:p>
+          <a:endParaRPr lang="en-US"/>
+        </a:p>
+      </dgm:t>
+    </dgm:pt>
+    <dgm:pt modelId="{7A903BF5-9D16-4416-A416-A273CE238033}" type="sibTrans" cxnId="{7A90BC91-E4EF-4206-A98E-E677925637F3}">
+      <dgm:prSet/>
+      <dgm:spPr/>
+      <dgm:t>
+        <a:bodyPr/>
+        <a:lstStyle/>
+        <a:p>
+          <a:endParaRPr lang="en-US"/>
+        </a:p>
+      </dgm:t>
+    </dgm:pt>
+    <dgm:pt modelId="{9CCFE3DD-A799-4B3E-A0DB-1A7F5C2CD833}">
+      <dgm:prSet/>
+      <dgm:spPr/>
+      <dgm:t>
+        <a:bodyPr/>
+        <a:lstStyle/>
+        <a:p>
+          <a:pPr>
+            <a:lnSpc>
+              <a:spcPct val="100000"/>
+            </a:lnSpc>
+          </a:pPr>
+          <a:r>
+            <a:rPr lang="en-US" dirty="0"/>
+            <a:t>The Second most influential factor</a:t>
+          </a:r>
+        </a:p>
+      </dgm:t>
+    </dgm:pt>
+    <dgm:pt modelId="{08D5A6E3-98D9-4722-96FD-B28944AC3D11}" type="parTrans" cxnId="{F0577E22-5B85-48CE-BB94-69324D47E56F}">
+      <dgm:prSet/>
+      <dgm:spPr/>
+      <dgm:t>
+        <a:bodyPr/>
+        <a:lstStyle/>
+        <a:p>
+          <a:endParaRPr lang="en-US"/>
+        </a:p>
+      </dgm:t>
+    </dgm:pt>
+    <dgm:pt modelId="{D51757C9-AA43-43E9-BE7A-F2EEB127DA01}" type="sibTrans" cxnId="{F0577E22-5B85-48CE-BB94-69324D47E56F}">
+      <dgm:prSet/>
+      <dgm:spPr/>
+      <dgm:t>
+        <a:bodyPr/>
+        <a:lstStyle/>
+        <a:p>
+          <a:endParaRPr lang="en-US"/>
+        </a:p>
+      </dgm:t>
+    </dgm:pt>
+    <dgm:pt modelId="{C7AD6105-96E9-4783-9511-E7CB5A120EC9}">
+      <dgm:prSet/>
+      <dgm:spPr/>
+      <dgm:t>
+        <a:bodyPr/>
+        <a:lstStyle/>
+        <a:p>
+          <a:pPr>
+            <a:lnSpc>
+              <a:spcPct val="100000"/>
+            </a:lnSpc>
+          </a:pPr>
+          <a:r>
+            <a:rPr lang="en-US" dirty="0"/>
+            <a:t>Employees in higher job roles leave less</a:t>
+          </a:r>
+        </a:p>
+      </dgm:t>
+    </dgm:pt>
+    <dgm:pt modelId="{6844DAFA-6195-47C9-8E8B-7A746C449512}" type="parTrans" cxnId="{AA78E25B-B373-4AD0-9268-CE5859637DCE}">
+      <dgm:prSet/>
+      <dgm:spPr/>
+      <dgm:t>
+        <a:bodyPr/>
+        <a:lstStyle/>
+        <a:p>
+          <a:endParaRPr lang="en-US"/>
+        </a:p>
+      </dgm:t>
+    </dgm:pt>
+    <dgm:pt modelId="{B04D1C23-C248-4343-B515-5C7CF4372FDA}" type="sibTrans" cxnId="{AA78E25B-B373-4AD0-9268-CE5859637DCE}">
+      <dgm:prSet/>
+      <dgm:spPr/>
+      <dgm:t>
+        <a:bodyPr/>
+        <a:lstStyle/>
+        <a:p>
+          <a:endParaRPr lang="en-US"/>
+        </a:p>
+      </dgm:t>
+    </dgm:pt>
+    <dgm:pt modelId="{A6BB5065-CF61-4E59-B67F-934F5D2C1E5A}">
+      <dgm:prSet/>
+      <dgm:spPr/>
+      <dgm:t>
+        <a:bodyPr/>
+        <a:lstStyle/>
+        <a:p>
+          <a:pPr>
+            <a:lnSpc>
+              <a:spcPct val="100000"/>
+            </a:lnSpc>
+          </a:pPr>
+          <a:r>
+            <a:rPr lang="en-US" dirty="0"/>
+            <a:t>Total Working Years</a:t>
+          </a:r>
+        </a:p>
+      </dgm:t>
+    </dgm:pt>
+    <dgm:pt modelId="{3AE113E7-44DF-4360-863C-4262A0CB1B8B}" type="parTrans" cxnId="{75356BFA-41D7-4BAE-819F-3456D4AE40EB}">
+      <dgm:prSet/>
+      <dgm:spPr/>
+      <dgm:t>
+        <a:bodyPr/>
+        <a:lstStyle/>
+        <a:p>
+          <a:endParaRPr lang="en-US"/>
+        </a:p>
+      </dgm:t>
+    </dgm:pt>
+    <dgm:pt modelId="{A881A7BD-7C9E-4618-86FC-57856590B407}" type="sibTrans" cxnId="{75356BFA-41D7-4BAE-819F-3456D4AE40EB}">
+      <dgm:prSet/>
+      <dgm:spPr/>
+      <dgm:t>
+        <a:bodyPr/>
+        <a:lstStyle/>
+        <a:p>
+          <a:endParaRPr lang="en-US"/>
+        </a:p>
+      </dgm:t>
+    </dgm:pt>
+    <dgm:pt modelId="{05AC69E1-6C9D-4B46-B4F7-F6F2C4880FA6}">
+      <dgm:prSet/>
+      <dgm:spPr/>
+      <dgm:t>
+        <a:bodyPr/>
+        <a:lstStyle/>
+        <a:p>
+          <a:pPr>
+            <a:lnSpc>
+              <a:spcPct val="100000"/>
+            </a:lnSpc>
+          </a:pPr>
+          <a:r>
+            <a:rPr lang="en-US" dirty="0"/>
+            <a:t>The third most significant factor</a:t>
+          </a:r>
+        </a:p>
+        <a:p>
+          <a:pPr>
+            <a:lnSpc>
+              <a:spcPct val="100000"/>
+            </a:lnSpc>
+          </a:pPr>
+          <a:r>
+            <a:rPr lang="en-US" dirty="0"/>
+            <a:t>As employee working years increase, the rate of attrition decreases</a:t>
+          </a:r>
+        </a:p>
+      </dgm:t>
+    </dgm:pt>
+    <dgm:pt modelId="{88EACE2F-76D0-459F-B11A-10183279FCD0}" type="parTrans" cxnId="{56A0CE40-2BC2-443E-8F9A-C9D3ADE4AA4E}">
+      <dgm:prSet/>
+      <dgm:spPr/>
+      <dgm:t>
+        <a:bodyPr/>
+        <a:lstStyle/>
+        <a:p>
+          <a:endParaRPr lang="en-US"/>
+        </a:p>
+      </dgm:t>
+    </dgm:pt>
+    <dgm:pt modelId="{9B946805-D980-4426-9189-721CBFAF718A}" type="sibTrans" cxnId="{56A0CE40-2BC2-443E-8F9A-C9D3ADE4AA4E}">
+      <dgm:prSet/>
+      <dgm:spPr/>
+      <dgm:t>
+        <a:bodyPr/>
+        <a:lstStyle/>
+        <a:p>
+          <a:endParaRPr lang="en-US"/>
+        </a:p>
+      </dgm:t>
+    </dgm:pt>
+    <dgm:pt modelId="{908C92F1-1D48-4D6E-8711-E12913911186}" type="pres">
+      <dgm:prSet presAssocID="{FE674894-103A-4880-8EBF-BB226A32C0FC}" presName="root" presStyleCnt="0">
+        <dgm:presLayoutVars>
+          <dgm:dir/>
+          <dgm:resizeHandles val="exact"/>
+        </dgm:presLayoutVars>
+      </dgm:prSet>
+      <dgm:spPr/>
+    </dgm:pt>
+    <dgm:pt modelId="{F0C85402-1528-4ECC-A837-5A3ACCB3EA5E}" type="pres">
+      <dgm:prSet presAssocID="{B168B582-97F5-4612-B69A-ED01E3A03CD1}" presName="compNode" presStyleCnt="0"/>
+      <dgm:spPr/>
+    </dgm:pt>
+    <dgm:pt modelId="{3D414E96-929A-4052-851B-5E29E8787EE4}" type="pres">
+      <dgm:prSet presAssocID="{B168B582-97F5-4612-B69A-ED01E3A03CD1}" presName="bgRect" presStyleLbl="bgShp" presStyleIdx="0" presStyleCnt="3"/>
+      <dgm:spPr/>
+    </dgm:pt>
+    <dgm:pt modelId="{BE29F169-A4A0-450F-B4BC-C6B0DFDC2EB3}" type="pres">
+      <dgm:prSet presAssocID="{B168B582-97F5-4612-B69A-ED01E3A03CD1}" presName="iconRect" presStyleLbl="node1" presStyleIdx="0" presStyleCnt="3"/>
+      <dgm:spPr>
+        <a:blipFill>
+          <a:blip xmlns:r="http://schemas.openxmlformats.org/officeDocument/2006/relationships" r:embed="rId1">
+            <a:extLst>
+              <a:ext uri="{28A0092B-C50C-407E-A947-70E740481C1C}">
+                <a14:useLocalDpi xmlns:a14="http://schemas.microsoft.com/office/drawing/2010/main" val="0"/>
+              </a:ext>
+              <a:ext uri="{96DAC541-7B7A-43D3-8B79-37D633B846F1}">
+                <asvg:svgBlip xmlns:asvg="http://schemas.microsoft.com/office/drawing/2016/SVG/main" r:embed="rId2"/>
+              </a:ext>
+            </a:extLst>
+          </a:blip>
+          <a:srcRect/>
+          <a:stretch>
+            <a:fillRect/>
+          </a:stretch>
+        </a:blipFill>
+      </dgm:spPr>
+      <dgm:extLst>
+        <a:ext uri="{E40237B7-FDA0-4F09-8148-C483321AD2D9}">
+          <dgm14:cNvPr xmlns:dgm14="http://schemas.microsoft.com/office/drawing/2010/diagram" id="0" name="" descr="Alarm Ringing with solid fill"/>
+        </a:ext>
+      </dgm:extLst>
+    </dgm:pt>
+    <dgm:pt modelId="{BD1D6FF7-13A4-4715-B204-7EF4E38D6F34}" type="pres">
+      <dgm:prSet presAssocID="{B168B582-97F5-4612-B69A-ED01E3A03CD1}" presName="spaceRect" presStyleCnt="0"/>
+      <dgm:spPr/>
+    </dgm:pt>
+    <dgm:pt modelId="{24838F18-F944-4E58-A657-DEFD74C2A96C}" type="pres">
+      <dgm:prSet presAssocID="{B168B582-97F5-4612-B69A-ED01E3A03CD1}" presName="parTx" presStyleLbl="revTx" presStyleIdx="0" presStyleCnt="6">
+        <dgm:presLayoutVars>
+          <dgm:chMax val="0"/>
+          <dgm:chPref val="0"/>
+        </dgm:presLayoutVars>
+      </dgm:prSet>
+      <dgm:spPr/>
+    </dgm:pt>
+    <dgm:pt modelId="{199D7DE3-3D80-472A-8DB2-5ACF8A945D72}" type="pres">
+      <dgm:prSet presAssocID="{B168B582-97F5-4612-B69A-ED01E3A03CD1}" presName="desTx" presStyleLbl="revTx" presStyleIdx="1" presStyleCnt="6">
+        <dgm:presLayoutVars/>
+      </dgm:prSet>
+      <dgm:spPr/>
+    </dgm:pt>
+    <dgm:pt modelId="{85D75136-9D54-4168-9699-581B818E36B1}" type="pres">
+      <dgm:prSet presAssocID="{F2EC5DCC-292E-45BC-A0C5-1693CFBDE6C6}" presName="sibTrans" presStyleCnt="0"/>
+      <dgm:spPr/>
+    </dgm:pt>
+    <dgm:pt modelId="{F9C52AD8-1454-482A-A64D-93586AFAE4DD}" type="pres">
+      <dgm:prSet presAssocID="{E43405C8-6C4E-4790-9CE8-F4294D0915E3}" presName="compNode" presStyleCnt="0"/>
+      <dgm:spPr/>
+    </dgm:pt>
+    <dgm:pt modelId="{8B854982-D2A5-4387-9679-C994909BFE8D}" type="pres">
+      <dgm:prSet presAssocID="{E43405C8-6C4E-4790-9CE8-F4294D0915E3}" presName="bgRect" presStyleLbl="bgShp" presStyleIdx="1" presStyleCnt="3"/>
+      <dgm:spPr/>
+    </dgm:pt>
+    <dgm:pt modelId="{543C0BDD-77CA-4F8C-9B0A-E1103AFB4AA5}" type="pres">
+      <dgm:prSet presAssocID="{E43405C8-6C4E-4790-9CE8-F4294D0915E3}" presName="iconRect" presStyleLbl="node1" presStyleIdx="1" presStyleCnt="3"/>
+      <dgm:spPr>
+        <a:blipFill>
+          <a:blip xmlns:r="http://schemas.openxmlformats.org/officeDocument/2006/relationships" r:embed="rId3">
+            <a:extLst>
+              <a:ext uri="{28A0092B-C50C-407E-A947-70E740481C1C}">
+                <a14:useLocalDpi xmlns:a14="http://schemas.microsoft.com/office/drawing/2010/main" val="0"/>
+              </a:ext>
+              <a:ext uri="{96DAC541-7B7A-43D3-8B79-37D633B846F1}">
+                <asvg:svgBlip xmlns:asvg="http://schemas.microsoft.com/office/drawing/2016/SVG/main" r:embed="rId4"/>
+              </a:ext>
+            </a:extLst>
+          </a:blip>
+          <a:srcRect/>
+          <a:stretch>
+            <a:fillRect/>
+          </a:stretch>
+        </a:blipFill>
+      </dgm:spPr>
+      <dgm:extLst>
+        <a:ext uri="{E40237B7-FDA0-4F09-8148-C483321AD2D9}">
+          <dgm14:cNvPr xmlns:dgm14="http://schemas.microsoft.com/office/drawing/2010/diagram" id="0" name="" descr="Man and woman with solid fill"/>
+        </a:ext>
+      </dgm:extLst>
+    </dgm:pt>
+    <dgm:pt modelId="{3CB6797E-4164-4A32-8C95-0A8222F0FB8D}" type="pres">
+      <dgm:prSet presAssocID="{E43405C8-6C4E-4790-9CE8-F4294D0915E3}" presName="spaceRect" presStyleCnt="0"/>
+      <dgm:spPr/>
+    </dgm:pt>
+    <dgm:pt modelId="{D5D27C96-083D-431F-AB4A-94926C61E97E}" type="pres">
+      <dgm:prSet presAssocID="{E43405C8-6C4E-4790-9CE8-F4294D0915E3}" presName="parTx" presStyleLbl="revTx" presStyleIdx="2" presStyleCnt="6">
+        <dgm:presLayoutVars>
+          <dgm:chMax val="0"/>
+          <dgm:chPref val="0"/>
+        </dgm:presLayoutVars>
+      </dgm:prSet>
+      <dgm:spPr/>
+    </dgm:pt>
+    <dgm:pt modelId="{BDA1290B-E94F-4263-8157-9C1921DF5D06}" type="pres">
+      <dgm:prSet presAssocID="{E43405C8-6C4E-4790-9CE8-F4294D0915E3}" presName="desTx" presStyleLbl="revTx" presStyleIdx="3" presStyleCnt="6">
+        <dgm:presLayoutVars/>
+      </dgm:prSet>
+      <dgm:spPr/>
+    </dgm:pt>
+    <dgm:pt modelId="{406ADD9E-7C8D-4E39-B6A5-342419AF7464}" type="pres">
+      <dgm:prSet presAssocID="{7A903BF5-9D16-4416-A416-A273CE238033}" presName="sibTrans" presStyleCnt="0"/>
+      <dgm:spPr/>
+    </dgm:pt>
+    <dgm:pt modelId="{2AC5264E-193E-4BB9-8AA3-CB86A248D240}" type="pres">
+      <dgm:prSet presAssocID="{A6BB5065-CF61-4E59-B67F-934F5D2C1E5A}" presName="compNode" presStyleCnt="0"/>
+      <dgm:spPr/>
+    </dgm:pt>
+    <dgm:pt modelId="{B4D062DA-6D12-436A-80C0-87C426F64A5A}" type="pres">
+      <dgm:prSet presAssocID="{A6BB5065-CF61-4E59-B67F-934F5D2C1E5A}" presName="bgRect" presStyleLbl="bgShp" presStyleIdx="2" presStyleCnt="3"/>
+      <dgm:spPr/>
+    </dgm:pt>
+    <dgm:pt modelId="{BBDD782D-0FA2-4E02-B46E-A675EDCD654B}" type="pres">
+      <dgm:prSet presAssocID="{A6BB5065-CF61-4E59-B67F-934F5D2C1E5A}" presName="iconRect" presStyleLbl="node1" presStyleIdx="2" presStyleCnt="3"/>
+      <dgm:spPr>
+        <a:blipFill>
+          <a:blip xmlns:r="http://schemas.openxmlformats.org/officeDocument/2006/relationships" r:embed="rId5">
+            <a:extLst>
+              <a:ext uri="{28A0092B-C50C-407E-A947-70E740481C1C}">
+                <a14:useLocalDpi xmlns:a14="http://schemas.microsoft.com/office/drawing/2010/main" val="0"/>
+              </a:ext>
+              <a:ext uri="{96DAC541-7B7A-43D3-8B79-37D633B846F1}">
+                <asvg:svgBlip xmlns:asvg="http://schemas.microsoft.com/office/drawing/2016/SVG/main" r:embed="rId6"/>
+              </a:ext>
+            </a:extLst>
+          </a:blip>
+          <a:stretch>
+            <a:fillRect/>
+          </a:stretch>
+        </a:blipFill>
+      </dgm:spPr>
+      <dgm:extLst>
+        <a:ext uri="{E40237B7-FDA0-4F09-8148-C483321AD2D9}">
+          <dgm14:cNvPr xmlns:dgm14="http://schemas.microsoft.com/office/drawing/2010/diagram" id="0" name="" descr="Office Worker"/>
+        </a:ext>
+      </dgm:extLst>
+    </dgm:pt>
+    <dgm:pt modelId="{DEE4DDA3-DA35-4C8D-AFDD-398BD1D7F1CF}" type="pres">
+      <dgm:prSet presAssocID="{A6BB5065-CF61-4E59-B67F-934F5D2C1E5A}" presName="spaceRect" presStyleCnt="0"/>
+      <dgm:spPr/>
+    </dgm:pt>
+    <dgm:pt modelId="{6F3974EC-DE03-42DA-89E0-0FCB026C5DE3}" type="pres">
+      <dgm:prSet presAssocID="{A6BB5065-CF61-4E59-B67F-934F5D2C1E5A}" presName="parTx" presStyleLbl="revTx" presStyleIdx="4" presStyleCnt="6">
+        <dgm:presLayoutVars>
+          <dgm:chMax val="0"/>
+          <dgm:chPref val="0"/>
+        </dgm:presLayoutVars>
+      </dgm:prSet>
+      <dgm:spPr/>
+    </dgm:pt>
+    <dgm:pt modelId="{77AAE7EA-A8B9-4DEA-A3FD-EF5D65ADDF71}" type="pres">
+      <dgm:prSet presAssocID="{A6BB5065-CF61-4E59-B67F-934F5D2C1E5A}" presName="desTx" presStyleLbl="revTx" presStyleIdx="5" presStyleCnt="6">
+        <dgm:presLayoutVars/>
+      </dgm:prSet>
+      <dgm:spPr/>
+    </dgm:pt>
+  </dgm:ptLst>
+  <dgm:cxnLst>
+    <dgm:cxn modelId="{34E6DF0E-0113-4F34-AE2F-1DFEF514E2AC}" type="presOf" srcId="{B168B582-97F5-4612-B69A-ED01E3A03CD1}" destId="{24838F18-F944-4E58-A657-DEFD74C2A96C}" srcOrd="0" destOrd="0" presId="urn:microsoft.com/office/officeart/2018/2/layout/IconVerticalSolidList"/>
+    <dgm:cxn modelId="{F0577E22-5B85-48CE-BB94-69324D47E56F}" srcId="{E43405C8-6C4E-4790-9CE8-F4294D0915E3}" destId="{9CCFE3DD-A799-4B3E-A0DB-1A7F5C2CD833}" srcOrd="0" destOrd="0" parTransId="{08D5A6E3-98D9-4722-96FD-B28944AC3D11}" sibTransId="{D51757C9-AA43-43E9-BE7A-F2EEB127DA01}"/>
+    <dgm:cxn modelId="{EBDFF926-D89B-41BE-BD28-B8E81036C65A}" type="presOf" srcId="{9CCFE3DD-A799-4B3E-A0DB-1A7F5C2CD833}" destId="{BDA1290B-E94F-4263-8157-9C1921DF5D06}" srcOrd="0" destOrd="0" presId="urn:microsoft.com/office/officeart/2018/2/layout/IconVerticalSolidList"/>
+    <dgm:cxn modelId="{E517DB28-29B6-44CD-80CD-ED9E105370CA}" srcId="{B168B582-97F5-4612-B69A-ED01E3A03CD1}" destId="{63B3B4B9-B654-423D-A8DC-0581B89B001D}" srcOrd="0" destOrd="0" parTransId="{6C9A2D5E-521E-48F4-95DF-31463AD69159}" sibTransId="{0E8A0870-D176-4E7A-A101-9166B5C29F18}"/>
+    <dgm:cxn modelId="{4EEBAA2B-7E39-4AD0-AFB6-10ACD74840CB}" type="presOf" srcId="{8FE5C119-7930-4B01-A10F-E2F282C40AE4}" destId="{199D7DE3-3D80-472A-8DB2-5ACF8A945D72}" srcOrd="0" destOrd="1" presId="urn:microsoft.com/office/officeart/2018/2/layout/IconVerticalSolidList"/>
+    <dgm:cxn modelId="{56A0CE40-2BC2-443E-8F9A-C9D3ADE4AA4E}" srcId="{A6BB5065-CF61-4E59-B67F-934F5D2C1E5A}" destId="{05AC69E1-6C9D-4B46-B4F7-F6F2C4880FA6}" srcOrd="0" destOrd="0" parTransId="{88EACE2F-76D0-459F-B11A-10183279FCD0}" sibTransId="{9B946805-D980-4426-9189-721CBFAF718A}"/>
+    <dgm:cxn modelId="{AA78E25B-B373-4AD0-9268-CE5859637DCE}" srcId="{E43405C8-6C4E-4790-9CE8-F4294D0915E3}" destId="{C7AD6105-96E9-4783-9511-E7CB5A120EC9}" srcOrd="1" destOrd="0" parTransId="{6844DAFA-6195-47C9-8E8B-7A746C449512}" sibTransId="{B04D1C23-C248-4343-B515-5C7CF4372FDA}"/>
+    <dgm:cxn modelId="{7BAFFB63-265E-4688-ACC8-2E36CA034F03}" type="presOf" srcId="{A6BB5065-CF61-4E59-B67F-934F5D2C1E5A}" destId="{6F3974EC-DE03-42DA-89E0-0FCB026C5DE3}" srcOrd="0" destOrd="0" presId="urn:microsoft.com/office/officeart/2018/2/layout/IconVerticalSolidList"/>
+    <dgm:cxn modelId="{727BFD77-3492-45E6-84E6-A5073CA8A4C5}" type="presOf" srcId="{05AC69E1-6C9D-4B46-B4F7-F6F2C4880FA6}" destId="{77AAE7EA-A8B9-4DEA-A3FD-EF5D65ADDF71}" srcOrd="0" destOrd="0" presId="urn:microsoft.com/office/officeart/2018/2/layout/IconVerticalSolidList"/>
+    <dgm:cxn modelId="{F44A218D-B55E-401C-87E5-FB945DF78953}" type="presOf" srcId="{C7AD6105-96E9-4783-9511-E7CB5A120EC9}" destId="{BDA1290B-E94F-4263-8157-9C1921DF5D06}" srcOrd="0" destOrd="1" presId="urn:microsoft.com/office/officeart/2018/2/layout/IconVerticalSolidList"/>
+    <dgm:cxn modelId="{7A90BC91-E4EF-4206-A98E-E677925637F3}" srcId="{FE674894-103A-4880-8EBF-BB226A32C0FC}" destId="{E43405C8-6C4E-4790-9CE8-F4294D0915E3}" srcOrd="1" destOrd="0" parTransId="{CC5751AC-CC2A-4DD8-B103-0FEE69858899}" sibTransId="{7A903BF5-9D16-4416-A416-A273CE238033}"/>
+    <dgm:cxn modelId="{042A7CB0-2D62-4365-82E9-E049F312017F}" srcId="{FE674894-103A-4880-8EBF-BB226A32C0FC}" destId="{B168B582-97F5-4612-B69A-ED01E3A03CD1}" srcOrd="0" destOrd="0" parTransId="{368DE178-E228-426D-83EC-ED809E28179E}" sibTransId="{F2EC5DCC-292E-45BC-A0C5-1693CFBDE6C6}"/>
+    <dgm:cxn modelId="{A36DF8C1-E8AA-4214-8C97-7BC0CEA4CD66}" type="presOf" srcId="{E43405C8-6C4E-4790-9CE8-F4294D0915E3}" destId="{D5D27C96-083D-431F-AB4A-94926C61E97E}" srcOrd="0" destOrd="0" presId="urn:microsoft.com/office/officeart/2018/2/layout/IconVerticalSolidList"/>
+    <dgm:cxn modelId="{EDBBECCA-42AE-439C-BAD4-1E8E53E7CB45}" type="presOf" srcId="{FE674894-103A-4880-8EBF-BB226A32C0FC}" destId="{908C92F1-1D48-4D6E-8711-E12913911186}" srcOrd="0" destOrd="0" presId="urn:microsoft.com/office/officeart/2018/2/layout/IconVerticalSolidList"/>
+    <dgm:cxn modelId="{08E0E7EB-A641-497F-936F-DACC09B5B0F2}" type="presOf" srcId="{63B3B4B9-B654-423D-A8DC-0581B89B001D}" destId="{199D7DE3-3D80-472A-8DB2-5ACF8A945D72}" srcOrd="0" destOrd="0" presId="urn:microsoft.com/office/officeart/2018/2/layout/IconVerticalSolidList"/>
+    <dgm:cxn modelId="{E5D6C5F5-F275-427F-B44E-9C74DA91E9C6}" srcId="{B168B582-97F5-4612-B69A-ED01E3A03CD1}" destId="{8FE5C119-7930-4B01-A10F-E2F282C40AE4}" srcOrd="1" destOrd="0" parTransId="{FCD5E9DF-7373-4FE0-A70E-33D09EA540A9}" sibTransId="{FDA4922A-3F51-4A5B-8330-EB8933C973B2}"/>
+    <dgm:cxn modelId="{75356BFA-41D7-4BAE-819F-3456D4AE40EB}" srcId="{FE674894-103A-4880-8EBF-BB226A32C0FC}" destId="{A6BB5065-CF61-4E59-B67F-934F5D2C1E5A}" srcOrd="2" destOrd="0" parTransId="{3AE113E7-44DF-4360-863C-4262A0CB1B8B}" sibTransId="{A881A7BD-7C9E-4618-86FC-57856590B407}"/>
+    <dgm:cxn modelId="{E4DFD797-36CD-4755-8289-B608A076151C}" type="presParOf" srcId="{908C92F1-1D48-4D6E-8711-E12913911186}" destId="{F0C85402-1528-4ECC-A837-5A3ACCB3EA5E}" srcOrd="0" destOrd="0" presId="urn:microsoft.com/office/officeart/2018/2/layout/IconVerticalSolidList"/>
+    <dgm:cxn modelId="{A0C979B3-486E-4DF7-8A17-A5C2D38D0A69}" type="presParOf" srcId="{F0C85402-1528-4ECC-A837-5A3ACCB3EA5E}" destId="{3D414E96-929A-4052-851B-5E29E8787EE4}" srcOrd="0" destOrd="0" presId="urn:microsoft.com/office/officeart/2018/2/layout/IconVerticalSolidList"/>
+    <dgm:cxn modelId="{A719F5C3-CB63-4D2D-837E-0634A15BDE2E}" type="presParOf" srcId="{F0C85402-1528-4ECC-A837-5A3ACCB3EA5E}" destId="{BE29F169-A4A0-450F-B4BC-C6B0DFDC2EB3}" srcOrd="1" destOrd="0" presId="urn:microsoft.com/office/officeart/2018/2/layout/IconVerticalSolidList"/>
+    <dgm:cxn modelId="{21092BEB-028D-4B7D-AD7A-E01B50D8E54A}" type="presParOf" srcId="{F0C85402-1528-4ECC-A837-5A3ACCB3EA5E}" destId="{BD1D6FF7-13A4-4715-B204-7EF4E38D6F34}" srcOrd="2" destOrd="0" presId="urn:microsoft.com/office/officeart/2018/2/layout/IconVerticalSolidList"/>
+    <dgm:cxn modelId="{F887042E-ECC0-4B4A-8291-5BD781737837}" type="presParOf" srcId="{F0C85402-1528-4ECC-A837-5A3ACCB3EA5E}" destId="{24838F18-F944-4E58-A657-DEFD74C2A96C}" srcOrd="3" destOrd="0" presId="urn:microsoft.com/office/officeart/2018/2/layout/IconVerticalSolidList"/>
+    <dgm:cxn modelId="{82290352-0C95-4467-9549-8E59A408A41E}" type="presParOf" srcId="{F0C85402-1528-4ECC-A837-5A3ACCB3EA5E}" destId="{199D7DE3-3D80-472A-8DB2-5ACF8A945D72}" srcOrd="4" destOrd="0" presId="urn:microsoft.com/office/officeart/2018/2/layout/IconVerticalSolidList"/>
+    <dgm:cxn modelId="{381C0B6E-6734-4B31-849E-98C66EEB5271}" type="presParOf" srcId="{908C92F1-1D48-4D6E-8711-E12913911186}" destId="{85D75136-9D54-4168-9699-581B818E36B1}" srcOrd="1" destOrd="0" presId="urn:microsoft.com/office/officeart/2018/2/layout/IconVerticalSolidList"/>
+    <dgm:cxn modelId="{C9B04264-1B9C-400C-8A41-8977C760F51D}" type="presParOf" srcId="{908C92F1-1D48-4D6E-8711-E12913911186}" destId="{F9C52AD8-1454-482A-A64D-93586AFAE4DD}" srcOrd="2" destOrd="0" presId="urn:microsoft.com/office/officeart/2018/2/layout/IconVerticalSolidList"/>
+    <dgm:cxn modelId="{490C35E2-F8E9-409B-878D-936572EB8483}" type="presParOf" srcId="{F9C52AD8-1454-482A-A64D-93586AFAE4DD}" destId="{8B854982-D2A5-4387-9679-C994909BFE8D}" srcOrd="0" destOrd="0" presId="urn:microsoft.com/office/officeart/2018/2/layout/IconVerticalSolidList"/>
+    <dgm:cxn modelId="{D408A9D1-ADD3-4AE4-B1A9-A38EFCD37756}" type="presParOf" srcId="{F9C52AD8-1454-482A-A64D-93586AFAE4DD}" destId="{543C0BDD-77CA-4F8C-9B0A-E1103AFB4AA5}" srcOrd="1" destOrd="0" presId="urn:microsoft.com/office/officeart/2018/2/layout/IconVerticalSolidList"/>
+    <dgm:cxn modelId="{FE392903-4326-4774-BDC9-E0BA0ED7F659}" type="presParOf" srcId="{F9C52AD8-1454-482A-A64D-93586AFAE4DD}" destId="{3CB6797E-4164-4A32-8C95-0A8222F0FB8D}" srcOrd="2" destOrd="0" presId="urn:microsoft.com/office/officeart/2018/2/layout/IconVerticalSolidList"/>
+    <dgm:cxn modelId="{0AECF722-7066-4E7E-9602-EB055A4C0B4E}" type="presParOf" srcId="{F9C52AD8-1454-482A-A64D-93586AFAE4DD}" destId="{D5D27C96-083D-431F-AB4A-94926C61E97E}" srcOrd="3" destOrd="0" presId="urn:microsoft.com/office/officeart/2018/2/layout/IconVerticalSolidList"/>
+    <dgm:cxn modelId="{29F67C9B-AA5F-4743-8707-2EBB6E93A37C}" type="presParOf" srcId="{F9C52AD8-1454-482A-A64D-93586AFAE4DD}" destId="{BDA1290B-E94F-4263-8157-9C1921DF5D06}" srcOrd="4" destOrd="0" presId="urn:microsoft.com/office/officeart/2018/2/layout/IconVerticalSolidList"/>
+    <dgm:cxn modelId="{98CDF1C2-A04D-43F6-8766-CD7A8F43F3EF}" type="presParOf" srcId="{908C92F1-1D48-4D6E-8711-E12913911186}" destId="{406ADD9E-7C8D-4E39-B6A5-342419AF7464}" srcOrd="3" destOrd="0" presId="urn:microsoft.com/office/officeart/2018/2/layout/IconVerticalSolidList"/>
+    <dgm:cxn modelId="{65181790-29CF-45C0-8E54-545AB0FD5186}" type="presParOf" srcId="{908C92F1-1D48-4D6E-8711-E12913911186}" destId="{2AC5264E-193E-4BB9-8AA3-CB86A248D240}" srcOrd="4" destOrd="0" presId="urn:microsoft.com/office/officeart/2018/2/layout/IconVerticalSolidList"/>
+    <dgm:cxn modelId="{AA828C00-3259-4539-989B-C0FD8CEE9A90}" type="presParOf" srcId="{2AC5264E-193E-4BB9-8AA3-CB86A248D240}" destId="{B4D062DA-6D12-436A-80C0-87C426F64A5A}" srcOrd="0" destOrd="0" presId="urn:microsoft.com/office/officeart/2018/2/layout/IconVerticalSolidList"/>
+    <dgm:cxn modelId="{591A3221-E6BA-41BE-B50C-6F69C29CED6C}" type="presParOf" srcId="{2AC5264E-193E-4BB9-8AA3-CB86A248D240}" destId="{BBDD782D-0FA2-4E02-B46E-A675EDCD654B}" srcOrd="1" destOrd="0" presId="urn:microsoft.com/office/officeart/2018/2/layout/IconVerticalSolidList"/>
+    <dgm:cxn modelId="{A8A8DB6F-D231-480F-8124-D5E37858259E}" type="presParOf" srcId="{2AC5264E-193E-4BB9-8AA3-CB86A248D240}" destId="{DEE4DDA3-DA35-4C8D-AFDD-398BD1D7F1CF}" srcOrd="2" destOrd="0" presId="urn:microsoft.com/office/officeart/2018/2/layout/IconVerticalSolidList"/>
+    <dgm:cxn modelId="{392360F4-9356-4B8A-82A6-D9531021DA47}" type="presParOf" srcId="{2AC5264E-193E-4BB9-8AA3-CB86A248D240}" destId="{6F3974EC-DE03-42DA-89E0-0FCB026C5DE3}" srcOrd="3" destOrd="0" presId="urn:microsoft.com/office/officeart/2018/2/layout/IconVerticalSolidList"/>
+    <dgm:cxn modelId="{A5FC1108-BF53-48E8-AA47-96BCDF4C39B7}" type="presParOf" srcId="{2AC5264E-193E-4BB9-8AA3-CB86A248D240}" destId="{77AAE7EA-A8B9-4DEA-A3FD-EF5D65ADDF71}" srcOrd="4" destOrd="0" presId="urn:microsoft.com/office/officeart/2018/2/layout/IconVerticalSolidList"/>
+  </dgm:cxnLst>
+  <dgm:bg/>
+  <dgm:whole/>
+  <dgm:extLst>
+    <a:ext uri="http://schemas.microsoft.com/office/drawing/2008/diagram">
+      <dsp:dataModelExt xmlns:dsp="http://schemas.microsoft.com/office/drawing/2008/diagram" relId="rId6" minVer="http://schemas.openxmlformats.org/drawingml/2006/diagram"/>
+    </a:ext>
+  </dgm:extLst>
+</dgm:dataModel>
+</file>
+
 <file path=ppt/diagrams/drawing1.xml><?xml version="1.0" encoding="utf-8"?>
 <dsp:drawing xmlns:dgm="http://schemas.openxmlformats.org/drawingml/2006/diagram" xmlns:dsp="http://schemas.microsoft.com/office/drawing/2008/diagram" xmlns:a="http://schemas.openxmlformats.org/drawingml/2006/main">
   <dsp:spTree>
@@ -2166,7 +3500,1026 @@
 </dsp:drawing>
 </file>
 
+<file path=ppt/diagrams/drawing2.xml><?xml version="1.0" encoding="utf-8"?>
+<dsp:drawing xmlns:dgm="http://schemas.openxmlformats.org/drawingml/2006/diagram" xmlns:dsp="http://schemas.microsoft.com/office/drawing/2008/diagram" xmlns:a="http://schemas.openxmlformats.org/drawingml/2006/main">
+  <dsp:spTree>
+    <dsp:nvGrpSpPr>
+      <dsp:cNvPr id="0" name=""/>
+      <dsp:cNvGrpSpPr/>
+    </dsp:nvGrpSpPr>
+    <dsp:grpSpPr/>
+    <dsp:sp modelId="{3D414E96-929A-4052-851B-5E29E8787EE4}">
+      <dsp:nvSpPr>
+        <dsp:cNvPr id="0" name=""/>
+        <dsp:cNvSpPr/>
+      </dsp:nvSpPr>
+      <dsp:spPr>
+        <a:xfrm>
+          <a:off x="0" y="450"/>
+          <a:ext cx="10168127" cy="1055221"/>
+        </a:xfrm>
+        <a:prstGeom prst="roundRect">
+          <a:avLst>
+            <a:gd name="adj" fmla="val 10000"/>
+          </a:avLst>
+        </a:prstGeom>
+        <a:solidFill>
+          <a:schemeClr val="accent1">
+            <a:tint val="40000"/>
+            <a:hueOff val="0"/>
+            <a:satOff val="0"/>
+            <a:lumOff val="0"/>
+            <a:alphaOff val="0"/>
+          </a:schemeClr>
+        </a:solidFill>
+        <a:ln>
+          <a:noFill/>
+        </a:ln>
+        <a:effectLst/>
+      </dsp:spPr>
+      <dsp:style>
+        <a:lnRef idx="0">
+          <a:scrgbClr r="0" g="0" b="0"/>
+        </a:lnRef>
+        <a:fillRef idx="1">
+          <a:scrgbClr r="0" g="0" b="0"/>
+        </a:fillRef>
+        <a:effectRef idx="0">
+          <a:scrgbClr r="0" g="0" b="0"/>
+        </a:effectRef>
+        <a:fontRef idx="minor"/>
+      </dsp:style>
+    </dsp:sp>
+    <dsp:sp modelId="{BE29F169-A4A0-450F-B4BC-C6B0DFDC2EB3}">
+      <dsp:nvSpPr>
+        <dsp:cNvPr id="0" name=""/>
+        <dsp:cNvSpPr/>
+      </dsp:nvSpPr>
+      <dsp:spPr>
+        <a:xfrm>
+          <a:off x="319204" y="237875"/>
+          <a:ext cx="580371" cy="580371"/>
+        </a:xfrm>
+        <a:prstGeom prst="rect">
+          <a:avLst/>
+        </a:prstGeom>
+        <a:blipFill>
+          <a:blip xmlns:r="http://schemas.openxmlformats.org/officeDocument/2006/relationships" r:embed="rId1">
+            <a:extLst>
+              <a:ext uri="{28A0092B-C50C-407E-A947-70E740481C1C}">
+                <a14:useLocalDpi xmlns:a14="http://schemas.microsoft.com/office/drawing/2010/main" val="0"/>
+              </a:ext>
+              <a:ext uri="{96DAC541-7B7A-43D3-8B79-37D633B846F1}">
+                <asvg:svgBlip xmlns:asvg="http://schemas.microsoft.com/office/drawing/2016/SVG/main" r:embed="rId2"/>
+              </a:ext>
+            </a:extLst>
+          </a:blip>
+          <a:srcRect/>
+          <a:stretch>
+            <a:fillRect/>
+          </a:stretch>
+        </a:blipFill>
+        <a:ln w="12700" cap="flat" cmpd="sng" algn="ctr">
+          <a:solidFill>
+            <a:schemeClr val="lt1">
+              <a:hueOff val="0"/>
+              <a:satOff val="0"/>
+              <a:lumOff val="0"/>
+              <a:alphaOff val="0"/>
+            </a:schemeClr>
+          </a:solidFill>
+          <a:prstDash val="solid"/>
+          <a:miter lim="800000"/>
+        </a:ln>
+        <a:effectLst/>
+      </dsp:spPr>
+      <dsp:style>
+        <a:lnRef idx="2">
+          <a:scrgbClr r="0" g="0" b="0"/>
+        </a:lnRef>
+        <a:fillRef idx="1">
+          <a:scrgbClr r="0" g="0" b="0"/>
+        </a:fillRef>
+        <a:effectRef idx="0">
+          <a:scrgbClr r="0" g="0" b="0"/>
+        </a:effectRef>
+        <a:fontRef idx="minor">
+          <a:schemeClr val="lt1"/>
+        </a:fontRef>
+      </dsp:style>
+    </dsp:sp>
+    <dsp:sp modelId="{24838F18-F944-4E58-A657-DEFD74C2A96C}">
+      <dsp:nvSpPr>
+        <dsp:cNvPr id="0" name=""/>
+        <dsp:cNvSpPr/>
+      </dsp:nvSpPr>
+      <dsp:spPr>
+        <a:xfrm>
+          <a:off x="1218780" y="450"/>
+          <a:ext cx="4575657" cy="1055221"/>
+        </a:xfrm>
+        <a:prstGeom prst="rect">
+          <a:avLst/>
+        </a:prstGeom>
+        <a:noFill/>
+        <a:ln>
+          <a:noFill/>
+        </a:ln>
+        <a:effectLst/>
+      </dsp:spPr>
+      <dsp:style>
+        <a:lnRef idx="0">
+          <a:scrgbClr r="0" g="0" b="0"/>
+        </a:lnRef>
+        <a:fillRef idx="0">
+          <a:scrgbClr r="0" g="0" b="0"/>
+        </a:fillRef>
+        <a:effectRef idx="0">
+          <a:scrgbClr r="0" g="0" b="0"/>
+        </a:effectRef>
+        <a:fontRef idx="minor"/>
+      </dsp:style>
+      <dsp:txBody>
+        <a:bodyPr spcFirstLastPara="0" vert="horz" wrap="square" lIns="111678" tIns="111678" rIns="111678" bIns="111678" numCol="1" spcCol="1270" anchor="ctr" anchorCtr="0">
+          <a:noAutofit/>
+        </a:bodyPr>
+        <a:lstStyle/>
+        <a:p>
+          <a:pPr marL="0" lvl="0" indent="0" algn="l" defTabSz="1111250">
+            <a:lnSpc>
+              <a:spcPct val="100000"/>
+            </a:lnSpc>
+            <a:spcBef>
+              <a:spcPct val="0"/>
+            </a:spcBef>
+            <a:spcAft>
+              <a:spcPct val="35000"/>
+            </a:spcAft>
+            <a:buNone/>
+          </a:pPr>
+          <a:r>
+            <a:rPr lang="en-US" sz="2500" kern="1200" dirty="0"/>
+            <a:t>Monthly Income</a:t>
+          </a:r>
+        </a:p>
+      </dsp:txBody>
+      <dsp:txXfrm>
+        <a:off x="1218780" y="450"/>
+        <a:ext cx="4575657" cy="1055221"/>
+      </dsp:txXfrm>
+    </dsp:sp>
+    <dsp:sp modelId="{199D7DE3-3D80-472A-8DB2-5ACF8A945D72}">
+      <dsp:nvSpPr>
+        <dsp:cNvPr id="0" name=""/>
+        <dsp:cNvSpPr/>
+      </dsp:nvSpPr>
+      <dsp:spPr>
+        <a:xfrm>
+          <a:off x="5794438" y="450"/>
+          <a:ext cx="4373689" cy="1055221"/>
+        </a:xfrm>
+        <a:prstGeom prst="rect">
+          <a:avLst/>
+        </a:prstGeom>
+        <a:noFill/>
+        <a:ln>
+          <a:noFill/>
+        </a:ln>
+        <a:effectLst/>
+      </dsp:spPr>
+      <dsp:style>
+        <a:lnRef idx="0">
+          <a:scrgbClr r="0" g="0" b="0"/>
+        </a:lnRef>
+        <a:fillRef idx="0">
+          <a:scrgbClr r="0" g="0" b="0"/>
+        </a:fillRef>
+        <a:effectRef idx="0">
+          <a:scrgbClr r="0" g="0" b="0"/>
+        </a:effectRef>
+        <a:fontRef idx="minor"/>
+      </dsp:style>
+      <dsp:txBody>
+        <a:bodyPr spcFirstLastPara="0" vert="horz" wrap="square" lIns="111678" tIns="111678" rIns="111678" bIns="111678" numCol="1" spcCol="1270" anchor="ctr" anchorCtr="0">
+          <a:noAutofit/>
+        </a:bodyPr>
+        <a:lstStyle/>
+        <a:p>
+          <a:pPr marL="0" lvl="0" indent="0" algn="l" defTabSz="666750">
+            <a:lnSpc>
+              <a:spcPct val="100000"/>
+            </a:lnSpc>
+            <a:spcBef>
+              <a:spcPct val="0"/>
+            </a:spcBef>
+            <a:spcAft>
+              <a:spcPct val="35000"/>
+            </a:spcAft>
+            <a:buNone/>
+          </a:pPr>
+          <a:r>
+            <a:rPr lang="en-US" sz="1500" kern="1200" dirty="0"/>
+            <a:t>The most significant factor</a:t>
+          </a:r>
+        </a:p>
+        <a:p>
+          <a:pPr marL="0" lvl="0" indent="0" algn="l" defTabSz="666750">
+            <a:lnSpc>
+              <a:spcPct val="100000"/>
+            </a:lnSpc>
+            <a:spcBef>
+              <a:spcPct val="0"/>
+            </a:spcBef>
+            <a:spcAft>
+              <a:spcPct val="35000"/>
+            </a:spcAft>
+            <a:buNone/>
+          </a:pPr>
+          <a:r>
+            <a:rPr lang="en-US" sz="1500" kern="1200" dirty="0"/>
+            <a:t>Employees earning more are less likely to leave</a:t>
+          </a:r>
+        </a:p>
+      </dsp:txBody>
+      <dsp:txXfrm>
+        <a:off x="5794438" y="450"/>
+        <a:ext cx="4373689" cy="1055221"/>
+      </dsp:txXfrm>
+    </dsp:sp>
+    <dsp:sp modelId="{8B854982-D2A5-4387-9679-C994909BFE8D}">
+      <dsp:nvSpPr>
+        <dsp:cNvPr id="0" name=""/>
+        <dsp:cNvSpPr/>
+      </dsp:nvSpPr>
+      <dsp:spPr>
+        <a:xfrm>
+          <a:off x="0" y="1319477"/>
+          <a:ext cx="10168127" cy="1055221"/>
+        </a:xfrm>
+        <a:prstGeom prst="roundRect">
+          <a:avLst>
+            <a:gd name="adj" fmla="val 10000"/>
+          </a:avLst>
+        </a:prstGeom>
+        <a:solidFill>
+          <a:schemeClr val="accent1">
+            <a:tint val="40000"/>
+            <a:hueOff val="0"/>
+            <a:satOff val="0"/>
+            <a:lumOff val="0"/>
+            <a:alphaOff val="0"/>
+          </a:schemeClr>
+        </a:solidFill>
+        <a:ln>
+          <a:noFill/>
+        </a:ln>
+        <a:effectLst/>
+      </dsp:spPr>
+      <dsp:style>
+        <a:lnRef idx="0">
+          <a:scrgbClr r="0" g="0" b="0"/>
+        </a:lnRef>
+        <a:fillRef idx="1">
+          <a:scrgbClr r="0" g="0" b="0"/>
+        </a:fillRef>
+        <a:effectRef idx="0">
+          <a:scrgbClr r="0" g="0" b="0"/>
+        </a:effectRef>
+        <a:fontRef idx="minor"/>
+      </dsp:style>
+    </dsp:sp>
+    <dsp:sp modelId="{543C0BDD-77CA-4F8C-9B0A-E1103AFB4AA5}">
+      <dsp:nvSpPr>
+        <dsp:cNvPr id="0" name=""/>
+        <dsp:cNvSpPr/>
+      </dsp:nvSpPr>
+      <dsp:spPr>
+        <a:xfrm>
+          <a:off x="319204" y="1556902"/>
+          <a:ext cx="580371" cy="580371"/>
+        </a:xfrm>
+        <a:prstGeom prst="rect">
+          <a:avLst/>
+        </a:prstGeom>
+        <a:blipFill>
+          <a:blip xmlns:r="http://schemas.openxmlformats.org/officeDocument/2006/relationships" r:embed="rId3">
+            <a:extLst>
+              <a:ext uri="{28A0092B-C50C-407E-A947-70E740481C1C}">
+                <a14:useLocalDpi xmlns:a14="http://schemas.microsoft.com/office/drawing/2010/main" val="0"/>
+              </a:ext>
+              <a:ext uri="{96DAC541-7B7A-43D3-8B79-37D633B846F1}">
+                <asvg:svgBlip xmlns:asvg="http://schemas.microsoft.com/office/drawing/2016/SVG/main" r:embed="rId4"/>
+              </a:ext>
+            </a:extLst>
+          </a:blip>
+          <a:srcRect/>
+          <a:stretch>
+            <a:fillRect/>
+          </a:stretch>
+        </a:blipFill>
+        <a:ln w="12700" cap="flat" cmpd="sng" algn="ctr">
+          <a:solidFill>
+            <a:schemeClr val="lt1">
+              <a:hueOff val="0"/>
+              <a:satOff val="0"/>
+              <a:lumOff val="0"/>
+              <a:alphaOff val="0"/>
+            </a:schemeClr>
+          </a:solidFill>
+          <a:prstDash val="solid"/>
+          <a:miter lim="800000"/>
+        </a:ln>
+        <a:effectLst/>
+      </dsp:spPr>
+      <dsp:style>
+        <a:lnRef idx="2">
+          <a:scrgbClr r="0" g="0" b="0"/>
+        </a:lnRef>
+        <a:fillRef idx="1">
+          <a:scrgbClr r="0" g="0" b="0"/>
+        </a:fillRef>
+        <a:effectRef idx="0">
+          <a:scrgbClr r="0" g="0" b="0"/>
+        </a:effectRef>
+        <a:fontRef idx="minor">
+          <a:schemeClr val="lt1"/>
+        </a:fontRef>
+      </dsp:style>
+    </dsp:sp>
+    <dsp:sp modelId="{D5D27C96-083D-431F-AB4A-94926C61E97E}">
+      <dsp:nvSpPr>
+        <dsp:cNvPr id="0" name=""/>
+        <dsp:cNvSpPr/>
+      </dsp:nvSpPr>
+      <dsp:spPr>
+        <a:xfrm>
+          <a:off x="1218780" y="1319477"/>
+          <a:ext cx="4575657" cy="1055221"/>
+        </a:xfrm>
+        <a:prstGeom prst="rect">
+          <a:avLst/>
+        </a:prstGeom>
+        <a:noFill/>
+        <a:ln>
+          <a:noFill/>
+        </a:ln>
+        <a:effectLst/>
+      </dsp:spPr>
+      <dsp:style>
+        <a:lnRef idx="0">
+          <a:scrgbClr r="0" g="0" b="0"/>
+        </a:lnRef>
+        <a:fillRef idx="0">
+          <a:scrgbClr r="0" g="0" b="0"/>
+        </a:fillRef>
+        <a:effectRef idx="0">
+          <a:scrgbClr r="0" g="0" b="0"/>
+        </a:effectRef>
+        <a:fontRef idx="minor"/>
+      </dsp:style>
+      <dsp:txBody>
+        <a:bodyPr spcFirstLastPara="0" vert="horz" wrap="square" lIns="111678" tIns="111678" rIns="111678" bIns="111678" numCol="1" spcCol="1270" anchor="ctr" anchorCtr="0">
+          <a:noAutofit/>
+        </a:bodyPr>
+        <a:lstStyle/>
+        <a:p>
+          <a:pPr marL="0" lvl="0" indent="0" algn="l" defTabSz="1111250">
+            <a:lnSpc>
+              <a:spcPct val="100000"/>
+            </a:lnSpc>
+            <a:spcBef>
+              <a:spcPct val="0"/>
+            </a:spcBef>
+            <a:spcAft>
+              <a:spcPct val="35000"/>
+            </a:spcAft>
+            <a:buNone/>
+          </a:pPr>
+          <a:r>
+            <a:rPr lang="en-US" sz="2500" kern="1200" dirty="0"/>
+            <a:t>Job Level</a:t>
+          </a:r>
+        </a:p>
+      </dsp:txBody>
+      <dsp:txXfrm>
+        <a:off x="1218780" y="1319477"/>
+        <a:ext cx="4575657" cy="1055221"/>
+      </dsp:txXfrm>
+    </dsp:sp>
+    <dsp:sp modelId="{BDA1290B-E94F-4263-8157-9C1921DF5D06}">
+      <dsp:nvSpPr>
+        <dsp:cNvPr id="0" name=""/>
+        <dsp:cNvSpPr/>
+      </dsp:nvSpPr>
+      <dsp:spPr>
+        <a:xfrm>
+          <a:off x="5794438" y="1319477"/>
+          <a:ext cx="4373689" cy="1055221"/>
+        </a:xfrm>
+        <a:prstGeom prst="rect">
+          <a:avLst/>
+        </a:prstGeom>
+        <a:noFill/>
+        <a:ln>
+          <a:noFill/>
+        </a:ln>
+        <a:effectLst/>
+      </dsp:spPr>
+      <dsp:style>
+        <a:lnRef idx="0">
+          <a:scrgbClr r="0" g="0" b="0"/>
+        </a:lnRef>
+        <a:fillRef idx="0">
+          <a:scrgbClr r="0" g="0" b="0"/>
+        </a:fillRef>
+        <a:effectRef idx="0">
+          <a:scrgbClr r="0" g="0" b="0"/>
+        </a:effectRef>
+        <a:fontRef idx="minor"/>
+      </dsp:style>
+      <dsp:txBody>
+        <a:bodyPr spcFirstLastPara="0" vert="horz" wrap="square" lIns="111678" tIns="111678" rIns="111678" bIns="111678" numCol="1" spcCol="1270" anchor="ctr" anchorCtr="0">
+          <a:noAutofit/>
+        </a:bodyPr>
+        <a:lstStyle/>
+        <a:p>
+          <a:pPr marL="0" lvl="0" indent="0" algn="l" defTabSz="666750">
+            <a:lnSpc>
+              <a:spcPct val="100000"/>
+            </a:lnSpc>
+            <a:spcBef>
+              <a:spcPct val="0"/>
+            </a:spcBef>
+            <a:spcAft>
+              <a:spcPct val="35000"/>
+            </a:spcAft>
+            <a:buNone/>
+          </a:pPr>
+          <a:r>
+            <a:rPr lang="en-US" sz="1500" kern="1200" dirty="0"/>
+            <a:t>The Second most influential factor</a:t>
+          </a:r>
+        </a:p>
+        <a:p>
+          <a:pPr marL="0" lvl="0" indent="0" algn="l" defTabSz="666750">
+            <a:lnSpc>
+              <a:spcPct val="100000"/>
+            </a:lnSpc>
+            <a:spcBef>
+              <a:spcPct val="0"/>
+            </a:spcBef>
+            <a:spcAft>
+              <a:spcPct val="35000"/>
+            </a:spcAft>
+            <a:buNone/>
+          </a:pPr>
+          <a:r>
+            <a:rPr lang="en-US" sz="1500" kern="1200" dirty="0"/>
+            <a:t>Employees in higher job roles leave less</a:t>
+          </a:r>
+        </a:p>
+      </dsp:txBody>
+      <dsp:txXfrm>
+        <a:off x="5794438" y="1319477"/>
+        <a:ext cx="4373689" cy="1055221"/>
+      </dsp:txXfrm>
+    </dsp:sp>
+    <dsp:sp modelId="{B4D062DA-6D12-436A-80C0-87C426F64A5A}">
+      <dsp:nvSpPr>
+        <dsp:cNvPr id="0" name=""/>
+        <dsp:cNvSpPr/>
+      </dsp:nvSpPr>
+      <dsp:spPr>
+        <a:xfrm>
+          <a:off x="0" y="2638503"/>
+          <a:ext cx="10168127" cy="1055221"/>
+        </a:xfrm>
+        <a:prstGeom prst="roundRect">
+          <a:avLst>
+            <a:gd name="adj" fmla="val 10000"/>
+          </a:avLst>
+        </a:prstGeom>
+        <a:solidFill>
+          <a:schemeClr val="accent1">
+            <a:tint val="40000"/>
+            <a:hueOff val="0"/>
+            <a:satOff val="0"/>
+            <a:lumOff val="0"/>
+            <a:alphaOff val="0"/>
+          </a:schemeClr>
+        </a:solidFill>
+        <a:ln>
+          <a:noFill/>
+        </a:ln>
+        <a:effectLst/>
+      </dsp:spPr>
+      <dsp:style>
+        <a:lnRef idx="0">
+          <a:scrgbClr r="0" g="0" b="0"/>
+        </a:lnRef>
+        <a:fillRef idx="1">
+          <a:scrgbClr r="0" g="0" b="0"/>
+        </a:fillRef>
+        <a:effectRef idx="0">
+          <a:scrgbClr r="0" g="0" b="0"/>
+        </a:effectRef>
+        <a:fontRef idx="minor"/>
+      </dsp:style>
+    </dsp:sp>
+    <dsp:sp modelId="{BBDD782D-0FA2-4E02-B46E-A675EDCD654B}">
+      <dsp:nvSpPr>
+        <dsp:cNvPr id="0" name=""/>
+        <dsp:cNvSpPr/>
+      </dsp:nvSpPr>
+      <dsp:spPr>
+        <a:xfrm>
+          <a:off x="319204" y="2875928"/>
+          <a:ext cx="580371" cy="580371"/>
+        </a:xfrm>
+        <a:prstGeom prst="rect">
+          <a:avLst/>
+        </a:prstGeom>
+        <a:blipFill>
+          <a:blip xmlns:r="http://schemas.openxmlformats.org/officeDocument/2006/relationships" r:embed="rId5">
+            <a:extLst>
+              <a:ext uri="{28A0092B-C50C-407E-A947-70E740481C1C}">
+                <a14:useLocalDpi xmlns:a14="http://schemas.microsoft.com/office/drawing/2010/main" val="0"/>
+              </a:ext>
+              <a:ext uri="{96DAC541-7B7A-43D3-8B79-37D633B846F1}">
+                <asvg:svgBlip xmlns:asvg="http://schemas.microsoft.com/office/drawing/2016/SVG/main" r:embed="rId6"/>
+              </a:ext>
+            </a:extLst>
+          </a:blip>
+          <a:stretch>
+            <a:fillRect/>
+          </a:stretch>
+        </a:blipFill>
+        <a:ln w="12700" cap="flat" cmpd="sng" algn="ctr">
+          <a:solidFill>
+            <a:schemeClr val="lt1">
+              <a:hueOff val="0"/>
+              <a:satOff val="0"/>
+              <a:lumOff val="0"/>
+              <a:alphaOff val="0"/>
+            </a:schemeClr>
+          </a:solidFill>
+          <a:prstDash val="solid"/>
+          <a:miter lim="800000"/>
+        </a:ln>
+        <a:effectLst/>
+      </dsp:spPr>
+      <dsp:style>
+        <a:lnRef idx="2">
+          <a:scrgbClr r="0" g="0" b="0"/>
+        </a:lnRef>
+        <a:fillRef idx="1">
+          <a:scrgbClr r="0" g="0" b="0"/>
+        </a:fillRef>
+        <a:effectRef idx="0">
+          <a:scrgbClr r="0" g="0" b="0"/>
+        </a:effectRef>
+        <a:fontRef idx="minor">
+          <a:schemeClr val="lt1"/>
+        </a:fontRef>
+      </dsp:style>
+    </dsp:sp>
+    <dsp:sp modelId="{6F3974EC-DE03-42DA-89E0-0FCB026C5DE3}">
+      <dsp:nvSpPr>
+        <dsp:cNvPr id="0" name=""/>
+        <dsp:cNvSpPr/>
+      </dsp:nvSpPr>
+      <dsp:spPr>
+        <a:xfrm>
+          <a:off x="1218780" y="2638503"/>
+          <a:ext cx="4575657" cy="1055221"/>
+        </a:xfrm>
+        <a:prstGeom prst="rect">
+          <a:avLst/>
+        </a:prstGeom>
+        <a:noFill/>
+        <a:ln>
+          <a:noFill/>
+        </a:ln>
+        <a:effectLst/>
+      </dsp:spPr>
+      <dsp:style>
+        <a:lnRef idx="0">
+          <a:scrgbClr r="0" g="0" b="0"/>
+        </a:lnRef>
+        <a:fillRef idx="0">
+          <a:scrgbClr r="0" g="0" b="0"/>
+        </a:fillRef>
+        <a:effectRef idx="0">
+          <a:scrgbClr r="0" g="0" b="0"/>
+        </a:effectRef>
+        <a:fontRef idx="minor"/>
+      </dsp:style>
+      <dsp:txBody>
+        <a:bodyPr spcFirstLastPara="0" vert="horz" wrap="square" lIns="111678" tIns="111678" rIns="111678" bIns="111678" numCol="1" spcCol="1270" anchor="ctr" anchorCtr="0">
+          <a:noAutofit/>
+        </a:bodyPr>
+        <a:lstStyle/>
+        <a:p>
+          <a:pPr marL="0" lvl="0" indent="0" algn="l" defTabSz="1111250">
+            <a:lnSpc>
+              <a:spcPct val="100000"/>
+            </a:lnSpc>
+            <a:spcBef>
+              <a:spcPct val="0"/>
+            </a:spcBef>
+            <a:spcAft>
+              <a:spcPct val="35000"/>
+            </a:spcAft>
+            <a:buNone/>
+          </a:pPr>
+          <a:r>
+            <a:rPr lang="en-US" sz="2500" kern="1200" dirty="0"/>
+            <a:t>Total Working Years</a:t>
+          </a:r>
+        </a:p>
+      </dsp:txBody>
+      <dsp:txXfrm>
+        <a:off x="1218780" y="2638503"/>
+        <a:ext cx="4575657" cy="1055221"/>
+      </dsp:txXfrm>
+    </dsp:sp>
+    <dsp:sp modelId="{77AAE7EA-A8B9-4DEA-A3FD-EF5D65ADDF71}">
+      <dsp:nvSpPr>
+        <dsp:cNvPr id="0" name=""/>
+        <dsp:cNvSpPr/>
+      </dsp:nvSpPr>
+      <dsp:spPr>
+        <a:xfrm>
+          <a:off x="5794438" y="2638503"/>
+          <a:ext cx="4373689" cy="1055221"/>
+        </a:xfrm>
+        <a:prstGeom prst="rect">
+          <a:avLst/>
+        </a:prstGeom>
+        <a:noFill/>
+        <a:ln>
+          <a:noFill/>
+        </a:ln>
+        <a:effectLst/>
+      </dsp:spPr>
+      <dsp:style>
+        <a:lnRef idx="0">
+          <a:scrgbClr r="0" g="0" b="0"/>
+        </a:lnRef>
+        <a:fillRef idx="0">
+          <a:scrgbClr r="0" g="0" b="0"/>
+        </a:fillRef>
+        <a:effectRef idx="0">
+          <a:scrgbClr r="0" g="0" b="0"/>
+        </a:effectRef>
+        <a:fontRef idx="minor"/>
+      </dsp:style>
+      <dsp:txBody>
+        <a:bodyPr spcFirstLastPara="0" vert="horz" wrap="square" lIns="111678" tIns="111678" rIns="111678" bIns="111678" numCol="1" spcCol="1270" anchor="ctr" anchorCtr="0">
+          <a:noAutofit/>
+        </a:bodyPr>
+        <a:lstStyle/>
+        <a:p>
+          <a:pPr marL="0" lvl="0" indent="0" algn="l" defTabSz="666750">
+            <a:lnSpc>
+              <a:spcPct val="100000"/>
+            </a:lnSpc>
+            <a:spcBef>
+              <a:spcPct val="0"/>
+            </a:spcBef>
+            <a:spcAft>
+              <a:spcPct val="35000"/>
+            </a:spcAft>
+            <a:buNone/>
+          </a:pPr>
+          <a:r>
+            <a:rPr lang="en-US" sz="1500" kern="1200" dirty="0"/>
+            <a:t>The third most significant factor</a:t>
+          </a:r>
+        </a:p>
+        <a:p>
+          <a:pPr marL="0" lvl="0" indent="0" algn="l" defTabSz="666750">
+            <a:lnSpc>
+              <a:spcPct val="100000"/>
+            </a:lnSpc>
+            <a:spcBef>
+              <a:spcPct val="0"/>
+            </a:spcBef>
+            <a:spcAft>
+              <a:spcPct val="35000"/>
+            </a:spcAft>
+            <a:buNone/>
+          </a:pPr>
+          <a:r>
+            <a:rPr lang="en-US" sz="1500" kern="1200" dirty="0"/>
+            <a:t>As employee working years increase, the rate of attrition decreases</a:t>
+          </a:r>
+        </a:p>
+      </dsp:txBody>
+      <dsp:txXfrm>
+        <a:off x="5794438" y="2638503"/>
+        <a:ext cx="4373689" cy="1055221"/>
+      </dsp:txXfrm>
+    </dsp:sp>
+  </dsp:spTree>
+</dsp:drawing>
+</file>
+
 <file path=ppt/diagrams/layout1.xml><?xml version="1.0" encoding="utf-8"?>
+<dgm:layoutDef xmlns:dgm="http://schemas.openxmlformats.org/drawingml/2006/diagram" xmlns:a="http://schemas.openxmlformats.org/drawingml/2006/main" uniqueId="urn:microsoft.com/office/officeart/2018/2/layout/IconVerticalSolidList">
+  <dgm:title val="Icon Vertical Solid List"/>
+  <dgm:desc val="Use to show a series of visuals from top to bottom with Level 1 or Level 1 and Level 2 text grouped in a shape. Works best with icons or small pictures with lengthier descriptions."/>
+  <dgm:catLst>
+    <dgm:cat type="icon" pri="500"/>
+  </dgm:catLst>
+  <dgm:sampData useDef="1">
+    <dgm:dataModel>
+      <dgm:ptLst/>
+      <dgm:bg/>
+      <dgm:whole/>
+    </dgm:dataModel>
+  </dgm:sampData>
+  <dgm:styleData useDef="1">
+    <dgm:dataModel>
+      <dgm:ptLst/>
+      <dgm:bg/>
+      <dgm:whole/>
+    </dgm:dataModel>
+  </dgm:styleData>
+  <dgm:clrData useDef="1">
+    <dgm:dataModel>
+      <dgm:ptLst/>
+      <dgm:bg/>
+      <dgm:whole/>
+    </dgm:dataModel>
+  </dgm:clrData>
+  <dgm:layoutNode name="root">
+    <dgm:varLst>
+      <dgm:dir/>
+      <dgm:resizeHandles val="exact"/>
+    </dgm:varLst>
+    <dgm:choose name="Name0">
+      <dgm:if name="Name1" axis="self" func="var" arg="dir" op="equ" val="norm">
+        <dgm:alg type="lin">
+          <dgm:param type="linDir" val="fromT"/>
+          <dgm:param type="nodeHorzAlign" val="l"/>
+        </dgm:alg>
+      </dgm:if>
+      <dgm:else name="Name2">
+        <dgm:alg type="lin">
+          <dgm:param type="linDir" val="fromT"/>
+          <dgm:param type="nodeHorzAlign" val="r"/>
+        </dgm:alg>
+      </dgm:else>
+    </dgm:choose>
+    <dgm:shape xmlns:r="http://schemas.openxmlformats.org/officeDocument/2006/relationships" r:blip="">
+      <dgm:adjLst/>
+    </dgm:shape>
+    <dgm:presOf/>
+    <dgm:choose name="Name3">
+      <dgm:if name="Name4" axis="ch" ptType="node" func="cnt" op="lte" val="3">
+        <dgm:constrLst>
+          <dgm:constr type="h" for="ch" forName="compNode" refType="h" fact="0.3"/>
+          <dgm:constr type="w" for="ch" forName="compNode" refType="w"/>
+          <dgm:constr type="h" for="ch" forName="sibTrans" refType="h" refFor="ch" refForName="compNode" fact="0.25"/>
+          <dgm:constr type="primFontSz" for="des" forName="parTx" val="25"/>
+          <dgm:constr type="primFontSz" for="des" forName="desTx" refType="primFontSz" refFor="des" refForName="parTx" op="lte" fact="0.75"/>
+          <dgm:constr type="h" for="des" forName="compNode" op="equ"/>
+          <dgm:constr type="h" for="des" forName="bgRect" op="equ"/>
+          <dgm:constr type="h" for="des" forName="iconRect" op="equ"/>
+          <dgm:constr type="w" for="des" forName="iconRect" op="equ"/>
+          <dgm:constr type="h" for="des" forName="spaceRect" op="equ"/>
+          <dgm:constr type="h" for="des" forName="parTx" op="equ"/>
+          <dgm:constr type="h" for="des" forName="desTx" op="equ"/>
+        </dgm:constrLst>
+      </dgm:if>
+      <dgm:if name="Name5" axis="ch" ptType="node" func="cnt" op="lte" val="4">
+        <dgm:constrLst>
+          <dgm:constr type="h" for="ch" forName="compNode" refType="h" fact="0.3"/>
+          <dgm:constr type="w" for="ch" forName="compNode" refType="w"/>
+          <dgm:constr type="h" for="ch" forName="sibTrans" refType="h" refFor="ch" refForName="compNode" fact="0.25"/>
+          <dgm:constr type="primFontSz" for="des" forName="parTx" val="22"/>
+          <dgm:constr type="primFontSz" for="des" forName="desTx" refType="primFontSz" refFor="des" refForName="parTx" op="lte" fact="0.75"/>
+          <dgm:constr type="h" for="des" forName="compNode" op="equ"/>
+          <dgm:constr type="h" for="des" forName="bgRect" op="equ"/>
+          <dgm:constr type="h" for="des" forName="iconRect" op="equ"/>
+          <dgm:constr type="w" for="des" forName="iconRect" op="equ"/>
+          <dgm:constr type="h" for="des" forName="spaceRect" op="equ"/>
+          <dgm:constr type="h" for="des" forName="parTx" op="equ"/>
+          <dgm:constr type="h" for="des" forName="desTx" op="equ"/>
+        </dgm:constrLst>
+      </dgm:if>
+      <dgm:if name="Name6" axis="ch" ptType="node" func="cnt" op="lte" val="6">
+        <dgm:constrLst>
+          <dgm:constr type="h" for="ch" forName="compNode" refType="h" fact="0.3"/>
+          <dgm:constr type="w" for="ch" forName="compNode" refType="w"/>
+          <dgm:constr type="h" for="ch" forName="sibTrans" refType="h" refFor="ch" refForName="compNode" fact="0.25"/>
+          <dgm:constr type="primFontSz" for="des" forName="parTx" val="19"/>
+          <dgm:constr type="primFontSz" for="des" forName="desTx" refType="primFontSz" refFor="des" refForName="parTx" op="lte" fact="0.75"/>
+          <dgm:constr type="h" for="des" forName="compNode" op="equ"/>
+          <dgm:constr type="h" for="des" forName="bgRect" op="equ"/>
+          <dgm:constr type="h" for="des" forName="iconRect" op="equ"/>
+          <dgm:constr type="w" for="des" forName="iconRect" op="equ"/>
+          <dgm:constr type="h" for="des" forName="spaceRect" op="equ"/>
+          <dgm:constr type="h" for="des" forName="parTx" op="equ"/>
+          <dgm:constr type="h" for="des" forName="desTx" op="equ"/>
+        </dgm:constrLst>
+      </dgm:if>
+      <dgm:else name="Name7">
+        <dgm:constrLst>
+          <dgm:constr type="h" for="ch" forName="compNode" refType="h" fact="0.3"/>
+          <dgm:constr type="w" for="ch" forName="compNode" refType="w"/>
+          <dgm:constr type="h" for="ch" forName="sibTrans" refType="h" refFor="ch" refForName="compNode" fact="0.25"/>
+          <dgm:constr type="primFontSz" for="des" forName="parTx" val="16"/>
+          <dgm:constr type="primFontSz" for="des" forName="desTx" refType="primFontSz" refFor="des" refForName="parTx" op="lte" fact="0.75"/>
+          <dgm:constr type="h" for="des" forName="compNode" op="equ"/>
+          <dgm:constr type="h" for="des" forName="bgRect" op="equ"/>
+          <dgm:constr type="h" for="des" forName="iconRect" op="equ"/>
+          <dgm:constr type="w" for="des" forName="iconRect" op="equ"/>
+          <dgm:constr type="h" for="des" forName="spaceRect" op="equ"/>
+          <dgm:constr type="h" for="des" forName="parTx" op="equ"/>
+          <dgm:constr type="h" for="des" forName="desTx" op="equ"/>
+        </dgm:constrLst>
+      </dgm:else>
+    </dgm:choose>
+    <dgm:ruleLst>
+      <dgm:rule type="h" for="ch" forName="compNode" val="0" fact="NaN" max="NaN"/>
+    </dgm:ruleLst>
+    <dgm:forEach name="Name8" axis="ch" ptType="node">
+      <dgm:layoutNode name="compNode">
+        <dgm:alg type="composite"/>
+        <dgm:shape xmlns:r="http://schemas.openxmlformats.org/officeDocument/2006/relationships" r:blip="">
+          <dgm:adjLst/>
+        </dgm:shape>
+        <dgm:presOf axis="self"/>
+        <dgm:choose name="Name9">
+          <dgm:if name="Name10" axis="ch" ptType="node" func="cnt" op="gte" val="1">
+            <dgm:constrLst>
+              <dgm:constr type="w" for="ch" forName="bgRect" refType="w"/>
+              <dgm:constr type="h" for="ch" forName="bgRect" refType="h"/>
+              <dgm:constr type="l" for="ch" forName="bgRect"/>
+              <dgm:constr type="t" for="ch" forName="bgRect"/>
+              <dgm:constr type="h" for="ch" forName="iconRect" refType="h" fact="0.55"/>
+              <dgm:constr type="w" for="ch" forName="iconRect" refType="h" refFor="ch" refForName="iconRect"/>
+              <dgm:constr type="l" for="ch" forName="iconRect" refType="h" refFor="ch" refForName="iconRect" fact="0.55"/>
+              <dgm:constr type="ctrY" for="ch" forName="iconRect" refType="ctrY" refFor="ch" refForName="bgRect"/>
+              <dgm:constr type="w" for="ch" forName="spaceRect" refType="l" refFor="ch" refForName="iconRect"/>
+              <dgm:constr type="h" for="ch" forName="spaceRect" refType="h"/>
+              <dgm:constr type="l" for="ch" forName="spaceRect" refType="r" refFor="ch" refForName="iconRect"/>
+              <dgm:constr type="t" for="ch" forName="spaceRect"/>
+              <dgm:constr type="w" for="ch" forName="parTx" refType="w" fact="0.45"/>
+              <dgm:constr type="h" for="ch" forName="parTx" refType="h"/>
+              <dgm:constr type="l" for="ch" forName="parTx" refType="r" refFor="ch" refForName="spaceRect"/>
+              <dgm:constr type="t" for="ch" forName="parTx"/>
+              <dgm:constr type="h" for="ch" forName="desTx" refType="h"/>
+              <dgm:constr type="l" for="ch" forName="desTx" refType="r" refFor="ch" refForName="parTx"/>
+              <dgm:constr type="t" for="ch" forName="desTx"/>
+            </dgm:constrLst>
+          </dgm:if>
+          <dgm:else name="Name11">
+            <dgm:constrLst>
+              <dgm:constr type="w" for="ch" forName="bgRect" refType="w"/>
+              <dgm:constr type="h" for="ch" forName="bgRect" refType="h"/>
+              <dgm:constr type="l" for="ch" forName="bgRect"/>
+              <dgm:constr type="t" for="ch" forName="bgRect"/>
+              <dgm:constr type="h" for="ch" forName="iconRect" refType="h" fact="0.55"/>
+              <dgm:constr type="w" for="ch" forName="iconRect" refType="h" refFor="ch" refForName="iconRect"/>
+              <dgm:constr type="l" for="ch" forName="iconRect" refType="h" refFor="ch" refForName="iconRect" fact="0.55"/>
+              <dgm:constr type="ctrY" for="ch" forName="iconRect" refType="ctrY" refFor="ch" refForName="bgRect"/>
+              <dgm:constr type="w" for="ch" forName="spaceRect" refType="l" refFor="ch" refForName="iconRect"/>
+              <dgm:constr type="h" for="ch" forName="spaceRect" refType="h"/>
+              <dgm:constr type="l" for="ch" forName="spaceRect" refType="r" refFor="ch" refForName="iconRect"/>
+              <dgm:constr type="t" for="ch" forName="spaceRect"/>
+              <dgm:constr type="h" for="ch" forName="parTx" refType="h"/>
+              <dgm:constr type="l" for="ch" forName="parTx" refType="r" refFor="ch" refForName="spaceRect"/>
+              <dgm:constr type="t" for="ch" forName="parTx"/>
+            </dgm:constrLst>
+          </dgm:else>
+        </dgm:choose>
+        <dgm:ruleLst>
+          <dgm:rule type="h" val="INF" fact="NaN" max="NaN"/>
+        </dgm:ruleLst>
+        <dgm:layoutNode name="bgRect" styleLbl="bgShp">
+          <dgm:alg type="sp"/>
+          <dgm:shape xmlns:r="http://schemas.openxmlformats.org/officeDocument/2006/relationships" type="roundRect" r:blip="">
+            <dgm:adjLst>
+              <dgm:adj idx="1" val="0.1"/>
+            </dgm:adjLst>
+          </dgm:shape>
+          <dgm:presOf/>
+          <dgm:constrLst/>
+          <dgm:ruleLst/>
+        </dgm:layoutNode>
+        <dgm:layoutNode name="iconRect" styleLbl="node1">
+          <dgm:alg type="sp"/>
+          <dgm:shape xmlns:r="http://schemas.openxmlformats.org/officeDocument/2006/relationships" type="rect" r:blip="" blipPhldr="1">
+            <dgm:adjLst/>
+          </dgm:shape>
+          <dgm:presOf/>
+          <dgm:constrLst/>
+          <dgm:ruleLst/>
+        </dgm:layoutNode>
+        <dgm:layoutNode name="spaceRect">
+          <dgm:alg type="sp"/>
+          <dgm:shape xmlns:r="http://schemas.openxmlformats.org/officeDocument/2006/relationships" r:blip="">
+            <dgm:adjLst/>
+          </dgm:shape>
+          <dgm:presOf/>
+          <dgm:constrLst/>
+          <dgm:ruleLst/>
+        </dgm:layoutNode>
+        <dgm:layoutNode name="parTx" styleLbl="revTx">
+          <dgm:varLst>
+            <dgm:chMax val="0"/>
+            <dgm:chPref val="0"/>
+          </dgm:varLst>
+          <dgm:alg type="tx">
+            <dgm:param type="txAnchorVert" val="mid"/>
+            <dgm:param type="parTxLTRAlign" val="l"/>
+            <dgm:param type="shpTxLTRAlignCh" val="l"/>
+            <dgm:param type="parTxRTLAlign" val="r"/>
+            <dgm:param type="shpTxRTLAlignCh" val="r"/>
+          </dgm:alg>
+          <dgm:shape xmlns:r="http://schemas.openxmlformats.org/officeDocument/2006/relationships" type="rect" r:blip="">
+            <dgm:adjLst/>
+          </dgm:shape>
+          <dgm:presOf axis="self" ptType="node"/>
+          <dgm:constrLst>
+            <dgm:constr type="lMarg" refType="h" fact="0.3"/>
+            <dgm:constr type="rMarg" refType="h" fact="0.3"/>
+            <dgm:constr type="tMarg" refType="h" fact="0.3"/>
+            <dgm:constr type="bMarg" refType="h" fact="0.3"/>
+          </dgm:constrLst>
+          <dgm:ruleLst>
+            <dgm:rule type="primFontSz" val="14" fact="NaN" max="NaN"/>
+            <dgm:rule type="h" val="INF" fact="NaN" max="NaN"/>
+          </dgm:ruleLst>
+        </dgm:layoutNode>
+        <dgm:choose name="Name12">
+          <dgm:if name="Name13" axis="ch" ptType="node" func="cnt" op="gte" val="1">
+            <dgm:layoutNode name="desTx" styleLbl="revTx">
+              <dgm:varLst/>
+              <dgm:alg type="tx">
+                <dgm:param type="txAnchorVertCh" val="mid"/>
+                <dgm:param type="parTxLTRAlign" val="l"/>
+                <dgm:param type="shpTxLTRAlignCh" val="l"/>
+                <dgm:param type="parTxRTLAlign" val="r"/>
+                <dgm:param type="shpTxRTLAlignCh" val="r"/>
+                <dgm:param type="stBulletLvl" val="0"/>
+              </dgm:alg>
+              <dgm:shape xmlns:r="http://schemas.openxmlformats.org/officeDocument/2006/relationships" type="rect" r:blip="">
+                <dgm:adjLst/>
+              </dgm:shape>
+              <dgm:presOf axis="des" ptType="node"/>
+              <dgm:constrLst>
+                <dgm:constr type="primFontSz" val="18"/>
+                <dgm:constr type="secFontSz" refType="primFontSz"/>
+                <dgm:constr type="lMarg" refType="h" fact="0.3"/>
+                <dgm:constr type="rMarg" refType="h" fact="0.3"/>
+                <dgm:constr type="tMarg" refType="h" fact="0.3"/>
+                <dgm:constr type="bMarg" refType="h" fact="0.3"/>
+              </dgm:constrLst>
+              <dgm:ruleLst>
+                <dgm:rule type="primFontSz" val="11" fact="NaN" max="NaN"/>
+              </dgm:ruleLst>
+            </dgm:layoutNode>
+          </dgm:if>
+          <dgm:else name="Name14"/>
+        </dgm:choose>
+      </dgm:layoutNode>
+      <dgm:forEach name="Name15" axis="followSib" ptType="sibTrans" cnt="1">
+        <dgm:layoutNode name="sibTrans">
+          <dgm:alg type="sp"/>
+          <dgm:shape xmlns:r="http://schemas.openxmlformats.org/officeDocument/2006/relationships" r:blip="">
+            <dgm:adjLst/>
+          </dgm:shape>
+          <dgm:presOf axis="self"/>
+          <dgm:constrLst/>
+          <dgm:ruleLst/>
+        </dgm:layoutNode>
+      </dgm:forEach>
+    </dgm:forEach>
+  </dgm:layoutNode>
+  <dgm:extLst>
+    <a:ext uri="{68A01E43-0DF5-4B5B-8FA6-DAF915123BFB}">
+      <dgm1612:lstStyle xmlns:dgm1612="http://schemas.microsoft.com/office/drawing/2016/12/diagram">
+        <a:lvl1pPr>
+          <a:lnSpc>
+            <a:spcPct val="100000"/>
+          </a:lnSpc>
+        </a:lvl1pPr>
+        <a:lvl2pPr>
+          <a:lnSpc>
+            <a:spcPct val="100000"/>
+          </a:lnSpc>
+        </a:lvl2pPr>
+      </dgm1612:lstStyle>
+    </a:ext>
+  </dgm:extLst>
+</dgm:layoutDef>
+</file>
+
+<file path=ppt/diagrams/layout2.xml><?xml version="1.0" encoding="utf-8"?>
 <dgm:layoutDef xmlns:dgm="http://schemas.openxmlformats.org/drawingml/2006/diagram" xmlns:a="http://schemas.openxmlformats.org/drawingml/2006/main" uniqueId="urn:microsoft.com/office/officeart/2018/2/layout/IconVerticalSolidList">
   <dgm:title val="Icon Vertical Solid List"/>
   <dgm:desc val="Use to show a series of visuals from top to bottom with Level 1 or Level 1 and Level 2 text grouped in a shape. Works best with icons or small pictures with lengthier descriptions."/>
@@ -3494,6 +5847,1040 @@
 </dgm:styleDef>
 </file>
 
+<file path=ppt/diagrams/quickStyle2.xml><?xml version="1.0" encoding="utf-8"?>
+<dgm:styleDef xmlns:dgm="http://schemas.openxmlformats.org/drawingml/2006/diagram" xmlns:a="http://schemas.openxmlformats.org/drawingml/2006/main" uniqueId="urn:microsoft.com/office/officeart/2005/8/quickstyle/simple1">
+  <dgm:title val=""/>
+  <dgm:desc val=""/>
+  <dgm:catLst>
+    <dgm:cat type="simple" pri="10100"/>
+  </dgm:catLst>
+  <dgm:scene3d>
+    <a:camera prst="orthographicFront"/>
+    <a:lightRig rig="threePt" dir="t"/>
+  </dgm:scene3d>
+  <dgm:styleLbl name="node0">
+    <dgm:scene3d>
+      <a:camera prst="orthographicFront"/>
+      <a:lightRig rig="threePt" dir="t"/>
+    </dgm:scene3d>
+    <dgm:sp3d/>
+    <dgm:txPr/>
+    <dgm:style>
+      <a:lnRef idx="2">
+        <a:scrgbClr r="0" g="0" b="0"/>
+      </a:lnRef>
+      <a:fillRef idx="1">
+        <a:scrgbClr r="0" g="0" b="0"/>
+      </a:fillRef>
+      <a:effectRef idx="0">
+        <a:scrgbClr r="0" g="0" b="0"/>
+      </a:effectRef>
+      <a:fontRef idx="minor">
+        <a:schemeClr val="lt1"/>
+      </a:fontRef>
+    </dgm:style>
+  </dgm:styleLbl>
+  <dgm:styleLbl name="lnNode1">
+    <dgm:scene3d>
+      <a:camera prst="orthographicFront"/>
+      <a:lightRig rig="threePt" dir="t"/>
+    </dgm:scene3d>
+    <dgm:sp3d/>
+    <dgm:txPr/>
+    <dgm:style>
+      <a:lnRef idx="2">
+        <a:scrgbClr r="0" g="0" b="0"/>
+      </a:lnRef>
+      <a:fillRef idx="1">
+        <a:scrgbClr r="0" g="0" b="0"/>
+      </a:fillRef>
+      <a:effectRef idx="0">
+        <a:scrgbClr r="0" g="0" b="0"/>
+      </a:effectRef>
+      <a:fontRef idx="minor">
+        <a:schemeClr val="lt1"/>
+      </a:fontRef>
+    </dgm:style>
+  </dgm:styleLbl>
+  <dgm:styleLbl name="vennNode1">
+    <dgm:scene3d>
+      <a:camera prst="orthographicFront"/>
+      <a:lightRig rig="threePt" dir="t"/>
+    </dgm:scene3d>
+    <dgm:sp3d/>
+    <dgm:txPr/>
+    <dgm:style>
+      <a:lnRef idx="2">
+        <a:scrgbClr r="0" g="0" b="0"/>
+      </a:lnRef>
+      <a:fillRef idx="1">
+        <a:scrgbClr r="0" g="0" b="0"/>
+      </a:fillRef>
+      <a:effectRef idx="0">
+        <a:scrgbClr r="0" g="0" b="0"/>
+      </a:effectRef>
+      <a:fontRef idx="minor">
+        <a:schemeClr val="tx1"/>
+      </a:fontRef>
+    </dgm:style>
+  </dgm:styleLbl>
+  <dgm:styleLbl name="alignNode1">
+    <dgm:scene3d>
+      <a:camera prst="orthographicFront"/>
+      <a:lightRig rig="threePt" dir="t"/>
+    </dgm:scene3d>
+    <dgm:sp3d/>
+    <dgm:txPr/>
+    <dgm:style>
+      <a:lnRef idx="2">
+        <a:scrgbClr r="0" g="0" b="0"/>
+      </a:lnRef>
+      <a:fillRef idx="1">
+        <a:scrgbClr r="0" g="0" b="0"/>
+      </a:fillRef>
+      <a:effectRef idx="0">
+        <a:scrgbClr r="0" g="0" b="0"/>
+      </a:effectRef>
+      <a:fontRef idx="minor">
+        <a:schemeClr val="lt1"/>
+      </a:fontRef>
+    </dgm:style>
+  </dgm:styleLbl>
+  <dgm:styleLbl name="node1">
+    <dgm:scene3d>
+      <a:camera prst="orthographicFront"/>
+      <a:lightRig rig="threePt" dir="t"/>
+    </dgm:scene3d>
+    <dgm:sp3d/>
+    <dgm:txPr/>
+    <dgm:style>
+      <a:lnRef idx="2">
+        <a:scrgbClr r="0" g="0" b="0"/>
+      </a:lnRef>
+      <a:fillRef idx="1">
+        <a:scrgbClr r="0" g="0" b="0"/>
+      </a:fillRef>
+      <a:effectRef idx="0">
+        <a:scrgbClr r="0" g="0" b="0"/>
+      </a:effectRef>
+      <a:fontRef idx="minor">
+        <a:schemeClr val="lt1"/>
+      </a:fontRef>
+    </dgm:style>
+  </dgm:styleLbl>
+  <dgm:styleLbl name="node2">
+    <dgm:scene3d>
+      <a:camera prst="orthographicFront"/>
+      <a:lightRig rig="threePt" dir="t"/>
+    </dgm:scene3d>
+    <dgm:sp3d/>
+    <dgm:txPr/>
+    <dgm:style>
+      <a:lnRef idx="2">
+        <a:scrgbClr r="0" g="0" b="0"/>
+      </a:lnRef>
+      <a:fillRef idx="1">
+        <a:scrgbClr r="0" g="0" b="0"/>
+      </a:fillRef>
+      <a:effectRef idx="0">
+        <a:scrgbClr r="0" g="0" b="0"/>
+      </a:effectRef>
+      <a:fontRef idx="minor">
+        <a:schemeClr val="lt1"/>
+      </a:fontRef>
+    </dgm:style>
+  </dgm:styleLbl>
+  <dgm:styleLbl name="node3">
+    <dgm:scene3d>
+      <a:camera prst="orthographicFront"/>
+      <a:lightRig rig="threePt" dir="t"/>
+    </dgm:scene3d>
+    <dgm:sp3d/>
+    <dgm:txPr/>
+    <dgm:style>
+      <a:lnRef idx="2">
+        <a:scrgbClr r="0" g="0" b="0"/>
+      </a:lnRef>
+      <a:fillRef idx="1">
+        <a:scrgbClr r="0" g="0" b="0"/>
+      </a:fillRef>
+      <a:effectRef idx="0">
+        <a:scrgbClr r="0" g="0" b="0"/>
+      </a:effectRef>
+      <a:fontRef idx="minor">
+        <a:schemeClr val="lt1"/>
+      </a:fontRef>
+    </dgm:style>
+  </dgm:styleLbl>
+  <dgm:styleLbl name="node4">
+    <dgm:scene3d>
+      <a:camera prst="orthographicFront"/>
+      <a:lightRig rig="threePt" dir="t"/>
+    </dgm:scene3d>
+    <dgm:sp3d/>
+    <dgm:txPr/>
+    <dgm:style>
+      <a:lnRef idx="2">
+        <a:scrgbClr r="0" g="0" b="0"/>
+      </a:lnRef>
+      <a:fillRef idx="1">
+        <a:scrgbClr r="0" g="0" b="0"/>
+      </a:fillRef>
+      <a:effectRef idx="0">
+        <a:scrgbClr r="0" g="0" b="0"/>
+      </a:effectRef>
+      <a:fontRef idx="minor">
+        <a:schemeClr val="lt1"/>
+      </a:fontRef>
+    </dgm:style>
+  </dgm:styleLbl>
+  <dgm:styleLbl name="fgImgPlace1">
+    <dgm:scene3d>
+      <a:camera prst="orthographicFront"/>
+      <a:lightRig rig="threePt" dir="t"/>
+    </dgm:scene3d>
+    <dgm:sp3d/>
+    <dgm:txPr/>
+    <dgm:style>
+      <a:lnRef idx="2">
+        <a:scrgbClr r="0" g="0" b="0"/>
+      </a:lnRef>
+      <a:fillRef idx="1">
+        <a:scrgbClr r="0" g="0" b="0"/>
+      </a:fillRef>
+      <a:effectRef idx="0">
+        <a:scrgbClr r="0" g="0" b="0"/>
+      </a:effectRef>
+      <a:fontRef idx="minor"/>
+    </dgm:style>
+  </dgm:styleLbl>
+  <dgm:styleLbl name="alignImgPlace1">
+    <dgm:scene3d>
+      <a:camera prst="orthographicFront"/>
+      <a:lightRig rig="threePt" dir="t"/>
+    </dgm:scene3d>
+    <dgm:sp3d/>
+    <dgm:txPr/>
+    <dgm:style>
+      <a:lnRef idx="2">
+        <a:scrgbClr r="0" g="0" b="0"/>
+      </a:lnRef>
+      <a:fillRef idx="1">
+        <a:scrgbClr r="0" g="0" b="0"/>
+      </a:fillRef>
+      <a:effectRef idx="0">
+        <a:scrgbClr r="0" g="0" b="0"/>
+      </a:effectRef>
+      <a:fontRef idx="minor"/>
+    </dgm:style>
+  </dgm:styleLbl>
+  <dgm:styleLbl name="bgImgPlace1">
+    <dgm:scene3d>
+      <a:camera prst="orthographicFront"/>
+      <a:lightRig rig="threePt" dir="t"/>
+    </dgm:scene3d>
+    <dgm:sp3d/>
+    <dgm:txPr/>
+    <dgm:style>
+      <a:lnRef idx="2">
+        <a:scrgbClr r="0" g="0" b="0"/>
+      </a:lnRef>
+      <a:fillRef idx="1">
+        <a:scrgbClr r="0" g="0" b="0"/>
+      </a:fillRef>
+      <a:effectRef idx="0">
+        <a:scrgbClr r="0" g="0" b="0"/>
+      </a:effectRef>
+      <a:fontRef idx="minor"/>
+    </dgm:style>
+  </dgm:styleLbl>
+  <dgm:styleLbl name="sibTrans2D1">
+    <dgm:scene3d>
+      <a:camera prst="orthographicFront"/>
+      <a:lightRig rig="threePt" dir="t"/>
+    </dgm:scene3d>
+    <dgm:sp3d/>
+    <dgm:txPr/>
+    <dgm:style>
+      <a:lnRef idx="0">
+        <a:scrgbClr r="0" g="0" b="0"/>
+      </a:lnRef>
+      <a:fillRef idx="1">
+        <a:scrgbClr r="0" g="0" b="0"/>
+      </a:fillRef>
+      <a:effectRef idx="0">
+        <a:scrgbClr r="0" g="0" b="0"/>
+      </a:effectRef>
+      <a:fontRef idx="minor">
+        <a:schemeClr val="lt1"/>
+      </a:fontRef>
+    </dgm:style>
+  </dgm:styleLbl>
+  <dgm:styleLbl name="fgSibTrans2D1">
+    <dgm:scene3d>
+      <a:camera prst="orthographicFront"/>
+      <a:lightRig rig="threePt" dir="t"/>
+    </dgm:scene3d>
+    <dgm:sp3d/>
+    <dgm:txPr/>
+    <dgm:style>
+      <a:lnRef idx="0">
+        <a:scrgbClr r="0" g="0" b="0"/>
+      </a:lnRef>
+      <a:fillRef idx="1">
+        <a:scrgbClr r="0" g="0" b="0"/>
+      </a:fillRef>
+      <a:effectRef idx="0">
+        <a:scrgbClr r="0" g="0" b="0"/>
+      </a:effectRef>
+      <a:fontRef idx="minor">
+        <a:schemeClr val="lt1"/>
+      </a:fontRef>
+    </dgm:style>
+  </dgm:styleLbl>
+  <dgm:styleLbl name="bgSibTrans2D1">
+    <dgm:scene3d>
+      <a:camera prst="orthographicFront"/>
+      <a:lightRig rig="threePt" dir="t"/>
+    </dgm:scene3d>
+    <dgm:sp3d/>
+    <dgm:txPr/>
+    <dgm:style>
+      <a:lnRef idx="0">
+        <a:scrgbClr r="0" g="0" b="0"/>
+      </a:lnRef>
+      <a:fillRef idx="1">
+        <a:scrgbClr r="0" g="0" b="0"/>
+      </a:fillRef>
+      <a:effectRef idx="0">
+        <a:scrgbClr r="0" g="0" b="0"/>
+      </a:effectRef>
+      <a:fontRef idx="minor">
+        <a:schemeClr val="lt1"/>
+      </a:fontRef>
+    </dgm:style>
+  </dgm:styleLbl>
+  <dgm:styleLbl name="sibTrans1D1">
+    <dgm:scene3d>
+      <a:camera prst="orthographicFront"/>
+      <a:lightRig rig="threePt" dir="t"/>
+    </dgm:scene3d>
+    <dgm:sp3d/>
+    <dgm:txPr/>
+    <dgm:style>
+      <a:lnRef idx="1">
+        <a:scrgbClr r="0" g="0" b="0"/>
+      </a:lnRef>
+      <a:fillRef idx="0">
+        <a:scrgbClr r="0" g="0" b="0"/>
+      </a:fillRef>
+      <a:effectRef idx="0">
+        <a:scrgbClr r="0" g="0" b="0"/>
+      </a:effectRef>
+      <a:fontRef idx="minor"/>
+    </dgm:style>
+  </dgm:styleLbl>
+  <dgm:styleLbl name="callout">
+    <dgm:scene3d>
+      <a:camera prst="orthographicFront"/>
+      <a:lightRig rig="threePt" dir="t"/>
+    </dgm:scene3d>
+    <dgm:sp3d/>
+    <dgm:txPr/>
+    <dgm:style>
+      <a:lnRef idx="2">
+        <a:scrgbClr r="0" g="0" b="0"/>
+      </a:lnRef>
+      <a:fillRef idx="1">
+        <a:scrgbClr r="0" g="0" b="0"/>
+      </a:fillRef>
+      <a:effectRef idx="0">
+        <a:scrgbClr r="0" g="0" b="0"/>
+      </a:effectRef>
+      <a:fontRef idx="minor"/>
+    </dgm:style>
+  </dgm:styleLbl>
+  <dgm:styleLbl name="asst0">
+    <dgm:scene3d>
+      <a:camera prst="orthographicFront"/>
+      <a:lightRig rig="threePt" dir="t"/>
+    </dgm:scene3d>
+    <dgm:sp3d/>
+    <dgm:txPr/>
+    <dgm:style>
+      <a:lnRef idx="2">
+        <a:scrgbClr r="0" g="0" b="0"/>
+      </a:lnRef>
+      <a:fillRef idx="1">
+        <a:scrgbClr r="0" g="0" b="0"/>
+      </a:fillRef>
+      <a:effectRef idx="0">
+        <a:scrgbClr r="0" g="0" b="0"/>
+      </a:effectRef>
+      <a:fontRef idx="minor">
+        <a:schemeClr val="lt1"/>
+      </a:fontRef>
+    </dgm:style>
+  </dgm:styleLbl>
+  <dgm:styleLbl name="asst1">
+    <dgm:scene3d>
+      <a:camera prst="orthographicFront"/>
+      <a:lightRig rig="threePt" dir="t"/>
+    </dgm:scene3d>
+    <dgm:sp3d/>
+    <dgm:txPr/>
+    <dgm:style>
+      <a:lnRef idx="2">
+        <a:scrgbClr r="0" g="0" b="0"/>
+      </a:lnRef>
+      <a:fillRef idx="1">
+        <a:scrgbClr r="0" g="0" b="0"/>
+      </a:fillRef>
+      <a:effectRef idx="0">
+        <a:scrgbClr r="0" g="0" b="0"/>
+      </a:effectRef>
+      <a:fontRef idx="minor">
+        <a:schemeClr val="lt1"/>
+      </a:fontRef>
+    </dgm:style>
+  </dgm:styleLbl>
+  <dgm:styleLbl name="asst2">
+    <dgm:scene3d>
+      <a:camera prst="orthographicFront"/>
+      <a:lightRig rig="threePt" dir="t"/>
+    </dgm:scene3d>
+    <dgm:sp3d/>
+    <dgm:txPr/>
+    <dgm:style>
+      <a:lnRef idx="2">
+        <a:scrgbClr r="0" g="0" b="0"/>
+      </a:lnRef>
+      <a:fillRef idx="1">
+        <a:scrgbClr r="0" g="0" b="0"/>
+      </a:fillRef>
+      <a:effectRef idx="0">
+        <a:scrgbClr r="0" g="0" b="0"/>
+      </a:effectRef>
+      <a:fontRef idx="minor">
+        <a:schemeClr val="lt1"/>
+      </a:fontRef>
+    </dgm:style>
+  </dgm:styleLbl>
+  <dgm:styleLbl name="asst3">
+    <dgm:scene3d>
+      <a:camera prst="orthographicFront"/>
+      <a:lightRig rig="threePt" dir="t"/>
+    </dgm:scene3d>
+    <dgm:sp3d/>
+    <dgm:txPr/>
+    <dgm:style>
+      <a:lnRef idx="2">
+        <a:scrgbClr r="0" g="0" b="0"/>
+      </a:lnRef>
+      <a:fillRef idx="1">
+        <a:scrgbClr r="0" g="0" b="0"/>
+      </a:fillRef>
+      <a:effectRef idx="0">
+        <a:scrgbClr r="0" g="0" b="0"/>
+      </a:effectRef>
+      <a:fontRef idx="minor">
+        <a:schemeClr val="lt1"/>
+      </a:fontRef>
+    </dgm:style>
+  </dgm:styleLbl>
+  <dgm:styleLbl name="asst4">
+    <dgm:scene3d>
+      <a:camera prst="orthographicFront"/>
+      <a:lightRig rig="threePt" dir="t"/>
+    </dgm:scene3d>
+    <dgm:sp3d/>
+    <dgm:txPr/>
+    <dgm:style>
+      <a:lnRef idx="2">
+        <a:scrgbClr r="0" g="0" b="0"/>
+      </a:lnRef>
+      <a:fillRef idx="1">
+        <a:scrgbClr r="0" g="0" b="0"/>
+      </a:fillRef>
+      <a:effectRef idx="0">
+        <a:scrgbClr r="0" g="0" b="0"/>
+      </a:effectRef>
+      <a:fontRef idx="minor">
+        <a:schemeClr val="lt1"/>
+      </a:fontRef>
+    </dgm:style>
+  </dgm:styleLbl>
+  <dgm:styleLbl name="parChTrans2D1">
+    <dgm:scene3d>
+      <a:camera prst="orthographicFront"/>
+      <a:lightRig rig="threePt" dir="t"/>
+    </dgm:scene3d>
+    <dgm:sp3d/>
+    <dgm:txPr/>
+    <dgm:style>
+      <a:lnRef idx="2">
+        <a:scrgbClr r="0" g="0" b="0"/>
+      </a:lnRef>
+      <a:fillRef idx="1">
+        <a:scrgbClr r="0" g="0" b="0"/>
+      </a:fillRef>
+      <a:effectRef idx="0">
+        <a:scrgbClr r="0" g="0" b="0"/>
+      </a:effectRef>
+      <a:fontRef idx="minor">
+        <a:schemeClr val="lt1"/>
+      </a:fontRef>
+    </dgm:style>
+  </dgm:styleLbl>
+  <dgm:styleLbl name="parChTrans2D2">
+    <dgm:scene3d>
+      <a:camera prst="orthographicFront"/>
+      <a:lightRig rig="threePt" dir="t"/>
+    </dgm:scene3d>
+    <dgm:sp3d/>
+    <dgm:txPr/>
+    <dgm:style>
+      <a:lnRef idx="2">
+        <a:scrgbClr r="0" g="0" b="0"/>
+      </a:lnRef>
+      <a:fillRef idx="1">
+        <a:scrgbClr r="0" g="0" b="0"/>
+      </a:fillRef>
+      <a:effectRef idx="0">
+        <a:scrgbClr r="0" g="0" b="0"/>
+      </a:effectRef>
+      <a:fontRef idx="minor">
+        <a:schemeClr val="lt1"/>
+      </a:fontRef>
+    </dgm:style>
+  </dgm:styleLbl>
+  <dgm:styleLbl name="parChTrans2D3">
+    <dgm:scene3d>
+      <a:camera prst="orthographicFront"/>
+      <a:lightRig rig="threePt" dir="t"/>
+    </dgm:scene3d>
+    <dgm:sp3d/>
+    <dgm:txPr/>
+    <dgm:style>
+      <a:lnRef idx="2">
+        <a:scrgbClr r="0" g="0" b="0"/>
+      </a:lnRef>
+      <a:fillRef idx="1">
+        <a:scrgbClr r="0" g="0" b="0"/>
+      </a:fillRef>
+      <a:effectRef idx="0">
+        <a:scrgbClr r="0" g="0" b="0"/>
+      </a:effectRef>
+      <a:fontRef idx="minor">
+        <a:schemeClr val="lt1"/>
+      </a:fontRef>
+    </dgm:style>
+  </dgm:styleLbl>
+  <dgm:styleLbl name="parChTrans2D4">
+    <dgm:scene3d>
+      <a:camera prst="orthographicFront"/>
+      <a:lightRig rig="threePt" dir="t"/>
+    </dgm:scene3d>
+    <dgm:sp3d/>
+    <dgm:txPr/>
+    <dgm:style>
+      <a:lnRef idx="2">
+        <a:scrgbClr r="0" g="0" b="0"/>
+      </a:lnRef>
+      <a:fillRef idx="1">
+        <a:scrgbClr r="0" g="0" b="0"/>
+      </a:fillRef>
+      <a:effectRef idx="0">
+        <a:scrgbClr r="0" g="0" b="0"/>
+      </a:effectRef>
+      <a:fontRef idx="minor">
+        <a:schemeClr val="lt1"/>
+      </a:fontRef>
+    </dgm:style>
+  </dgm:styleLbl>
+  <dgm:styleLbl name="parChTrans1D1">
+    <dgm:scene3d>
+      <a:camera prst="orthographicFront"/>
+      <a:lightRig rig="threePt" dir="t"/>
+    </dgm:scene3d>
+    <dgm:sp3d/>
+    <dgm:txPr/>
+    <dgm:style>
+      <a:lnRef idx="2">
+        <a:scrgbClr r="0" g="0" b="0"/>
+      </a:lnRef>
+      <a:fillRef idx="0">
+        <a:scrgbClr r="0" g="0" b="0"/>
+      </a:fillRef>
+      <a:effectRef idx="0">
+        <a:scrgbClr r="0" g="0" b="0"/>
+      </a:effectRef>
+      <a:fontRef idx="minor"/>
+    </dgm:style>
+  </dgm:styleLbl>
+  <dgm:styleLbl name="parChTrans1D2">
+    <dgm:scene3d>
+      <a:camera prst="orthographicFront"/>
+      <a:lightRig rig="threePt" dir="t"/>
+    </dgm:scene3d>
+    <dgm:sp3d/>
+    <dgm:txPr/>
+    <dgm:style>
+      <a:lnRef idx="2">
+        <a:scrgbClr r="0" g="0" b="0"/>
+      </a:lnRef>
+      <a:fillRef idx="0">
+        <a:scrgbClr r="0" g="0" b="0"/>
+      </a:fillRef>
+      <a:effectRef idx="0">
+        <a:scrgbClr r="0" g="0" b="0"/>
+      </a:effectRef>
+      <a:fontRef idx="minor"/>
+    </dgm:style>
+  </dgm:styleLbl>
+  <dgm:styleLbl name="parChTrans1D3">
+    <dgm:scene3d>
+      <a:camera prst="orthographicFront"/>
+      <a:lightRig rig="threePt" dir="t"/>
+    </dgm:scene3d>
+    <dgm:sp3d/>
+    <dgm:txPr/>
+    <dgm:style>
+      <a:lnRef idx="2">
+        <a:scrgbClr r="0" g="0" b="0"/>
+      </a:lnRef>
+      <a:fillRef idx="0">
+        <a:scrgbClr r="0" g="0" b="0"/>
+      </a:fillRef>
+      <a:effectRef idx="0">
+        <a:scrgbClr r="0" g="0" b="0"/>
+      </a:effectRef>
+      <a:fontRef idx="minor"/>
+    </dgm:style>
+  </dgm:styleLbl>
+  <dgm:styleLbl name="parChTrans1D4">
+    <dgm:scene3d>
+      <a:camera prst="orthographicFront"/>
+      <a:lightRig rig="threePt" dir="t"/>
+    </dgm:scene3d>
+    <dgm:sp3d/>
+    <dgm:txPr/>
+    <dgm:style>
+      <a:lnRef idx="2">
+        <a:scrgbClr r="0" g="0" b="0"/>
+      </a:lnRef>
+      <a:fillRef idx="0">
+        <a:scrgbClr r="0" g="0" b="0"/>
+      </a:fillRef>
+      <a:effectRef idx="0">
+        <a:scrgbClr r="0" g="0" b="0"/>
+      </a:effectRef>
+      <a:fontRef idx="minor"/>
+    </dgm:style>
+  </dgm:styleLbl>
+  <dgm:styleLbl name="fgAcc1">
+    <dgm:scene3d>
+      <a:camera prst="orthographicFront"/>
+      <a:lightRig rig="threePt" dir="t"/>
+    </dgm:scene3d>
+    <dgm:sp3d/>
+    <dgm:txPr/>
+    <dgm:style>
+      <a:lnRef idx="2">
+        <a:scrgbClr r="0" g="0" b="0"/>
+      </a:lnRef>
+      <a:fillRef idx="1">
+        <a:scrgbClr r="0" g="0" b="0"/>
+      </a:fillRef>
+      <a:effectRef idx="0">
+        <a:scrgbClr r="0" g="0" b="0"/>
+      </a:effectRef>
+      <a:fontRef idx="minor"/>
+    </dgm:style>
+  </dgm:styleLbl>
+  <dgm:styleLbl name="conFgAcc1">
+    <dgm:scene3d>
+      <a:camera prst="orthographicFront"/>
+      <a:lightRig rig="threePt" dir="t"/>
+    </dgm:scene3d>
+    <dgm:sp3d/>
+    <dgm:txPr/>
+    <dgm:style>
+      <a:lnRef idx="2">
+        <a:scrgbClr r="0" g="0" b="0"/>
+      </a:lnRef>
+      <a:fillRef idx="1">
+        <a:scrgbClr r="0" g="0" b="0"/>
+      </a:fillRef>
+      <a:effectRef idx="0">
+        <a:scrgbClr r="0" g="0" b="0"/>
+      </a:effectRef>
+      <a:fontRef idx="minor"/>
+    </dgm:style>
+  </dgm:styleLbl>
+  <dgm:styleLbl name="alignAcc1">
+    <dgm:scene3d>
+      <a:camera prst="orthographicFront"/>
+      <a:lightRig rig="threePt" dir="t"/>
+    </dgm:scene3d>
+    <dgm:sp3d/>
+    <dgm:txPr/>
+    <dgm:style>
+      <a:lnRef idx="2">
+        <a:scrgbClr r="0" g="0" b="0"/>
+      </a:lnRef>
+      <a:fillRef idx="1">
+        <a:scrgbClr r="0" g="0" b="0"/>
+      </a:fillRef>
+      <a:effectRef idx="0">
+        <a:scrgbClr r="0" g="0" b="0"/>
+      </a:effectRef>
+      <a:fontRef idx="minor"/>
+    </dgm:style>
+  </dgm:styleLbl>
+  <dgm:styleLbl name="trAlignAcc1">
+    <dgm:scene3d>
+      <a:camera prst="orthographicFront"/>
+      <a:lightRig rig="threePt" dir="t"/>
+    </dgm:scene3d>
+    <dgm:sp3d/>
+    <dgm:txPr/>
+    <dgm:style>
+      <a:lnRef idx="1">
+        <a:scrgbClr r="0" g="0" b="0"/>
+      </a:lnRef>
+      <a:fillRef idx="1">
+        <a:scrgbClr r="0" g="0" b="0"/>
+      </a:fillRef>
+      <a:effectRef idx="0">
+        <a:scrgbClr r="0" g="0" b="0"/>
+      </a:effectRef>
+      <a:fontRef idx="minor"/>
+    </dgm:style>
+  </dgm:styleLbl>
+  <dgm:styleLbl name="bgAcc1">
+    <dgm:scene3d>
+      <a:camera prst="orthographicFront"/>
+      <a:lightRig rig="threePt" dir="t"/>
+    </dgm:scene3d>
+    <dgm:sp3d/>
+    <dgm:txPr/>
+    <dgm:style>
+      <a:lnRef idx="2">
+        <a:scrgbClr r="0" g="0" b="0"/>
+      </a:lnRef>
+      <a:fillRef idx="1">
+        <a:scrgbClr r="0" g="0" b="0"/>
+      </a:fillRef>
+      <a:effectRef idx="0">
+        <a:scrgbClr r="0" g="0" b="0"/>
+      </a:effectRef>
+      <a:fontRef idx="minor"/>
+    </dgm:style>
+  </dgm:styleLbl>
+  <dgm:styleLbl name="solidFgAcc1">
+    <dgm:scene3d>
+      <a:camera prst="orthographicFront"/>
+      <a:lightRig rig="threePt" dir="t"/>
+    </dgm:scene3d>
+    <dgm:sp3d/>
+    <dgm:txPr/>
+    <dgm:style>
+      <a:lnRef idx="2">
+        <a:scrgbClr r="0" g="0" b="0"/>
+      </a:lnRef>
+      <a:fillRef idx="1">
+        <a:scrgbClr r="0" g="0" b="0"/>
+      </a:fillRef>
+      <a:effectRef idx="0">
+        <a:scrgbClr r="0" g="0" b="0"/>
+      </a:effectRef>
+      <a:fontRef idx="minor"/>
+    </dgm:style>
+  </dgm:styleLbl>
+  <dgm:styleLbl name="solidAlignAcc1">
+    <dgm:scene3d>
+      <a:camera prst="orthographicFront"/>
+      <a:lightRig rig="threePt" dir="t"/>
+    </dgm:scene3d>
+    <dgm:sp3d/>
+    <dgm:txPr/>
+    <dgm:style>
+      <a:lnRef idx="2">
+        <a:scrgbClr r="0" g="0" b="0"/>
+      </a:lnRef>
+      <a:fillRef idx="1">
+        <a:scrgbClr r="0" g="0" b="0"/>
+      </a:fillRef>
+      <a:effectRef idx="0">
+        <a:scrgbClr r="0" g="0" b="0"/>
+      </a:effectRef>
+      <a:fontRef idx="minor"/>
+    </dgm:style>
+  </dgm:styleLbl>
+  <dgm:styleLbl name="solidBgAcc1">
+    <dgm:scene3d>
+      <a:camera prst="orthographicFront"/>
+      <a:lightRig rig="threePt" dir="t"/>
+    </dgm:scene3d>
+    <dgm:sp3d/>
+    <dgm:txPr/>
+    <dgm:style>
+      <a:lnRef idx="2">
+        <a:scrgbClr r="0" g="0" b="0"/>
+      </a:lnRef>
+      <a:fillRef idx="1">
+        <a:scrgbClr r="0" g="0" b="0"/>
+      </a:fillRef>
+      <a:effectRef idx="0">
+        <a:scrgbClr r="0" g="0" b="0"/>
+      </a:effectRef>
+      <a:fontRef idx="minor"/>
+    </dgm:style>
+  </dgm:styleLbl>
+  <dgm:styleLbl name="fgAccFollowNode1">
+    <dgm:scene3d>
+      <a:camera prst="orthographicFront"/>
+      <a:lightRig rig="threePt" dir="t"/>
+    </dgm:scene3d>
+    <dgm:sp3d/>
+    <dgm:txPr/>
+    <dgm:style>
+      <a:lnRef idx="2">
+        <a:scrgbClr r="0" g="0" b="0"/>
+      </a:lnRef>
+      <a:fillRef idx="1">
+        <a:scrgbClr r="0" g="0" b="0"/>
+      </a:fillRef>
+      <a:effectRef idx="0">
+        <a:scrgbClr r="0" g="0" b="0"/>
+      </a:effectRef>
+      <a:fontRef idx="minor"/>
+    </dgm:style>
+  </dgm:styleLbl>
+  <dgm:styleLbl name="alignAccFollowNode1">
+    <dgm:scene3d>
+      <a:camera prst="orthographicFront"/>
+      <a:lightRig rig="threePt" dir="t"/>
+    </dgm:scene3d>
+    <dgm:sp3d/>
+    <dgm:txPr/>
+    <dgm:style>
+      <a:lnRef idx="2">
+        <a:scrgbClr r="0" g="0" b="0"/>
+      </a:lnRef>
+      <a:fillRef idx="1">
+        <a:scrgbClr r="0" g="0" b="0"/>
+      </a:fillRef>
+      <a:effectRef idx="0">
+        <a:scrgbClr r="0" g="0" b="0"/>
+      </a:effectRef>
+      <a:fontRef idx="minor"/>
+    </dgm:style>
+  </dgm:styleLbl>
+  <dgm:styleLbl name="bgAccFollowNode1">
+    <dgm:scene3d>
+      <a:camera prst="orthographicFront"/>
+      <a:lightRig rig="threePt" dir="t"/>
+    </dgm:scene3d>
+    <dgm:sp3d/>
+    <dgm:txPr/>
+    <dgm:style>
+      <a:lnRef idx="2">
+        <a:scrgbClr r="0" g="0" b="0"/>
+      </a:lnRef>
+      <a:fillRef idx="1">
+        <a:scrgbClr r="0" g="0" b="0"/>
+      </a:fillRef>
+      <a:effectRef idx="0">
+        <a:scrgbClr r="0" g="0" b="0"/>
+      </a:effectRef>
+      <a:fontRef idx="minor"/>
+    </dgm:style>
+  </dgm:styleLbl>
+  <dgm:styleLbl name="fgAcc0">
+    <dgm:scene3d>
+      <a:camera prst="orthographicFront"/>
+      <a:lightRig rig="threePt" dir="t"/>
+    </dgm:scene3d>
+    <dgm:sp3d/>
+    <dgm:txPr/>
+    <dgm:style>
+      <a:lnRef idx="2">
+        <a:scrgbClr r="0" g="0" b="0"/>
+      </a:lnRef>
+      <a:fillRef idx="1">
+        <a:scrgbClr r="0" g="0" b="0"/>
+      </a:fillRef>
+      <a:effectRef idx="0">
+        <a:scrgbClr r="0" g="0" b="0"/>
+      </a:effectRef>
+      <a:fontRef idx="minor"/>
+    </dgm:style>
+  </dgm:styleLbl>
+  <dgm:styleLbl name="fgAcc2">
+    <dgm:scene3d>
+      <a:camera prst="orthographicFront"/>
+      <a:lightRig rig="threePt" dir="t"/>
+    </dgm:scene3d>
+    <dgm:sp3d/>
+    <dgm:txPr/>
+    <dgm:style>
+      <a:lnRef idx="2">
+        <a:scrgbClr r="0" g="0" b="0"/>
+      </a:lnRef>
+      <a:fillRef idx="1">
+        <a:scrgbClr r="0" g="0" b="0"/>
+      </a:fillRef>
+      <a:effectRef idx="0">
+        <a:scrgbClr r="0" g="0" b="0"/>
+      </a:effectRef>
+      <a:fontRef idx="minor"/>
+    </dgm:style>
+  </dgm:styleLbl>
+  <dgm:styleLbl name="fgAcc3">
+    <dgm:scene3d>
+      <a:camera prst="orthographicFront"/>
+      <a:lightRig rig="threePt" dir="t"/>
+    </dgm:scene3d>
+    <dgm:sp3d/>
+    <dgm:txPr/>
+    <dgm:style>
+      <a:lnRef idx="2">
+        <a:scrgbClr r="0" g="0" b="0"/>
+      </a:lnRef>
+      <a:fillRef idx="1">
+        <a:scrgbClr r="0" g="0" b="0"/>
+      </a:fillRef>
+      <a:effectRef idx="0">
+        <a:scrgbClr r="0" g="0" b="0"/>
+      </a:effectRef>
+      <a:fontRef idx="minor"/>
+    </dgm:style>
+  </dgm:styleLbl>
+  <dgm:styleLbl name="fgAcc4">
+    <dgm:scene3d>
+      <a:camera prst="orthographicFront"/>
+      <a:lightRig rig="threePt" dir="t"/>
+    </dgm:scene3d>
+    <dgm:sp3d/>
+    <dgm:txPr/>
+    <dgm:style>
+      <a:lnRef idx="2">
+        <a:scrgbClr r="0" g="0" b="0"/>
+      </a:lnRef>
+      <a:fillRef idx="1">
+        <a:scrgbClr r="0" g="0" b="0"/>
+      </a:fillRef>
+      <a:effectRef idx="0">
+        <a:scrgbClr r="0" g="0" b="0"/>
+      </a:effectRef>
+      <a:fontRef idx="minor"/>
+    </dgm:style>
+  </dgm:styleLbl>
+  <dgm:styleLbl name="bgShp">
+    <dgm:scene3d>
+      <a:camera prst="orthographicFront"/>
+      <a:lightRig rig="threePt" dir="t"/>
+    </dgm:scene3d>
+    <dgm:sp3d/>
+    <dgm:txPr/>
+    <dgm:style>
+      <a:lnRef idx="0">
+        <a:scrgbClr r="0" g="0" b="0"/>
+      </a:lnRef>
+      <a:fillRef idx="1">
+        <a:scrgbClr r="0" g="0" b="0"/>
+      </a:fillRef>
+      <a:effectRef idx="0">
+        <a:scrgbClr r="0" g="0" b="0"/>
+      </a:effectRef>
+      <a:fontRef idx="minor"/>
+    </dgm:style>
+  </dgm:styleLbl>
+  <dgm:styleLbl name="dkBgShp">
+    <dgm:scene3d>
+      <a:camera prst="orthographicFront"/>
+      <a:lightRig rig="threePt" dir="t"/>
+    </dgm:scene3d>
+    <dgm:sp3d/>
+    <dgm:txPr/>
+    <dgm:style>
+      <a:lnRef idx="0">
+        <a:scrgbClr r="0" g="0" b="0"/>
+      </a:lnRef>
+      <a:fillRef idx="1">
+        <a:scrgbClr r="0" g="0" b="0"/>
+      </a:fillRef>
+      <a:effectRef idx="0">
+        <a:scrgbClr r="0" g="0" b="0"/>
+      </a:effectRef>
+      <a:fontRef idx="minor"/>
+    </dgm:style>
+  </dgm:styleLbl>
+  <dgm:styleLbl name="trBgShp">
+    <dgm:scene3d>
+      <a:camera prst="orthographicFront"/>
+      <a:lightRig rig="threePt" dir="t"/>
+    </dgm:scene3d>
+    <dgm:sp3d/>
+    <dgm:txPr/>
+    <dgm:style>
+      <a:lnRef idx="0">
+        <a:scrgbClr r="0" g="0" b="0"/>
+      </a:lnRef>
+      <a:fillRef idx="1">
+        <a:scrgbClr r="0" g="0" b="0"/>
+      </a:fillRef>
+      <a:effectRef idx="0">
+        <a:scrgbClr r="0" g="0" b="0"/>
+      </a:effectRef>
+      <a:fontRef idx="minor"/>
+    </dgm:style>
+  </dgm:styleLbl>
+  <dgm:styleLbl name="fgShp">
+    <dgm:scene3d>
+      <a:camera prst="orthographicFront"/>
+      <a:lightRig rig="threePt" dir="t"/>
+    </dgm:scene3d>
+    <dgm:sp3d/>
+    <dgm:txPr/>
+    <dgm:style>
+      <a:lnRef idx="2">
+        <a:scrgbClr r="0" g="0" b="0"/>
+      </a:lnRef>
+      <a:fillRef idx="1">
+        <a:scrgbClr r="0" g="0" b="0"/>
+      </a:fillRef>
+      <a:effectRef idx="0">
+        <a:scrgbClr r="0" g="0" b="0"/>
+      </a:effectRef>
+      <a:fontRef idx="minor"/>
+    </dgm:style>
+  </dgm:styleLbl>
+  <dgm:styleLbl name="revTx">
+    <dgm:scene3d>
+      <a:camera prst="orthographicFront"/>
+      <a:lightRig rig="threePt" dir="t"/>
+    </dgm:scene3d>
+    <dgm:sp3d/>
+    <dgm:txPr/>
+    <dgm:style>
+      <a:lnRef idx="0">
+        <a:scrgbClr r="0" g="0" b="0"/>
+      </a:lnRef>
+      <a:fillRef idx="0">
+        <a:scrgbClr r="0" g="0" b="0"/>
+      </a:fillRef>
+      <a:effectRef idx="0">
+        <a:scrgbClr r="0" g="0" b="0"/>
+      </a:effectRef>
+      <a:fontRef idx="minor"/>
+    </dgm:style>
+  </dgm:styleLbl>
+</dgm:styleDef>
+</file>
+
 <file path=ppt/slideLayouts/slideLayout1.xml><?xml version="1.0" encoding="utf-8"?>
 <p:sldLayout xmlns:a="http://schemas.openxmlformats.org/drawingml/2006/main" xmlns:r="http://schemas.openxmlformats.org/officeDocument/2006/relationships" xmlns:p="http://schemas.openxmlformats.org/presentationml/2006/main" type="title" preserve="1">
   <p:cSld name="Title Slide">
@@ -3650,7 +7037,7 @@
           <a:p>
             <a:fld id="{02AC24A9-CCB6-4F8D-B8DB-C2F3692CFA5A}" type="datetimeFigureOut">
               <a:rPr lang="en-US" smtClean="0"/>
-              <a:t>12/9/2023</a:t>
+              <a:t>12/12/2023</a:t>
             </a:fld>
             <a:endParaRPr lang="en-US" dirty="0"/>
           </a:p>
@@ -4020,7 +7407,7 @@
           <a:p>
             <a:fld id="{02AC24A9-CCB6-4F8D-B8DB-C2F3692CFA5A}" type="datetimeFigureOut">
               <a:rPr lang="en-US" smtClean="0"/>
-              <a:t>12/9/2023</a:t>
+              <a:t>12/12/2023</a:t>
             </a:fld>
             <a:endParaRPr lang="en-US"/>
           </a:p>
@@ -4229,7 +7616,7 @@
           <a:p>
             <a:fld id="{02AC24A9-CCB6-4F8D-B8DB-C2F3692CFA5A}" type="datetimeFigureOut">
               <a:rPr lang="en-US" smtClean="0"/>
-              <a:t>12/9/2023</a:t>
+              <a:t>12/12/2023</a:t>
             </a:fld>
             <a:endParaRPr lang="en-US"/>
           </a:p>
@@ -4699,7 +8086,7 @@
           <a:p>
             <a:fld id="{02AC24A9-CCB6-4F8D-B8DB-C2F3692CFA5A}" type="datetimeFigureOut">
               <a:rPr lang="en-US" smtClean="0"/>
-              <a:t>12/9/2023</a:t>
+              <a:t>12/12/2023</a:t>
             </a:fld>
             <a:endParaRPr lang="en-US"/>
           </a:p>
@@ -5153,7 +8540,7 @@
           <a:p>
             <a:fld id="{02AC24A9-CCB6-4F8D-B8DB-C2F3692CFA5A}" type="datetimeFigureOut">
               <a:rPr lang="en-US" smtClean="0"/>
-              <a:t>12/9/2023</a:t>
+              <a:t>12/12/2023</a:t>
             </a:fld>
             <a:endParaRPr lang="en-US"/>
           </a:p>
@@ -5685,7 +9072,7 @@
           <a:p>
             <a:fld id="{02AC24A9-CCB6-4F8D-B8DB-C2F3692CFA5A}" type="datetimeFigureOut">
               <a:rPr lang="en-US" smtClean="0"/>
-              <a:t>12/9/2023</a:t>
+              <a:t>12/12/2023</a:t>
             </a:fld>
             <a:endParaRPr lang="en-US"/>
           </a:p>
@@ -6384,7 +9771,7 @@
           <a:p>
             <a:fld id="{02AC24A9-CCB6-4F8D-B8DB-C2F3692CFA5A}" type="datetimeFigureOut">
               <a:rPr lang="en-US" smtClean="0"/>
-              <a:t>12/9/2023</a:t>
+              <a:t>12/12/2023</a:t>
             </a:fld>
             <a:endParaRPr lang="en-US"/>
           </a:p>
@@ -6713,7 +10100,7 @@
           <a:p>
             <a:fld id="{02AC24A9-CCB6-4F8D-B8DB-C2F3692CFA5A}" type="datetimeFigureOut">
               <a:rPr lang="en-US" smtClean="0"/>
-              <a:t>12/9/2023</a:t>
+              <a:t>12/12/2023</a:t>
             </a:fld>
             <a:endParaRPr lang="en-US"/>
           </a:p>
@@ -6826,7 +10213,7 @@
           <a:p>
             <a:fld id="{02AC24A9-CCB6-4F8D-B8DB-C2F3692CFA5A}" type="datetimeFigureOut">
               <a:rPr lang="en-US" smtClean="0"/>
-              <a:t>12/9/2023</a:t>
+              <a:t>12/12/2023</a:t>
             </a:fld>
             <a:endParaRPr lang="en-US"/>
           </a:p>
@@ -7321,7 +10708,7 @@
           <a:p>
             <a:fld id="{02AC24A9-CCB6-4F8D-B8DB-C2F3692CFA5A}" type="datetimeFigureOut">
               <a:rPr lang="en-US" smtClean="0"/>
-              <a:t>12/9/2023</a:t>
+              <a:t>12/12/2023</a:t>
             </a:fld>
             <a:endParaRPr lang="en-US" dirty="0"/>
           </a:p>
@@ -7798,7 +11185,7 @@
           <a:p>
             <a:fld id="{02AC24A9-CCB6-4F8D-B8DB-C2F3692CFA5A}" type="datetimeFigureOut">
               <a:rPr lang="en-US" smtClean="0"/>
-              <a:t>12/9/2023</a:t>
+              <a:t>12/12/2023</a:t>
             </a:fld>
             <a:endParaRPr lang="en-US"/>
           </a:p>
@@ -8041,7 +11428,7 @@
           <a:p>
             <a:fld id="{02AC24A9-CCB6-4F8D-B8DB-C2F3692CFA5A}" type="datetimeFigureOut">
               <a:rPr lang="en-US" smtClean="0"/>
-              <a:t>12/9/2023</a:t>
+              <a:t>12/12/2023</a:t>
             </a:fld>
             <a:endParaRPr lang="en-US"/>
           </a:p>
@@ -9070,6 +12457,14 @@
 <file path=ppt/slides/slide10.xml><?xml version="1.0" encoding="utf-8"?>
 <p:sld xmlns:a="http://schemas.openxmlformats.org/drawingml/2006/main" xmlns:r="http://schemas.openxmlformats.org/officeDocument/2006/relationships" xmlns:p="http://schemas.openxmlformats.org/presentationml/2006/main">
   <p:cSld>
+    <p:bg>
+      <p:bgPr>
+        <a:solidFill>
+          <a:schemeClr val="bg1"/>
+        </a:solidFill>
+        <a:effectLst/>
+      </p:bgPr>
+    </p:bg>
     <p:spTree>
       <p:nvGrpSpPr>
         <p:cNvPr id="1" name=""/>
@@ -9086,10 +12481,258 @@
       </p:grpSpPr>
       <p:sp>
         <p:nvSpPr>
+          <p:cNvPr id="22" name="Rectangle 21">
+            <a:extLst>
+              <a:ext uri="{FF2B5EF4-FFF2-40B4-BE49-F238E27FC236}">
+                <a16:creationId xmlns:a16="http://schemas.microsoft.com/office/drawing/2014/main" id="{8D06CE56-3881-4ADA-8CEF-D18B02C242A3}"/>
+              </a:ext>
+              <a:ext uri="{C183D7F6-B498-43B3-948B-1728B52AA6E4}">
+                <adec:decorative xmlns:adec="http://schemas.microsoft.com/office/drawing/2017/decorative" val="1"/>
+              </a:ext>
+            </a:extLst>
+          </p:cNvPr>
+          <p:cNvSpPr>
+            <a:spLocks noGrp="1" noRot="1" noChangeAspect="1" noMove="1" noResize="1" noEditPoints="1" noAdjustHandles="1" noChangeArrowheads="1" noChangeShapeType="1" noTextEdit="1"/>
+          </p:cNvSpPr>
+          <p:nvPr>
+            <p:extLst>
+              <p:ext uri="{386F3935-93C4-4BCD-93E2-E3B085C9AB24}">
+                <p16:designElem xmlns:p16="http://schemas.microsoft.com/office/powerpoint/2015/main" val="1"/>
+              </p:ext>
+            </p:extLst>
+          </p:nvPr>
+        </p:nvSpPr>
+        <p:spPr>
+          <a:xfrm rot="5400000">
+            <a:off x="857544" y="346791"/>
+            <a:ext cx="146304" cy="704088"/>
+          </a:xfrm>
+          <a:prstGeom prst="rect">
+            <a:avLst/>
+          </a:prstGeom>
+          <a:solidFill>
+            <a:schemeClr val="accent1"/>
+          </a:solidFill>
+          <a:ln>
+            <a:noFill/>
+          </a:ln>
+        </p:spPr>
+        <p:style>
+          <a:lnRef idx="2">
+            <a:schemeClr val="accent1">
+              <a:shade val="50000"/>
+            </a:schemeClr>
+          </a:lnRef>
+          <a:fillRef idx="1">
+            <a:schemeClr val="accent1"/>
+          </a:fillRef>
+          <a:effectRef idx="0">
+            <a:schemeClr val="accent1"/>
+          </a:effectRef>
+          <a:fontRef idx="minor">
+            <a:schemeClr val="lt1"/>
+          </a:fontRef>
+        </p:style>
+        <p:txBody>
+          <a:bodyPr rtlCol="0" anchor="ctr"/>
+          <a:lstStyle/>
+          <a:p>
+            <a:pPr marL="0" marR="0" lvl="0" indent="0" algn="ctr" defTabSz="914400" rtl="0" eaLnBrk="1" fontAlgn="auto" latinLnBrk="0" hangingPunct="1">
+              <a:lnSpc>
+                <a:spcPct val="100000"/>
+              </a:lnSpc>
+              <a:spcBef>
+                <a:spcPts val="0"/>
+              </a:spcBef>
+              <a:spcAft>
+                <a:spcPts val="0"/>
+              </a:spcAft>
+              <a:buClrTx/>
+              <a:buSzTx/>
+              <a:buFontTx/>
+              <a:buNone/>
+              <a:tabLst/>
+              <a:defRPr/>
+            </a:pPr>
+            <a:endParaRPr kumimoji="0" lang="en-US" sz="1800" b="0" i="0" u="none" strike="noStrike" kern="1200" cap="none" spc="0" normalizeH="0" baseline="0" noProof="0">
+              <a:ln>
+                <a:noFill/>
+              </a:ln>
+              <a:solidFill>
+                <a:prstClr val="white"/>
+              </a:solidFill>
+              <a:effectLst/>
+              <a:uLnTx/>
+              <a:uFillTx/>
+              <a:latin typeface="Calibri" panose="020F0502020204030204"/>
+              <a:ea typeface="+mn-ea"/>
+              <a:cs typeface="+mn-cs"/>
+            </a:endParaRPr>
+          </a:p>
+        </p:txBody>
+      </p:sp>
+      <p:sp>
+        <p:nvSpPr>
+          <p:cNvPr id="24" name="Rectangle 23">
+            <a:extLst>
+              <a:ext uri="{FF2B5EF4-FFF2-40B4-BE49-F238E27FC236}">
+                <a16:creationId xmlns:a16="http://schemas.microsoft.com/office/drawing/2014/main" id="{79F3C543-62EC-4433-9C93-A2CD8764E9B4}"/>
+              </a:ext>
+              <a:ext uri="{C183D7F6-B498-43B3-948B-1728B52AA6E4}">
+                <adec:decorative xmlns:adec="http://schemas.microsoft.com/office/drawing/2017/decorative" val="1"/>
+              </a:ext>
+            </a:extLst>
+          </p:cNvPr>
+          <p:cNvSpPr>
+            <a:spLocks noGrp="1" noRot="1" noChangeAspect="1" noMove="1" noResize="1" noEditPoints="1" noAdjustHandles="1" noChangeArrowheads="1" noChangeShapeType="1" noTextEdit="1"/>
+          </p:cNvSpPr>
+          <p:nvPr>
+            <p:extLst>
+              <p:ext uri="{386F3935-93C4-4BCD-93E2-E3B085C9AB24}">
+                <p16:designElem xmlns:p16="http://schemas.microsoft.com/office/powerpoint/2015/main" val="1"/>
+              </p:ext>
+            </p:extLst>
+          </p:nvPr>
+        </p:nvSpPr>
+        <p:spPr>
+          <a:xfrm flipV="1">
+            <a:off x="578652" y="4501201"/>
+            <a:ext cx="11034696" cy="18288"/>
+          </a:xfrm>
+          <a:prstGeom prst="rect">
+            <a:avLst/>
+          </a:prstGeom>
+          <a:solidFill>
+            <a:schemeClr val="tx2">
+              <a:lumMod val="25000"/>
+              <a:lumOff val="75000"/>
+            </a:schemeClr>
+          </a:solidFill>
+          <a:ln w="3175">
+            <a:noFill/>
+          </a:ln>
+          <a:effectLst/>
+        </p:spPr>
+        <p:style>
+          <a:lnRef idx="2">
+            <a:schemeClr val="accent1">
+              <a:shade val="50000"/>
+            </a:schemeClr>
+          </a:lnRef>
+          <a:fillRef idx="1">
+            <a:schemeClr val="accent1"/>
+          </a:fillRef>
+          <a:effectRef idx="0">
+            <a:schemeClr val="accent1"/>
+          </a:effectRef>
+          <a:fontRef idx="minor">
+            <a:schemeClr val="lt1"/>
+          </a:fontRef>
+        </p:style>
+        <p:txBody>
+          <a:bodyPr rtlCol="0" anchor="ctr"/>
+          <a:lstStyle/>
+          <a:p>
+            <a:pPr marL="0" marR="0" lvl="0" indent="0" algn="ctr" defTabSz="914400" rtl="0" eaLnBrk="1" fontAlgn="auto" latinLnBrk="0" hangingPunct="1">
+              <a:lnSpc>
+                <a:spcPct val="100000"/>
+              </a:lnSpc>
+              <a:spcBef>
+                <a:spcPts val="0"/>
+              </a:spcBef>
+              <a:spcAft>
+                <a:spcPts val="0"/>
+              </a:spcAft>
+              <a:buClrTx/>
+              <a:buSzTx/>
+              <a:buFontTx/>
+              <a:buNone/>
+              <a:tabLst/>
+              <a:defRPr/>
+            </a:pPr>
+            <a:endParaRPr kumimoji="0" lang="en-US" sz="1800" b="0" i="0" u="none" strike="noStrike" kern="1200" cap="none" spc="0" normalizeH="0" baseline="0" noProof="0">
+              <a:ln>
+                <a:noFill/>
+              </a:ln>
+              <a:solidFill>
+                <a:prstClr val="white"/>
+              </a:solidFill>
+              <a:effectLst/>
+              <a:uLnTx/>
+              <a:uFillTx/>
+              <a:latin typeface="Calibri" panose="020F0502020204030204"/>
+              <a:ea typeface="+mn-ea"/>
+              <a:cs typeface="+mn-cs"/>
+            </a:endParaRPr>
+          </a:p>
+        </p:txBody>
+      </p:sp>
+      <p:sp useBgFill="1">
+        <p:nvSpPr>
+          <p:cNvPr id="26" name="Rectangle 25">
+            <a:extLst>
+              <a:ext uri="{FF2B5EF4-FFF2-40B4-BE49-F238E27FC236}">
+                <a16:creationId xmlns:a16="http://schemas.microsoft.com/office/drawing/2014/main" id="{D7D03296-BABA-47AD-A5D5-ED156727016E}"/>
+              </a:ext>
+              <a:ext uri="{C183D7F6-B498-43B3-948B-1728B52AA6E4}">
+                <adec:decorative xmlns:adec="http://schemas.microsoft.com/office/drawing/2017/decorative" val="1"/>
+              </a:ext>
+            </a:extLst>
+          </p:cNvPr>
+          <p:cNvSpPr>
+            <a:spLocks noGrp="1" noRot="1" noChangeAspect="1" noMove="1" noResize="1" noEditPoints="1" noAdjustHandles="1" noChangeArrowheads="1" noChangeShapeType="1" noTextEdit="1"/>
+          </p:cNvSpPr>
+          <p:nvPr>
+            <p:extLst>
+              <p:ext uri="{386F3935-93C4-4BCD-93E2-E3B085C9AB24}">
+                <p16:designElem xmlns:p16="http://schemas.microsoft.com/office/powerpoint/2015/main" val="1"/>
+              </p:ext>
+            </p:extLst>
+          </p:nvPr>
+        </p:nvSpPr>
+        <p:spPr>
+          <a:xfrm>
+            <a:off x="0" y="0"/>
+            <a:ext cx="12192000" cy="6858000"/>
+          </a:xfrm>
+          <a:prstGeom prst="rect">
+            <a:avLst/>
+          </a:prstGeom>
+          <a:ln>
+            <a:noFill/>
+          </a:ln>
+        </p:spPr>
+        <p:style>
+          <a:lnRef idx="2">
+            <a:schemeClr val="accent1">
+              <a:shade val="50000"/>
+            </a:schemeClr>
+          </a:lnRef>
+          <a:fillRef idx="1">
+            <a:schemeClr val="accent1"/>
+          </a:fillRef>
+          <a:effectRef idx="0">
+            <a:schemeClr val="accent1"/>
+          </a:effectRef>
+          <a:fontRef idx="minor">
+            <a:schemeClr val="lt1"/>
+          </a:fontRef>
+        </p:style>
+        <p:txBody>
+          <a:bodyPr rtlCol="0" anchor="ctr"/>
+          <a:lstStyle/>
+          <a:p>
+            <a:pPr algn="ctr"/>
+            <a:endParaRPr lang="en-US"/>
+          </a:p>
+        </p:txBody>
+      </p:sp>
+      <p:sp>
+        <p:nvSpPr>
           <p:cNvPr id="2" name="Title 1">
             <a:extLst>
               <a:ext uri="{FF2B5EF4-FFF2-40B4-BE49-F238E27FC236}">
-                <a16:creationId xmlns:a16="http://schemas.microsoft.com/office/drawing/2014/main" id="{DD37515A-342A-4A43-B766-4189D01A3B70}"/>
+                <a16:creationId xmlns:a16="http://schemas.microsoft.com/office/drawing/2014/main" id="{F17888B7-2BF0-4EE4-0FD1-E070E73EFC15}"/>
               </a:ext>
             </a:extLst>
           </p:cNvPr>
@@ -9100,44 +12743,285 @@
             <p:ph type="title"/>
           </p:nvPr>
         </p:nvSpPr>
-        <p:spPr/>
+        <p:spPr>
+          <a:xfrm>
+            <a:off x="838200" y="226061"/>
+            <a:ext cx="10515600" cy="1092050"/>
+          </a:xfrm>
+        </p:spPr>
         <p:txBody>
-          <a:bodyPr/>
+          <a:bodyPr vert="horz" lIns="91440" tIns="45720" rIns="91440" bIns="45720" rtlCol="0" anchor="b">
+            <a:normAutofit/>
+          </a:bodyPr>
           <a:lstStyle/>
           <a:p>
-            <a:endParaRPr lang="en-US"/>
+            <a:pPr algn="ctr"/>
+            <a:r>
+              <a:rPr lang="en-US" sz="5200"/>
+              <a:t>Job Role vs Attrition</a:t>
+            </a:r>
+          </a:p>
+        </p:txBody>
+      </p:sp>
+      <p:sp useBgFill="1">
+        <p:nvSpPr>
+          <p:cNvPr id="28" name="Rectangle 27">
+            <a:extLst>
+              <a:ext uri="{FF2B5EF4-FFF2-40B4-BE49-F238E27FC236}">
+                <a16:creationId xmlns:a16="http://schemas.microsoft.com/office/drawing/2014/main" id="{284A8429-F65A-490D-96E4-1158D3E8A026}"/>
+              </a:ext>
+              <a:ext uri="{C183D7F6-B498-43B3-948B-1728B52AA6E4}">
+                <adec:decorative xmlns:adec="http://schemas.microsoft.com/office/drawing/2017/decorative" val="1"/>
+              </a:ext>
+            </a:extLst>
+          </p:cNvPr>
+          <p:cNvSpPr>
+            <a:spLocks noGrp="1" noRot="1" noChangeAspect="1" noMove="1" noResize="1" noEditPoints="1" noAdjustHandles="1" noChangeArrowheads="1" noChangeShapeType="1" noTextEdit="1"/>
+          </p:cNvSpPr>
+          <p:nvPr>
+            <p:extLst>
+              <p:ext uri="{386F3935-93C4-4BCD-93E2-E3B085C9AB24}">
+                <p16:designElem xmlns:p16="http://schemas.microsoft.com/office/powerpoint/2015/main" val="1"/>
+              </p:ext>
+            </p:extLst>
+          </p:nvPr>
+        </p:nvSpPr>
+        <p:spPr>
+          <a:xfrm>
+            <a:off x="838199" y="1396083"/>
+            <a:ext cx="10515599" cy="822960"/>
+          </a:xfrm>
+          <a:prstGeom prst="rect">
+            <a:avLst/>
+          </a:prstGeom>
+          <a:ln w="12700">
+            <a:solidFill>
+              <a:schemeClr val="tx2">
+                <a:lumMod val="10000"/>
+                <a:lumOff val="90000"/>
+              </a:schemeClr>
+            </a:solidFill>
+          </a:ln>
+          <a:effectLst>
+            <a:outerShdw blurRad="50800" dist="38100" dir="2700000" algn="tl" rotWithShape="0">
+              <a:schemeClr val="bg1">
+                <a:lumMod val="85000"/>
+                <a:alpha val="30000"/>
+              </a:schemeClr>
+            </a:outerShdw>
+          </a:effectLst>
+        </p:spPr>
+        <p:style>
+          <a:lnRef idx="2">
+            <a:schemeClr val="accent1">
+              <a:shade val="50000"/>
+            </a:schemeClr>
+          </a:lnRef>
+          <a:fillRef idx="1">
+            <a:schemeClr val="accent1"/>
+          </a:fillRef>
+          <a:effectRef idx="0">
+            <a:schemeClr val="accent1"/>
+          </a:effectRef>
+          <a:fontRef idx="minor">
+            <a:schemeClr val="lt1"/>
+          </a:fontRef>
+        </p:style>
+        <p:txBody>
+          <a:bodyPr rtlCol="0" anchor="ctr"/>
+          <a:lstStyle/>
+          <a:p>
+            <a:pPr marL="0" marR="0" lvl="0" indent="0" algn="ctr" defTabSz="914400" rtl="0" eaLnBrk="1" fontAlgn="auto" latinLnBrk="0" hangingPunct="1">
+              <a:lnSpc>
+                <a:spcPct val="100000"/>
+              </a:lnSpc>
+              <a:spcBef>
+                <a:spcPts val="0"/>
+              </a:spcBef>
+              <a:spcAft>
+                <a:spcPts val="0"/>
+              </a:spcAft>
+              <a:buClrTx/>
+              <a:buSzTx/>
+              <a:buFontTx/>
+              <a:buNone/>
+              <a:tabLst/>
+              <a:defRPr/>
+            </a:pPr>
+            <a:endParaRPr kumimoji="0" lang="en-US" sz="1800" b="0" i="0" u="none" strike="noStrike" kern="1200" cap="none" spc="0" normalizeH="0" baseline="0" noProof="0" dirty="0">
+              <a:ln>
+                <a:noFill/>
+              </a:ln>
+              <a:solidFill>
+                <a:prstClr val="white"/>
+              </a:solidFill>
+              <a:effectLst/>
+              <a:uLnTx/>
+              <a:uFillTx/>
+              <a:latin typeface="Calibri" panose="020F0502020204030204"/>
+              <a:ea typeface="+mn-ea"/>
+              <a:cs typeface="+mn-cs"/>
+            </a:endParaRPr>
           </a:p>
         </p:txBody>
       </p:sp>
       <p:sp>
         <p:nvSpPr>
-          <p:cNvPr id="3" name="Content Placeholder 2">
+          <p:cNvPr id="30" name="Rectangle 29">
             <a:extLst>
               <a:ext uri="{FF2B5EF4-FFF2-40B4-BE49-F238E27FC236}">
-                <a16:creationId xmlns:a16="http://schemas.microsoft.com/office/drawing/2014/main" id="{E7A34B4B-6EF4-38FA-146B-73A3F343892A}"/>
+                <a16:creationId xmlns:a16="http://schemas.microsoft.com/office/drawing/2014/main" id="{0F022291-A82B-4D23-A1E0-5F9BD684669E}"/>
+              </a:ext>
+              <a:ext uri="{C183D7F6-B498-43B3-948B-1728B52AA6E4}">
+                <adec:decorative xmlns:adec="http://schemas.microsoft.com/office/drawing/2017/decorative" val="1"/>
               </a:ext>
             </a:extLst>
           </p:cNvPr>
           <p:cNvSpPr>
-            <a:spLocks noGrp="1"/>
+            <a:spLocks noGrp="1" noRot="1" noChangeAspect="1" noMove="1" noResize="1" noEditPoints="1" noAdjustHandles="1" noChangeArrowheads="1" noChangeShapeType="1" noTextEdit="1"/>
           </p:cNvSpPr>
+          <p:nvPr>
+            <p:extLst>
+              <p:ext uri="{386F3935-93C4-4BCD-93E2-E3B085C9AB24}">
+                <p16:designElem xmlns:p16="http://schemas.microsoft.com/office/powerpoint/2015/main" val="1"/>
+              </p:ext>
+            </p:extLst>
+          </p:nvPr>
+        </p:nvSpPr>
+        <p:spPr>
+          <a:xfrm rot="5400000">
+            <a:off x="6041136" y="1859832"/>
+            <a:ext cx="109728" cy="731520"/>
+          </a:xfrm>
+          <a:prstGeom prst="rect">
+            <a:avLst/>
+          </a:prstGeom>
+          <a:solidFill>
+            <a:schemeClr val="accent1"/>
+          </a:solidFill>
+          <a:ln>
+            <a:noFill/>
+          </a:ln>
+        </p:spPr>
+        <p:style>
+          <a:lnRef idx="2">
+            <a:schemeClr val="accent1">
+              <a:shade val="50000"/>
+            </a:schemeClr>
+          </a:lnRef>
+          <a:fillRef idx="1">
+            <a:schemeClr val="accent1"/>
+          </a:fillRef>
+          <a:effectRef idx="0">
+            <a:schemeClr val="accent1"/>
+          </a:effectRef>
+          <a:fontRef idx="minor">
+            <a:schemeClr val="lt1"/>
+          </a:fontRef>
+        </p:style>
+        <p:txBody>
+          <a:bodyPr rtlCol="0" anchor="ctr"/>
+          <a:lstStyle/>
+          <a:p>
+            <a:pPr marL="0" marR="0" lvl="0" indent="0" algn="ctr" defTabSz="914400" rtl="0" eaLnBrk="1" fontAlgn="auto" latinLnBrk="0" hangingPunct="1">
+              <a:lnSpc>
+                <a:spcPct val="100000"/>
+              </a:lnSpc>
+              <a:spcBef>
+                <a:spcPts val="0"/>
+              </a:spcBef>
+              <a:spcAft>
+                <a:spcPts val="0"/>
+              </a:spcAft>
+              <a:buClrTx/>
+              <a:buSzTx/>
+              <a:buFontTx/>
+              <a:buNone/>
+              <a:tabLst/>
+              <a:defRPr/>
+            </a:pPr>
+            <a:endParaRPr kumimoji="0" lang="en-US" sz="1800" b="0" i="0" u="none" strike="noStrike" kern="1200" cap="none" spc="0" normalizeH="0" baseline="0" noProof="0">
+              <a:ln>
+                <a:noFill/>
+              </a:ln>
+              <a:solidFill>
+                <a:prstClr val="white"/>
+              </a:solidFill>
+              <a:effectLst/>
+              <a:uLnTx/>
+              <a:uFillTx/>
+              <a:latin typeface="Calibri" panose="020F0502020204030204"/>
+              <a:ea typeface="+mn-ea"/>
+              <a:cs typeface="+mn-cs"/>
+            </a:endParaRPr>
+          </a:p>
+        </p:txBody>
+      </p:sp>
+      <p:pic>
+        <p:nvPicPr>
+          <p:cNvPr id="4" name="Content Placeholder 3">
+            <a:extLst>
+              <a:ext uri="{FF2B5EF4-FFF2-40B4-BE49-F238E27FC236}">
+                <a16:creationId xmlns:a16="http://schemas.microsoft.com/office/drawing/2014/main" id="{361DE387-3C4F-FBFD-FFD7-E34E02759E63}"/>
+              </a:ext>
+            </a:extLst>
+          </p:cNvPr>
+          <p:cNvPicPr>
+            <a:picLocks noGrp="1" noChangeAspect="1"/>
+          </p:cNvPicPr>
           <p:nvPr>
             <p:ph idx="1"/>
           </p:nvPr>
-        </p:nvSpPr>
-        <p:spPr/>
-        <p:txBody>
-          <a:bodyPr/>
-          <a:lstStyle/>
-          <a:p>
-            <a:endParaRPr lang="en-US" dirty="0"/>
-          </a:p>
-        </p:txBody>
-      </p:sp>
+        </p:nvPicPr>
+        <p:blipFill rotWithShape="1">
+          <a:blip r:embed="rId2"/>
+          <a:srcRect l="-12728" t="-195" r="-310" b="195"/>
+          <a:stretch/>
+        </p:blipFill>
+        <p:spPr>
+          <a:xfrm>
+            <a:off x="-811098" y="2619594"/>
+            <a:ext cx="8470176" cy="3765335"/>
+          </a:xfrm>
+          <a:prstGeom prst="rect">
+            <a:avLst/>
+          </a:prstGeom>
+        </p:spPr>
+      </p:pic>
+      <p:pic>
+        <p:nvPicPr>
+          <p:cNvPr id="14" name="Picture 13">
+            <a:extLst>
+              <a:ext uri="{FF2B5EF4-FFF2-40B4-BE49-F238E27FC236}">
+                <a16:creationId xmlns:a16="http://schemas.microsoft.com/office/drawing/2014/main" id="{0ED4F5A4-01DF-21CE-2C70-B44FD3E9B330}"/>
+              </a:ext>
+            </a:extLst>
+          </p:cNvPr>
+          <p:cNvPicPr>
+            <a:picLocks noChangeAspect="1"/>
+          </p:cNvPicPr>
+          <p:nvPr/>
+        </p:nvPicPr>
+        <p:blipFill>
+          <a:blip r:embed="rId3"/>
+          <a:stretch>
+            <a:fillRect/>
+          </a:stretch>
+        </p:blipFill>
+        <p:spPr>
+          <a:xfrm>
+            <a:off x="7984751" y="2462017"/>
+            <a:ext cx="3369047" cy="3879878"/>
+          </a:xfrm>
+          <a:prstGeom prst="rect">
+            <a:avLst/>
+          </a:prstGeom>
+        </p:spPr>
+      </p:pic>
     </p:spTree>
     <p:extLst>
       <p:ext uri="{BB962C8B-B14F-4D97-AF65-F5344CB8AC3E}">
-        <p14:creationId xmlns:p14="http://schemas.microsoft.com/office/powerpoint/2010/main" val="709540103"/>
+        <p14:creationId xmlns:p14="http://schemas.microsoft.com/office/powerpoint/2010/main" val="3505221179"/>
       </p:ext>
     </p:extLst>
   </p:cSld>
@@ -9147,7 +13031,1161 @@
 </p:sld>
 </file>
 
-<file path=ppt/slides/slide2.xml><?xml version="1.0" encoding="utf-8"?>
+<file path=ppt/slides/slide11.xml><?xml version="1.0" encoding="utf-8"?>
+<p:sld xmlns:a="http://schemas.openxmlformats.org/drawingml/2006/main" xmlns:r="http://schemas.openxmlformats.org/officeDocument/2006/relationships" xmlns:p="http://schemas.openxmlformats.org/presentationml/2006/main">
+  <p:cSld>
+    <p:bg>
+      <p:bgPr>
+        <a:solidFill>
+          <a:schemeClr val="bg1"/>
+        </a:solidFill>
+        <a:effectLst/>
+      </p:bgPr>
+    </p:bg>
+    <p:spTree>
+      <p:nvGrpSpPr>
+        <p:cNvPr id="1" name=""/>
+        <p:cNvGrpSpPr/>
+        <p:nvPr/>
+      </p:nvGrpSpPr>
+      <p:grpSpPr>
+        <a:xfrm>
+          <a:off x="0" y="0"/>
+          <a:ext cx="0" cy="0"/>
+          <a:chOff x="0" y="0"/>
+          <a:chExt cx="0" cy="0"/>
+        </a:xfrm>
+      </p:grpSpPr>
+      <p:sp>
+        <p:nvSpPr>
+          <p:cNvPr id="22" name="Rectangle 21">
+            <a:extLst>
+              <a:ext uri="{FF2B5EF4-FFF2-40B4-BE49-F238E27FC236}">
+                <a16:creationId xmlns:a16="http://schemas.microsoft.com/office/drawing/2014/main" id="{8D06CE56-3881-4ADA-8CEF-D18B02C242A3}"/>
+              </a:ext>
+              <a:ext uri="{C183D7F6-B498-43B3-948B-1728B52AA6E4}">
+                <adec:decorative xmlns:adec="http://schemas.microsoft.com/office/drawing/2017/decorative" val="1"/>
+              </a:ext>
+            </a:extLst>
+          </p:cNvPr>
+          <p:cNvSpPr>
+            <a:spLocks noGrp="1" noRot="1" noChangeAspect="1" noMove="1" noResize="1" noEditPoints="1" noAdjustHandles="1" noChangeArrowheads="1" noChangeShapeType="1" noTextEdit="1"/>
+          </p:cNvSpPr>
+          <p:nvPr>
+            <p:extLst>
+              <p:ext uri="{386F3935-93C4-4BCD-93E2-E3B085C9AB24}">
+                <p16:designElem xmlns:p16="http://schemas.microsoft.com/office/powerpoint/2015/main" val="1"/>
+              </p:ext>
+            </p:extLst>
+          </p:nvPr>
+        </p:nvSpPr>
+        <p:spPr>
+          <a:xfrm rot="5400000">
+            <a:off x="857544" y="346791"/>
+            <a:ext cx="146304" cy="704088"/>
+          </a:xfrm>
+          <a:prstGeom prst="rect">
+            <a:avLst/>
+          </a:prstGeom>
+          <a:solidFill>
+            <a:schemeClr val="accent1"/>
+          </a:solidFill>
+          <a:ln>
+            <a:noFill/>
+          </a:ln>
+        </p:spPr>
+        <p:style>
+          <a:lnRef idx="2">
+            <a:schemeClr val="accent1">
+              <a:shade val="50000"/>
+            </a:schemeClr>
+          </a:lnRef>
+          <a:fillRef idx="1">
+            <a:schemeClr val="accent1"/>
+          </a:fillRef>
+          <a:effectRef idx="0">
+            <a:schemeClr val="accent1"/>
+          </a:effectRef>
+          <a:fontRef idx="minor">
+            <a:schemeClr val="lt1"/>
+          </a:fontRef>
+        </p:style>
+        <p:txBody>
+          <a:bodyPr rtlCol="0" anchor="ctr"/>
+          <a:lstStyle/>
+          <a:p>
+            <a:pPr marL="0" marR="0" lvl="0" indent="0" algn="ctr" defTabSz="914400" rtl="0" eaLnBrk="1" fontAlgn="auto" latinLnBrk="0" hangingPunct="1">
+              <a:lnSpc>
+                <a:spcPct val="100000"/>
+              </a:lnSpc>
+              <a:spcBef>
+                <a:spcPts val="0"/>
+              </a:spcBef>
+              <a:spcAft>
+                <a:spcPts val="0"/>
+              </a:spcAft>
+              <a:buClrTx/>
+              <a:buSzTx/>
+              <a:buFontTx/>
+              <a:buNone/>
+              <a:tabLst/>
+              <a:defRPr/>
+            </a:pPr>
+            <a:endParaRPr kumimoji="0" lang="en-US" sz="1800" b="0" i="0" u="none" strike="noStrike" kern="1200" cap="none" spc="0" normalizeH="0" baseline="0" noProof="0">
+              <a:ln>
+                <a:noFill/>
+              </a:ln>
+              <a:solidFill>
+                <a:prstClr val="white"/>
+              </a:solidFill>
+              <a:effectLst/>
+              <a:uLnTx/>
+              <a:uFillTx/>
+              <a:latin typeface="Calibri" panose="020F0502020204030204"/>
+              <a:ea typeface="+mn-ea"/>
+              <a:cs typeface="+mn-cs"/>
+            </a:endParaRPr>
+          </a:p>
+        </p:txBody>
+      </p:sp>
+      <p:sp>
+        <p:nvSpPr>
+          <p:cNvPr id="24" name="Rectangle 23">
+            <a:extLst>
+              <a:ext uri="{FF2B5EF4-FFF2-40B4-BE49-F238E27FC236}">
+                <a16:creationId xmlns:a16="http://schemas.microsoft.com/office/drawing/2014/main" id="{79F3C543-62EC-4433-9C93-A2CD8764E9B4}"/>
+              </a:ext>
+              <a:ext uri="{C183D7F6-B498-43B3-948B-1728B52AA6E4}">
+                <adec:decorative xmlns:adec="http://schemas.microsoft.com/office/drawing/2017/decorative" val="1"/>
+              </a:ext>
+            </a:extLst>
+          </p:cNvPr>
+          <p:cNvSpPr>
+            <a:spLocks noGrp="1" noRot="1" noChangeAspect="1" noMove="1" noResize="1" noEditPoints="1" noAdjustHandles="1" noChangeArrowheads="1" noChangeShapeType="1" noTextEdit="1"/>
+          </p:cNvSpPr>
+          <p:nvPr>
+            <p:extLst>
+              <p:ext uri="{386F3935-93C4-4BCD-93E2-E3B085C9AB24}">
+                <p16:designElem xmlns:p16="http://schemas.microsoft.com/office/powerpoint/2015/main" val="1"/>
+              </p:ext>
+            </p:extLst>
+          </p:nvPr>
+        </p:nvSpPr>
+        <p:spPr>
+          <a:xfrm flipV="1">
+            <a:off x="578652" y="4501201"/>
+            <a:ext cx="11034696" cy="18288"/>
+          </a:xfrm>
+          <a:prstGeom prst="rect">
+            <a:avLst/>
+          </a:prstGeom>
+          <a:solidFill>
+            <a:schemeClr val="tx2">
+              <a:lumMod val="25000"/>
+              <a:lumOff val="75000"/>
+            </a:schemeClr>
+          </a:solidFill>
+          <a:ln w="3175">
+            <a:noFill/>
+          </a:ln>
+          <a:effectLst/>
+        </p:spPr>
+        <p:style>
+          <a:lnRef idx="2">
+            <a:schemeClr val="accent1">
+              <a:shade val="50000"/>
+            </a:schemeClr>
+          </a:lnRef>
+          <a:fillRef idx="1">
+            <a:schemeClr val="accent1"/>
+          </a:fillRef>
+          <a:effectRef idx="0">
+            <a:schemeClr val="accent1"/>
+          </a:effectRef>
+          <a:fontRef idx="minor">
+            <a:schemeClr val="lt1"/>
+          </a:fontRef>
+        </p:style>
+        <p:txBody>
+          <a:bodyPr rtlCol="0" anchor="ctr"/>
+          <a:lstStyle/>
+          <a:p>
+            <a:pPr marL="0" marR="0" lvl="0" indent="0" algn="ctr" defTabSz="914400" rtl="0" eaLnBrk="1" fontAlgn="auto" latinLnBrk="0" hangingPunct="1">
+              <a:lnSpc>
+                <a:spcPct val="100000"/>
+              </a:lnSpc>
+              <a:spcBef>
+                <a:spcPts val="0"/>
+              </a:spcBef>
+              <a:spcAft>
+                <a:spcPts val="0"/>
+              </a:spcAft>
+              <a:buClrTx/>
+              <a:buSzTx/>
+              <a:buFontTx/>
+              <a:buNone/>
+              <a:tabLst/>
+              <a:defRPr/>
+            </a:pPr>
+            <a:endParaRPr kumimoji="0" lang="en-US" sz="1800" b="0" i="0" u="none" strike="noStrike" kern="1200" cap="none" spc="0" normalizeH="0" baseline="0" noProof="0">
+              <a:ln>
+                <a:noFill/>
+              </a:ln>
+              <a:solidFill>
+                <a:prstClr val="white"/>
+              </a:solidFill>
+              <a:effectLst/>
+              <a:uLnTx/>
+              <a:uFillTx/>
+              <a:latin typeface="Calibri" panose="020F0502020204030204"/>
+              <a:ea typeface="+mn-ea"/>
+              <a:cs typeface="+mn-cs"/>
+            </a:endParaRPr>
+          </a:p>
+        </p:txBody>
+      </p:sp>
+      <p:sp useBgFill="1">
+        <p:nvSpPr>
+          <p:cNvPr id="26" name="Rectangle 25">
+            <a:extLst>
+              <a:ext uri="{FF2B5EF4-FFF2-40B4-BE49-F238E27FC236}">
+                <a16:creationId xmlns:a16="http://schemas.microsoft.com/office/drawing/2014/main" id="{D7D03296-BABA-47AD-A5D5-ED156727016E}"/>
+              </a:ext>
+              <a:ext uri="{C183D7F6-B498-43B3-948B-1728B52AA6E4}">
+                <adec:decorative xmlns:adec="http://schemas.microsoft.com/office/drawing/2017/decorative" val="1"/>
+              </a:ext>
+            </a:extLst>
+          </p:cNvPr>
+          <p:cNvSpPr>
+            <a:spLocks noGrp="1" noRot="1" noChangeAspect="1" noMove="1" noResize="1" noEditPoints="1" noAdjustHandles="1" noChangeArrowheads="1" noChangeShapeType="1" noTextEdit="1"/>
+          </p:cNvSpPr>
+          <p:nvPr>
+            <p:extLst>
+              <p:ext uri="{386F3935-93C4-4BCD-93E2-E3B085C9AB24}">
+                <p16:designElem xmlns:p16="http://schemas.microsoft.com/office/powerpoint/2015/main" val="1"/>
+              </p:ext>
+            </p:extLst>
+          </p:nvPr>
+        </p:nvSpPr>
+        <p:spPr>
+          <a:xfrm>
+            <a:off x="0" y="0"/>
+            <a:ext cx="12192000" cy="6858000"/>
+          </a:xfrm>
+          <a:prstGeom prst="rect">
+            <a:avLst/>
+          </a:prstGeom>
+          <a:ln>
+            <a:noFill/>
+          </a:ln>
+        </p:spPr>
+        <p:style>
+          <a:lnRef idx="2">
+            <a:schemeClr val="accent1">
+              <a:shade val="50000"/>
+            </a:schemeClr>
+          </a:lnRef>
+          <a:fillRef idx="1">
+            <a:schemeClr val="accent1"/>
+          </a:fillRef>
+          <a:effectRef idx="0">
+            <a:schemeClr val="accent1"/>
+          </a:effectRef>
+          <a:fontRef idx="minor">
+            <a:schemeClr val="lt1"/>
+          </a:fontRef>
+        </p:style>
+        <p:txBody>
+          <a:bodyPr rtlCol="0" anchor="ctr"/>
+          <a:lstStyle/>
+          <a:p>
+            <a:pPr algn="ctr"/>
+            <a:endParaRPr lang="en-US"/>
+          </a:p>
+        </p:txBody>
+      </p:sp>
+      <p:sp>
+        <p:nvSpPr>
+          <p:cNvPr id="2" name="Title 1">
+            <a:extLst>
+              <a:ext uri="{FF2B5EF4-FFF2-40B4-BE49-F238E27FC236}">
+                <a16:creationId xmlns:a16="http://schemas.microsoft.com/office/drawing/2014/main" id="{D2A16606-56B6-C4F7-0F90-DC391BA787C0}"/>
+              </a:ext>
+            </a:extLst>
+          </p:cNvPr>
+          <p:cNvSpPr>
+            <a:spLocks noGrp="1"/>
+          </p:cNvSpPr>
+          <p:nvPr>
+            <p:ph type="title"/>
+          </p:nvPr>
+        </p:nvSpPr>
+        <p:spPr>
+          <a:xfrm>
+            <a:off x="838200" y="226061"/>
+            <a:ext cx="10515600" cy="1092050"/>
+          </a:xfrm>
+        </p:spPr>
+        <p:txBody>
+          <a:bodyPr vert="horz" lIns="91440" tIns="45720" rIns="91440" bIns="45720" rtlCol="0" anchor="b">
+            <a:normAutofit/>
+          </a:bodyPr>
+          <a:lstStyle/>
+          <a:p>
+            <a:pPr algn="ctr"/>
+            <a:r>
+              <a:rPr lang="en-US" sz="5200"/>
+              <a:t>Marital Status vs Attrition</a:t>
+            </a:r>
+          </a:p>
+        </p:txBody>
+      </p:sp>
+      <p:sp useBgFill="1">
+        <p:nvSpPr>
+          <p:cNvPr id="28" name="Rectangle 27">
+            <a:extLst>
+              <a:ext uri="{FF2B5EF4-FFF2-40B4-BE49-F238E27FC236}">
+                <a16:creationId xmlns:a16="http://schemas.microsoft.com/office/drawing/2014/main" id="{284A8429-F65A-490D-96E4-1158D3E8A026}"/>
+              </a:ext>
+              <a:ext uri="{C183D7F6-B498-43B3-948B-1728B52AA6E4}">
+                <adec:decorative xmlns:adec="http://schemas.microsoft.com/office/drawing/2017/decorative" val="1"/>
+              </a:ext>
+            </a:extLst>
+          </p:cNvPr>
+          <p:cNvSpPr>
+            <a:spLocks noGrp="1" noRot="1" noChangeAspect="1" noMove="1" noResize="1" noEditPoints="1" noAdjustHandles="1" noChangeArrowheads="1" noChangeShapeType="1" noTextEdit="1"/>
+          </p:cNvSpPr>
+          <p:nvPr>
+            <p:extLst>
+              <p:ext uri="{386F3935-93C4-4BCD-93E2-E3B085C9AB24}">
+                <p16:designElem xmlns:p16="http://schemas.microsoft.com/office/powerpoint/2015/main" val="1"/>
+              </p:ext>
+            </p:extLst>
+          </p:nvPr>
+        </p:nvSpPr>
+        <p:spPr>
+          <a:xfrm>
+            <a:off x="838199" y="1396083"/>
+            <a:ext cx="10515599" cy="822960"/>
+          </a:xfrm>
+          <a:prstGeom prst="rect">
+            <a:avLst/>
+          </a:prstGeom>
+          <a:ln w="12700">
+            <a:solidFill>
+              <a:schemeClr val="tx2">
+                <a:lumMod val="10000"/>
+                <a:lumOff val="90000"/>
+              </a:schemeClr>
+            </a:solidFill>
+          </a:ln>
+          <a:effectLst>
+            <a:outerShdw blurRad="50800" dist="38100" dir="2700000" algn="tl" rotWithShape="0">
+              <a:schemeClr val="bg1">
+                <a:lumMod val="85000"/>
+                <a:alpha val="30000"/>
+              </a:schemeClr>
+            </a:outerShdw>
+          </a:effectLst>
+        </p:spPr>
+        <p:style>
+          <a:lnRef idx="2">
+            <a:schemeClr val="accent1">
+              <a:shade val="50000"/>
+            </a:schemeClr>
+          </a:lnRef>
+          <a:fillRef idx="1">
+            <a:schemeClr val="accent1"/>
+          </a:fillRef>
+          <a:effectRef idx="0">
+            <a:schemeClr val="accent1"/>
+          </a:effectRef>
+          <a:fontRef idx="minor">
+            <a:schemeClr val="lt1"/>
+          </a:fontRef>
+        </p:style>
+        <p:txBody>
+          <a:bodyPr rtlCol="0" anchor="ctr"/>
+          <a:lstStyle/>
+          <a:p>
+            <a:pPr marL="0" marR="0" lvl="0" indent="0" algn="ctr" defTabSz="914400" rtl="0" eaLnBrk="1" fontAlgn="auto" latinLnBrk="0" hangingPunct="1">
+              <a:lnSpc>
+                <a:spcPct val="100000"/>
+              </a:lnSpc>
+              <a:spcBef>
+                <a:spcPts val="0"/>
+              </a:spcBef>
+              <a:spcAft>
+                <a:spcPts val="0"/>
+              </a:spcAft>
+              <a:buClrTx/>
+              <a:buSzTx/>
+              <a:buFontTx/>
+              <a:buNone/>
+              <a:tabLst/>
+              <a:defRPr/>
+            </a:pPr>
+            <a:endParaRPr kumimoji="0" lang="en-US" sz="1800" b="0" i="0" u="none" strike="noStrike" kern="1200" cap="none" spc="0" normalizeH="0" baseline="0" noProof="0" dirty="0">
+              <a:ln>
+                <a:noFill/>
+              </a:ln>
+              <a:solidFill>
+                <a:prstClr val="white"/>
+              </a:solidFill>
+              <a:effectLst/>
+              <a:uLnTx/>
+              <a:uFillTx/>
+              <a:latin typeface="Calibri" panose="020F0502020204030204"/>
+              <a:ea typeface="+mn-ea"/>
+              <a:cs typeface="+mn-cs"/>
+            </a:endParaRPr>
+          </a:p>
+        </p:txBody>
+      </p:sp>
+      <p:sp>
+        <p:nvSpPr>
+          <p:cNvPr id="30" name="Rectangle 29">
+            <a:extLst>
+              <a:ext uri="{FF2B5EF4-FFF2-40B4-BE49-F238E27FC236}">
+                <a16:creationId xmlns:a16="http://schemas.microsoft.com/office/drawing/2014/main" id="{0F022291-A82B-4D23-A1E0-5F9BD684669E}"/>
+              </a:ext>
+              <a:ext uri="{C183D7F6-B498-43B3-948B-1728B52AA6E4}">
+                <adec:decorative xmlns:adec="http://schemas.microsoft.com/office/drawing/2017/decorative" val="1"/>
+              </a:ext>
+            </a:extLst>
+          </p:cNvPr>
+          <p:cNvSpPr>
+            <a:spLocks noGrp="1" noRot="1" noChangeAspect="1" noMove="1" noResize="1" noEditPoints="1" noAdjustHandles="1" noChangeArrowheads="1" noChangeShapeType="1" noTextEdit="1"/>
+          </p:cNvSpPr>
+          <p:nvPr>
+            <p:extLst>
+              <p:ext uri="{386F3935-93C4-4BCD-93E2-E3B085C9AB24}">
+                <p16:designElem xmlns:p16="http://schemas.microsoft.com/office/powerpoint/2015/main" val="1"/>
+              </p:ext>
+            </p:extLst>
+          </p:nvPr>
+        </p:nvSpPr>
+        <p:spPr>
+          <a:xfrm rot="5400000">
+            <a:off x="6041136" y="1859832"/>
+            <a:ext cx="109728" cy="731520"/>
+          </a:xfrm>
+          <a:prstGeom prst="rect">
+            <a:avLst/>
+          </a:prstGeom>
+          <a:solidFill>
+            <a:schemeClr val="accent1"/>
+          </a:solidFill>
+          <a:ln>
+            <a:noFill/>
+          </a:ln>
+        </p:spPr>
+        <p:style>
+          <a:lnRef idx="2">
+            <a:schemeClr val="accent1">
+              <a:shade val="50000"/>
+            </a:schemeClr>
+          </a:lnRef>
+          <a:fillRef idx="1">
+            <a:schemeClr val="accent1"/>
+          </a:fillRef>
+          <a:effectRef idx="0">
+            <a:schemeClr val="accent1"/>
+          </a:effectRef>
+          <a:fontRef idx="minor">
+            <a:schemeClr val="lt1"/>
+          </a:fontRef>
+        </p:style>
+        <p:txBody>
+          <a:bodyPr rtlCol="0" anchor="ctr"/>
+          <a:lstStyle/>
+          <a:p>
+            <a:pPr marL="0" marR="0" lvl="0" indent="0" algn="ctr" defTabSz="914400" rtl="0" eaLnBrk="1" fontAlgn="auto" latinLnBrk="0" hangingPunct="1">
+              <a:lnSpc>
+                <a:spcPct val="100000"/>
+              </a:lnSpc>
+              <a:spcBef>
+                <a:spcPts val="0"/>
+              </a:spcBef>
+              <a:spcAft>
+                <a:spcPts val="0"/>
+              </a:spcAft>
+              <a:buClrTx/>
+              <a:buSzTx/>
+              <a:buFontTx/>
+              <a:buNone/>
+              <a:tabLst/>
+              <a:defRPr/>
+            </a:pPr>
+            <a:endParaRPr kumimoji="0" lang="en-US" sz="1800" b="0" i="0" u="none" strike="noStrike" kern="1200" cap="none" spc="0" normalizeH="0" baseline="0" noProof="0">
+              <a:ln>
+                <a:noFill/>
+              </a:ln>
+              <a:solidFill>
+                <a:prstClr val="white"/>
+              </a:solidFill>
+              <a:effectLst/>
+              <a:uLnTx/>
+              <a:uFillTx/>
+              <a:latin typeface="Calibri" panose="020F0502020204030204"/>
+              <a:ea typeface="+mn-ea"/>
+              <a:cs typeface="+mn-cs"/>
+            </a:endParaRPr>
+          </a:p>
+        </p:txBody>
+      </p:sp>
+      <p:pic>
+        <p:nvPicPr>
+          <p:cNvPr id="10" name="Picture 9">
+            <a:extLst>
+              <a:ext uri="{FF2B5EF4-FFF2-40B4-BE49-F238E27FC236}">
+                <a16:creationId xmlns:a16="http://schemas.microsoft.com/office/drawing/2014/main" id="{9C4C148D-19CB-8F28-BBE0-41BF0F5DCFB8}"/>
+              </a:ext>
+            </a:extLst>
+          </p:cNvPr>
+          <p:cNvPicPr>
+            <a:picLocks noChangeAspect="1"/>
+          </p:cNvPicPr>
+          <p:nvPr/>
+        </p:nvPicPr>
+        <p:blipFill>
+          <a:blip r:embed="rId2"/>
+          <a:stretch>
+            <a:fillRect/>
+          </a:stretch>
+        </p:blipFill>
+        <p:spPr>
+          <a:xfrm>
+            <a:off x="589579" y="3589595"/>
+            <a:ext cx="5140661" cy="886764"/>
+          </a:xfrm>
+          <a:prstGeom prst="rect">
+            <a:avLst/>
+          </a:prstGeom>
+        </p:spPr>
+      </p:pic>
+      <p:pic>
+        <p:nvPicPr>
+          <p:cNvPr id="4" name="Content Placeholder 3">
+            <a:extLst>
+              <a:ext uri="{FF2B5EF4-FFF2-40B4-BE49-F238E27FC236}">
+                <a16:creationId xmlns:a16="http://schemas.microsoft.com/office/drawing/2014/main" id="{6806D124-35D9-0877-99BF-4BBF7324F61A}"/>
+              </a:ext>
+            </a:extLst>
+          </p:cNvPr>
+          <p:cNvPicPr>
+            <a:picLocks noGrp="1" noChangeAspect="1"/>
+          </p:cNvPicPr>
+          <p:nvPr>
+            <p:ph idx="1"/>
+          </p:nvPr>
+        </p:nvPicPr>
+        <p:blipFill rotWithShape="1">
+          <a:blip r:embed="rId3"/>
+          <a:srcRect t="3292" r="1453"/>
+          <a:stretch/>
+        </p:blipFill>
+        <p:spPr>
+          <a:xfrm>
+            <a:off x="6568441" y="1396082"/>
+            <a:ext cx="5140660" cy="5296307"/>
+          </a:xfrm>
+          <a:prstGeom prst="rect">
+            <a:avLst/>
+          </a:prstGeom>
+        </p:spPr>
+      </p:pic>
+    </p:spTree>
+    <p:extLst>
+      <p:ext uri="{BB962C8B-B14F-4D97-AF65-F5344CB8AC3E}">
+        <p14:creationId xmlns:p14="http://schemas.microsoft.com/office/powerpoint/2010/main" val="1126400747"/>
+      </p:ext>
+    </p:extLst>
+  </p:cSld>
+  <p:clrMapOvr>
+    <a:masterClrMapping/>
+  </p:clrMapOvr>
+</p:sld>
+</file>
+
+<file path=ppt/slides/slide12.xml><?xml version="1.0" encoding="utf-8"?>
+<p:sld xmlns:a="http://schemas.openxmlformats.org/drawingml/2006/main" xmlns:r="http://schemas.openxmlformats.org/officeDocument/2006/relationships" xmlns:p="http://schemas.openxmlformats.org/presentationml/2006/main">
+  <p:cSld>
+    <p:bg>
+      <p:bgPr>
+        <a:solidFill>
+          <a:schemeClr val="bg1"/>
+        </a:solidFill>
+        <a:effectLst/>
+      </p:bgPr>
+    </p:bg>
+    <p:spTree>
+      <p:nvGrpSpPr>
+        <p:cNvPr id="1" name=""/>
+        <p:cNvGrpSpPr/>
+        <p:nvPr/>
+      </p:nvGrpSpPr>
+      <p:grpSpPr>
+        <a:xfrm>
+          <a:off x="0" y="0"/>
+          <a:ext cx="0" cy="0"/>
+          <a:chOff x="0" y="0"/>
+          <a:chExt cx="0" cy="0"/>
+        </a:xfrm>
+      </p:grpSpPr>
+      <p:sp>
+        <p:nvSpPr>
+          <p:cNvPr id="26" name="Rectangle 25">
+            <a:extLst>
+              <a:ext uri="{FF2B5EF4-FFF2-40B4-BE49-F238E27FC236}">
+                <a16:creationId xmlns:a16="http://schemas.microsoft.com/office/drawing/2014/main" id="{8D06CE56-3881-4ADA-8CEF-D18B02C242A3}"/>
+              </a:ext>
+              <a:ext uri="{C183D7F6-B498-43B3-948B-1728B52AA6E4}">
+                <adec:decorative xmlns:adec="http://schemas.microsoft.com/office/drawing/2017/decorative" val="1"/>
+              </a:ext>
+            </a:extLst>
+          </p:cNvPr>
+          <p:cNvSpPr>
+            <a:spLocks noGrp="1" noRot="1" noChangeAspect="1" noMove="1" noResize="1" noEditPoints="1" noAdjustHandles="1" noChangeArrowheads="1" noChangeShapeType="1" noTextEdit="1"/>
+          </p:cNvSpPr>
+          <p:nvPr>
+            <p:extLst>
+              <p:ext uri="{386F3935-93C4-4BCD-93E2-E3B085C9AB24}">
+                <p16:designElem xmlns:p16="http://schemas.microsoft.com/office/powerpoint/2015/main" val="1"/>
+              </p:ext>
+            </p:extLst>
+          </p:nvPr>
+        </p:nvSpPr>
+        <p:spPr>
+          <a:xfrm rot="5400000">
+            <a:off x="857544" y="346791"/>
+            <a:ext cx="146304" cy="704088"/>
+          </a:xfrm>
+          <a:prstGeom prst="rect">
+            <a:avLst/>
+          </a:prstGeom>
+          <a:solidFill>
+            <a:schemeClr val="accent1"/>
+          </a:solidFill>
+          <a:ln>
+            <a:noFill/>
+          </a:ln>
+        </p:spPr>
+        <p:style>
+          <a:lnRef idx="2">
+            <a:schemeClr val="accent1">
+              <a:shade val="50000"/>
+            </a:schemeClr>
+          </a:lnRef>
+          <a:fillRef idx="1">
+            <a:schemeClr val="accent1"/>
+          </a:fillRef>
+          <a:effectRef idx="0">
+            <a:schemeClr val="accent1"/>
+          </a:effectRef>
+          <a:fontRef idx="minor">
+            <a:schemeClr val="lt1"/>
+          </a:fontRef>
+        </p:style>
+        <p:txBody>
+          <a:bodyPr rtlCol="0" anchor="ctr"/>
+          <a:lstStyle/>
+          <a:p>
+            <a:pPr marL="0" marR="0" lvl="0" indent="0" algn="ctr" defTabSz="914400" rtl="0" eaLnBrk="1" fontAlgn="auto" latinLnBrk="0" hangingPunct="1">
+              <a:lnSpc>
+                <a:spcPct val="100000"/>
+              </a:lnSpc>
+              <a:spcBef>
+                <a:spcPts val="0"/>
+              </a:spcBef>
+              <a:spcAft>
+                <a:spcPts val="0"/>
+              </a:spcAft>
+              <a:buClrTx/>
+              <a:buSzTx/>
+              <a:buFontTx/>
+              <a:buNone/>
+              <a:tabLst/>
+              <a:defRPr/>
+            </a:pPr>
+            <a:endParaRPr kumimoji="0" lang="en-US" sz="1800" b="0" i="0" u="none" strike="noStrike" kern="1200" cap="none" spc="0" normalizeH="0" baseline="0" noProof="0">
+              <a:ln>
+                <a:noFill/>
+              </a:ln>
+              <a:solidFill>
+                <a:prstClr val="white"/>
+              </a:solidFill>
+              <a:effectLst/>
+              <a:uLnTx/>
+              <a:uFillTx/>
+              <a:latin typeface="Calibri" panose="020F0502020204030204"/>
+              <a:ea typeface="+mn-ea"/>
+              <a:cs typeface="+mn-cs"/>
+            </a:endParaRPr>
+          </a:p>
+        </p:txBody>
+      </p:sp>
+      <p:sp>
+        <p:nvSpPr>
+          <p:cNvPr id="28" name="Rectangle 27">
+            <a:extLst>
+              <a:ext uri="{FF2B5EF4-FFF2-40B4-BE49-F238E27FC236}">
+                <a16:creationId xmlns:a16="http://schemas.microsoft.com/office/drawing/2014/main" id="{79F3C543-62EC-4433-9C93-A2CD8764E9B4}"/>
+              </a:ext>
+              <a:ext uri="{C183D7F6-B498-43B3-948B-1728B52AA6E4}">
+                <adec:decorative xmlns:adec="http://schemas.microsoft.com/office/drawing/2017/decorative" val="1"/>
+              </a:ext>
+            </a:extLst>
+          </p:cNvPr>
+          <p:cNvSpPr>
+            <a:spLocks noGrp="1" noRot="1" noChangeAspect="1" noMove="1" noResize="1" noEditPoints="1" noAdjustHandles="1" noChangeArrowheads="1" noChangeShapeType="1" noTextEdit="1"/>
+          </p:cNvSpPr>
+          <p:nvPr>
+            <p:extLst>
+              <p:ext uri="{386F3935-93C4-4BCD-93E2-E3B085C9AB24}">
+                <p16:designElem xmlns:p16="http://schemas.microsoft.com/office/powerpoint/2015/main" val="1"/>
+              </p:ext>
+            </p:extLst>
+          </p:nvPr>
+        </p:nvSpPr>
+        <p:spPr>
+          <a:xfrm flipV="1">
+            <a:off x="578652" y="4501201"/>
+            <a:ext cx="11034696" cy="18288"/>
+          </a:xfrm>
+          <a:prstGeom prst="rect">
+            <a:avLst/>
+          </a:prstGeom>
+          <a:solidFill>
+            <a:schemeClr val="tx2">
+              <a:lumMod val="25000"/>
+              <a:lumOff val="75000"/>
+            </a:schemeClr>
+          </a:solidFill>
+          <a:ln w="3175">
+            <a:noFill/>
+          </a:ln>
+          <a:effectLst/>
+        </p:spPr>
+        <p:style>
+          <a:lnRef idx="2">
+            <a:schemeClr val="accent1">
+              <a:shade val="50000"/>
+            </a:schemeClr>
+          </a:lnRef>
+          <a:fillRef idx="1">
+            <a:schemeClr val="accent1"/>
+          </a:fillRef>
+          <a:effectRef idx="0">
+            <a:schemeClr val="accent1"/>
+          </a:effectRef>
+          <a:fontRef idx="minor">
+            <a:schemeClr val="lt1"/>
+          </a:fontRef>
+        </p:style>
+        <p:txBody>
+          <a:bodyPr rtlCol="0" anchor="ctr"/>
+          <a:lstStyle/>
+          <a:p>
+            <a:pPr marL="0" marR="0" lvl="0" indent="0" algn="ctr" defTabSz="914400" rtl="0" eaLnBrk="1" fontAlgn="auto" latinLnBrk="0" hangingPunct="1">
+              <a:lnSpc>
+                <a:spcPct val="100000"/>
+              </a:lnSpc>
+              <a:spcBef>
+                <a:spcPts val="0"/>
+              </a:spcBef>
+              <a:spcAft>
+                <a:spcPts val="0"/>
+              </a:spcAft>
+              <a:buClrTx/>
+              <a:buSzTx/>
+              <a:buFontTx/>
+              <a:buNone/>
+              <a:tabLst/>
+              <a:defRPr/>
+            </a:pPr>
+            <a:endParaRPr kumimoji="0" lang="en-US" sz="1800" b="0" i="0" u="none" strike="noStrike" kern="1200" cap="none" spc="0" normalizeH="0" baseline="0" noProof="0">
+              <a:ln>
+                <a:noFill/>
+              </a:ln>
+              <a:solidFill>
+                <a:prstClr val="white"/>
+              </a:solidFill>
+              <a:effectLst/>
+              <a:uLnTx/>
+              <a:uFillTx/>
+              <a:latin typeface="Calibri" panose="020F0502020204030204"/>
+              <a:ea typeface="+mn-ea"/>
+              <a:cs typeface="+mn-cs"/>
+            </a:endParaRPr>
+          </a:p>
+        </p:txBody>
+      </p:sp>
+      <p:sp useBgFill="1">
+        <p:nvSpPr>
+          <p:cNvPr id="30" name="Rectangle 29">
+            <a:extLst>
+              <a:ext uri="{FF2B5EF4-FFF2-40B4-BE49-F238E27FC236}">
+                <a16:creationId xmlns:a16="http://schemas.microsoft.com/office/drawing/2014/main" id="{D7D03296-BABA-47AD-A5D5-ED156727016E}"/>
+              </a:ext>
+              <a:ext uri="{C183D7F6-B498-43B3-948B-1728B52AA6E4}">
+                <adec:decorative xmlns:adec="http://schemas.microsoft.com/office/drawing/2017/decorative" val="1"/>
+              </a:ext>
+            </a:extLst>
+          </p:cNvPr>
+          <p:cNvSpPr>
+            <a:spLocks noGrp="1" noRot="1" noChangeAspect="1" noMove="1" noResize="1" noEditPoints="1" noAdjustHandles="1" noChangeArrowheads="1" noChangeShapeType="1" noTextEdit="1"/>
+          </p:cNvSpPr>
+          <p:nvPr>
+            <p:extLst>
+              <p:ext uri="{386F3935-93C4-4BCD-93E2-E3B085C9AB24}">
+                <p16:designElem xmlns:p16="http://schemas.microsoft.com/office/powerpoint/2015/main" val="1"/>
+              </p:ext>
+            </p:extLst>
+          </p:nvPr>
+        </p:nvSpPr>
+        <p:spPr>
+          <a:xfrm>
+            <a:off x="0" y="0"/>
+            <a:ext cx="12192000" cy="6858000"/>
+          </a:xfrm>
+          <a:prstGeom prst="rect">
+            <a:avLst/>
+          </a:prstGeom>
+          <a:ln>
+            <a:noFill/>
+          </a:ln>
+        </p:spPr>
+        <p:style>
+          <a:lnRef idx="2">
+            <a:schemeClr val="accent1">
+              <a:shade val="50000"/>
+            </a:schemeClr>
+          </a:lnRef>
+          <a:fillRef idx="1">
+            <a:schemeClr val="accent1"/>
+          </a:fillRef>
+          <a:effectRef idx="0">
+            <a:schemeClr val="accent1"/>
+          </a:effectRef>
+          <a:fontRef idx="minor">
+            <a:schemeClr val="lt1"/>
+          </a:fontRef>
+        </p:style>
+        <p:txBody>
+          <a:bodyPr rtlCol="0" anchor="ctr"/>
+          <a:lstStyle/>
+          <a:p>
+            <a:pPr algn="ctr"/>
+            <a:endParaRPr lang="en-US"/>
+          </a:p>
+        </p:txBody>
+      </p:sp>
+      <p:sp>
+        <p:nvSpPr>
+          <p:cNvPr id="2" name="Title 1">
+            <a:extLst>
+              <a:ext uri="{FF2B5EF4-FFF2-40B4-BE49-F238E27FC236}">
+                <a16:creationId xmlns:a16="http://schemas.microsoft.com/office/drawing/2014/main" id="{05162FF6-D0F4-122A-474C-D2A31272D3AE}"/>
+              </a:ext>
+            </a:extLst>
+          </p:cNvPr>
+          <p:cNvSpPr>
+            <a:spLocks noGrp="1"/>
+          </p:cNvSpPr>
+          <p:nvPr>
+            <p:ph type="title"/>
+          </p:nvPr>
+        </p:nvSpPr>
+        <p:spPr>
+          <a:xfrm>
+            <a:off x="838200" y="226061"/>
+            <a:ext cx="10515600" cy="1092050"/>
+          </a:xfrm>
+        </p:spPr>
+        <p:txBody>
+          <a:bodyPr vert="horz" lIns="91440" tIns="45720" rIns="91440" bIns="45720" rtlCol="0" anchor="b">
+            <a:normAutofit/>
+          </a:bodyPr>
+          <a:lstStyle/>
+          <a:p>
+            <a:pPr algn="ctr"/>
+            <a:r>
+              <a:rPr lang="en-US" sz="5200"/>
+              <a:t>Overtime vs Attrition</a:t>
+            </a:r>
+          </a:p>
+        </p:txBody>
+      </p:sp>
+      <p:sp useBgFill="1">
+        <p:nvSpPr>
+          <p:cNvPr id="32" name="Rectangle 31">
+            <a:extLst>
+              <a:ext uri="{FF2B5EF4-FFF2-40B4-BE49-F238E27FC236}">
+                <a16:creationId xmlns:a16="http://schemas.microsoft.com/office/drawing/2014/main" id="{284A8429-F65A-490D-96E4-1158D3E8A026}"/>
+              </a:ext>
+              <a:ext uri="{C183D7F6-B498-43B3-948B-1728B52AA6E4}">
+                <adec:decorative xmlns:adec="http://schemas.microsoft.com/office/drawing/2017/decorative" val="1"/>
+              </a:ext>
+            </a:extLst>
+          </p:cNvPr>
+          <p:cNvSpPr>
+            <a:spLocks noGrp="1" noRot="1" noChangeAspect="1" noMove="1" noResize="1" noEditPoints="1" noAdjustHandles="1" noChangeArrowheads="1" noChangeShapeType="1" noTextEdit="1"/>
+          </p:cNvSpPr>
+          <p:nvPr>
+            <p:extLst>
+              <p:ext uri="{386F3935-93C4-4BCD-93E2-E3B085C9AB24}">
+                <p16:designElem xmlns:p16="http://schemas.microsoft.com/office/powerpoint/2015/main" val="1"/>
+              </p:ext>
+            </p:extLst>
+          </p:nvPr>
+        </p:nvSpPr>
+        <p:spPr>
+          <a:xfrm>
+            <a:off x="838199" y="1396083"/>
+            <a:ext cx="10515599" cy="822960"/>
+          </a:xfrm>
+          <a:prstGeom prst="rect">
+            <a:avLst/>
+          </a:prstGeom>
+          <a:ln w="12700">
+            <a:solidFill>
+              <a:schemeClr val="tx2">
+                <a:lumMod val="10000"/>
+                <a:lumOff val="90000"/>
+              </a:schemeClr>
+            </a:solidFill>
+          </a:ln>
+          <a:effectLst>
+            <a:outerShdw blurRad="50800" dist="38100" dir="2700000" algn="tl" rotWithShape="0">
+              <a:schemeClr val="bg1">
+                <a:lumMod val="85000"/>
+                <a:alpha val="30000"/>
+              </a:schemeClr>
+            </a:outerShdw>
+          </a:effectLst>
+        </p:spPr>
+        <p:style>
+          <a:lnRef idx="2">
+            <a:schemeClr val="accent1">
+              <a:shade val="50000"/>
+            </a:schemeClr>
+          </a:lnRef>
+          <a:fillRef idx="1">
+            <a:schemeClr val="accent1"/>
+          </a:fillRef>
+          <a:effectRef idx="0">
+            <a:schemeClr val="accent1"/>
+          </a:effectRef>
+          <a:fontRef idx="minor">
+            <a:schemeClr val="lt1"/>
+          </a:fontRef>
+        </p:style>
+        <p:txBody>
+          <a:bodyPr rtlCol="0" anchor="ctr"/>
+          <a:lstStyle/>
+          <a:p>
+            <a:pPr marL="0" marR="0" lvl="0" indent="0" algn="ctr" defTabSz="914400" rtl="0" eaLnBrk="1" fontAlgn="auto" latinLnBrk="0" hangingPunct="1">
+              <a:lnSpc>
+                <a:spcPct val="100000"/>
+              </a:lnSpc>
+              <a:spcBef>
+                <a:spcPts val="0"/>
+              </a:spcBef>
+              <a:spcAft>
+                <a:spcPts val="0"/>
+              </a:spcAft>
+              <a:buClrTx/>
+              <a:buSzTx/>
+              <a:buFontTx/>
+              <a:buNone/>
+              <a:tabLst/>
+              <a:defRPr/>
+            </a:pPr>
+            <a:endParaRPr kumimoji="0" lang="en-US" sz="1800" b="0" i="0" u="none" strike="noStrike" kern="1200" cap="none" spc="0" normalizeH="0" baseline="0" noProof="0" dirty="0">
+              <a:ln>
+                <a:noFill/>
+              </a:ln>
+              <a:solidFill>
+                <a:prstClr val="white"/>
+              </a:solidFill>
+              <a:effectLst/>
+              <a:uLnTx/>
+              <a:uFillTx/>
+              <a:latin typeface="Calibri" panose="020F0502020204030204"/>
+              <a:ea typeface="+mn-ea"/>
+              <a:cs typeface="+mn-cs"/>
+            </a:endParaRPr>
+          </a:p>
+        </p:txBody>
+      </p:sp>
+      <p:sp>
+        <p:nvSpPr>
+          <p:cNvPr id="34" name="Rectangle 33">
+            <a:extLst>
+              <a:ext uri="{FF2B5EF4-FFF2-40B4-BE49-F238E27FC236}">
+                <a16:creationId xmlns:a16="http://schemas.microsoft.com/office/drawing/2014/main" id="{0F022291-A82B-4D23-A1E0-5F9BD684669E}"/>
+              </a:ext>
+              <a:ext uri="{C183D7F6-B498-43B3-948B-1728B52AA6E4}">
+                <adec:decorative xmlns:adec="http://schemas.microsoft.com/office/drawing/2017/decorative" val="1"/>
+              </a:ext>
+            </a:extLst>
+          </p:cNvPr>
+          <p:cNvSpPr>
+            <a:spLocks noGrp="1" noRot="1" noChangeAspect="1" noMove="1" noResize="1" noEditPoints="1" noAdjustHandles="1" noChangeArrowheads="1" noChangeShapeType="1" noTextEdit="1"/>
+          </p:cNvSpPr>
+          <p:nvPr>
+            <p:extLst>
+              <p:ext uri="{386F3935-93C4-4BCD-93E2-E3B085C9AB24}">
+                <p16:designElem xmlns:p16="http://schemas.microsoft.com/office/powerpoint/2015/main" val="1"/>
+              </p:ext>
+            </p:extLst>
+          </p:nvPr>
+        </p:nvSpPr>
+        <p:spPr>
+          <a:xfrm rot="5400000">
+            <a:off x="6041136" y="1859832"/>
+            <a:ext cx="109728" cy="731520"/>
+          </a:xfrm>
+          <a:prstGeom prst="rect">
+            <a:avLst/>
+          </a:prstGeom>
+          <a:solidFill>
+            <a:schemeClr val="accent1"/>
+          </a:solidFill>
+          <a:ln>
+            <a:noFill/>
+          </a:ln>
+        </p:spPr>
+        <p:style>
+          <a:lnRef idx="2">
+            <a:schemeClr val="accent1">
+              <a:shade val="50000"/>
+            </a:schemeClr>
+          </a:lnRef>
+          <a:fillRef idx="1">
+            <a:schemeClr val="accent1"/>
+          </a:fillRef>
+          <a:effectRef idx="0">
+            <a:schemeClr val="accent1"/>
+          </a:effectRef>
+          <a:fontRef idx="minor">
+            <a:schemeClr val="lt1"/>
+          </a:fontRef>
+        </p:style>
+        <p:txBody>
+          <a:bodyPr rtlCol="0" anchor="ctr"/>
+          <a:lstStyle/>
+          <a:p>
+            <a:pPr marL="0" marR="0" lvl="0" indent="0" algn="ctr" defTabSz="914400" rtl="0" eaLnBrk="1" fontAlgn="auto" latinLnBrk="0" hangingPunct="1">
+              <a:lnSpc>
+                <a:spcPct val="100000"/>
+              </a:lnSpc>
+              <a:spcBef>
+                <a:spcPts val="0"/>
+              </a:spcBef>
+              <a:spcAft>
+                <a:spcPts val="0"/>
+              </a:spcAft>
+              <a:buClrTx/>
+              <a:buSzTx/>
+              <a:buFontTx/>
+              <a:buNone/>
+              <a:tabLst/>
+              <a:defRPr/>
+            </a:pPr>
+            <a:endParaRPr kumimoji="0" lang="en-US" sz="1800" b="0" i="0" u="none" strike="noStrike" kern="1200" cap="none" spc="0" normalizeH="0" baseline="0" noProof="0">
+              <a:ln>
+                <a:noFill/>
+              </a:ln>
+              <a:solidFill>
+                <a:prstClr val="white"/>
+              </a:solidFill>
+              <a:effectLst/>
+              <a:uLnTx/>
+              <a:uFillTx/>
+              <a:latin typeface="Calibri" panose="020F0502020204030204"/>
+              <a:ea typeface="+mn-ea"/>
+              <a:cs typeface="+mn-cs"/>
+            </a:endParaRPr>
+          </a:p>
+        </p:txBody>
+      </p:sp>
+      <p:pic>
+        <p:nvPicPr>
+          <p:cNvPr id="10" name="Picture 9">
+            <a:extLst>
+              <a:ext uri="{FF2B5EF4-FFF2-40B4-BE49-F238E27FC236}">
+                <a16:creationId xmlns:a16="http://schemas.microsoft.com/office/drawing/2014/main" id="{E46F4C21-17B0-0CC2-3ECD-EFC7B43BAC7F}"/>
+              </a:ext>
+            </a:extLst>
+          </p:cNvPr>
+          <p:cNvPicPr>
+            <a:picLocks noChangeAspect="1"/>
+          </p:cNvPicPr>
+          <p:nvPr/>
+        </p:nvPicPr>
+        <p:blipFill>
+          <a:blip r:embed="rId2"/>
+          <a:stretch>
+            <a:fillRect/>
+          </a:stretch>
+        </p:blipFill>
+        <p:spPr>
+          <a:xfrm>
+            <a:off x="838199" y="3973160"/>
+            <a:ext cx="5140661" cy="732544"/>
+          </a:xfrm>
+          <a:prstGeom prst="rect">
+            <a:avLst/>
+          </a:prstGeom>
+        </p:spPr>
+      </p:pic>
+      <p:pic>
+        <p:nvPicPr>
+          <p:cNvPr id="4" name="Content Placeholder 3">
+            <a:extLst>
+              <a:ext uri="{FF2B5EF4-FFF2-40B4-BE49-F238E27FC236}">
+                <a16:creationId xmlns:a16="http://schemas.microsoft.com/office/drawing/2014/main" id="{DCB39D5D-0D2C-F233-F488-5D19A0970590}"/>
+              </a:ext>
+            </a:extLst>
+          </p:cNvPr>
+          <p:cNvPicPr>
+            <a:picLocks noGrp="1" noChangeAspect="1"/>
+          </p:cNvPicPr>
+          <p:nvPr>
+            <p:ph idx="1"/>
+          </p:nvPr>
+        </p:nvPicPr>
+        <p:blipFill rotWithShape="1">
+          <a:blip r:embed="rId3"/>
+          <a:srcRect t="4561" r="-1" b="-1"/>
+          <a:stretch/>
+        </p:blipFill>
+        <p:spPr>
+          <a:xfrm>
+            <a:off x="6557512" y="1396083"/>
+            <a:ext cx="5260247" cy="5340779"/>
+          </a:xfrm>
+          <a:prstGeom prst="rect">
+            <a:avLst/>
+          </a:prstGeom>
+        </p:spPr>
+      </p:pic>
+    </p:spTree>
+    <p:extLst>
+      <p:ext uri="{BB962C8B-B14F-4D97-AF65-F5344CB8AC3E}">
+        <p14:creationId xmlns:p14="http://schemas.microsoft.com/office/powerpoint/2010/main" val="1960071415"/>
+      </p:ext>
+    </p:extLst>
+  </p:cSld>
+  <p:clrMapOvr>
+    <a:masterClrMapping/>
+  </p:clrMapOvr>
+</p:sld>
+</file>
+
+<file path=ppt/slides/slide13.xml><?xml version="1.0" encoding="utf-8"?>
 <p:sld xmlns:a="http://schemas.openxmlformats.org/drawingml/2006/main" xmlns:r="http://schemas.openxmlformats.org/officeDocument/2006/relationships" xmlns:p="http://schemas.openxmlformats.org/presentationml/2006/main">
   <p:cSld>
     <p:bg>
@@ -9342,10 +14380,10 @@
       </p:sp>
       <p:pic>
         <p:nvPicPr>
-          <p:cNvPr id="5" name="Picture 4" descr="Exclamation mark on a yellow background">
+          <p:cNvPr id="5" name="Picture 4" descr="Zigzag indicator line">
             <a:extLst>
               <a:ext uri="{FF2B5EF4-FFF2-40B4-BE49-F238E27FC236}">
-                <a16:creationId xmlns:a16="http://schemas.microsoft.com/office/drawing/2014/main" id="{3BF8E7D0-2641-4EB8-7F41-28DF25A90DE3}"/>
+                <a16:creationId xmlns:a16="http://schemas.microsoft.com/office/drawing/2014/main" id="{0101F6B5-18C1-B06D-5CE3-030292D184F5}"/>
               </a:ext>
             </a:extLst>
           </p:cNvPr>
@@ -9358,7 +14396,7 @@
           <a:blip r:embed="rId2">
             <a:alphaModFix amt="40000"/>
           </a:blip>
-          <a:srcRect t="25000"/>
+          <a:srcRect t="3852" b="11879"/>
           <a:stretch/>
         </p:blipFill>
         <p:spPr>
@@ -9376,7 +14414,7 @@
           <p:cNvPr id="2" name="Title 1">
             <a:extLst>
               <a:ext uri="{FF2B5EF4-FFF2-40B4-BE49-F238E27FC236}">
-                <a16:creationId xmlns:a16="http://schemas.microsoft.com/office/drawing/2014/main" id="{C99D7F5D-4808-3ED9-39AB-A6AEF831DD67}"/>
+                <a16:creationId xmlns:a16="http://schemas.microsoft.com/office/drawing/2014/main" id="{2EA7B2AA-0B09-00D9-A5AB-64391BFB401B}"/>
               </a:ext>
             </a:extLst>
           </p:cNvPr>
@@ -9400,12 +14438,12 @@
           <a:lstStyle/>
           <a:p>
             <a:r>
-              <a:rPr lang="en-US" sz="6000">
+              <a:rPr lang="en-US" sz="6000" dirty="0">
                 <a:solidFill>
                   <a:srgbClr val="FFFFFF"/>
                 </a:solidFill>
               </a:rPr>
-              <a:t>Where Do We Start?</a:t>
+              <a:t>Conclusion</a:t>
             </a:r>
           </a:p>
         </p:txBody>
@@ -9600,6 +14638,639 @@
           <p:cNvPr id="3" name="Content Placeholder 2">
             <a:extLst>
               <a:ext uri="{FF2B5EF4-FFF2-40B4-BE49-F238E27FC236}">
+                <a16:creationId xmlns:a16="http://schemas.microsoft.com/office/drawing/2014/main" id="{8E13A21B-6270-88D4-FF74-BC63541AF518}"/>
+              </a:ext>
+            </a:extLst>
+          </p:cNvPr>
+          <p:cNvSpPr>
+            <a:spLocks noGrp="1"/>
+          </p:cNvSpPr>
+          <p:nvPr>
+            <p:ph idx="1"/>
+          </p:nvPr>
+        </p:nvSpPr>
+        <p:spPr>
+          <a:xfrm>
+            <a:off x="841248" y="3337269"/>
+            <a:ext cx="10509504" cy="2905686"/>
+          </a:xfrm>
+        </p:spPr>
+        <p:txBody>
+          <a:bodyPr>
+            <a:normAutofit/>
+          </a:bodyPr>
+          <a:lstStyle/>
+          <a:p>
+            <a:r>
+              <a:rPr lang="en-US" sz="2000" dirty="0">
+                <a:solidFill>
+                  <a:srgbClr val="FFFFFF"/>
+                </a:solidFill>
+              </a:rPr>
+              <a:t>While we identified important variables, none of the models were able to accurately predict attrition or income. </a:t>
+            </a:r>
+          </a:p>
+          <a:p>
+            <a:r>
+              <a:rPr lang="en-US" sz="2000" dirty="0">
+                <a:solidFill>
+                  <a:srgbClr val="FFFFFF"/>
+                </a:solidFill>
+              </a:rPr>
+              <a:t>Most of the models provided &lt; 50% accuracy and specificity</a:t>
+            </a:r>
+          </a:p>
+          <a:p>
+            <a:r>
+              <a:rPr lang="en-US" sz="2000" dirty="0">
+                <a:solidFill>
+                  <a:srgbClr val="FFFFFF"/>
+                </a:solidFill>
+              </a:rPr>
+              <a:t>The Naïve Bayes Model came closest at 80% accuracy, but ~30</a:t>
+            </a:r>
+            <a:r>
+              <a:rPr lang="en-US" sz="2000">
+                <a:solidFill>
+                  <a:srgbClr val="FFFFFF"/>
+                </a:solidFill>
+              </a:rPr>
+              <a:t>% specificity. </a:t>
+            </a:r>
+            <a:endParaRPr lang="en-US" sz="2000" dirty="0">
+              <a:solidFill>
+                <a:srgbClr val="FFFFFF"/>
+              </a:solidFill>
+            </a:endParaRPr>
+          </a:p>
+          <a:p>
+            <a:r>
+              <a:rPr lang="en-US" sz="2000" dirty="0">
+                <a:solidFill>
+                  <a:srgbClr val="FFFFFF"/>
+                </a:solidFill>
+              </a:rPr>
+              <a:t>This is the fault of technical limitations of myself and a failure to create a model that would work. </a:t>
+            </a:r>
+          </a:p>
+          <a:p>
+            <a:endParaRPr lang="en-US" sz="2000" dirty="0">
+              <a:solidFill>
+                <a:srgbClr val="FFFFFF"/>
+              </a:solidFill>
+            </a:endParaRPr>
+          </a:p>
+        </p:txBody>
+      </p:sp>
+    </p:spTree>
+    <p:extLst>
+      <p:ext uri="{BB962C8B-B14F-4D97-AF65-F5344CB8AC3E}">
+        <p14:creationId xmlns:p14="http://schemas.microsoft.com/office/powerpoint/2010/main" val="90255204"/>
+      </p:ext>
+    </p:extLst>
+  </p:cSld>
+  <p:clrMapOvr>
+    <a:masterClrMapping/>
+  </p:clrMapOvr>
+</p:sld>
+</file>
+
+<file path=ppt/slides/slide14.xml><?xml version="1.0" encoding="utf-8"?>
+<p:sld xmlns:a="http://schemas.openxmlformats.org/drawingml/2006/main" xmlns:r="http://schemas.openxmlformats.org/officeDocument/2006/relationships" xmlns:p="http://schemas.openxmlformats.org/presentationml/2006/main">
+  <p:cSld>
+    <p:spTree>
+      <p:nvGrpSpPr>
+        <p:cNvPr id="1" name=""/>
+        <p:cNvGrpSpPr/>
+        <p:nvPr/>
+      </p:nvGrpSpPr>
+      <p:grpSpPr>
+        <a:xfrm>
+          <a:off x="0" y="0"/>
+          <a:ext cx="0" cy="0"/>
+          <a:chOff x="0" y="0"/>
+          <a:chExt cx="0" cy="0"/>
+        </a:xfrm>
+      </p:grpSpPr>
+      <p:sp>
+        <p:nvSpPr>
+          <p:cNvPr id="2" name="Title 1">
+            <a:extLst>
+              <a:ext uri="{FF2B5EF4-FFF2-40B4-BE49-F238E27FC236}">
+                <a16:creationId xmlns:a16="http://schemas.microsoft.com/office/drawing/2014/main" id="{DD37515A-342A-4A43-B766-4189D01A3B70}"/>
+              </a:ext>
+            </a:extLst>
+          </p:cNvPr>
+          <p:cNvSpPr>
+            <a:spLocks noGrp="1"/>
+          </p:cNvSpPr>
+          <p:nvPr>
+            <p:ph type="title"/>
+          </p:nvPr>
+        </p:nvSpPr>
+        <p:spPr/>
+        <p:txBody>
+          <a:bodyPr/>
+          <a:lstStyle/>
+          <a:p>
+            <a:r>
+              <a:rPr lang="en-US" dirty="0"/>
+              <a:t>Thank you for your time</a:t>
+            </a:r>
+          </a:p>
+        </p:txBody>
+      </p:sp>
+      <p:sp>
+        <p:nvSpPr>
+          <p:cNvPr id="3" name="Content Placeholder 2">
+            <a:extLst>
+              <a:ext uri="{FF2B5EF4-FFF2-40B4-BE49-F238E27FC236}">
+                <a16:creationId xmlns:a16="http://schemas.microsoft.com/office/drawing/2014/main" id="{E7A34B4B-6EF4-38FA-146B-73A3F343892A}"/>
+              </a:ext>
+            </a:extLst>
+          </p:cNvPr>
+          <p:cNvSpPr>
+            <a:spLocks noGrp="1"/>
+          </p:cNvSpPr>
+          <p:nvPr>
+            <p:ph idx="1"/>
+          </p:nvPr>
+        </p:nvSpPr>
+        <p:spPr/>
+        <p:txBody>
+          <a:bodyPr/>
+          <a:lstStyle/>
+          <a:p>
+            <a:endParaRPr lang="en-US" dirty="0"/>
+          </a:p>
+        </p:txBody>
+      </p:sp>
+    </p:spTree>
+    <p:extLst>
+      <p:ext uri="{BB962C8B-B14F-4D97-AF65-F5344CB8AC3E}">
+        <p14:creationId xmlns:p14="http://schemas.microsoft.com/office/powerpoint/2010/main" val="709540103"/>
+      </p:ext>
+    </p:extLst>
+  </p:cSld>
+  <p:clrMapOvr>
+    <a:masterClrMapping/>
+  </p:clrMapOvr>
+</p:sld>
+</file>
+
+<file path=ppt/slides/slide2.xml><?xml version="1.0" encoding="utf-8"?>
+<p:sld xmlns:a="http://schemas.openxmlformats.org/drawingml/2006/main" xmlns:r="http://schemas.openxmlformats.org/officeDocument/2006/relationships" xmlns:p="http://schemas.openxmlformats.org/presentationml/2006/main">
+  <p:cSld>
+    <p:bg>
+      <p:bgPr>
+        <a:solidFill>
+          <a:schemeClr val="bg1"/>
+        </a:solidFill>
+        <a:effectLst/>
+      </p:bgPr>
+    </p:bg>
+    <p:spTree>
+      <p:nvGrpSpPr>
+        <p:cNvPr id="1" name=""/>
+        <p:cNvGrpSpPr/>
+        <p:nvPr/>
+      </p:nvGrpSpPr>
+      <p:grpSpPr>
+        <a:xfrm>
+          <a:off x="0" y="0"/>
+          <a:ext cx="0" cy="0"/>
+          <a:chOff x="0" y="0"/>
+          <a:chExt cx="0" cy="0"/>
+        </a:xfrm>
+      </p:grpSpPr>
+      <p:sp useBgFill="1">
+        <p:nvSpPr>
+          <p:cNvPr id="9" name="Rectangle 8">
+            <a:extLst>
+              <a:ext uri="{FF2B5EF4-FFF2-40B4-BE49-F238E27FC236}">
+                <a16:creationId xmlns:a16="http://schemas.microsoft.com/office/drawing/2014/main" id="{DF44879F-6698-4394-89D4-7B3CDB92E9A0}"/>
+              </a:ext>
+              <a:ext uri="{C183D7F6-B498-43B3-948B-1728B52AA6E4}">
+                <adec:decorative xmlns:adec="http://schemas.microsoft.com/office/drawing/2017/decorative" val="1"/>
+              </a:ext>
+            </a:extLst>
+          </p:cNvPr>
+          <p:cNvSpPr>
+            <a:spLocks noGrp="1" noRot="1" noChangeAspect="1" noMove="1" noResize="1" noEditPoints="1" noAdjustHandles="1" noChangeArrowheads="1" noChangeShapeType="1" noTextEdit="1"/>
+          </p:cNvSpPr>
+          <p:nvPr>
+            <p:extLst>
+              <p:ext uri="{386F3935-93C4-4BCD-93E2-E3B085C9AB24}">
+                <p16:designElem xmlns:p16="http://schemas.microsoft.com/office/powerpoint/2015/main" val="1"/>
+              </p:ext>
+            </p:extLst>
+          </p:nvPr>
+        </p:nvSpPr>
+        <p:spPr>
+          <a:xfrm>
+            <a:off x="0" y="0"/>
+            <a:ext cx="12192000" cy="6858000"/>
+          </a:xfrm>
+          <a:prstGeom prst="rect">
+            <a:avLst/>
+          </a:prstGeom>
+          <a:ln w="12700" cap="flat" cmpd="sng" algn="ctr">
+            <a:noFill/>
+            <a:prstDash val="solid"/>
+            <a:miter lim="800000"/>
+          </a:ln>
+          <a:effectLst/>
+          <a:extLst>
+            <a:ext uri="{91240B29-F687-4F45-9708-019B960494DF}">
+              <a14:hiddenLine xmlns:a14="http://schemas.microsoft.com/office/drawing/2010/main" w="12700" cap="flat" cmpd="sng" algn="ctr">
+                <a:solidFill>
+                  <a:schemeClr val="accent1">
+                    <a:shade val="50000"/>
+                  </a:schemeClr>
+                </a:solidFill>
+                <a:prstDash val="solid"/>
+                <a:miter lim="800000"/>
+              </a14:hiddenLine>
+            </a:ext>
+          </a:extLst>
+        </p:spPr>
+        <p:style>
+          <a:lnRef idx="2">
+            <a:schemeClr val="accent1">
+              <a:shade val="50000"/>
+            </a:schemeClr>
+          </a:lnRef>
+          <a:fillRef idx="1">
+            <a:schemeClr val="accent1"/>
+          </a:fillRef>
+          <a:effectRef idx="0">
+            <a:schemeClr val="accent1"/>
+          </a:effectRef>
+          <a:fontRef idx="minor">
+            <a:schemeClr val="lt1"/>
+          </a:fontRef>
+        </p:style>
+        <p:txBody>
+          <a:bodyPr rtlCol="0" anchor="ctr"/>
+          <a:lstStyle/>
+          <a:p>
+            <a:pPr algn="ctr"/>
+            <a:endParaRPr lang="en-US"/>
+          </a:p>
+        </p:txBody>
+      </p:sp>
+      <p:sp>
+        <p:nvSpPr>
+          <p:cNvPr id="11" name="!!Rectangle">
+            <a:extLst>
+              <a:ext uri="{FF2B5EF4-FFF2-40B4-BE49-F238E27FC236}">
+                <a16:creationId xmlns:a16="http://schemas.microsoft.com/office/drawing/2014/main" id="{C65FD3B2-577C-49A0-B40E-4845C5D597CF}"/>
+              </a:ext>
+              <a:ext uri="{C183D7F6-B498-43B3-948B-1728B52AA6E4}">
+                <adec:decorative xmlns:adec="http://schemas.microsoft.com/office/drawing/2017/decorative" val="1"/>
+              </a:ext>
+            </a:extLst>
+          </p:cNvPr>
+          <p:cNvSpPr>
+            <a:spLocks noGrp="1" noRot="1" noChangeAspect="1" noMove="1" noResize="1" noEditPoints="1" noAdjustHandles="1" noChangeArrowheads="1" noChangeShapeType="1" noTextEdit="1"/>
+          </p:cNvSpPr>
+          <p:nvPr>
+            <p:extLst>
+              <p:ext uri="{386F3935-93C4-4BCD-93E2-E3B085C9AB24}">
+                <p16:designElem xmlns:p16="http://schemas.microsoft.com/office/powerpoint/2015/main" val="1"/>
+              </p:ext>
+            </p:extLst>
+          </p:nvPr>
+        </p:nvSpPr>
+        <p:spPr>
+          <a:xfrm>
+            <a:off x="0" y="0"/>
+            <a:ext cx="12192000" cy="6858000"/>
+          </a:xfrm>
+          <a:prstGeom prst="rect">
+            <a:avLst/>
+          </a:prstGeom>
+          <a:solidFill>
+            <a:srgbClr val="000000"/>
+          </a:solidFill>
+          <a:ln>
+            <a:noFill/>
+          </a:ln>
+        </p:spPr>
+        <p:style>
+          <a:lnRef idx="2">
+            <a:schemeClr val="accent1">
+              <a:shade val="50000"/>
+            </a:schemeClr>
+          </a:lnRef>
+          <a:fillRef idx="1">
+            <a:schemeClr val="accent1"/>
+          </a:fillRef>
+          <a:effectRef idx="0">
+            <a:schemeClr val="accent1"/>
+          </a:effectRef>
+          <a:fontRef idx="minor">
+            <a:schemeClr val="lt1"/>
+          </a:fontRef>
+        </p:style>
+        <p:txBody>
+          <a:bodyPr rtlCol="0" anchor="ctr"/>
+          <a:lstStyle/>
+          <a:p>
+            <a:pPr marL="0" marR="0" lvl="0" indent="0" algn="ctr" defTabSz="914400" rtl="0" eaLnBrk="1" fontAlgn="auto" latinLnBrk="0" hangingPunct="1">
+              <a:lnSpc>
+                <a:spcPct val="100000"/>
+              </a:lnSpc>
+              <a:spcBef>
+                <a:spcPts val="0"/>
+              </a:spcBef>
+              <a:spcAft>
+                <a:spcPts val="0"/>
+              </a:spcAft>
+              <a:buClrTx/>
+              <a:buSzTx/>
+              <a:buFontTx/>
+              <a:buNone/>
+              <a:tabLst/>
+              <a:defRPr/>
+            </a:pPr>
+            <a:endParaRPr kumimoji="0" lang="en-US" sz="1800" b="0" i="0" u="none" strike="noStrike" kern="1200" cap="none" spc="0" normalizeH="0" baseline="0" noProof="0">
+              <a:ln>
+                <a:noFill/>
+              </a:ln>
+              <a:solidFill>
+                <a:prstClr val="white"/>
+              </a:solidFill>
+              <a:effectLst/>
+              <a:uLnTx/>
+              <a:uFillTx/>
+              <a:latin typeface="Avenir Next LT Pro"/>
+              <a:ea typeface="+mn-ea"/>
+              <a:cs typeface="+mn-cs"/>
+            </a:endParaRPr>
+          </a:p>
+        </p:txBody>
+      </p:sp>
+      <p:pic>
+        <p:nvPicPr>
+          <p:cNvPr id="5" name="Picture 4" descr="Exclamation mark on a yellow background">
+            <a:extLst>
+              <a:ext uri="{FF2B5EF4-FFF2-40B4-BE49-F238E27FC236}">
+                <a16:creationId xmlns:a16="http://schemas.microsoft.com/office/drawing/2014/main" id="{3BF8E7D0-2641-4EB8-7F41-28DF25A90DE3}"/>
+              </a:ext>
+            </a:extLst>
+          </p:cNvPr>
+          <p:cNvPicPr>
+            <a:picLocks noChangeAspect="1"/>
+          </p:cNvPicPr>
+          <p:nvPr/>
+        </p:nvPicPr>
+        <p:blipFill rotWithShape="1">
+          <a:blip r:embed="rId2">
+            <a:alphaModFix amt="40000"/>
+          </a:blip>
+          <a:srcRect t="25000"/>
+          <a:stretch/>
+        </p:blipFill>
+        <p:spPr>
+          <a:xfrm>
+            <a:off x="20" y="10"/>
+            <a:ext cx="12191979" cy="6857990"/>
+          </a:xfrm>
+          <a:prstGeom prst="rect">
+            <a:avLst/>
+          </a:prstGeom>
+        </p:spPr>
+      </p:pic>
+      <p:sp>
+        <p:nvSpPr>
+          <p:cNvPr id="2" name="Title 1">
+            <a:extLst>
+              <a:ext uri="{FF2B5EF4-FFF2-40B4-BE49-F238E27FC236}">
+                <a16:creationId xmlns:a16="http://schemas.microsoft.com/office/drawing/2014/main" id="{C99D7F5D-4808-3ED9-39AB-A6AEF831DD67}"/>
+              </a:ext>
+            </a:extLst>
+          </p:cNvPr>
+          <p:cNvSpPr>
+            <a:spLocks noGrp="1"/>
+          </p:cNvSpPr>
+          <p:nvPr>
+            <p:ph type="title"/>
+          </p:nvPr>
+        </p:nvSpPr>
+        <p:spPr>
+          <a:xfrm>
+            <a:off x="841248" y="426720"/>
+            <a:ext cx="10506456" cy="1919141"/>
+          </a:xfrm>
+        </p:spPr>
+        <p:txBody>
+          <a:bodyPr anchor="b">
+            <a:normAutofit/>
+          </a:bodyPr>
+          <a:lstStyle/>
+          <a:p>
+            <a:r>
+              <a:rPr lang="en-US" sz="6000">
+                <a:solidFill>
+                  <a:srgbClr val="FFFFFF"/>
+                </a:solidFill>
+              </a:rPr>
+              <a:t>Where Do We Start?</a:t>
+            </a:r>
+          </a:p>
+        </p:txBody>
+      </p:sp>
+      <p:sp>
+        <p:nvSpPr>
+          <p:cNvPr id="13" name="Rectangle 12">
+            <a:extLst>
+              <a:ext uri="{FF2B5EF4-FFF2-40B4-BE49-F238E27FC236}">
+                <a16:creationId xmlns:a16="http://schemas.microsoft.com/office/drawing/2014/main" id="{7A0B5DEA-ADF6-4BA5-9307-147F0A4685A0}"/>
+              </a:ext>
+              <a:ext uri="{C183D7F6-B498-43B3-948B-1728B52AA6E4}">
+                <adec:decorative xmlns:adec="http://schemas.microsoft.com/office/drawing/2017/decorative" val="1"/>
+              </a:ext>
+            </a:extLst>
+          </p:cNvPr>
+          <p:cNvSpPr>
+            <a:spLocks noGrp="1" noRot="1" noChangeAspect="1" noMove="1" noResize="1" noEditPoints="1" noAdjustHandles="1" noChangeArrowheads="1" noChangeShapeType="1" noTextEdit="1"/>
+          </p:cNvSpPr>
+          <p:nvPr>
+            <p:extLst>
+              <p:ext uri="{386F3935-93C4-4BCD-93E2-E3B085C9AB24}">
+                <p16:designElem xmlns:p16="http://schemas.microsoft.com/office/powerpoint/2015/main" val="1"/>
+              </p:ext>
+            </p:extLst>
+          </p:nvPr>
+        </p:nvSpPr>
+        <p:spPr>
+          <a:xfrm>
+            <a:off x="868680" y="2898648"/>
+            <a:ext cx="10506456" cy="18288"/>
+          </a:xfrm>
+          <a:prstGeom prst="rect">
+            <a:avLst/>
+          </a:prstGeom>
+          <a:solidFill>
+            <a:srgbClr val="FFFFFF"/>
+          </a:solidFill>
+          <a:ln w="3175">
+            <a:noFill/>
+          </a:ln>
+          <a:effectLst/>
+        </p:spPr>
+        <p:style>
+          <a:lnRef idx="2">
+            <a:schemeClr val="accent1">
+              <a:shade val="50000"/>
+            </a:schemeClr>
+          </a:lnRef>
+          <a:fillRef idx="1">
+            <a:schemeClr val="accent1"/>
+          </a:fillRef>
+          <a:effectRef idx="0">
+            <a:schemeClr val="accent1"/>
+          </a:effectRef>
+          <a:fontRef idx="minor">
+            <a:schemeClr val="lt1"/>
+          </a:fontRef>
+        </p:style>
+        <p:txBody>
+          <a:bodyPr rtlCol="0" anchor="ctr"/>
+          <a:lstStyle/>
+          <a:p>
+            <a:pPr marL="0" marR="0" lvl="0" indent="0" algn="ctr" defTabSz="914400" rtl="0" eaLnBrk="1" fontAlgn="auto" latinLnBrk="0" hangingPunct="1">
+              <a:lnSpc>
+                <a:spcPct val="100000"/>
+              </a:lnSpc>
+              <a:spcBef>
+                <a:spcPts val="0"/>
+              </a:spcBef>
+              <a:spcAft>
+                <a:spcPts val="0"/>
+              </a:spcAft>
+              <a:buClrTx/>
+              <a:buSzTx/>
+              <a:buFontTx/>
+              <a:buNone/>
+              <a:tabLst/>
+              <a:defRPr/>
+            </a:pPr>
+            <a:endParaRPr kumimoji="0" lang="en-US" sz="1800" b="0" i="0" u="none" strike="noStrike" kern="1200" cap="none" spc="0" normalizeH="0" baseline="0" noProof="0">
+              <a:ln>
+                <a:noFill/>
+              </a:ln>
+              <a:solidFill>
+                <a:prstClr val="white"/>
+              </a:solidFill>
+              <a:effectLst/>
+              <a:uLnTx/>
+              <a:uFillTx/>
+              <a:latin typeface="Calibri" panose="020F0502020204030204"/>
+              <a:ea typeface="+mn-ea"/>
+              <a:cs typeface="+mn-cs"/>
+            </a:endParaRPr>
+          </a:p>
+        </p:txBody>
+      </p:sp>
+      <p:sp>
+        <p:nvSpPr>
+          <p:cNvPr id="15" name="Rectangle 14">
+            <a:extLst>
+              <a:ext uri="{FF2B5EF4-FFF2-40B4-BE49-F238E27FC236}">
+                <a16:creationId xmlns:a16="http://schemas.microsoft.com/office/drawing/2014/main" id="{9DECDBF4-02B6-4BB4-B65B-B8107AD6A9E8}"/>
+              </a:ext>
+              <a:ext uri="{C183D7F6-B498-43B3-948B-1728B52AA6E4}">
+                <adec:decorative xmlns:adec="http://schemas.microsoft.com/office/drawing/2017/decorative" val="1"/>
+              </a:ext>
+            </a:extLst>
+          </p:cNvPr>
+          <p:cNvSpPr>
+            <a:spLocks noGrp="1" noRot="1" noChangeAspect="1" noMove="1" noResize="1" noEditPoints="1" noAdjustHandles="1" noChangeArrowheads="1" noChangeShapeType="1" noTextEdit="1"/>
+          </p:cNvSpPr>
+          <p:nvPr>
+            <p:extLst>
+              <p:ext uri="{386F3935-93C4-4BCD-93E2-E3B085C9AB24}">
+                <p16:designElem xmlns:p16="http://schemas.microsoft.com/office/powerpoint/2015/main" val="1"/>
+              </p:ext>
+            </p:extLst>
+          </p:nvPr>
+        </p:nvSpPr>
+        <p:spPr>
+          <a:xfrm flipV="1">
+            <a:off x="841248" y="2783982"/>
+            <a:ext cx="1873457" cy="137160"/>
+          </a:xfrm>
+          <a:prstGeom prst="rect">
+            <a:avLst/>
+          </a:prstGeom>
+          <a:solidFill>
+            <a:schemeClr val="accent1"/>
+          </a:solidFill>
+          <a:ln>
+            <a:noFill/>
+          </a:ln>
+        </p:spPr>
+        <p:style>
+          <a:lnRef idx="2">
+            <a:schemeClr val="accent1">
+              <a:shade val="50000"/>
+            </a:schemeClr>
+          </a:lnRef>
+          <a:fillRef idx="1">
+            <a:schemeClr val="accent1"/>
+          </a:fillRef>
+          <a:effectRef idx="0">
+            <a:schemeClr val="accent1"/>
+          </a:effectRef>
+          <a:fontRef idx="minor">
+            <a:schemeClr val="lt1"/>
+          </a:fontRef>
+        </p:style>
+        <p:txBody>
+          <a:bodyPr rtlCol="0" anchor="ctr"/>
+          <a:lstStyle/>
+          <a:p>
+            <a:pPr marL="0" marR="0" lvl="0" indent="0" algn="ctr" defTabSz="914400" rtl="0" eaLnBrk="1" fontAlgn="auto" latinLnBrk="0" hangingPunct="1">
+              <a:lnSpc>
+                <a:spcPct val="100000"/>
+              </a:lnSpc>
+              <a:spcBef>
+                <a:spcPts val="0"/>
+              </a:spcBef>
+              <a:spcAft>
+                <a:spcPts val="0"/>
+              </a:spcAft>
+              <a:buClrTx/>
+              <a:buSzTx/>
+              <a:buFontTx/>
+              <a:buNone/>
+              <a:tabLst/>
+              <a:defRPr/>
+            </a:pPr>
+            <a:endParaRPr kumimoji="0" lang="en-US" sz="1800" b="0" i="0" u="none" strike="noStrike" kern="1200" cap="none" spc="0" normalizeH="0" baseline="0" noProof="0">
+              <a:ln>
+                <a:noFill/>
+              </a:ln>
+              <a:solidFill>
+                <a:prstClr val="white"/>
+              </a:solidFill>
+              <a:effectLst/>
+              <a:uLnTx/>
+              <a:uFillTx/>
+              <a:latin typeface="Calibri" panose="020F0502020204030204"/>
+              <a:ea typeface="+mn-ea"/>
+              <a:cs typeface="+mn-cs"/>
+            </a:endParaRPr>
+          </a:p>
+        </p:txBody>
+      </p:sp>
+      <p:sp>
+        <p:nvSpPr>
+          <p:cNvPr id="3" name="Content Placeholder 2">
+            <a:extLst>
+              <a:ext uri="{FF2B5EF4-FFF2-40B4-BE49-F238E27FC236}">
                 <a16:creationId xmlns:a16="http://schemas.microsoft.com/office/drawing/2014/main" id="{DF987384-EA7C-8A3A-D807-48EBFD28A647}"/>
               </a:ext>
             </a:extLst>
@@ -9727,12 +15398,14 @@
         </p:nvSpPr>
         <p:spPr/>
         <p:txBody>
-          <a:bodyPr/>
+          <a:bodyPr>
+            <a:normAutofit fontScale="90000"/>
+          </a:bodyPr>
           <a:lstStyle/>
           <a:p>
             <a:r>
-              <a:rPr lang="en-US"/>
-              <a:t>Top Factors Related to Attrition</a:t>
+              <a:rPr lang="en-US" dirty="0"/>
+              <a:t>Top Factors Related to Attrition according to Correlation</a:t>
             </a:r>
           </a:p>
         </p:txBody>
@@ -10338,6 +16011,600 @@
 </file>
 
 <file path=ppt/slides/slide5.xml><?xml version="1.0" encoding="utf-8"?>
+<p:sld xmlns:a="http://schemas.openxmlformats.org/drawingml/2006/main" xmlns:r="http://schemas.openxmlformats.org/officeDocument/2006/relationships" xmlns:p="http://schemas.openxmlformats.org/presentationml/2006/main">
+  <p:cSld>
+    <p:spTree>
+      <p:nvGrpSpPr>
+        <p:cNvPr id="1" name=""/>
+        <p:cNvGrpSpPr/>
+        <p:nvPr/>
+      </p:nvGrpSpPr>
+      <p:grpSpPr>
+        <a:xfrm>
+          <a:off x="0" y="0"/>
+          <a:ext cx="0" cy="0"/>
+          <a:chOff x="0" y="0"/>
+          <a:chExt cx="0" cy="0"/>
+        </a:xfrm>
+      </p:grpSpPr>
+      <p:sp>
+        <p:nvSpPr>
+          <p:cNvPr id="2" name="Title 1">
+            <a:extLst>
+              <a:ext uri="{FF2B5EF4-FFF2-40B4-BE49-F238E27FC236}">
+                <a16:creationId xmlns:a16="http://schemas.microsoft.com/office/drawing/2014/main" id="{CAA48584-C618-8238-846A-324953B2613B}"/>
+              </a:ext>
+            </a:extLst>
+          </p:cNvPr>
+          <p:cNvSpPr>
+            <a:spLocks noGrp="1"/>
+          </p:cNvSpPr>
+          <p:nvPr>
+            <p:ph type="title"/>
+          </p:nvPr>
+        </p:nvSpPr>
+        <p:spPr/>
+        <p:txBody>
+          <a:bodyPr>
+            <a:normAutofit fontScale="90000"/>
+          </a:bodyPr>
+          <a:lstStyle/>
+          <a:p>
+            <a:r>
+              <a:rPr lang="en-US" dirty="0"/>
+              <a:t>Top Factors Related to Attrition according to t-tests</a:t>
+            </a:r>
+          </a:p>
+        </p:txBody>
+      </p:sp>
+      <p:graphicFrame>
+        <p:nvGraphicFramePr>
+          <p:cNvPr id="15" name="Content Placeholder 2">
+            <a:extLst>
+              <a:ext uri="{FF2B5EF4-FFF2-40B4-BE49-F238E27FC236}">
+                <a16:creationId xmlns:a16="http://schemas.microsoft.com/office/drawing/2014/main" id="{406F3BB5-EC14-7933-541B-3EE88EADE8AB}"/>
+              </a:ext>
+            </a:extLst>
+          </p:cNvPr>
+          <p:cNvGraphicFramePr>
+            <a:graphicFrameLocks noGrp="1"/>
+          </p:cNvGraphicFramePr>
+          <p:nvPr>
+            <p:ph idx="1"/>
+            <p:extLst>
+              <p:ext uri="{D42A27DB-BD31-4B8C-83A1-F6EECF244321}">
+                <p14:modId xmlns:p14="http://schemas.microsoft.com/office/powerpoint/2010/main" val="970876894"/>
+              </p:ext>
+            </p:extLst>
+          </p:nvPr>
+        </p:nvGraphicFramePr>
+        <p:xfrm>
+          <a:off x="1115568" y="2478024"/>
+          <a:ext cx="10168128" cy="3694176"/>
+        </p:xfrm>
+        <a:graphic>
+          <a:graphicData uri="http://schemas.openxmlformats.org/drawingml/2006/diagram">
+            <dgm:relIds xmlns:dgm="http://schemas.openxmlformats.org/drawingml/2006/diagram" xmlns:r="http://schemas.openxmlformats.org/officeDocument/2006/relationships" r:dm="rId2" r:lo="rId3" r:qs="rId4" r:cs="rId5"/>
+          </a:graphicData>
+        </a:graphic>
+      </p:graphicFrame>
+    </p:spTree>
+    <p:extLst>
+      <p:ext uri="{BB962C8B-B14F-4D97-AF65-F5344CB8AC3E}">
+        <p14:creationId xmlns:p14="http://schemas.microsoft.com/office/powerpoint/2010/main" val="1392302877"/>
+      </p:ext>
+    </p:extLst>
+  </p:cSld>
+  <p:clrMapOvr>
+    <a:masterClrMapping/>
+  </p:clrMapOvr>
+</p:sld>
+</file>
+
+<file path=ppt/slides/slide6.xml><?xml version="1.0" encoding="utf-8"?>
+<p:sld xmlns:a="http://schemas.openxmlformats.org/drawingml/2006/main" xmlns:r="http://schemas.openxmlformats.org/officeDocument/2006/relationships" xmlns:p="http://schemas.openxmlformats.org/presentationml/2006/main">
+  <p:cSld>
+    <p:bg>
+      <p:bgPr>
+        <a:solidFill>
+          <a:schemeClr val="bg1"/>
+        </a:solidFill>
+        <a:effectLst/>
+      </p:bgPr>
+    </p:bg>
+    <p:spTree>
+      <p:nvGrpSpPr>
+        <p:cNvPr id="1" name=""/>
+        <p:cNvGrpSpPr/>
+        <p:nvPr/>
+      </p:nvGrpSpPr>
+      <p:grpSpPr>
+        <a:xfrm>
+          <a:off x="0" y="0"/>
+          <a:ext cx="0" cy="0"/>
+          <a:chOff x="0" y="0"/>
+          <a:chExt cx="0" cy="0"/>
+        </a:xfrm>
+      </p:grpSpPr>
+      <p:sp useBgFill="1">
+        <p:nvSpPr>
+          <p:cNvPr id="10" name="Rectangle 9">
+            <a:extLst>
+              <a:ext uri="{FF2B5EF4-FFF2-40B4-BE49-F238E27FC236}">
+                <a16:creationId xmlns:a16="http://schemas.microsoft.com/office/drawing/2014/main" id="{2C9A9DA9-7DC8-488B-A882-123947B0F3D9}"/>
+              </a:ext>
+              <a:ext uri="{C183D7F6-B498-43B3-948B-1728B52AA6E4}">
+                <adec:decorative xmlns:adec="http://schemas.microsoft.com/office/drawing/2017/decorative" val="1"/>
+              </a:ext>
+            </a:extLst>
+          </p:cNvPr>
+          <p:cNvSpPr>
+            <a:spLocks noGrp="1" noRot="1" noChangeAspect="1" noMove="1" noResize="1" noEditPoints="1" noAdjustHandles="1" noChangeArrowheads="1" noChangeShapeType="1" noTextEdit="1"/>
+          </p:cNvSpPr>
+          <p:nvPr>
+            <p:extLst>
+              <p:ext uri="{386F3935-93C4-4BCD-93E2-E3B085C9AB24}">
+                <p16:designElem xmlns:p16="http://schemas.microsoft.com/office/powerpoint/2015/main" val="1"/>
+              </p:ext>
+            </p:extLst>
+          </p:nvPr>
+        </p:nvSpPr>
+        <p:spPr>
+          <a:xfrm>
+            <a:off x="0" y="0"/>
+            <a:ext cx="12192000" cy="6858000"/>
+          </a:xfrm>
+          <a:prstGeom prst="rect">
+            <a:avLst/>
+          </a:prstGeom>
+          <a:ln>
+            <a:noFill/>
+          </a:ln>
+        </p:spPr>
+        <p:style>
+          <a:lnRef idx="2">
+            <a:schemeClr val="accent1">
+              <a:shade val="50000"/>
+            </a:schemeClr>
+          </a:lnRef>
+          <a:fillRef idx="1">
+            <a:schemeClr val="accent1"/>
+          </a:fillRef>
+          <a:effectRef idx="0">
+            <a:schemeClr val="accent1"/>
+          </a:effectRef>
+          <a:fontRef idx="minor">
+            <a:schemeClr val="lt1"/>
+          </a:fontRef>
+        </p:style>
+        <p:txBody>
+          <a:bodyPr rtlCol="0" anchor="ctr"/>
+          <a:lstStyle/>
+          <a:p>
+            <a:pPr algn="ctr"/>
+            <a:endParaRPr lang="en-US"/>
+          </a:p>
+        </p:txBody>
+      </p:sp>
+      <p:sp useBgFill="1">
+        <p:nvSpPr>
+          <p:cNvPr id="12" name="Rectangle 11">
+            <a:extLst>
+              <a:ext uri="{FF2B5EF4-FFF2-40B4-BE49-F238E27FC236}">
+                <a16:creationId xmlns:a16="http://schemas.microsoft.com/office/drawing/2014/main" id="{57F6BDD4-E066-4008-8011-6CC31AEB4556}"/>
+              </a:ext>
+              <a:ext uri="{C183D7F6-B498-43B3-948B-1728B52AA6E4}">
+                <adec:decorative xmlns:adec="http://schemas.microsoft.com/office/drawing/2017/decorative" val="1"/>
+              </a:ext>
+            </a:extLst>
+          </p:cNvPr>
+          <p:cNvSpPr>
+            <a:spLocks noGrp="1" noRot="1" noChangeAspect="1" noMove="1" noResize="1" noEditPoints="1" noAdjustHandles="1" noChangeArrowheads="1" noChangeShapeType="1" noTextEdit="1"/>
+          </p:cNvSpPr>
+          <p:nvPr>
+            <p:extLst>
+              <p:ext uri="{386F3935-93C4-4BCD-93E2-E3B085C9AB24}">
+                <p16:designElem xmlns:p16="http://schemas.microsoft.com/office/powerpoint/2015/main" val="1"/>
+              </p:ext>
+            </p:extLst>
+          </p:nvPr>
+        </p:nvSpPr>
+        <p:spPr>
+          <a:xfrm>
+            <a:off x="409575" y="633619"/>
+            <a:ext cx="6838569" cy="5495925"/>
+          </a:xfrm>
+          <a:prstGeom prst="rect">
+            <a:avLst/>
+          </a:prstGeom>
+          <a:ln w="9525">
+            <a:solidFill>
+              <a:schemeClr val="tx2">
+                <a:lumMod val="10000"/>
+                <a:lumOff val="90000"/>
+              </a:schemeClr>
+            </a:solidFill>
+          </a:ln>
+          <a:effectLst>
+            <a:outerShdw blurRad="50800" dist="38100" dir="2700000" algn="tl" rotWithShape="0">
+              <a:schemeClr val="bg1">
+                <a:lumMod val="85000"/>
+                <a:alpha val="30000"/>
+              </a:schemeClr>
+            </a:outerShdw>
+          </a:effectLst>
+        </p:spPr>
+        <p:style>
+          <a:lnRef idx="2">
+            <a:schemeClr val="accent1">
+              <a:shade val="50000"/>
+            </a:schemeClr>
+          </a:lnRef>
+          <a:fillRef idx="1">
+            <a:schemeClr val="accent1"/>
+          </a:fillRef>
+          <a:effectRef idx="0">
+            <a:schemeClr val="accent1"/>
+          </a:effectRef>
+          <a:fontRef idx="minor">
+            <a:schemeClr val="lt1"/>
+          </a:fontRef>
+        </p:style>
+        <p:txBody>
+          <a:bodyPr rtlCol="0" anchor="ctr"/>
+          <a:lstStyle/>
+          <a:p>
+            <a:pPr marL="0" marR="0" lvl="0" indent="0" algn="ctr" defTabSz="914400" rtl="0" eaLnBrk="1" fontAlgn="auto" latinLnBrk="0" hangingPunct="1">
+              <a:lnSpc>
+                <a:spcPct val="100000"/>
+              </a:lnSpc>
+              <a:spcBef>
+                <a:spcPts val="0"/>
+              </a:spcBef>
+              <a:spcAft>
+                <a:spcPts val="0"/>
+              </a:spcAft>
+              <a:buClrTx/>
+              <a:buSzTx/>
+              <a:buFontTx/>
+              <a:buNone/>
+              <a:tabLst/>
+              <a:defRPr/>
+            </a:pPr>
+            <a:endParaRPr kumimoji="0" lang="en-US" sz="1800" b="0" i="0" u="none" strike="noStrike" kern="1200" cap="none" spc="0" normalizeH="0" baseline="0" noProof="0">
+              <a:ln>
+                <a:noFill/>
+              </a:ln>
+              <a:solidFill>
+                <a:prstClr val="white"/>
+              </a:solidFill>
+              <a:effectLst/>
+              <a:uLnTx/>
+              <a:uFillTx/>
+              <a:latin typeface="Calibri" panose="020F0502020204030204"/>
+              <a:ea typeface="+mn-ea"/>
+              <a:cs typeface="+mn-cs"/>
+            </a:endParaRPr>
+          </a:p>
+        </p:txBody>
+      </p:sp>
+      <p:sp>
+        <p:nvSpPr>
+          <p:cNvPr id="2" name="Title 1">
+            <a:extLst>
+              <a:ext uri="{FF2B5EF4-FFF2-40B4-BE49-F238E27FC236}">
+                <a16:creationId xmlns:a16="http://schemas.microsoft.com/office/drawing/2014/main" id="{EBC3EE20-D7F1-B8D6-6AD5-F9978267054D}"/>
+              </a:ext>
+            </a:extLst>
+          </p:cNvPr>
+          <p:cNvSpPr>
+            <a:spLocks noGrp="1"/>
+          </p:cNvSpPr>
+          <p:nvPr>
+            <p:ph type="title"/>
+          </p:nvPr>
+        </p:nvSpPr>
+        <p:spPr>
+          <a:xfrm>
+            <a:off x="841246" y="978619"/>
+            <a:ext cx="5991244" cy="1106424"/>
+          </a:xfrm>
+        </p:spPr>
+        <p:txBody>
+          <a:bodyPr>
+            <a:normAutofit/>
+          </a:bodyPr>
+          <a:lstStyle/>
+          <a:p>
+            <a:r>
+              <a:rPr lang="en-US" sz="3200" dirty="0"/>
+              <a:t>The Possibilities Part 2</a:t>
+            </a:r>
+          </a:p>
+        </p:txBody>
+      </p:sp>
+      <p:sp>
+        <p:nvSpPr>
+          <p:cNvPr id="14" name="Rectangle 13">
+            <a:extLst>
+              <a:ext uri="{FF2B5EF4-FFF2-40B4-BE49-F238E27FC236}">
+                <a16:creationId xmlns:a16="http://schemas.microsoft.com/office/drawing/2014/main" id="{2711A8FB-68FC-45FC-B01E-38F809E2D439}"/>
+              </a:ext>
+              <a:ext uri="{C183D7F6-B498-43B3-948B-1728B52AA6E4}">
+                <adec:decorative xmlns:adec="http://schemas.microsoft.com/office/drawing/2017/decorative" val="1"/>
+              </a:ext>
+            </a:extLst>
+          </p:cNvPr>
+          <p:cNvSpPr>
+            <a:spLocks noGrp="1" noRot="1" noChangeAspect="1" noMove="1" noResize="1" noEditPoints="1" noAdjustHandles="1" noChangeArrowheads="1" noChangeShapeType="1" noTextEdit="1"/>
+          </p:cNvSpPr>
+          <p:nvPr>
+            <p:extLst>
+              <p:ext uri="{386F3935-93C4-4BCD-93E2-E3B085C9AB24}">
+                <p16:designElem xmlns:p16="http://schemas.microsoft.com/office/powerpoint/2015/main" val="1"/>
+              </p:ext>
+            </p:extLst>
+          </p:nvPr>
+        </p:nvSpPr>
+        <p:spPr>
+          <a:xfrm>
+            <a:off x="345567" y="1171300"/>
+            <a:ext cx="128016" cy="704088"/>
+          </a:xfrm>
+          <a:prstGeom prst="rect">
+            <a:avLst/>
+          </a:prstGeom>
+          <a:solidFill>
+            <a:schemeClr val="accent1"/>
+          </a:solidFill>
+          <a:ln>
+            <a:noFill/>
+          </a:ln>
+        </p:spPr>
+        <p:style>
+          <a:lnRef idx="2">
+            <a:schemeClr val="accent1">
+              <a:shade val="50000"/>
+            </a:schemeClr>
+          </a:lnRef>
+          <a:fillRef idx="1">
+            <a:schemeClr val="accent1"/>
+          </a:fillRef>
+          <a:effectRef idx="0">
+            <a:schemeClr val="accent1"/>
+          </a:effectRef>
+          <a:fontRef idx="minor">
+            <a:schemeClr val="lt1"/>
+          </a:fontRef>
+        </p:style>
+        <p:txBody>
+          <a:bodyPr rtlCol="0" anchor="ctr"/>
+          <a:lstStyle/>
+          <a:p>
+            <a:pPr marL="0" marR="0" lvl="0" indent="0" algn="ctr" defTabSz="914400" rtl="0" eaLnBrk="1" fontAlgn="auto" latinLnBrk="0" hangingPunct="1">
+              <a:lnSpc>
+                <a:spcPct val="100000"/>
+              </a:lnSpc>
+              <a:spcBef>
+                <a:spcPts val="0"/>
+              </a:spcBef>
+              <a:spcAft>
+                <a:spcPts val="0"/>
+              </a:spcAft>
+              <a:buClrTx/>
+              <a:buSzTx/>
+              <a:buFontTx/>
+              <a:buNone/>
+              <a:tabLst/>
+              <a:defRPr/>
+            </a:pPr>
+            <a:endParaRPr kumimoji="0" lang="en-US" sz="1800" b="0" i="0" u="none" strike="noStrike" kern="1200" cap="none" spc="0" normalizeH="0" baseline="0" noProof="0">
+              <a:ln>
+                <a:noFill/>
+              </a:ln>
+              <a:solidFill>
+                <a:prstClr val="white"/>
+              </a:solidFill>
+              <a:effectLst/>
+              <a:uLnTx/>
+              <a:uFillTx/>
+              <a:latin typeface="Calibri" panose="020F0502020204030204"/>
+              <a:ea typeface="+mn-ea"/>
+              <a:cs typeface="+mn-cs"/>
+            </a:endParaRPr>
+          </a:p>
+        </p:txBody>
+      </p:sp>
+      <p:sp>
+        <p:nvSpPr>
+          <p:cNvPr id="16" name="Rectangle 15">
+            <a:extLst>
+              <a:ext uri="{FF2B5EF4-FFF2-40B4-BE49-F238E27FC236}">
+                <a16:creationId xmlns:a16="http://schemas.microsoft.com/office/drawing/2014/main" id="{2A865FE3-5FC9-4049-87CF-30019C46C0F5}"/>
+              </a:ext>
+              <a:ext uri="{C183D7F6-B498-43B3-948B-1728B52AA6E4}">
+                <adec:decorative xmlns:adec="http://schemas.microsoft.com/office/drawing/2017/decorative" val="1"/>
+              </a:ext>
+            </a:extLst>
+          </p:cNvPr>
+          <p:cNvSpPr>
+            <a:spLocks noGrp="1" noRot="1" noChangeAspect="1" noMove="1" noResize="1" noEditPoints="1" noAdjustHandles="1" noChangeArrowheads="1" noChangeShapeType="1" noTextEdit="1"/>
+          </p:cNvSpPr>
+          <p:nvPr>
+            <p:extLst>
+              <p:ext uri="{386F3935-93C4-4BCD-93E2-E3B085C9AB24}">
+                <p16:designElem xmlns:p16="http://schemas.microsoft.com/office/powerpoint/2015/main" val="1"/>
+              </p:ext>
+            </p:extLst>
+          </p:nvPr>
+        </p:nvSpPr>
+        <p:spPr>
+          <a:xfrm>
+            <a:off x="877458" y="2093976"/>
+            <a:ext cx="5846683" cy="9144"/>
+          </a:xfrm>
+          <a:prstGeom prst="rect">
+            <a:avLst/>
+          </a:prstGeom>
+          <a:solidFill>
+            <a:schemeClr val="tx2">
+              <a:lumMod val="25000"/>
+              <a:lumOff val="75000"/>
+            </a:schemeClr>
+          </a:solidFill>
+          <a:ln w="3175">
+            <a:noFill/>
+          </a:ln>
+          <a:effectLst/>
+        </p:spPr>
+        <p:style>
+          <a:lnRef idx="2">
+            <a:schemeClr val="accent1">
+              <a:shade val="50000"/>
+            </a:schemeClr>
+          </a:lnRef>
+          <a:fillRef idx="1">
+            <a:schemeClr val="accent1"/>
+          </a:fillRef>
+          <a:effectRef idx="0">
+            <a:schemeClr val="accent1"/>
+          </a:effectRef>
+          <a:fontRef idx="minor">
+            <a:schemeClr val="lt1"/>
+          </a:fontRef>
+        </p:style>
+        <p:txBody>
+          <a:bodyPr rtlCol="0" anchor="ctr"/>
+          <a:lstStyle/>
+          <a:p>
+            <a:pPr marL="0" marR="0" lvl="0" indent="0" algn="ctr" defTabSz="914400" rtl="0" eaLnBrk="1" fontAlgn="auto" latinLnBrk="0" hangingPunct="1">
+              <a:lnSpc>
+                <a:spcPct val="100000"/>
+              </a:lnSpc>
+              <a:spcBef>
+                <a:spcPts val="0"/>
+              </a:spcBef>
+              <a:spcAft>
+                <a:spcPts val="0"/>
+              </a:spcAft>
+              <a:buClrTx/>
+              <a:buSzTx/>
+              <a:buFontTx/>
+              <a:buNone/>
+              <a:tabLst/>
+              <a:defRPr/>
+            </a:pPr>
+            <a:endParaRPr kumimoji="0" lang="en-US" sz="1800" b="0" i="0" u="none" strike="noStrike" kern="1200" cap="none" spc="0" normalizeH="0" baseline="0" noProof="0">
+              <a:ln>
+                <a:noFill/>
+              </a:ln>
+              <a:solidFill>
+                <a:prstClr val="white"/>
+              </a:solidFill>
+              <a:effectLst/>
+              <a:uLnTx/>
+              <a:uFillTx/>
+              <a:latin typeface="Calibri" panose="020F0502020204030204"/>
+              <a:ea typeface="+mn-ea"/>
+              <a:cs typeface="+mn-cs"/>
+            </a:endParaRPr>
+          </a:p>
+        </p:txBody>
+      </p:sp>
+      <p:sp>
+        <p:nvSpPr>
+          <p:cNvPr id="3" name="Content Placeholder 2">
+            <a:extLst>
+              <a:ext uri="{FF2B5EF4-FFF2-40B4-BE49-F238E27FC236}">
+                <a16:creationId xmlns:a16="http://schemas.microsoft.com/office/drawing/2014/main" id="{A10E0C94-D5FC-F074-0944-7BD70167B6D2}"/>
+              </a:ext>
+            </a:extLst>
+          </p:cNvPr>
+          <p:cNvSpPr>
+            <a:spLocks noGrp="1"/>
+          </p:cNvSpPr>
+          <p:nvPr>
+            <p:ph idx="1"/>
+          </p:nvPr>
+        </p:nvSpPr>
+        <p:spPr>
+          <a:xfrm>
+            <a:off x="841248" y="2252870"/>
+            <a:ext cx="5993892" cy="3560251"/>
+          </a:xfrm>
+        </p:spPr>
+        <p:txBody>
+          <a:bodyPr>
+            <a:normAutofit/>
+          </a:bodyPr>
+          <a:lstStyle/>
+          <a:p>
+            <a:r>
+              <a:rPr lang="en-US" sz="1800" dirty="0"/>
+              <a:t>Employees who make more, are in higher roles, and have worked for a long time likely feel stable.</a:t>
+            </a:r>
+          </a:p>
+          <a:p>
+            <a:r>
+              <a:rPr lang="en-US" sz="1800" dirty="0"/>
+              <a:t>Alongside stability comes a reduced volatility, meaning employees likely don’t feel the need to leave to climb a company’s ranks. </a:t>
+            </a:r>
+          </a:p>
+        </p:txBody>
+      </p:sp>
+      <p:pic>
+        <p:nvPicPr>
+          <p:cNvPr id="7" name="Graphic 6" descr="Cycle with People">
+            <a:extLst>
+              <a:ext uri="{FF2B5EF4-FFF2-40B4-BE49-F238E27FC236}">
+                <a16:creationId xmlns:a16="http://schemas.microsoft.com/office/drawing/2014/main" id="{A8228696-646D-D3FD-F67C-A98A6114C642}"/>
+              </a:ext>
+            </a:extLst>
+          </p:cNvPr>
+          <p:cNvPicPr>
+            <a:picLocks noChangeAspect="1"/>
+          </p:cNvPicPr>
+          <p:nvPr/>
+        </p:nvPicPr>
+        <p:blipFill>
+          <a:blip r:embed="rId2">
+            <a:extLst>
+              <a:ext uri="{28A0092B-C50C-407E-A947-70E740481C1C}">
+                <a14:useLocalDpi xmlns:a14="http://schemas.microsoft.com/office/drawing/2010/main" val="0"/>
+              </a:ext>
+              <a:ext uri="{96DAC541-7B7A-43D3-8B79-37D633B846F1}">
+                <asvg:svgBlip xmlns:asvg="http://schemas.microsoft.com/office/drawing/2016/SVG/main" r:embed="rId3"/>
+              </a:ext>
+            </a:extLst>
+          </a:blip>
+          <a:stretch>
+            <a:fillRect/>
+          </a:stretch>
+        </p:blipFill>
+        <p:spPr>
+          <a:xfrm>
+            <a:off x="7679814" y="1329879"/>
+            <a:ext cx="4097657" cy="4097657"/>
+          </a:xfrm>
+          <a:prstGeom prst="rect">
+            <a:avLst/>
+          </a:prstGeom>
+        </p:spPr>
+      </p:pic>
+    </p:spTree>
+    <p:extLst>
+      <p:ext uri="{BB962C8B-B14F-4D97-AF65-F5344CB8AC3E}">
+        <p14:creationId xmlns:p14="http://schemas.microsoft.com/office/powerpoint/2010/main" val="2019765863"/>
+      </p:ext>
+    </p:extLst>
+  </p:cSld>
+  <p:clrMapOvr>
+    <a:masterClrMapping/>
+  </p:clrMapOvr>
+</p:sld>
+</file>
+
+<file path=ppt/slides/slide7.xml><?xml version="1.0" encoding="utf-8"?>
 <p:sld xmlns:a="http://schemas.openxmlformats.org/drawingml/2006/main" xmlns:r="http://schemas.openxmlformats.org/officeDocument/2006/relationships" xmlns:p="http://schemas.openxmlformats.org/presentationml/2006/main">
   <p:cSld>
     <p:bg>
@@ -11087,7 +17354,7 @@
 </p:sld>
 </file>
 
-<file path=ppt/slides/slide6.xml><?xml version="1.0" encoding="utf-8"?>
+<file path=ppt/slides/slide8.xml><?xml version="1.0" encoding="utf-8"?>
 <p:sld xmlns:a="http://schemas.openxmlformats.org/drawingml/2006/main" xmlns:r="http://schemas.openxmlformats.org/officeDocument/2006/relationships" xmlns:p="http://schemas.openxmlformats.org/presentationml/2006/main">
   <p:cSld>
     <p:bg>
@@ -11112,12 +17379,12 @@
           <a:chExt cx="0" cy="0"/>
         </a:xfrm>
       </p:grpSpPr>
-      <p:sp>
+      <p:sp useBgFill="1">
         <p:nvSpPr>
-          <p:cNvPr id="22" name="Rectangle 21">
+          <p:cNvPr id="8" name="Rectangle 7">
             <a:extLst>
               <a:ext uri="{FF2B5EF4-FFF2-40B4-BE49-F238E27FC236}">
-                <a16:creationId xmlns:a16="http://schemas.microsoft.com/office/drawing/2014/main" id="{8D06CE56-3881-4ADA-8CEF-D18B02C242A3}"/>
+                <a16:creationId xmlns:a16="http://schemas.microsoft.com/office/drawing/2014/main" id="{1C799903-48D5-4A31-A1A2-541072D9771E}"/>
               </a:ext>
               <a:ext uri="{C183D7F6-B498-43B3-948B-1728B52AA6E4}">
                 <adec:decorative xmlns:adec="http://schemas.microsoft.com/office/drawing/2017/decorative" val="1"/>
@@ -11136,16 +17403,13 @@
           </p:nvPr>
         </p:nvSpPr>
         <p:spPr>
-          <a:xfrm rot="5400000">
-            <a:off x="857544" y="346791"/>
-            <a:ext cx="146304" cy="704088"/>
+          <a:xfrm>
+            <a:off x="0" y="0"/>
+            <a:ext cx="12192002" cy="6858000"/>
           </a:xfrm>
           <a:prstGeom prst="rect">
             <a:avLst/>
           </a:prstGeom>
-          <a:solidFill>
-            <a:schemeClr val="accent1"/>
-          </a:solidFill>
           <a:ln>
             <a:noFill/>
           </a:ln>
@@ -11168,6 +17432,152 @@
         </p:style>
         <p:txBody>
           <a:bodyPr rtlCol="0" anchor="ctr"/>
+          <a:lstStyle/>
+          <a:p>
+            <a:pPr algn="ctr"/>
+            <a:endParaRPr lang="en-US"/>
+          </a:p>
+        </p:txBody>
+      </p:sp>
+      <p:sp useBgFill="1">
+        <p:nvSpPr>
+          <p:cNvPr id="10" name="Freeform: Shape 9">
+            <a:extLst>
+              <a:ext uri="{FF2B5EF4-FFF2-40B4-BE49-F238E27FC236}">
+                <a16:creationId xmlns:a16="http://schemas.microsoft.com/office/drawing/2014/main" id="{8EFFF109-FC58-4FD3-BE05-9775A1310F55}"/>
+              </a:ext>
+              <a:ext uri="{C183D7F6-B498-43B3-948B-1728B52AA6E4}">
+                <adec:decorative xmlns:adec="http://schemas.microsoft.com/office/drawing/2017/decorative" val="1"/>
+              </a:ext>
+            </a:extLst>
+          </p:cNvPr>
+          <p:cNvSpPr>
+            <a:spLocks noGrp="1" noRot="1" noChangeAspect="1" noMove="1" noResize="1" noEditPoints="1" noAdjustHandles="1" noChangeArrowheads="1" noChangeShapeType="1" noTextEdit="1"/>
+          </p:cNvSpPr>
+          <p:nvPr>
+            <p:extLst>
+              <p:ext uri="{386F3935-93C4-4BCD-93E2-E3B085C9AB24}">
+                <p16:designElem xmlns:p16="http://schemas.microsoft.com/office/powerpoint/2015/main" val="1"/>
+              </p:ext>
+            </p:extLst>
+          </p:nvPr>
+        </p:nvSpPr>
+        <p:spPr>
+          <a:xfrm>
+            <a:off x="-1" y="0"/>
+            <a:ext cx="4818889" cy="6858000"/>
+          </a:xfrm>
+          <a:custGeom>
+            <a:avLst/>
+            <a:gdLst>
+              <a:gd name="connsiteX0" fmla="*/ 0 w 4818889"/>
+              <a:gd name="connsiteY0" fmla="*/ 0 h 6858000"/>
+              <a:gd name="connsiteX1" fmla="*/ 3605911 w 4818889"/>
+              <a:gd name="connsiteY1" fmla="*/ 0 h 6858000"/>
+              <a:gd name="connsiteX2" fmla="*/ 3668894 w 4818889"/>
+              <a:gd name="connsiteY2" fmla="*/ 69271 h 6858000"/>
+              <a:gd name="connsiteX3" fmla="*/ 4818889 w 4818889"/>
+              <a:gd name="connsiteY3" fmla="*/ 3429000 h 6858000"/>
+              <a:gd name="connsiteX4" fmla="*/ 3668894 w 4818889"/>
+              <a:gd name="connsiteY4" fmla="*/ 6788730 h 6858000"/>
+              <a:gd name="connsiteX5" fmla="*/ 3605911 w 4818889"/>
+              <a:gd name="connsiteY5" fmla="*/ 6858000 h 6858000"/>
+              <a:gd name="connsiteX6" fmla="*/ 0 w 4818889"/>
+              <a:gd name="connsiteY6" fmla="*/ 6858000 h 6858000"/>
+            </a:gdLst>
+            <a:ahLst/>
+            <a:cxnLst>
+              <a:cxn ang="0">
+                <a:pos x="connsiteX0" y="connsiteY0"/>
+              </a:cxn>
+              <a:cxn ang="0">
+                <a:pos x="connsiteX1" y="connsiteY1"/>
+              </a:cxn>
+              <a:cxn ang="0">
+                <a:pos x="connsiteX2" y="connsiteY2"/>
+              </a:cxn>
+              <a:cxn ang="0">
+                <a:pos x="connsiteX3" y="connsiteY3"/>
+              </a:cxn>
+              <a:cxn ang="0">
+                <a:pos x="connsiteX4" y="connsiteY4"/>
+              </a:cxn>
+              <a:cxn ang="0">
+                <a:pos x="connsiteX5" y="connsiteY5"/>
+              </a:cxn>
+              <a:cxn ang="0">
+                <a:pos x="connsiteX6" y="connsiteY6"/>
+              </a:cxn>
+            </a:cxnLst>
+            <a:rect l="l" t="t" r="r" b="b"/>
+            <a:pathLst>
+              <a:path w="4818889" h="6858000">
+                <a:moveTo>
+                  <a:pt x="0" y="0"/>
+                </a:moveTo>
+                <a:lnTo>
+                  <a:pt x="3605911" y="0"/>
+                </a:lnTo>
+                <a:lnTo>
+                  <a:pt x="3668894" y="69271"/>
+                </a:lnTo>
+                <a:cubicBezTo>
+                  <a:pt x="4379420" y="929100"/>
+                  <a:pt x="4818889" y="2116944"/>
+                  <a:pt x="4818889" y="3429000"/>
+                </a:cubicBezTo>
+                <a:cubicBezTo>
+                  <a:pt x="4818889" y="4741056"/>
+                  <a:pt x="4379420" y="5928900"/>
+                  <a:pt x="3668894" y="6788730"/>
+                </a:cubicBezTo>
+                <a:lnTo>
+                  <a:pt x="3605911" y="6858000"/>
+                </a:lnTo>
+                <a:lnTo>
+                  <a:pt x="0" y="6858000"/>
+                </a:lnTo>
+                <a:close/>
+              </a:path>
+            </a:pathLst>
+          </a:custGeom>
+          <a:ln w="9525">
+            <a:solidFill>
+              <a:schemeClr val="tx2">
+                <a:lumMod val="10000"/>
+                <a:lumOff val="90000"/>
+              </a:schemeClr>
+            </a:solidFill>
+          </a:ln>
+          <a:effectLst>
+            <a:outerShdw blurRad="50800" dist="38100" algn="l" rotWithShape="0">
+              <a:schemeClr val="bg1">
+                <a:lumMod val="85000"/>
+                <a:alpha val="30000"/>
+              </a:schemeClr>
+            </a:outerShdw>
+          </a:effectLst>
+        </p:spPr>
+        <p:style>
+          <a:lnRef idx="2">
+            <a:schemeClr val="accent1">
+              <a:shade val="50000"/>
+            </a:schemeClr>
+          </a:lnRef>
+          <a:fillRef idx="1">
+            <a:schemeClr val="accent1"/>
+          </a:fillRef>
+          <a:effectRef idx="0">
+            <a:schemeClr val="accent1"/>
+          </a:effectRef>
+          <a:fontRef idx="minor">
+            <a:schemeClr val="lt1"/>
+          </a:fontRef>
+        </p:style>
+        <p:txBody>
+          <a:bodyPr wrap="square" rtlCol="0" anchor="ctr">
+            <a:noAutofit/>
+          </a:bodyPr>
           <a:lstStyle/>
           <a:p>
             <a:pPr marL="0" marR="0" lvl="0" indent="0" algn="ctr" defTabSz="914400" rtl="0" eaLnBrk="1" fontAlgn="auto" latinLnBrk="0" hangingPunct="1">
@@ -11204,12 +17614,12 @@
           </a:p>
         </p:txBody>
       </p:sp>
-      <p:sp>
+      <p:sp useBgFill="1">
         <p:nvSpPr>
-          <p:cNvPr id="24" name="Rectangle 23">
+          <p:cNvPr id="12" name="Freeform: Shape 11">
             <a:extLst>
               <a:ext uri="{FF2B5EF4-FFF2-40B4-BE49-F238E27FC236}">
-                <a16:creationId xmlns:a16="http://schemas.microsoft.com/office/drawing/2014/main" id="{79F3C543-62EC-4433-9C93-A2CD8764E9B4}"/>
+                <a16:creationId xmlns:a16="http://schemas.microsoft.com/office/drawing/2014/main" id="{E1B96AD6-92A9-4273-A62B-96A1C3E0BA95}"/>
               </a:ext>
               <a:ext uri="{C183D7F6-B498-43B3-948B-1728B52AA6E4}">
                 <adec:decorative xmlns:adec="http://schemas.microsoft.com/office/drawing/2017/decorative" val="1"/>
@@ -11228,20 +17638,85 @@
           </p:nvPr>
         </p:nvSpPr>
         <p:spPr>
-          <a:xfrm flipV="1">
-            <a:off x="578652" y="4501201"/>
-            <a:ext cx="11034696" cy="18288"/>
+          <a:xfrm>
+            <a:off x="1" y="0"/>
+            <a:ext cx="4811477" cy="6858000"/>
           </a:xfrm>
-          <a:prstGeom prst="rect">
+          <a:custGeom>
             <a:avLst/>
-          </a:prstGeom>
-          <a:solidFill>
-            <a:schemeClr val="tx2">
-              <a:lumMod val="25000"/>
-              <a:lumOff val="75000"/>
-            </a:schemeClr>
-          </a:solidFill>
-          <a:ln w="3175">
+            <a:gdLst>
+              <a:gd name="connsiteX0" fmla="*/ 0 w 4811477"/>
+              <a:gd name="connsiteY0" fmla="*/ 0 h 6858000"/>
+              <a:gd name="connsiteX1" fmla="*/ 3598499 w 4811477"/>
+              <a:gd name="connsiteY1" fmla="*/ 0 h 6858000"/>
+              <a:gd name="connsiteX2" fmla="*/ 3661482 w 4811477"/>
+              <a:gd name="connsiteY2" fmla="*/ 69271 h 6858000"/>
+              <a:gd name="connsiteX3" fmla="*/ 4811477 w 4811477"/>
+              <a:gd name="connsiteY3" fmla="*/ 3429000 h 6858000"/>
+              <a:gd name="connsiteX4" fmla="*/ 3661482 w 4811477"/>
+              <a:gd name="connsiteY4" fmla="*/ 6788730 h 6858000"/>
+              <a:gd name="connsiteX5" fmla="*/ 3598499 w 4811477"/>
+              <a:gd name="connsiteY5" fmla="*/ 6858000 h 6858000"/>
+              <a:gd name="connsiteX6" fmla="*/ 0 w 4811477"/>
+              <a:gd name="connsiteY6" fmla="*/ 6858000 h 6858000"/>
+            </a:gdLst>
+            <a:ahLst/>
+            <a:cxnLst>
+              <a:cxn ang="0">
+                <a:pos x="connsiteX0" y="connsiteY0"/>
+              </a:cxn>
+              <a:cxn ang="0">
+                <a:pos x="connsiteX1" y="connsiteY1"/>
+              </a:cxn>
+              <a:cxn ang="0">
+                <a:pos x="connsiteX2" y="connsiteY2"/>
+              </a:cxn>
+              <a:cxn ang="0">
+                <a:pos x="connsiteX3" y="connsiteY3"/>
+              </a:cxn>
+              <a:cxn ang="0">
+                <a:pos x="connsiteX4" y="connsiteY4"/>
+              </a:cxn>
+              <a:cxn ang="0">
+                <a:pos x="connsiteX5" y="connsiteY5"/>
+              </a:cxn>
+              <a:cxn ang="0">
+                <a:pos x="connsiteX6" y="connsiteY6"/>
+              </a:cxn>
+            </a:cxnLst>
+            <a:rect l="l" t="t" r="r" b="b"/>
+            <a:pathLst>
+              <a:path w="4811477" h="6858000">
+                <a:moveTo>
+                  <a:pt x="0" y="0"/>
+                </a:moveTo>
+                <a:lnTo>
+                  <a:pt x="3598499" y="0"/>
+                </a:lnTo>
+                <a:lnTo>
+                  <a:pt x="3661482" y="69271"/>
+                </a:lnTo>
+                <a:cubicBezTo>
+                  <a:pt x="4372008" y="929100"/>
+                  <a:pt x="4811477" y="2116944"/>
+                  <a:pt x="4811477" y="3429000"/>
+                </a:cubicBezTo>
+                <a:cubicBezTo>
+                  <a:pt x="4811477" y="4741056"/>
+                  <a:pt x="4372008" y="5928900"/>
+                  <a:pt x="3661482" y="6788730"/>
+                </a:cubicBezTo>
+                <a:lnTo>
+                  <a:pt x="3598499" y="6858000"/>
+                </a:lnTo>
+                <a:lnTo>
+                  <a:pt x="0" y="6858000"/>
+                </a:lnTo>
+                <a:close/>
+              </a:path>
+            </a:pathLst>
+          </a:custGeom>
+          <a:ln w="9525">
             <a:noFill/>
           </a:ln>
           <a:effectLst/>
@@ -11263,7 +17738,9 @@
           </a:fontRef>
         </p:style>
         <p:txBody>
-          <a:bodyPr rtlCol="0" anchor="ctr"/>
+          <a:bodyPr wrap="square" rtlCol="0" anchor="ctr">
+            <a:noAutofit/>
+          </a:bodyPr>
           <a:lstStyle/>
           <a:p>
             <a:pPr marL="0" marR="0" lvl="0" indent="0" algn="ctr" defTabSz="914400" rtl="0" eaLnBrk="1" fontAlgn="auto" latinLnBrk="0" hangingPunct="1">
@@ -11300,12 +17777,242 @@
           </a:p>
         </p:txBody>
       </p:sp>
+      <p:sp>
+        <p:nvSpPr>
+          <p:cNvPr id="2" name="Title 1">
+            <a:extLst>
+              <a:ext uri="{FF2B5EF4-FFF2-40B4-BE49-F238E27FC236}">
+                <a16:creationId xmlns:a16="http://schemas.microsoft.com/office/drawing/2014/main" id="{C3797C2D-6243-C8A2-662C-E84EBD34476C}"/>
+              </a:ext>
+            </a:extLst>
+          </p:cNvPr>
+          <p:cNvSpPr>
+            <a:spLocks noGrp="1"/>
+          </p:cNvSpPr>
+          <p:nvPr>
+            <p:ph type="title"/>
+          </p:nvPr>
+        </p:nvSpPr>
+        <p:spPr>
+          <a:xfrm>
+            <a:off x="621792" y="1161288"/>
+            <a:ext cx="3602736" cy="4526280"/>
+          </a:xfrm>
+        </p:spPr>
+        <p:txBody>
+          <a:bodyPr>
+            <a:normAutofit/>
+          </a:bodyPr>
+          <a:lstStyle/>
+          <a:p>
+            <a:r>
+              <a:rPr lang="en-US"/>
+              <a:t>How Did We Come to These Conclusions?</a:t>
+            </a:r>
+          </a:p>
+        </p:txBody>
+      </p:sp>
+      <p:sp>
+        <p:nvSpPr>
+          <p:cNvPr id="14" name="Rectangle 13">
+            <a:extLst>
+              <a:ext uri="{FF2B5EF4-FFF2-40B4-BE49-F238E27FC236}">
+                <a16:creationId xmlns:a16="http://schemas.microsoft.com/office/drawing/2014/main" id="{463EEC44-1BA3-44ED-81FC-A644B04B2A44}"/>
+              </a:ext>
+              <a:ext uri="{C183D7F6-B498-43B3-948B-1728B52AA6E4}">
+                <adec:decorative xmlns:adec="http://schemas.microsoft.com/office/drawing/2017/decorative" val="1"/>
+              </a:ext>
+            </a:extLst>
+          </p:cNvPr>
+          <p:cNvSpPr>
+            <a:spLocks noGrp="1" noRot="1" noChangeAspect="1" noMove="1" noResize="1" noEditPoints="1" noAdjustHandles="1" noChangeArrowheads="1" noChangeShapeType="1" noTextEdit="1"/>
+          </p:cNvSpPr>
+          <p:nvPr>
+            <p:extLst>
+              <p:ext uri="{386F3935-93C4-4BCD-93E2-E3B085C9AB24}">
+                <p16:designElem xmlns:p16="http://schemas.microsoft.com/office/powerpoint/2015/main" val="1"/>
+              </p:ext>
+            </p:extLst>
+          </p:nvPr>
+        </p:nvSpPr>
+        <p:spPr>
+          <a:xfrm>
+            <a:off x="0" y="3102049"/>
+            <a:ext cx="128016" cy="653903"/>
+          </a:xfrm>
+          <a:prstGeom prst="rect">
+            <a:avLst/>
+          </a:prstGeom>
+          <a:solidFill>
+            <a:schemeClr val="accent1"/>
+          </a:solidFill>
+          <a:ln>
+            <a:noFill/>
+          </a:ln>
+        </p:spPr>
+        <p:style>
+          <a:lnRef idx="2">
+            <a:schemeClr val="accent1">
+              <a:shade val="50000"/>
+            </a:schemeClr>
+          </a:lnRef>
+          <a:fillRef idx="1">
+            <a:schemeClr val="accent1"/>
+          </a:fillRef>
+          <a:effectRef idx="0">
+            <a:schemeClr val="accent1"/>
+          </a:effectRef>
+          <a:fontRef idx="minor">
+            <a:schemeClr val="lt1"/>
+          </a:fontRef>
+        </p:style>
+        <p:txBody>
+          <a:bodyPr rtlCol="0" anchor="ctr"/>
+          <a:lstStyle/>
+          <a:p>
+            <a:pPr marL="0" marR="0" lvl="0" indent="0" algn="ctr" defTabSz="914400" rtl="0" eaLnBrk="1" fontAlgn="auto" latinLnBrk="0" hangingPunct="1">
+              <a:lnSpc>
+                <a:spcPct val="100000"/>
+              </a:lnSpc>
+              <a:spcBef>
+                <a:spcPts val="0"/>
+              </a:spcBef>
+              <a:spcAft>
+                <a:spcPts val="0"/>
+              </a:spcAft>
+              <a:buClrTx/>
+              <a:buSzTx/>
+              <a:buFontTx/>
+              <a:buNone/>
+              <a:tabLst/>
+              <a:defRPr/>
+            </a:pPr>
+            <a:endParaRPr kumimoji="0" lang="en-US" sz="1800" b="0" i="0" u="none" strike="noStrike" kern="1200" cap="none" spc="0" normalizeH="0" baseline="0" noProof="0">
+              <a:ln>
+                <a:noFill/>
+              </a:ln>
+              <a:solidFill>
+                <a:prstClr val="white"/>
+              </a:solidFill>
+              <a:effectLst/>
+              <a:uLnTx/>
+              <a:uFillTx/>
+              <a:latin typeface="Calibri" panose="020F0502020204030204"/>
+              <a:ea typeface="+mn-ea"/>
+              <a:cs typeface="+mn-cs"/>
+            </a:endParaRPr>
+          </a:p>
+        </p:txBody>
+      </p:sp>
+      <p:sp>
+        <p:nvSpPr>
+          <p:cNvPr id="3" name="Content Placeholder 2">
+            <a:extLst>
+              <a:ext uri="{FF2B5EF4-FFF2-40B4-BE49-F238E27FC236}">
+                <a16:creationId xmlns:a16="http://schemas.microsoft.com/office/drawing/2014/main" id="{2B577119-EDAB-0120-8B10-D967D85230D4}"/>
+              </a:ext>
+            </a:extLst>
+          </p:cNvPr>
+          <p:cNvSpPr>
+            <a:spLocks noGrp="1"/>
+          </p:cNvSpPr>
+          <p:nvPr>
+            <p:ph idx="1"/>
+          </p:nvPr>
+        </p:nvSpPr>
+        <p:spPr>
+          <a:xfrm>
+            <a:off x="5434149" y="932688"/>
+            <a:ext cx="5916603" cy="4992624"/>
+          </a:xfrm>
+        </p:spPr>
+        <p:txBody>
+          <a:bodyPr anchor="ctr">
+            <a:normAutofit/>
+          </a:bodyPr>
+          <a:lstStyle/>
+          <a:p>
+            <a:r>
+              <a:rPr lang="en-US" sz="1900"/>
+              <a:t>Running t-tests to determine whether the variable had an impact on attrition yielded different results from the correlation analysis. </a:t>
+            </a:r>
+          </a:p>
+          <a:p>
+            <a:r>
+              <a:rPr lang="en-US" sz="1900"/>
+              <a:t>The test works by comparing each case against the others with the influence of a given variable removed. The test then provides a p-value (or likelihood of the effect being random). </a:t>
+            </a:r>
+          </a:p>
+          <a:p>
+            <a:r>
+              <a:rPr lang="en-US" sz="1900"/>
+              <a:t>Lower p-values mean a higher likelihood that the influence is causal and not chance. (&lt;0.05 or 5.0e-2 is typical for a conclusion)</a:t>
+            </a:r>
+          </a:p>
+          <a:p>
+            <a:r>
+              <a:rPr lang="en-US" sz="1900"/>
+              <a:t>Monthly Income 2.412e-07</a:t>
+            </a:r>
+          </a:p>
+          <a:p>
+            <a:r>
+              <a:rPr lang="en-US" sz="1900"/>
+              <a:t>Job Level 4.041e-07</a:t>
+            </a:r>
+          </a:p>
+          <a:p>
+            <a:r>
+              <a:rPr lang="en-US" sz="1900"/>
+              <a:t>Working Years 6.59e-07</a:t>
+            </a:r>
+          </a:p>
+        </p:txBody>
+      </p:sp>
+    </p:spTree>
+    <p:extLst>
+      <p:ext uri="{BB962C8B-B14F-4D97-AF65-F5344CB8AC3E}">
+        <p14:creationId xmlns:p14="http://schemas.microsoft.com/office/powerpoint/2010/main" val="1098115490"/>
+      </p:ext>
+    </p:extLst>
+  </p:cSld>
+  <p:clrMapOvr>
+    <a:masterClrMapping/>
+  </p:clrMapOvr>
+</p:sld>
+</file>
+
+<file path=ppt/slides/slide9.xml><?xml version="1.0" encoding="utf-8"?>
+<p:sld xmlns:a="http://schemas.openxmlformats.org/drawingml/2006/main" xmlns:r="http://schemas.openxmlformats.org/officeDocument/2006/relationships" xmlns:p="http://schemas.openxmlformats.org/presentationml/2006/main">
+  <p:cSld>
+    <p:bg>
+      <p:bgPr>
+        <a:solidFill>
+          <a:schemeClr val="bg1"/>
+        </a:solidFill>
+        <a:effectLst/>
+      </p:bgPr>
+    </p:bg>
+    <p:spTree>
+      <p:nvGrpSpPr>
+        <p:cNvPr id="1" name=""/>
+        <p:cNvGrpSpPr/>
+        <p:nvPr/>
+      </p:nvGrpSpPr>
+      <p:grpSpPr>
+        <a:xfrm>
+          <a:off x="0" y="0"/>
+          <a:ext cx="0" cy="0"/>
+          <a:chOff x="0" y="0"/>
+          <a:chExt cx="0" cy="0"/>
+        </a:xfrm>
+      </p:grpSpPr>
       <p:sp useBgFill="1">
         <p:nvSpPr>
-          <p:cNvPr id="26" name="Rectangle 25">
+          <p:cNvPr id="10" name="Rectangle 9">
             <a:extLst>
               <a:ext uri="{FF2B5EF4-FFF2-40B4-BE49-F238E27FC236}">
-                <a16:creationId xmlns:a16="http://schemas.microsoft.com/office/drawing/2014/main" id="{D7D03296-BABA-47AD-A5D5-ED156727016E}"/>
+                <a16:creationId xmlns:a16="http://schemas.microsoft.com/office/drawing/2014/main" id="{2C9A9DA9-7DC8-488B-A882-123947B0F3D9}"/>
               </a:ext>
               <a:ext uri="{C183D7F6-B498-43B3-948B-1728B52AA6E4}">
                 <adec:decorative xmlns:adec="http://schemas.microsoft.com/office/drawing/2017/decorative" val="1"/>
@@ -11360,48 +18067,12 @@
           </a:p>
         </p:txBody>
       </p:sp>
-      <p:sp>
+      <p:sp useBgFill="1">
         <p:nvSpPr>
-          <p:cNvPr id="2" name="Title 1">
+          <p:cNvPr id="12" name="Rectangle 11">
             <a:extLst>
               <a:ext uri="{FF2B5EF4-FFF2-40B4-BE49-F238E27FC236}">
-                <a16:creationId xmlns:a16="http://schemas.microsoft.com/office/drawing/2014/main" id="{F17888B7-2BF0-4EE4-0FD1-E070E73EFC15}"/>
-              </a:ext>
-            </a:extLst>
-          </p:cNvPr>
-          <p:cNvSpPr>
-            <a:spLocks noGrp="1"/>
-          </p:cNvSpPr>
-          <p:nvPr>
-            <p:ph type="title"/>
-          </p:nvPr>
-        </p:nvSpPr>
-        <p:spPr>
-          <a:xfrm>
-            <a:off x="838200" y="226061"/>
-            <a:ext cx="10515600" cy="1092050"/>
-          </a:xfrm>
-        </p:spPr>
-        <p:txBody>
-          <a:bodyPr vert="horz" lIns="91440" tIns="45720" rIns="91440" bIns="45720" rtlCol="0" anchor="b">
-            <a:normAutofit/>
-          </a:bodyPr>
-          <a:lstStyle/>
-          <a:p>
-            <a:pPr algn="ctr"/>
-            <a:r>
-              <a:rPr lang="en-US" sz="5200"/>
-              <a:t>Job Role vs Attrition</a:t>
-            </a:r>
-          </a:p>
-        </p:txBody>
-      </p:sp>
-      <p:sp useBgFill="1">
-        <p:nvSpPr>
-          <p:cNvPr id="28" name="Rectangle 27">
-            <a:extLst>
-              <a:ext uri="{FF2B5EF4-FFF2-40B4-BE49-F238E27FC236}">
-                <a16:creationId xmlns:a16="http://schemas.microsoft.com/office/drawing/2014/main" id="{284A8429-F65A-490D-96E4-1158D3E8A026}"/>
+                <a16:creationId xmlns:a16="http://schemas.microsoft.com/office/drawing/2014/main" id="{57F6BDD4-E066-4008-8011-6CC31AEB4556}"/>
               </a:ext>
               <a:ext uri="{C183D7F6-B498-43B3-948B-1728B52AA6E4}">
                 <adec:decorative xmlns:adec="http://schemas.microsoft.com/office/drawing/2017/decorative" val="1"/>
@@ -11421,13 +18092,13 @@
         </p:nvSpPr>
         <p:spPr>
           <a:xfrm>
-            <a:off x="838199" y="1396083"/>
-            <a:ext cx="10515599" cy="822960"/>
+            <a:off x="409575" y="633619"/>
+            <a:ext cx="6838569" cy="5495925"/>
           </a:xfrm>
           <a:prstGeom prst="rect">
             <a:avLst/>
           </a:prstGeom>
-          <a:ln w="12700">
+          <a:ln w="9525">
             <a:solidFill>
               <a:schemeClr val="tx2">
                 <a:lumMod val="10000"/>
@@ -11481,7 +18152,7 @@
               <a:tabLst/>
               <a:defRPr/>
             </a:pPr>
-            <a:endParaRPr kumimoji="0" lang="en-US" sz="1800" b="0" i="0" u="none" strike="noStrike" kern="1200" cap="none" spc="0" normalizeH="0" baseline="0" noProof="0" dirty="0">
+            <a:endParaRPr kumimoji="0" lang="en-US" sz="1800" b="0" i="0" u="none" strike="noStrike" kern="1200" cap="none" spc="0" normalizeH="0" baseline="0" noProof="0">
               <a:ln>
                 <a:noFill/>
               </a:ln>
@@ -11500,10 +18171,45 @@
       </p:sp>
       <p:sp>
         <p:nvSpPr>
-          <p:cNvPr id="30" name="Rectangle 29">
+          <p:cNvPr id="2" name="Title 1">
             <a:extLst>
               <a:ext uri="{FF2B5EF4-FFF2-40B4-BE49-F238E27FC236}">
-                <a16:creationId xmlns:a16="http://schemas.microsoft.com/office/drawing/2014/main" id="{0F022291-A82B-4D23-A1E0-5F9BD684669E}"/>
+                <a16:creationId xmlns:a16="http://schemas.microsoft.com/office/drawing/2014/main" id="{8D42FDA7-3ACF-5493-3AF7-248D92241FFC}"/>
+              </a:ext>
+            </a:extLst>
+          </p:cNvPr>
+          <p:cNvSpPr>
+            <a:spLocks noGrp="1"/>
+          </p:cNvSpPr>
+          <p:nvPr>
+            <p:ph type="title"/>
+          </p:nvPr>
+        </p:nvSpPr>
+        <p:spPr>
+          <a:xfrm>
+            <a:off x="841246" y="978619"/>
+            <a:ext cx="5991244" cy="1106424"/>
+          </a:xfrm>
+        </p:spPr>
+        <p:txBody>
+          <a:bodyPr>
+            <a:normAutofit/>
+          </a:bodyPr>
+          <a:lstStyle/>
+          <a:p>
+            <a:r>
+              <a:rPr lang="en-US" sz="3200"/>
+              <a:t>T-test results continued</a:t>
+            </a:r>
+          </a:p>
+        </p:txBody>
+      </p:sp>
+      <p:sp>
+        <p:nvSpPr>
+          <p:cNvPr id="14" name="Rectangle 13">
+            <a:extLst>
+              <a:ext uri="{FF2B5EF4-FFF2-40B4-BE49-F238E27FC236}">
+                <a16:creationId xmlns:a16="http://schemas.microsoft.com/office/drawing/2014/main" id="{2711A8FB-68FC-45FC-B01E-38F809E2D439}"/>
               </a:ext>
               <a:ext uri="{C183D7F6-B498-43B3-948B-1728B52AA6E4}">
                 <adec:decorative xmlns:adec="http://schemas.microsoft.com/office/drawing/2017/decorative" val="1"/>
@@ -11522,9 +18228,9 @@
           </p:nvPr>
         </p:nvSpPr>
         <p:spPr>
-          <a:xfrm rot="5400000">
-            <a:off x="6041136" y="1859832"/>
-            <a:ext cx="109728" cy="731520"/>
+          <a:xfrm>
+            <a:off x="345567" y="1171300"/>
+            <a:ext cx="128016" cy="704088"/>
           </a:xfrm>
           <a:prstGeom prst="rect">
             <a:avLst/>
@@ -11590,111 +18296,12 @@
           </a:p>
         </p:txBody>
       </p:sp>
-      <p:pic>
-        <p:nvPicPr>
-          <p:cNvPr id="4" name="Content Placeholder 3">
+      <p:sp>
+        <p:nvSpPr>
+          <p:cNvPr id="16" name="Rectangle 15">
             <a:extLst>
               <a:ext uri="{FF2B5EF4-FFF2-40B4-BE49-F238E27FC236}">
-                <a16:creationId xmlns:a16="http://schemas.microsoft.com/office/drawing/2014/main" id="{361DE387-3C4F-FBFD-FFD7-E34E02759E63}"/>
-              </a:ext>
-            </a:extLst>
-          </p:cNvPr>
-          <p:cNvPicPr>
-            <a:picLocks noGrp="1" noChangeAspect="1"/>
-          </p:cNvPicPr>
-          <p:nvPr>
-            <p:ph idx="1"/>
-          </p:nvPr>
-        </p:nvPicPr>
-        <p:blipFill rotWithShape="1">
-          <a:blip r:embed="rId2"/>
-          <a:srcRect l="-12728" t="-195" r="-310" b="195"/>
-          <a:stretch/>
-        </p:blipFill>
-        <p:spPr>
-          <a:xfrm>
-            <a:off x="-811098" y="2619594"/>
-            <a:ext cx="8470176" cy="3765335"/>
-          </a:xfrm>
-          <a:prstGeom prst="rect">
-            <a:avLst/>
-          </a:prstGeom>
-        </p:spPr>
-      </p:pic>
-      <p:pic>
-        <p:nvPicPr>
-          <p:cNvPr id="14" name="Picture 13">
-            <a:extLst>
-              <a:ext uri="{FF2B5EF4-FFF2-40B4-BE49-F238E27FC236}">
-                <a16:creationId xmlns:a16="http://schemas.microsoft.com/office/drawing/2014/main" id="{0ED4F5A4-01DF-21CE-2C70-B44FD3E9B330}"/>
-              </a:ext>
-            </a:extLst>
-          </p:cNvPr>
-          <p:cNvPicPr>
-            <a:picLocks noChangeAspect="1"/>
-          </p:cNvPicPr>
-          <p:nvPr/>
-        </p:nvPicPr>
-        <p:blipFill>
-          <a:blip r:embed="rId3"/>
-          <a:stretch>
-            <a:fillRect/>
-          </a:stretch>
-        </p:blipFill>
-        <p:spPr>
-          <a:xfrm>
-            <a:off x="7984751" y="2462017"/>
-            <a:ext cx="3369047" cy="3879878"/>
-          </a:xfrm>
-          <a:prstGeom prst="rect">
-            <a:avLst/>
-          </a:prstGeom>
-        </p:spPr>
-      </p:pic>
-    </p:spTree>
-    <p:extLst>
-      <p:ext uri="{BB962C8B-B14F-4D97-AF65-F5344CB8AC3E}">
-        <p14:creationId xmlns:p14="http://schemas.microsoft.com/office/powerpoint/2010/main" val="3505221179"/>
-      </p:ext>
-    </p:extLst>
-  </p:cSld>
-  <p:clrMapOvr>
-    <a:masterClrMapping/>
-  </p:clrMapOvr>
-</p:sld>
-</file>
-
-<file path=ppt/slides/slide7.xml><?xml version="1.0" encoding="utf-8"?>
-<p:sld xmlns:a="http://schemas.openxmlformats.org/drawingml/2006/main" xmlns:r="http://schemas.openxmlformats.org/officeDocument/2006/relationships" xmlns:p="http://schemas.openxmlformats.org/presentationml/2006/main">
-  <p:cSld>
-    <p:bg>
-      <p:bgPr>
-        <a:solidFill>
-          <a:schemeClr val="bg1"/>
-        </a:solidFill>
-        <a:effectLst/>
-      </p:bgPr>
-    </p:bg>
-    <p:spTree>
-      <p:nvGrpSpPr>
-        <p:cNvPr id="1" name=""/>
-        <p:cNvGrpSpPr/>
-        <p:nvPr/>
-      </p:nvGrpSpPr>
-      <p:grpSpPr>
-        <a:xfrm>
-          <a:off x="0" y="0"/>
-          <a:ext cx="0" cy="0"/>
-          <a:chOff x="0" y="0"/>
-          <a:chExt cx="0" cy="0"/>
-        </a:xfrm>
-      </p:grpSpPr>
-      <p:sp>
-        <p:nvSpPr>
-          <p:cNvPr id="22" name="Rectangle 21">
-            <a:extLst>
-              <a:ext uri="{FF2B5EF4-FFF2-40B4-BE49-F238E27FC236}">
-                <a16:creationId xmlns:a16="http://schemas.microsoft.com/office/drawing/2014/main" id="{8D06CE56-3881-4ADA-8CEF-D18B02C242A3}"/>
+                <a16:creationId xmlns:a16="http://schemas.microsoft.com/office/drawing/2014/main" id="{2A865FE3-5FC9-4049-87CF-30019C46C0F5}"/>
               </a:ext>
               <a:ext uri="{C183D7F6-B498-43B3-948B-1728B52AA6E4}">
                 <adec:decorative xmlns:adec="http://schemas.microsoft.com/office/drawing/2017/decorative" val="1"/>
@@ -11713,101 +18320,9 @@
           </p:nvPr>
         </p:nvSpPr>
         <p:spPr>
-          <a:xfrm rot="5400000">
-            <a:off x="857544" y="346791"/>
-            <a:ext cx="146304" cy="704088"/>
-          </a:xfrm>
-          <a:prstGeom prst="rect">
-            <a:avLst/>
-          </a:prstGeom>
-          <a:solidFill>
-            <a:schemeClr val="accent1"/>
-          </a:solidFill>
-          <a:ln>
-            <a:noFill/>
-          </a:ln>
-        </p:spPr>
-        <p:style>
-          <a:lnRef idx="2">
-            <a:schemeClr val="accent1">
-              <a:shade val="50000"/>
-            </a:schemeClr>
-          </a:lnRef>
-          <a:fillRef idx="1">
-            <a:schemeClr val="accent1"/>
-          </a:fillRef>
-          <a:effectRef idx="0">
-            <a:schemeClr val="accent1"/>
-          </a:effectRef>
-          <a:fontRef idx="minor">
-            <a:schemeClr val="lt1"/>
-          </a:fontRef>
-        </p:style>
-        <p:txBody>
-          <a:bodyPr rtlCol="0" anchor="ctr"/>
-          <a:lstStyle/>
-          <a:p>
-            <a:pPr marL="0" marR="0" lvl="0" indent="0" algn="ctr" defTabSz="914400" rtl="0" eaLnBrk="1" fontAlgn="auto" latinLnBrk="0" hangingPunct="1">
-              <a:lnSpc>
-                <a:spcPct val="100000"/>
-              </a:lnSpc>
-              <a:spcBef>
-                <a:spcPts val="0"/>
-              </a:spcBef>
-              <a:spcAft>
-                <a:spcPts val="0"/>
-              </a:spcAft>
-              <a:buClrTx/>
-              <a:buSzTx/>
-              <a:buFontTx/>
-              <a:buNone/>
-              <a:tabLst/>
-              <a:defRPr/>
-            </a:pPr>
-            <a:endParaRPr kumimoji="0" lang="en-US" sz="1800" b="0" i="0" u="none" strike="noStrike" kern="1200" cap="none" spc="0" normalizeH="0" baseline="0" noProof="0">
-              <a:ln>
-                <a:noFill/>
-              </a:ln>
-              <a:solidFill>
-                <a:prstClr val="white"/>
-              </a:solidFill>
-              <a:effectLst/>
-              <a:uLnTx/>
-              <a:uFillTx/>
-              <a:latin typeface="Calibri" panose="020F0502020204030204"/>
-              <a:ea typeface="+mn-ea"/>
-              <a:cs typeface="+mn-cs"/>
-            </a:endParaRPr>
-          </a:p>
-        </p:txBody>
-      </p:sp>
-      <p:sp>
-        <p:nvSpPr>
-          <p:cNvPr id="24" name="Rectangle 23">
-            <a:extLst>
-              <a:ext uri="{FF2B5EF4-FFF2-40B4-BE49-F238E27FC236}">
-                <a16:creationId xmlns:a16="http://schemas.microsoft.com/office/drawing/2014/main" id="{79F3C543-62EC-4433-9C93-A2CD8764E9B4}"/>
-              </a:ext>
-              <a:ext uri="{C183D7F6-B498-43B3-948B-1728B52AA6E4}">
-                <adec:decorative xmlns:adec="http://schemas.microsoft.com/office/drawing/2017/decorative" val="1"/>
-              </a:ext>
-            </a:extLst>
-          </p:cNvPr>
-          <p:cNvSpPr>
-            <a:spLocks noGrp="1" noRot="1" noChangeAspect="1" noMove="1" noResize="1" noEditPoints="1" noAdjustHandles="1" noChangeArrowheads="1" noChangeShapeType="1" noTextEdit="1"/>
-          </p:cNvSpPr>
-          <p:nvPr>
-            <p:extLst>
-              <p:ext uri="{386F3935-93C4-4BCD-93E2-E3B085C9AB24}">
-                <p16:designElem xmlns:p16="http://schemas.microsoft.com/office/powerpoint/2015/main" val="1"/>
-              </p:ext>
-            </p:extLst>
-          </p:nvPr>
-        </p:nvSpPr>
-        <p:spPr>
-          <a:xfrm flipV="1">
-            <a:off x="578652" y="4501201"/>
-            <a:ext cx="11034696" cy="18288"/>
+          <a:xfrm>
+            <a:off x="877458" y="2093976"/>
+            <a:ext cx="5846683" cy="9144"/>
           </a:xfrm>
           <a:prstGeom prst="rect">
             <a:avLst/>
@@ -11877,1401 +18392,12 @@
           </a:p>
         </p:txBody>
       </p:sp>
-      <p:sp useBgFill="1">
-        <p:nvSpPr>
-          <p:cNvPr id="26" name="Rectangle 25">
-            <a:extLst>
-              <a:ext uri="{FF2B5EF4-FFF2-40B4-BE49-F238E27FC236}">
-                <a16:creationId xmlns:a16="http://schemas.microsoft.com/office/drawing/2014/main" id="{D7D03296-BABA-47AD-A5D5-ED156727016E}"/>
-              </a:ext>
-              <a:ext uri="{C183D7F6-B498-43B3-948B-1728B52AA6E4}">
-                <adec:decorative xmlns:adec="http://schemas.microsoft.com/office/drawing/2017/decorative" val="1"/>
-              </a:ext>
-            </a:extLst>
-          </p:cNvPr>
-          <p:cNvSpPr>
-            <a:spLocks noGrp="1" noRot="1" noChangeAspect="1" noMove="1" noResize="1" noEditPoints="1" noAdjustHandles="1" noChangeArrowheads="1" noChangeShapeType="1" noTextEdit="1"/>
-          </p:cNvSpPr>
-          <p:nvPr>
-            <p:extLst>
-              <p:ext uri="{386F3935-93C4-4BCD-93E2-E3B085C9AB24}">
-                <p16:designElem xmlns:p16="http://schemas.microsoft.com/office/powerpoint/2015/main" val="1"/>
-              </p:ext>
-            </p:extLst>
-          </p:nvPr>
-        </p:nvSpPr>
-        <p:spPr>
-          <a:xfrm>
-            <a:off x="0" y="0"/>
-            <a:ext cx="12192000" cy="6858000"/>
-          </a:xfrm>
-          <a:prstGeom prst="rect">
-            <a:avLst/>
-          </a:prstGeom>
-          <a:ln>
-            <a:noFill/>
-          </a:ln>
-        </p:spPr>
-        <p:style>
-          <a:lnRef idx="2">
-            <a:schemeClr val="accent1">
-              <a:shade val="50000"/>
-            </a:schemeClr>
-          </a:lnRef>
-          <a:fillRef idx="1">
-            <a:schemeClr val="accent1"/>
-          </a:fillRef>
-          <a:effectRef idx="0">
-            <a:schemeClr val="accent1"/>
-          </a:effectRef>
-          <a:fontRef idx="minor">
-            <a:schemeClr val="lt1"/>
-          </a:fontRef>
-        </p:style>
-        <p:txBody>
-          <a:bodyPr rtlCol="0" anchor="ctr"/>
-          <a:lstStyle/>
-          <a:p>
-            <a:pPr algn="ctr"/>
-            <a:endParaRPr lang="en-US"/>
-          </a:p>
-        </p:txBody>
-      </p:sp>
-      <p:sp>
-        <p:nvSpPr>
-          <p:cNvPr id="2" name="Title 1">
-            <a:extLst>
-              <a:ext uri="{FF2B5EF4-FFF2-40B4-BE49-F238E27FC236}">
-                <a16:creationId xmlns:a16="http://schemas.microsoft.com/office/drawing/2014/main" id="{D2A16606-56B6-C4F7-0F90-DC391BA787C0}"/>
-              </a:ext>
-            </a:extLst>
-          </p:cNvPr>
-          <p:cNvSpPr>
-            <a:spLocks noGrp="1"/>
-          </p:cNvSpPr>
-          <p:nvPr>
-            <p:ph type="title"/>
-          </p:nvPr>
-        </p:nvSpPr>
-        <p:spPr>
-          <a:xfrm>
-            <a:off x="838200" y="226061"/>
-            <a:ext cx="10515600" cy="1092050"/>
-          </a:xfrm>
-        </p:spPr>
-        <p:txBody>
-          <a:bodyPr vert="horz" lIns="91440" tIns="45720" rIns="91440" bIns="45720" rtlCol="0" anchor="b">
-            <a:normAutofit/>
-          </a:bodyPr>
-          <a:lstStyle/>
-          <a:p>
-            <a:pPr algn="ctr"/>
-            <a:r>
-              <a:rPr lang="en-US" sz="5200"/>
-              <a:t>Marital Status vs Attrition</a:t>
-            </a:r>
-          </a:p>
-        </p:txBody>
-      </p:sp>
-      <p:sp useBgFill="1">
-        <p:nvSpPr>
-          <p:cNvPr id="28" name="Rectangle 27">
-            <a:extLst>
-              <a:ext uri="{FF2B5EF4-FFF2-40B4-BE49-F238E27FC236}">
-                <a16:creationId xmlns:a16="http://schemas.microsoft.com/office/drawing/2014/main" id="{284A8429-F65A-490D-96E4-1158D3E8A026}"/>
-              </a:ext>
-              <a:ext uri="{C183D7F6-B498-43B3-948B-1728B52AA6E4}">
-                <adec:decorative xmlns:adec="http://schemas.microsoft.com/office/drawing/2017/decorative" val="1"/>
-              </a:ext>
-            </a:extLst>
-          </p:cNvPr>
-          <p:cNvSpPr>
-            <a:spLocks noGrp="1" noRot="1" noChangeAspect="1" noMove="1" noResize="1" noEditPoints="1" noAdjustHandles="1" noChangeArrowheads="1" noChangeShapeType="1" noTextEdit="1"/>
-          </p:cNvSpPr>
-          <p:nvPr>
-            <p:extLst>
-              <p:ext uri="{386F3935-93C4-4BCD-93E2-E3B085C9AB24}">
-                <p16:designElem xmlns:p16="http://schemas.microsoft.com/office/powerpoint/2015/main" val="1"/>
-              </p:ext>
-            </p:extLst>
-          </p:nvPr>
-        </p:nvSpPr>
-        <p:spPr>
-          <a:xfrm>
-            <a:off x="838199" y="1396083"/>
-            <a:ext cx="10515599" cy="822960"/>
-          </a:xfrm>
-          <a:prstGeom prst="rect">
-            <a:avLst/>
-          </a:prstGeom>
-          <a:ln w="12700">
-            <a:solidFill>
-              <a:schemeClr val="tx2">
-                <a:lumMod val="10000"/>
-                <a:lumOff val="90000"/>
-              </a:schemeClr>
-            </a:solidFill>
-          </a:ln>
-          <a:effectLst>
-            <a:outerShdw blurRad="50800" dist="38100" dir="2700000" algn="tl" rotWithShape="0">
-              <a:schemeClr val="bg1">
-                <a:lumMod val="85000"/>
-                <a:alpha val="30000"/>
-              </a:schemeClr>
-            </a:outerShdw>
-          </a:effectLst>
-        </p:spPr>
-        <p:style>
-          <a:lnRef idx="2">
-            <a:schemeClr val="accent1">
-              <a:shade val="50000"/>
-            </a:schemeClr>
-          </a:lnRef>
-          <a:fillRef idx="1">
-            <a:schemeClr val="accent1"/>
-          </a:fillRef>
-          <a:effectRef idx="0">
-            <a:schemeClr val="accent1"/>
-          </a:effectRef>
-          <a:fontRef idx="minor">
-            <a:schemeClr val="lt1"/>
-          </a:fontRef>
-        </p:style>
-        <p:txBody>
-          <a:bodyPr rtlCol="0" anchor="ctr"/>
-          <a:lstStyle/>
-          <a:p>
-            <a:pPr marL="0" marR="0" lvl="0" indent="0" algn="ctr" defTabSz="914400" rtl="0" eaLnBrk="1" fontAlgn="auto" latinLnBrk="0" hangingPunct="1">
-              <a:lnSpc>
-                <a:spcPct val="100000"/>
-              </a:lnSpc>
-              <a:spcBef>
-                <a:spcPts val="0"/>
-              </a:spcBef>
-              <a:spcAft>
-                <a:spcPts val="0"/>
-              </a:spcAft>
-              <a:buClrTx/>
-              <a:buSzTx/>
-              <a:buFontTx/>
-              <a:buNone/>
-              <a:tabLst/>
-              <a:defRPr/>
-            </a:pPr>
-            <a:endParaRPr kumimoji="0" lang="en-US" sz="1800" b="0" i="0" u="none" strike="noStrike" kern="1200" cap="none" spc="0" normalizeH="0" baseline="0" noProof="0" dirty="0">
-              <a:ln>
-                <a:noFill/>
-              </a:ln>
-              <a:solidFill>
-                <a:prstClr val="white"/>
-              </a:solidFill>
-              <a:effectLst/>
-              <a:uLnTx/>
-              <a:uFillTx/>
-              <a:latin typeface="Calibri" panose="020F0502020204030204"/>
-              <a:ea typeface="+mn-ea"/>
-              <a:cs typeface="+mn-cs"/>
-            </a:endParaRPr>
-          </a:p>
-        </p:txBody>
-      </p:sp>
-      <p:sp>
-        <p:nvSpPr>
-          <p:cNvPr id="30" name="Rectangle 29">
-            <a:extLst>
-              <a:ext uri="{FF2B5EF4-FFF2-40B4-BE49-F238E27FC236}">
-                <a16:creationId xmlns:a16="http://schemas.microsoft.com/office/drawing/2014/main" id="{0F022291-A82B-4D23-A1E0-5F9BD684669E}"/>
-              </a:ext>
-              <a:ext uri="{C183D7F6-B498-43B3-948B-1728B52AA6E4}">
-                <adec:decorative xmlns:adec="http://schemas.microsoft.com/office/drawing/2017/decorative" val="1"/>
-              </a:ext>
-            </a:extLst>
-          </p:cNvPr>
-          <p:cNvSpPr>
-            <a:spLocks noGrp="1" noRot="1" noChangeAspect="1" noMove="1" noResize="1" noEditPoints="1" noAdjustHandles="1" noChangeArrowheads="1" noChangeShapeType="1" noTextEdit="1"/>
-          </p:cNvSpPr>
-          <p:nvPr>
-            <p:extLst>
-              <p:ext uri="{386F3935-93C4-4BCD-93E2-E3B085C9AB24}">
-                <p16:designElem xmlns:p16="http://schemas.microsoft.com/office/powerpoint/2015/main" val="1"/>
-              </p:ext>
-            </p:extLst>
-          </p:nvPr>
-        </p:nvSpPr>
-        <p:spPr>
-          <a:xfrm rot="5400000">
-            <a:off x="6041136" y="1859832"/>
-            <a:ext cx="109728" cy="731520"/>
-          </a:xfrm>
-          <a:prstGeom prst="rect">
-            <a:avLst/>
-          </a:prstGeom>
-          <a:solidFill>
-            <a:schemeClr val="accent1"/>
-          </a:solidFill>
-          <a:ln>
-            <a:noFill/>
-          </a:ln>
-        </p:spPr>
-        <p:style>
-          <a:lnRef idx="2">
-            <a:schemeClr val="accent1">
-              <a:shade val="50000"/>
-            </a:schemeClr>
-          </a:lnRef>
-          <a:fillRef idx="1">
-            <a:schemeClr val="accent1"/>
-          </a:fillRef>
-          <a:effectRef idx="0">
-            <a:schemeClr val="accent1"/>
-          </a:effectRef>
-          <a:fontRef idx="minor">
-            <a:schemeClr val="lt1"/>
-          </a:fontRef>
-        </p:style>
-        <p:txBody>
-          <a:bodyPr rtlCol="0" anchor="ctr"/>
-          <a:lstStyle/>
-          <a:p>
-            <a:pPr marL="0" marR="0" lvl="0" indent="0" algn="ctr" defTabSz="914400" rtl="0" eaLnBrk="1" fontAlgn="auto" latinLnBrk="0" hangingPunct="1">
-              <a:lnSpc>
-                <a:spcPct val="100000"/>
-              </a:lnSpc>
-              <a:spcBef>
-                <a:spcPts val="0"/>
-              </a:spcBef>
-              <a:spcAft>
-                <a:spcPts val="0"/>
-              </a:spcAft>
-              <a:buClrTx/>
-              <a:buSzTx/>
-              <a:buFontTx/>
-              <a:buNone/>
-              <a:tabLst/>
-              <a:defRPr/>
-            </a:pPr>
-            <a:endParaRPr kumimoji="0" lang="en-US" sz="1800" b="0" i="0" u="none" strike="noStrike" kern="1200" cap="none" spc="0" normalizeH="0" baseline="0" noProof="0">
-              <a:ln>
-                <a:noFill/>
-              </a:ln>
-              <a:solidFill>
-                <a:prstClr val="white"/>
-              </a:solidFill>
-              <a:effectLst/>
-              <a:uLnTx/>
-              <a:uFillTx/>
-              <a:latin typeface="Calibri" panose="020F0502020204030204"/>
-              <a:ea typeface="+mn-ea"/>
-              <a:cs typeface="+mn-cs"/>
-            </a:endParaRPr>
-          </a:p>
-        </p:txBody>
-      </p:sp>
-      <p:pic>
-        <p:nvPicPr>
-          <p:cNvPr id="10" name="Picture 9">
-            <a:extLst>
-              <a:ext uri="{FF2B5EF4-FFF2-40B4-BE49-F238E27FC236}">
-                <a16:creationId xmlns:a16="http://schemas.microsoft.com/office/drawing/2014/main" id="{9C4C148D-19CB-8F28-BBE0-41BF0F5DCFB8}"/>
-              </a:ext>
-            </a:extLst>
-          </p:cNvPr>
-          <p:cNvPicPr>
-            <a:picLocks noChangeAspect="1"/>
-          </p:cNvPicPr>
-          <p:nvPr/>
-        </p:nvPicPr>
-        <p:blipFill>
-          <a:blip r:embed="rId2"/>
-          <a:stretch>
-            <a:fillRect/>
-          </a:stretch>
-        </p:blipFill>
-        <p:spPr>
-          <a:xfrm>
-            <a:off x="589579" y="3589595"/>
-            <a:ext cx="5140661" cy="886764"/>
-          </a:xfrm>
-          <a:prstGeom prst="rect">
-            <a:avLst/>
-          </a:prstGeom>
-        </p:spPr>
-      </p:pic>
-      <p:pic>
-        <p:nvPicPr>
-          <p:cNvPr id="4" name="Content Placeholder 3">
-            <a:extLst>
-              <a:ext uri="{FF2B5EF4-FFF2-40B4-BE49-F238E27FC236}">
-                <a16:creationId xmlns:a16="http://schemas.microsoft.com/office/drawing/2014/main" id="{6806D124-35D9-0877-99BF-4BBF7324F61A}"/>
-              </a:ext>
-            </a:extLst>
-          </p:cNvPr>
-          <p:cNvPicPr>
-            <a:picLocks noGrp="1" noChangeAspect="1"/>
-          </p:cNvPicPr>
-          <p:nvPr>
-            <p:ph idx="1"/>
-          </p:nvPr>
-        </p:nvPicPr>
-        <p:blipFill rotWithShape="1">
-          <a:blip r:embed="rId3"/>
-          <a:srcRect t="3292" r="1453"/>
-          <a:stretch/>
-        </p:blipFill>
-        <p:spPr>
-          <a:xfrm>
-            <a:off x="6568441" y="1396082"/>
-            <a:ext cx="5140660" cy="5296307"/>
-          </a:xfrm>
-          <a:prstGeom prst="rect">
-            <a:avLst/>
-          </a:prstGeom>
-        </p:spPr>
-      </p:pic>
-    </p:spTree>
-    <p:extLst>
-      <p:ext uri="{BB962C8B-B14F-4D97-AF65-F5344CB8AC3E}">
-        <p14:creationId xmlns:p14="http://schemas.microsoft.com/office/powerpoint/2010/main" val="1126400747"/>
-      </p:ext>
-    </p:extLst>
-  </p:cSld>
-  <p:clrMapOvr>
-    <a:masterClrMapping/>
-  </p:clrMapOvr>
-</p:sld>
-</file>
-
-<file path=ppt/slides/slide8.xml><?xml version="1.0" encoding="utf-8"?>
-<p:sld xmlns:a="http://schemas.openxmlformats.org/drawingml/2006/main" xmlns:r="http://schemas.openxmlformats.org/officeDocument/2006/relationships" xmlns:p="http://schemas.openxmlformats.org/presentationml/2006/main">
-  <p:cSld>
-    <p:bg>
-      <p:bgPr>
-        <a:solidFill>
-          <a:schemeClr val="bg1"/>
-        </a:solidFill>
-        <a:effectLst/>
-      </p:bgPr>
-    </p:bg>
-    <p:spTree>
-      <p:nvGrpSpPr>
-        <p:cNvPr id="1" name=""/>
-        <p:cNvGrpSpPr/>
-        <p:nvPr/>
-      </p:nvGrpSpPr>
-      <p:grpSpPr>
-        <a:xfrm>
-          <a:off x="0" y="0"/>
-          <a:ext cx="0" cy="0"/>
-          <a:chOff x="0" y="0"/>
-          <a:chExt cx="0" cy="0"/>
-        </a:xfrm>
-      </p:grpSpPr>
-      <p:sp>
-        <p:nvSpPr>
-          <p:cNvPr id="26" name="Rectangle 25">
-            <a:extLst>
-              <a:ext uri="{FF2B5EF4-FFF2-40B4-BE49-F238E27FC236}">
-                <a16:creationId xmlns:a16="http://schemas.microsoft.com/office/drawing/2014/main" id="{8D06CE56-3881-4ADA-8CEF-D18B02C242A3}"/>
-              </a:ext>
-              <a:ext uri="{C183D7F6-B498-43B3-948B-1728B52AA6E4}">
-                <adec:decorative xmlns:adec="http://schemas.microsoft.com/office/drawing/2017/decorative" val="1"/>
-              </a:ext>
-            </a:extLst>
-          </p:cNvPr>
-          <p:cNvSpPr>
-            <a:spLocks noGrp="1" noRot="1" noChangeAspect="1" noMove="1" noResize="1" noEditPoints="1" noAdjustHandles="1" noChangeArrowheads="1" noChangeShapeType="1" noTextEdit="1"/>
-          </p:cNvSpPr>
-          <p:nvPr>
-            <p:extLst>
-              <p:ext uri="{386F3935-93C4-4BCD-93E2-E3B085C9AB24}">
-                <p16:designElem xmlns:p16="http://schemas.microsoft.com/office/powerpoint/2015/main" val="1"/>
-              </p:ext>
-            </p:extLst>
-          </p:nvPr>
-        </p:nvSpPr>
-        <p:spPr>
-          <a:xfrm rot="5400000">
-            <a:off x="857544" y="346791"/>
-            <a:ext cx="146304" cy="704088"/>
-          </a:xfrm>
-          <a:prstGeom prst="rect">
-            <a:avLst/>
-          </a:prstGeom>
-          <a:solidFill>
-            <a:schemeClr val="accent1"/>
-          </a:solidFill>
-          <a:ln>
-            <a:noFill/>
-          </a:ln>
-        </p:spPr>
-        <p:style>
-          <a:lnRef idx="2">
-            <a:schemeClr val="accent1">
-              <a:shade val="50000"/>
-            </a:schemeClr>
-          </a:lnRef>
-          <a:fillRef idx="1">
-            <a:schemeClr val="accent1"/>
-          </a:fillRef>
-          <a:effectRef idx="0">
-            <a:schemeClr val="accent1"/>
-          </a:effectRef>
-          <a:fontRef idx="minor">
-            <a:schemeClr val="lt1"/>
-          </a:fontRef>
-        </p:style>
-        <p:txBody>
-          <a:bodyPr rtlCol="0" anchor="ctr"/>
-          <a:lstStyle/>
-          <a:p>
-            <a:pPr marL="0" marR="0" lvl="0" indent="0" algn="ctr" defTabSz="914400" rtl="0" eaLnBrk="1" fontAlgn="auto" latinLnBrk="0" hangingPunct="1">
-              <a:lnSpc>
-                <a:spcPct val="100000"/>
-              </a:lnSpc>
-              <a:spcBef>
-                <a:spcPts val="0"/>
-              </a:spcBef>
-              <a:spcAft>
-                <a:spcPts val="0"/>
-              </a:spcAft>
-              <a:buClrTx/>
-              <a:buSzTx/>
-              <a:buFontTx/>
-              <a:buNone/>
-              <a:tabLst/>
-              <a:defRPr/>
-            </a:pPr>
-            <a:endParaRPr kumimoji="0" lang="en-US" sz="1800" b="0" i="0" u="none" strike="noStrike" kern="1200" cap="none" spc="0" normalizeH="0" baseline="0" noProof="0">
-              <a:ln>
-                <a:noFill/>
-              </a:ln>
-              <a:solidFill>
-                <a:prstClr val="white"/>
-              </a:solidFill>
-              <a:effectLst/>
-              <a:uLnTx/>
-              <a:uFillTx/>
-              <a:latin typeface="Calibri" panose="020F0502020204030204"/>
-              <a:ea typeface="+mn-ea"/>
-              <a:cs typeface="+mn-cs"/>
-            </a:endParaRPr>
-          </a:p>
-        </p:txBody>
-      </p:sp>
-      <p:sp>
-        <p:nvSpPr>
-          <p:cNvPr id="28" name="Rectangle 27">
-            <a:extLst>
-              <a:ext uri="{FF2B5EF4-FFF2-40B4-BE49-F238E27FC236}">
-                <a16:creationId xmlns:a16="http://schemas.microsoft.com/office/drawing/2014/main" id="{79F3C543-62EC-4433-9C93-A2CD8764E9B4}"/>
-              </a:ext>
-              <a:ext uri="{C183D7F6-B498-43B3-948B-1728B52AA6E4}">
-                <adec:decorative xmlns:adec="http://schemas.microsoft.com/office/drawing/2017/decorative" val="1"/>
-              </a:ext>
-            </a:extLst>
-          </p:cNvPr>
-          <p:cNvSpPr>
-            <a:spLocks noGrp="1" noRot="1" noChangeAspect="1" noMove="1" noResize="1" noEditPoints="1" noAdjustHandles="1" noChangeArrowheads="1" noChangeShapeType="1" noTextEdit="1"/>
-          </p:cNvSpPr>
-          <p:nvPr>
-            <p:extLst>
-              <p:ext uri="{386F3935-93C4-4BCD-93E2-E3B085C9AB24}">
-                <p16:designElem xmlns:p16="http://schemas.microsoft.com/office/powerpoint/2015/main" val="1"/>
-              </p:ext>
-            </p:extLst>
-          </p:nvPr>
-        </p:nvSpPr>
-        <p:spPr>
-          <a:xfrm flipV="1">
-            <a:off x="578652" y="4501201"/>
-            <a:ext cx="11034696" cy="18288"/>
-          </a:xfrm>
-          <a:prstGeom prst="rect">
-            <a:avLst/>
-          </a:prstGeom>
-          <a:solidFill>
-            <a:schemeClr val="tx2">
-              <a:lumMod val="25000"/>
-              <a:lumOff val="75000"/>
-            </a:schemeClr>
-          </a:solidFill>
-          <a:ln w="3175">
-            <a:noFill/>
-          </a:ln>
-          <a:effectLst/>
-        </p:spPr>
-        <p:style>
-          <a:lnRef idx="2">
-            <a:schemeClr val="accent1">
-              <a:shade val="50000"/>
-            </a:schemeClr>
-          </a:lnRef>
-          <a:fillRef idx="1">
-            <a:schemeClr val="accent1"/>
-          </a:fillRef>
-          <a:effectRef idx="0">
-            <a:schemeClr val="accent1"/>
-          </a:effectRef>
-          <a:fontRef idx="minor">
-            <a:schemeClr val="lt1"/>
-          </a:fontRef>
-        </p:style>
-        <p:txBody>
-          <a:bodyPr rtlCol="0" anchor="ctr"/>
-          <a:lstStyle/>
-          <a:p>
-            <a:pPr marL="0" marR="0" lvl="0" indent="0" algn="ctr" defTabSz="914400" rtl="0" eaLnBrk="1" fontAlgn="auto" latinLnBrk="0" hangingPunct="1">
-              <a:lnSpc>
-                <a:spcPct val="100000"/>
-              </a:lnSpc>
-              <a:spcBef>
-                <a:spcPts val="0"/>
-              </a:spcBef>
-              <a:spcAft>
-                <a:spcPts val="0"/>
-              </a:spcAft>
-              <a:buClrTx/>
-              <a:buSzTx/>
-              <a:buFontTx/>
-              <a:buNone/>
-              <a:tabLst/>
-              <a:defRPr/>
-            </a:pPr>
-            <a:endParaRPr kumimoji="0" lang="en-US" sz="1800" b="0" i="0" u="none" strike="noStrike" kern="1200" cap="none" spc="0" normalizeH="0" baseline="0" noProof="0">
-              <a:ln>
-                <a:noFill/>
-              </a:ln>
-              <a:solidFill>
-                <a:prstClr val="white"/>
-              </a:solidFill>
-              <a:effectLst/>
-              <a:uLnTx/>
-              <a:uFillTx/>
-              <a:latin typeface="Calibri" panose="020F0502020204030204"/>
-              <a:ea typeface="+mn-ea"/>
-              <a:cs typeface="+mn-cs"/>
-            </a:endParaRPr>
-          </a:p>
-        </p:txBody>
-      </p:sp>
-      <p:sp useBgFill="1">
-        <p:nvSpPr>
-          <p:cNvPr id="30" name="Rectangle 29">
-            <a:extLst>
-              <a:ext uri="{FF2B5EF4-FFF2-40B4-BE49-F238E27FC236}">
-                <a16:creationId xmlns:a16="http://schemas.microsoft.com/office/drawing/2014/main" id="{D7D03296-BABA-47AD-A5D5-ED156727016E}"/>
-              </a:ext>
-              <a:ext uri="{C183D7F6-B498-43B3-948B-1728B52AA6E4}">
-                <adec:decorative xmlns:adec="http://schemas.microsoft.com/office/drawing/2017/decorative" val="1"/>
-              </a:ext>
-            </a:extLst>
-          </p:cNvPr>
-          <p:cNvSpPr>
-            <a:spLocks noGrp="1" noRot="1" noChangeAspect="1" noMove="1" noResize="1" noEditPoints="1" noAdjustHandles="1" noChangeArrowheads="1" noChangeShapeType="1" noTextEdit="1"/>
-          </p:cNvSpPr>
-          <p:nvPr>
-            <p:extLst>
-              <p:ext uri="{386F3935-93C4-4BCD-93E2-E3B085C9AB24}">
-                <p16:designElem xmlns:p16="http://schemas.microsoft.com/office/powerpoint/2015/main" val="1"/>
-              </p:ext>
-            </p:extLst>
-          </p:nvPr>
-        </p:nvSpPr>
-        <p:spPr>
-          <a:xfrm>
-            <a:off x="0" y="0"/>
-            <a:ext cx="12192000" cy="6858000"/>
-          </a:xfrm>
-          <a:prstGeom prst="rect">
-            <a:avLst/>
-          </a:prstGeom>
-          <a:ln>
-            <a:noFill/>
-          </a:ln>
-        </p:spPr>
-        <p:style>
-          <a:lnRef idx="2">
-            <a:schemeClr val="accent1">
-              <a:shade val="50000"/>
-            </a:schemeClr>
-          </a:lnRef>
-          <a:fillRef idx="1">
-            <a:schemeClr val="accent1"/>
-          </a:fillRef>
-          <a:effectRef idx="0">
-            <a:schemeClr val="accent1"/>
-          </a:effectRef>
-          <a:fontRef idx="minor">
-            <a:schemeClr val="lt1"/>
-          </a:fontRef>
-        </p:style>
-        <p:txBody>
-          <a:bodyPr rtlCol="0" anchor="ctr"/>
-          <a:lstStyle/>
-          <a:p>
-            <a:pPr algn="ctr"/>
-            <a:endParaRPr lang="en-US"/>
-          </a:p>
-        </p:txBody>
-      </p:sp>
-      <p:sp>
-        <p:nvSpPr>
-          <p:cNvPr id="2" name="Title 1">
-            <a:extLst>
-              <a:ext uri="{FF2B5EF4-FFF2-40B4-BE49-F238E27FC236}">
-                <a16:creationId xmlns:a16="http://schemas.microsoft.com/office/drawing/2014/main" id="{05162FF6-D0F4-122A-474C-D2A31272D3AE}"/>
-              </a:ext>
-            </a:extLst>
-          </p:cNvPr>
-          <p:cNvSpPr>
-            <a:spLocks noGrp="1"/>
-          </p:cNvSpPr>
-          <p:nvPr>
-            <p:ph type="title"/>
-          </p:nvPr>
-        </p:nvSpPr>
-        <p:spPr>
-          <a:xfrm>
-            <a:off x="838200" y="226061"/>
-            <a:ext cx="10515600" cy="1092050"/>
-          </a:xfrm>
-        </p:spPr>
-        <p:txBody>
-          <a:bodyPr vert="horz" lIns="91440" tIns="45720" rIns="91440" bIns="45720" rtlCol="0" anchor="b">
-            <a:normAutofit/>
-          </a:bodyPr>
-          <a:lstStyle/>
-          <a:p>
-            <a:pPr algn="ctr"/>
-            <a:r>
-              <a:rPr lang="en-US" sz="5200"/>
-              <a:t>Overtime vs Attrition</a:t>
-            </a:r>
-          </a:p>
-        </p:txBody>
-      </p:sp>
-      <p:sp useBgFill="1">
-        <p:nvSpPr>
-          <p:cNvPr id="32" name="Rectangle 31">
-            <a:extLst>
-              <a:ext uri="{FF2B5EF4-FFF2-40B4-BE49-F238E27FC236}">
-                <a16:creationId xmlns:a16="http://schemas.microsoft.com/office/drawing/2014/main" id="{284A8429-F65A-490D-96E4-1158D3E8A026}"/>
-              </a:ext>
-              <a:ext uri="{C183D7F6-B498-43B3-948B-1728B52AA6E4}">
-                <adec:decorative xmlns:adec="http://schemas.microsoft.com/office/drawing/2017/decorative" val="1"/>
-              </a:ext>
-            </a:extLst>
-          </p:cNvPr>
-          <p:cNvSpPr>
-            <a:spLocks noGrp="1" noRot="1" noChangeAspect="1" noMove="1" noResize="1" noEditPoints="1" noAdjustHandles="1" noChangeArrowheads="1" noChangeShapeType="1" noTextEdit="1"/>
-          </p:cNvSpPr>
-          <p:nvPr>
-            <p:extLst>
-              <p:ext uri="{386F3935-93C4-4BCD-93E2-E3B085C9AB24}">
-                <p16:designElem xmlns:p16="http://schemas.microsoft.com/office/powerpoint/2015/main" val="1"/>
-              </p:ext>
-            </p:extLst>
-          </p:nvPr>
-        </p:nvSpPr>
-        <p:spPr>
-          <a:xfrm>
-            <a:off x="838199" y="1396083"/>
-            <a:ext cx="10515599" cy="822960"/>
-          </a:xfrm>
-          <a:prstGeom prst="rect">
-            <a:avLst/>
-          </a:prstGeom>
-          <a:ln w="12700">
-            <a:solidFill>
-              <a:schemeClr val="tx2">
-                <a:lumMod val="10000"/>
-                <a:lumOff val="90000"/>
-              </a:schemeClr>
-            </a:solidFill>
-          </a:ln>
-          <a:effectLst>
-            <a:outerShdw blurRad="50800" dist="38100" dir="2700000" algn="tl" rotWithShape="0">
-              <a:schemeClr val="bg1">
-                <a:lumMod val="85000"/>
-                <a:alpha val="30000"/>
-              </a:schemeClr>
-            </a:outerShdw>
-          </a:effectLst>
-        </p:spPr>
-        <p:style>
-          <a:lnRef idx="2">
-            <a:schemeClr val="accent1">
-              <a:shade val="50000"/>
-            </a:schemeClr>
-          </a:lnRef>
-          <a:fillRef idx="1">
-            <a:schemeClr val="accent1"/>
-          </a:fillRef>
-          <a:effectRef idx="0">
-            <a:schemeClr val="accent1"/>
-          </a:effectRef>
-          <a:fontRef idx="minor">
-            <a:schemeClr val="lt1"/>
-          </a:fontRef>
-        </p:style>
-        <p:txBody>
-          <a:bodyPr rtlCol="0" anchor="ctr"/>
-          <a:lstStyle/>
-          <a:p>
-            <a:pPr marL="0" marR="0" lvl="0" indent="0" algn="ctr" defTabSz="914400" rtl="0" eaLnBrk="1" fontAlgn="auto" latinLnBrk="0" hangingPunct="1">
-              <a:lnSpc>
-                <a:spcPct val="100000"/>
-              </a:lnSpc>
-              <a:spcBef>
-                <a:spcPts val="0"/>
-              </a:spcBef>
-              <a:spcAft>
-                <a:spcPts val="0"/>
-              </a:spcAft>
-              <a:buClrTx/>
-              <a:buSzTx/>
-              <a:buFontTx/>
-              <a:buNone/>
-              <a:tabLst/>
-              <a:defRPr/>
-            </a:pPr>
-            <a:endParaRPr kumimoji="0" lang="en-US" sz="1800" b="0" i="0" u="none" strike="noStrike" kern="1200" cap="none" spc="0" normalizeH="0" baseline="0" noProof="0" dirty="0">
-              <a:ln>
-                <a:noFill/>
-              </a:ln>
-              <a:solidFill>
-                <a:prstClr val="white"/>
-              </a:solidFill>
-              <a:effectLst/>
-              <a:uLnTx/>
-              <a:uFillTx/>
-              <a:latin typeface="Calibri" panose="020F0502020204030204"/>
-              <a:ea typeface="+mn-ea"/>
-              <a:cs typeface="+mn-cs"/>
-            </a:endParaRPr>
-          </a:p>
-        </p:txBody>
-      </p:sp>
-      <p:sp>
-        <p:nvSpPr>
-          <p:cNvPr id="34" name="Rectangle 33">
-            <a:extLst>
-              <a:ext uri="{FF2B5EF4-FFF2-40B4-BE49-F238E27FC236}">
-                <a16:creationId xmlns:a16="http://schemas.microsoft.com/office/drawing/2014/main" id="{0F022291-A82B-4D23-A1E0-5F9BD684669E}"/>
-              </a:ext>
-              <a:ext uri="{C183D7F6-B498-43B3-948B-1728B52AA6E4}">
-                <adec:decorative xmlns:adec="http://schemas.microsoft.com/office/drawing/2017/decorative" val="1"/>
-              </a:ext>
-            </a:extLst>
-          </p:cNvPr>
-          <p:cNvSpPr>
-            <a:spLocks noGrp="1" noRot="1" noChangeAspect="1" noMove="1" noResize="1" noEditPoints="1" noAdjustHandles="1" noChangeArrowheads="1" noChangeShapeType="1" noTextEdit="1"/>
-          </p:cNvSpPr>
-          <p:nvPr>
-            <p:extLst>
-              <p:ext uri="{386F3935-93C4-4BCD-93E2-E3B085C9AB24}">
-                <p16:designElem xmlns:p16="http://schemas.microsoft.com/office/powerpoint/2015/main" val="1"/>
-              </p:ext>
-            </p:extLst>
-          </p:nvPr>
-        </p:nvSpPr>
-        <p:spPr>
-          <a:xfrm rot="5400000">
-            <a:off x="6041136" y="1859832"/>
-            <a:ext cx="109728" cy="731520"/>
-          </a:xfrm>
-          <a:prstGeom prst="rect">
-            <a:avLst/>
-          </a:prstGeom>
-          <a:solidFill>
-            <a:schemeClr val="accent1"/>
-          </a:solidFill>
-          <a:ln>
-            <a:noFill/>
-          </a:ln>
-        </p:spPr>
-        <p:style>
-          <a:lnRef idx="2">
-            <a:schemeClr val="accent1">
-              <a:shade val="50000"/>
-            </a:schemeClr>
-          </a:lnRef>
-          <a:fillRef idx="1">
-            <a:schemeClr val="accent1"/>
-          </a:fillRef>
-          <a:effectRef idx="0">
-            <a:schemeClr val="accent1"/>
-          </a:effectRef>
-          <a:fontRef idx="minor">
-            <a:schemeClr val="lt1"/>
-          </a:fontRef>
-        </p:style>
-        <p:txBody>
-          <a:bodyPr rtlCol="0" anchor="ctr"/>
-          <a:lstStyle/>
-          <a:p>
-            <a:pPr marL="0" marR="0" lvl="0" indent="0" algn="ctr" defTabSz="914400" rtl="0" eaLnBrk="1" fontAlgn="auto" latinLnBrk="0" hangingPunct="1">
-              <a:lnSpc>
-                <a:spcPct val="100000"/>
-              </a:lnSpc>
-              <a:spcBef>
-                <a:spcPts val="0"/>
-              </a:spcBef>
-              <a:spcAft>
-                <a:spcPts val="0"/>
-              </a:spcAft>
-              <a:buClrTx/>
-              <a:buSzTx/>
-              <a:buFontTx/>
-              <a:buNone/>
-              <a:tabLst/>
-              <a:defRPr/>
-            </a:pPr>
-            <a:endParaRPr kumimoji="0" lang="en-US" sz="1800" b="0" i="0" u="none" strike="noStrike" kern="1200" cap="none" spc="0" normalizeH="0" baseline="0" noProof="0">
-              <a:ln>
-                <a:noFill/>
-              </a:ln>
-              <a:solidFill>
-                <a:prstClr val="white"/>
-              </a:solidFill>
-              <a:effectLst/>
-              <a:uLnTx/>
-              <a:uFillTx/>
-              <a:latin typeface="Calibri" panose="020F0502020204030204"/>
-              <a:ea typeface="+mn-ea"/>
-              <a:cs typeface="+mn-cs"/>
-            </a:endParaRPr>
-          </a:p>
-        </p:txBody>
-      </p:sp>
-      <p:pic>
-        <p:nvPicPr>
-          <p:cNvPr id="10" name="Picture 9">
-            <a:extLst>
-              <a:ext uri="{FF2B5EF4-FFF2-40B4-BE49-F238E27FC236}">
-                <a16:creationId xmlns:a16="http://schemas.microsoft.com/office/drawing/2014/main" id="{E46F4C21-17B0-0CC2-3ECD-EFC7B43BAC7F}"/>
-              </a:ext>
-            </a:extLst>
-          </p:cNvPr>
-          <p:cNvPicPr>
-            <a:picLocks noChangeAspect="1"/>
-          </p:cNvPicPr>
-          <p:nvPr/>
-        </p:nvPicPr>
-        <p:blipFill>
-          <a:blip r:embed="rId2"/>
-          <a:stretch>
-            <a:fillRect/>
-          </a:stretch>
-        </p:blipFill>
-        <p:spPr>
-          <a:xfrm>
-            <a:off x="838199" y="3973160"/>
-            <a:ext cx="5140661" cy="732544"/>
-          </a:xfrm>
-          <a:prstGeom prst="rect">
-            <a:avLst/>
-          </a:prstGeom>
-        </p:spPr>
-      </p:pic>
-      <p:pic>
-        <p:nvPicPr>
-          <p:cNvPr id="4" name="Content Placeholder 3">
-            <a:extLst>
-              <a:ext uri="{FF2B5EF4-FFF2-40B4-BE49-F238E27FC236}">
-                <a16:creationId xmlns:a16="http://schemas.microsoft.com/office/drawing/2014/main" id="{DCB39D5D-0D2C-F233-F488-5D19A0970590}"/>
-              </a:ext>
-            </a:extLst>
-          </p:cNvPr>
-          <p:cNvPicPr>
-            <a:picLocks noGrp="1" noChangeAspect="1"/>
-          </p:cNvPicPr>
-          <p:nvPr>
-            <p:ph idx="1"/>
-          </p:nvPr>
-        </p:nvPicPr>
-        <p:blipFill rotWithShape="1">
-          <a:blip r:embed="rId3"/>
-          <a:srcRect t="4561" r="-1" b="-1"/>
-          <a:stretch/>
-        </p:blipFill>
-        <p:spPr>
-          <a:xfrm>
-            <a:off x="6557512" y="1396083"/>
-            <a:ext cx="5260247" cy="5340779"/>
-          </a:xfrm>
-          <a:prstGeom prst="rect">
-            <a:avLst/>
-          </a:prstGeom>
-        </p:spPr>
-      </p:pic>
-    </p:spTree>
-    <p:extLst>
-      <p:ext uri="{BB962C8B-B14F-4D97-AF65-F5344CB8AC3E}">
-        <p14:creationId xmlns:p14="http://schemas.microsoft.com/office/powerpoint/2010/main" val="1960071415"/>
-      </p:ext>
-    </p:extLst>
-  </p:cSld>
-  <p:clrMapOvr>
-    <a:masterClrMapping/>
-  </p:clrMapOvr>
-</p:sld>
-</file>
-
-<file path=ppt/slides/slide9.xml><?xml version="1.0" encoding="utf-8"?>
-<p:sld xmlns:a="http://schemas.openxmlformats.org/drawingml/2006/main" xmlns:r="http://schemas.openxmlformats.org/officeDocument/2006/relationships" xmlns:p="http://schemas.openxmlformats.org/presentationml/2006/main">
-  <p:cSld>
-    <p:bg>
-      <p:bgPr>
-        <a:solidFill>
-          <a:schemeClr val="bg1"/>
-        </a:solidFill>
-        <a:effectLst/>
-      </p:bgPr>
-    </p:bg>
-    <p:spTree>
-      <p:nvGrpSpPr>
-        <p:cNvPr id="1" name=""/>
-        <p:cNvGrpSpPr/>
-        <p:nvPr/>
-      </p:nvGrpSpPr>
-      <p:grpSpPr>
-        <a:xfrm>
-          <a:off x="0" y="0"/>
-          <a:ext cx="0" cy="0"/>
-          <a:chOff x="0" y="0"/>
-          <a:chExt cx="0" cy="0"/>
-        </a:xfrm>
-      </p:grpSpPr>
-      <p:sp useBgFill="1">
-        <p:nvSpPr>
-          <p:cNvPr id="9" name="Rectangle 8">
-            <a:extLst>
-              <a:ext uri="{FF2B5EF4-FFF2-40B4-BE49-F238E27FC236}">
-                <a16:creationId xmlns:a16="http://schemas.microsoft.com/office/drawing/2014/main" id="{DF44879F-6698-4394-89D4-7B3CDB92E9A0}"/>
-              </a:ext>
-              <a:ext uri="{C183D7F6-B498-43B3-948B-1728B52AA6E4}">
-                <adec:decorative xmlns:adec="http://schemas.microsoft.com/office/drawing/2017/decorative" val="1"/>
-              </a:ext>
-            </a:extLst>
-          </p:cNvPr>
-          <p:cNvSpPr>
-            <a:spLocks noGrp="1" noRot="1" noChangeAspect="1" noMove="1" noResize="1" noEditPoints="1" noAdjustHandles="1" noChangeArrowheads="1" noChangeShapeType="1" noTextEdit="1"/>
-          </p:cNvSpPr>
-          <p:nvPr>
-            <p:extLst>
-              <p:ext uri="{386F3935-93C4-4BCD-93E2-E3B085C9AB24}">
-                <p16:designElem xmlns:p16="http://schemas.microsoft.com/office/powerpoint/2015/main" val="1"/>
-              </p:ext>
-            </p:extLst>
-          </p:nvPr>
-        </p:nvSpPr>
-        <p:spPr>
-          <a:xfrm>
-            <a:off x="0" y="0"/>
-            <a:ext cx="12192000" cy="6858000"/>
-          </a:xfrm>
-          <a:prstGeom prst="rect">
-            <a:avLst/>
-          </a:prstGeom>
-          <a:ln w="12700" cap="flat" cmpd="sng" algn="ctr">
-            <a:noFill/>
-            <a:prstDash val="solid"/>
-            <a:miter lim="800000"/>
-          </a:ln>
-          <a:effectLst/>
-          <a:extLst>
-            <a:ext uri="{91240B29-F687-4F45-9708-019B960494DF}">
-              <a14:hiddenLine xmlns:a14="http://schemas.microsoft.com/office/drawing/2010/main" w="12700" cap="flat" cmpd="sng" algn="ctr">
-                <a:solidFill>
-                  <a:schemeClr val="accent1">
-                    <a:shade val="50000"/>
-                  </a:schemeClr>
-                </a:solidFill>
-                <a:prstDash val="solid"/>
-                <a:miter lim="800000"/>
-              </a14:hiddenLine>
-            </a:ext>
-          </a:extLst>
-        </p:spPr>
-        <p:style>
-          <a:lnRef idx="2">
-            <a:schemeClr val="accent1">
-              <a:shade val="50000"/>
-            </a:schemeClr>
-          </a:lnRef>
-          <a:fillRef idx="1">
-            <a:schemeClr val="accent1"/>
-          </a:fillRef>
-          <a:effectRef idx="0">
-            <a:schemeClr val="accent1"/>
-          </a:effectRef>
-          <a:fontRef idx="minor">
-            <a:schemeClr val="lt1"/>
-          </a:fontRef>
-        </p:style>
-        <p:txBody>
-          <a:bodyPr rtlCol="0" anchor="ctr"/>
-          <a:lstStyle/>
-          <a:p>
-            <a:pPr algn="ctr"/>
-            <a:endParaRPr lang="en-US"/>
-          </a:p>
-        </p:txBody>
-      </p:sp>
-      <p:sp>
-        <p:nvSpPr>
-          <p:cNvPr id="11" name="!!Rectangle">
-            <a:extLst>
-              <a:ext uri="{FF2B5EF4-FFF2-40B4-BE49-F238E27FC236}">
-                <a16:creationId xmlns:a16="http://schemas.microsoft.com/office/drawing/2014/main" id="{C65FD3B2-577C-49A0-B40E-4845C5D597CF}"/>
-              </a:ext>
-              <a:ext uri="{C183D7F6-B498-43B3-948B-1728B52AA6E4}">
-                <adec:decorative xmlns:adec="http://schemas.microsoft.com/office/drawing/2017/decorative" val="1"/>
-              </a:ext>
-            </a:extLst>
-          </p:cNvPr>
-          <p:cNvSpPr>
-            <a:spLocks noGrp="1" noRot="1" noChangeAspect="1" noMove="1" noResize="1" noEditPoints="1" noAdjustHandles="1" noChangeArrowheads="1" noChangeShapeType="1" noTextEdit="1"/>
-          </p:cNvSpPr>
-          <p:nvPr>
-            <p:extLst>
-              <p:ext uri="{386F3935-93C4-4BCD-93E2-E3B085C9AB24}">
-                <p16:designElem xmlns:p16="http://schemas.microsoft.com/office/powerpoint/2015/main" val="1"/>
-              </p:ext>
-            </p:extLst>
-          </p:nvPr>
-        </p:nvSpPr>
-        <p:spPr>
-          <a:xfrm>
-            <a:off x="0" y="0"/>
-            <a:ext cx="12192000" cy="6858000"/>
-          </a:xfrm>
-          <a:prstGeom prst="rect">
-            <a:avLst/>
-          </a:prstGeom>
-          <a:solidFill>
-            <a:srgbClr val="000000"/>
-          </a:solidFill>
-          <a:ln>
-            <a:noFill/>
-          </a:ln>
-        </p:spPr>
-        <p:style>
-          <a:lnRef idx="2">
-            <a:schemeClr val="accent1">
-              <a:shade val="50000"/>
-            </a:schemeClr>
-          </a:lnRef>
-          <a:fillRef idx="1">
-            <a:schemeClr val="accent1"/>
-          </a:fillRef>
-          <a:effectRef idx="0">
-            <a:schemeClr val="accent1"/>
-          </a:effectRef>
-          <a:fontRef idx="minor">
-            <a:schemeClr val="lt1"/>
-          </a:fontRef>
-        </p:style>
-        <p:txBody>
-          <a:bodyPr rtlCol="0" anchor="ctr"/>
-          <a:lstStyle/>
-          <a:p>
-            <a:pPr marL="0" marR="0" lvl="0" indent="0" algn="ctr" defTabSz="914400" rtl="0" eaLnBrk="1" fontAlgn="auto" latinLnBrk="0" hangingPunct="1">
-              <a:lnSpc>
-                <a:spcPct val="100000"/>
-              </a:lnSpc>
-              <a:spcBef>
-                <a:spcPts val="0"/>
-              </a:spcBef>
-              <a:spcAft>
-                <a:spcPts val="0"/>
-              </a:spcAft>
-              <a:buClrTx/>
-              <a:buSzTx/>
-              <a:buFontTx/>
-              <a:buNone/>
-              <a:tabLst/>
-              <a:defRPr/>
-            </a:pPr>
-            <a:endParaRPr kumimoji="0" lang="en-US" sz="1800" b="0" i="0" u="none" strike="noStrike" kern="1200" cap="none" spc="0" normalizeH="0" baseline="0" noProof="0">
-              <a:ln>
-                <a:noFill/>
-              </a:ln>
-              <a:solidFill>
-                <a:prstClr val="white"/>
-              </a:solidFill>
-              <a:effectLst/>
-              <a:uLnTx/>
-              <a:uFillTx/>
-              <a:latin typeface="Avenir Next LT Pro"/>
-              <a:ea typeface="+mn-ea"/>
-              <a:cs typeface="+mn-cs"/>
-            </a:endParaRPr>
-          </a:p>
-        </p:txBody>
-      </p:sp>
-      <p:pic>
-        <p:nvPicPr>
-          <p:cNvPr id="5" name="Picture 4" descr="Zigzag indicator line">
-            <a:extLst>
-              <a:ext uri="{FF2B5EF4-FFF2-40B4-BE49-F238E27FC236}">
-                <a16:creationId xmlns:a16="http://schemas.microsoft.com/office/drawing/2014/main" id="{0101F6B5-18C1-B06D-5CE3-030292D184F5}"/>
-              </a:ext>
-            </a:extLst>
-          </p:cNvPr>
-          <p:cNvPicPr>
-            <a:picLocks noChangeAspect="1"/>
-          </p:cNvPicPr>
-          <p:nvPr/>
-        </p:nvPicPr>
-        <p:blipFill rotWithShape="1">
-          <a:blip r:embed="rId2">
-            <a:alphaModFix amt="40000"/>
-          </a:blip>
-          <a:srcRect t="3852" b="11879"/>
-          <a:stretch/>
-        </p:blipFill>
-        <p:spPr>
-          <a:xfrm>
-            <a:off x="20" y="10"/>
-            <a:ext cx="12191979" cy="6857990"/>
-          </a:xfrm>
-          <a:prstGeom prst="rect">
-            <a:avLst/>
-          </a:prstGeom>
-        </p:spPr>
-      </p:pic>
-      <p:sp>
-        <p:nvSpPr>
-          <p:cNvPr id="2" name="Title 1">
-            <a:extLst>
-              <a:ext uri="{FF2B5EF4-FFF2-40B4-BE49-F238E27FC236}">
-                <a16:creationId xmlns:a16="http://schemas.microsoft.com/office/drawing/2014/main" id="{2EA7B2AA-0B09-00D9-A5AB-64391BFB401B}"/>
-              </a:ext>
-            </a:extLst>
-          </p:cNvPr>
-          <p:cNvSpPr>
-            <a:spLocks noGrp="1"/>
-          </p:cNvSpPr>
-          <p:nvPr>
-            <p:ph type="title"/>
-          </p:nvPr>
-        </p:nvSpPr>
-        <p:spPr>
-          <a:xfrm>
-            <a:off x="841248" y="426720"/>
-            <a:ext cx="10506456" cy="1919141"/>
-          </a:xfrm>
-        </p:spPr>
-        <p:txBody>
-          <a:bodyPr anchor="b">
-            <a:normAutofit/>
-          </a:bodyPr>
-          <a:lstStyle/>
-          <a:p>
-            <a:r>
-              <a:rPr lang="en-US" sz="6000">
-                <a:solidFill>
-                  <a:srgbClr val="FFFFFF"/>
-                </a:solidFill>
-              </a:rPr>
-              <a:t>Let’s Look at Some Models</a:t>
-            </a:r>
-          </a:p>
-        </p:txBody>
-      </p:sp>
-      <p:sp>
-        <p:nvSpPr>
-          <p:cNvPr id="13" name="Rectangle 12">
-            <a:extLst>
-              <a:ext uri="{FF2B5EF4-FFF2-40B4-BE49-F238E27FC236}">
-                <a16:creationId xmlns:a16="http://schemas.microsoft.com/office/drawing/2014/main" id="{7A0B5DEA-ADF6-4BA5-9307-147F0A4685A0}"/>
-              </a:ext>
-              <a:ext uri="{C183D7F6-B498-43B3-948B-1728B52AA6E4}">
-                <adec:decorative xmlns:adec="http://schemas.microsoft.com/office/drawing/2017/decorative" val="1"/>
-              </a:ext>
-            </a:extLst>
-          </p:cNvPr>
-          <p:cNvSpPr>
-            <a:spLocks noGrp="1" noRot="1" noChangeAspect="1" noMove="1" noResize="1" noEditPoints="1" noAdjustHandles="1" noChangeArrowheads="1" noChangeShapeType="1" noTextEdit="1"/>
-          </p:cNvSpPr>
-          <p:nvPr>
-            <p:extLst>
-              <p:ext uri="{386F3935-93C4-4BCD-93E2-E3B085C9AB24}">
-                <p16:designElem xmlns:p16="http://schemas.microsoft.com/office/powerpoint/2015/main" val="1"/>
-              </p:ext>
-            </p:extLst>
-          </p:nvPr>
-        </p:nvSpPr>
-        <p:spPr>
-          <a:xfrm>
-            <a:off x="868680" y="2898648"/>
-            <a:ext cx="10506456" cy="18288"/>
-          </a:xfrm>
-          <a:prstGeom prst="rect">
-            <a:avLst/>
-          </a:prstGeom>
-          <a:solidFill>
-            <a:srgbClr val="FFFFFF"/>
-          </a:solidFill>
-          <a:ln w="3175">
-            <a:noFill/>
-          </a:ln>
-          <a:effectLst/>
-        </p:spPr>
-        <p:style>
-          <a:lnRef idx="2">
-            <a:schemeClr val="accent1">
-              <a:shade val="50000"/>
-            </a:schemeClr>
-          </a:lnRef>
-          <a:fillRef idx="1">
-            <a:schemeClr val="accent1"/>
-          </a:fillRef>
-          <a:effectRef idx="0">
-            <a:schemeClr val="accent1"/>
-          </a:effectRef>
-          <a:fontRef idx="minor">
-            <a:schemeClr val="lt1"/>
-          </a:fontRef>
-        </p:style>
-        <p:txBody>
-          <a:bodyPr rtlCol="0" anchor="ctr"/>
-          <a:lstStyle/>
-          <a:p>
-            <a:pPr marL="0" marR="0" lvl="0" indent="0" algn="ctr" defTabSz="914400" rtl="0" eaLnBrk="1" fontAlgn="auto" latinLnBrk="0" hangingPunct="1">
-              <a:lnSpc>
-                <a:spcPct val="100000"/>
-              </a:lnSpc>
-              <a:spcBef>
-                <a:spcPts val="0"/>
-              </a:spcBef>
-              <a:spcAft>
-                <a:spcPts val="0"/>
-              </a:spcAft>
-              <a:buClrTx/>
-              <a:buSzTx/>
-              <a:buFontTx/>
-              <a:buNone/>
-              <a:tabLst/>
-              <a:defRPr/>
-            </a:pPr>
-            <a:endParaRPr kumimoji="0" lang="en-US" sz="1800" b="0" i="0" u="none" strike="noStrike" kern="1200" cap="none" spc="0" normalizeH="0" baseline="0" noProof="0">
-              <a:ln>
-                <a:noFill/>
-              </a:ln>
-              <a:solidFill>
-                <a:prstClr val="white"/>
-              </a:solidFill>
-              <a:effectLst/>
-              <a:uLnTx/>
-              <a:uFillTx/>
-              <a:latin typeface="Calibri" panose="020F0502020204030204"/>
-              <a:ea typeface="+mn-ea"/>
-              <a:cs typeface="+mn-cs"/>
-            </a:endParaRPr>
-          </a:p>
-        </p:txBody>
-      </p:sp>
-      <p:sp>
-        <p:nvSpPr>
-          <p:cNvPr id="15" name="Rectangle 14">
-            <a:extLst>
-              <a:ext uri="{FF2B5EF4-FFF2-40B4-BE49-F238E27FC236}">
-                <a16:creationId xmlns:a16="http://schemas.microsoft.com/office/drawing/2014/main" id="{9DECDBF4-02B6-4BB4-B65B-B8107AD6A9E8}"/>
-              </a:ext>
-              <a:ext uri="{C183D7F6-B498-43B3-948B-1728B52AA6E4}">
-                <adec:decorative xmlns:adec="http://schemas.microsoft.com/office/drawing/2017/decorative" val="1"/>
-              </a:ext>
-            </a:extLst>
-          </p:cNvPr>
-          <p:cNvSpPr>
-            <a:spLocks noGrp="1" noRot="1" noChangeAspect="1" noMove="1" noResize="1" noEditPoints="1" noAdjustHandles="1" noChangeArrowheads="1" noChangeShapeType="1" noTextEdit="1"/>
-          </p:cNvSpPr>
-          <p:nvPr>
-            <p:extLst>
-              <p:ext uri="{386F3935-93C4-4BCD-93E2-E3B085C9AB24}">
-                <p16:designElem xmlns:p16="http://schemas.microsoft.com/office/powerpoint/2015/main" val="1"/>
-              </p:ext>
-            </p:extLst>
-          </p:nvPr>
-        </p:nvSpPr>
-        <p:spPr>
-          <a:xfrm flipV="1">
-            <a:off x="841248" y="2783982"/>
-            <a:ext cx="1873457" cy="137160"/>
-          </a:xfrm>
-          <a:prstGeom prst="rect">
-            <a:avLst/>
-          </a:prstGeom>
-          <a:solidFill>
-            <a:schemeClr val="accent1"/>
-          </a:solidFill>
-          <a:ln>
-            <a:noFill/>
-          </a:ln>
-        </p:spPr>
-        <p:style>
-          <a:lnRef idx="2">
-            <a:schemeClr val="accent1">
-              <a:shade val="50000"/>
-            </a:schemeClr>
-          </a:lnRef>
-          <a:fillRef idx="1">
-            <a:schemeClr val="accent1"/>
-          </a:fillRef>
-          <a:effectRef idx="0">
-            <a:schemeClr val="accent1"/>
-          </a:effectRef>
-          <a:fontRef idx="minor">
-            <a:schemeClr val="lt1"/>
-          </a:fontRef>
-        </p:style>
-        <p:txBody>
-          <a:bodyPr rtlCol="0" anchor="ctr"/>
-          <a:lstStyle/>
-          <a:p>
-            <a:pPr marL="0" marR="0" lvl="0" indent="0" algn="ctr" defTabSz="914400" rtl="0" eaLnBrk="1" fontAlgn="auto" latinLnBrk="0" hangingPunct="1">
-              <a:lnSpc>
-                <a:spcPct val="100000"/>
-              </a:lnSpc>
-              <a:spcBef>
-                <a:spcPts val="0"/>
-              </a:spcBef>
-              <a:spcAft>
-                <a:spcPts val="0"/>
-              </a:spcAft>
-              <a:buClrTx/>
-              <a:buSzTx/>
-              <a:buFontTx/>
-              <a:buNone/>
-              <a:tabLst/>
-              <a:defRPr/>
-            </a:pPr>
-            <a:endParaRPr kumimoji="0" lang="en-US" sz="1800" b="0" i="0" u="none" strike="noStrike" kern="1200" cap="none" spc="0" normalizeH="0" baseline="0" noProof="0">
-              <a:ln>
-                <a:noFill/>
-              </a:ln>
-              <a:solidFill>
-                <a:prstClr val="white"/>
-              </a:solidFill>
-              <a:effectLst/>
-              <a:uLnTx/>
-              <a:uFillTx/>
-              <a:latin typeface="Calibri" panose="020F0502020204030204"/>
-              <a:ea typeface="+mn-ea"/>
-              <a:cs typeface="+mn-cs"/>
-            </a:endParaRPr>
-          </a:p>
-        </p:txBody>
-      </p:sp>
       <p:sp>
         <p:nvSpPr>
           <p:cNvPr id="3" name="Content Placeholder 2">
             <a:extLst>
               <a:ext uri="{FF2B5EF4-FFF2-40B4-BE49-F238E27FC236}">
-                <a16:creationId xmlns:a16="http://schemas.microsoft.com/office/drawing/2014/main" id="{8E13A21B-6270-88D4-FF74-BC63541AF518}"/>
+                <a16:creationId xmlns:a16="http://schemas.microsoft.com/office/drawing/2014/main" id="{99A6A4A2-4BEF-A244-E43D-BA85B0187CF0}"/>
               </a:ext>
             </a:extLst>
           </p:cNvPr>
@@ -13284,8 +18410,8 @@
         </p:nvSpPr>
         <p:spPr>
           <a:xfrm>
-            <a:off x="841248" y="3337269"/>
-            <a:ext cx="10509504" cy="2905686"/>
+            <a:off x="841248" y="2252870"/>
+            <a:ext cx="5993892" cy="3560251"/>
           </a:xfrm>
         </p:spPr>
         <p:txBody>
@@ -13294,41 +18420,179 @@
           </a:bodyPr>
           <a:lstStyle/>
           <a:p>
+            <a:pPr>
+              <a:lnSpc>
+                <a:spcPct val="100000"/>
+              </a:lnSpc>
+            </a:pPr>
             <a:r>
-              <a:rPr lang="en-US" sz="2000">
-                <a:solidFill>
-                  <a:srgbClr val="FFFFFF"/>
-                </a:solidFill>
-              </a:rPr>
-              <a:t>K-Nearest Neighbors</a:t>
+              <a:rPr lang="en-US" sz="1500"/>
+              <a:t>While we searched for the top 3 variables, there were many more that would fit the standard for being significant.</a:t>
             </a:r>
           </a:p>
           <a:p>
+            <a:pPr lvl="1">
+              <a:lnSpc>
+                <a:spcPct val="100000"/>
+              </a:lnSpc>
+            </a:pPr>
             <a:r>
-              <a:rPr lang="en-US" sz="2000">
-                <a:solidFill>
-                  <a:srgbClr val="FFFFFF"/>
-                </a:solidFill>
-              </a:rPr>
-              <a:t>Naïve Bayes</a:t>
+              <a:rPr lang="en-US" sz="1500"/>
+              <a:t>Years in Current Role 1.522e-06</a:t>
             </a:r>
           </a:p>
           <a:p>
+            <a:pPr lvl="1">
+              <a:lnSpc>
+                <a:spcPct val="100000"/>
+              </a:lnSpc>
+            </a:pPr>
             <a:r>
-              <a:rPr lang="en-US" sz="2000">
-                <a:solidFill>
-                  <a:srgbClr val="FFFFFF"/>
-                </a:solidFill>
-              </a:rPr>
-              <a:t>Linear Regression</a:t>
+              <a:rPr lang="en-US" sz="1500"/>
+              <a:t>Job Involvement 2.00e-06</a:t>
             </a:r>
+          </a:p>
+          <a:p>
+            <a:pPr lvl="1">
+              <a:lnSpc>
+                <a:spcPct val="100000"/>
+              </a:lnSpc>
+            </a:pPr>
+            <a:r>
+              <a:rPr lang="en-US" sz="1500"/>
+              <a:t>Years with Current Manager 5.08e-06</a:t>
+            </a:r>
+          </a:p>
+          <a:p>
+            <a:pPr lvl="1">
+              <a:lnSpc>
+                <a:spcPct val="100000"/>
+              </a:lnSpc>
+            </a:pPr>
+            <a:r>
+              <a:rPr lang="en-US" sz="1500"/>
+              <a:t>Stock Option Level 3.86e-06</a:t>
+            </a:r>
+          </a:p>
+          <a:p>
+            <a:pPr lvl="1">
+              <a:lnSpc>
+                <a:spcPct val="100000"/>
+              </a:lnSpc>
+            </a:pPr>
+            <a:r>
+              <a:rPr lang="en-US" sz="1500"/>
+              <a:t>Age 5.04e-05</a:t>
+            </a:r>
+          </a:p>
+          <a:p>
+            <a:pPr lvl="1">
+              <a:lnSpc>
+                <a:spcPct val="100000"/>
+              </a:lnSpc>
+            </a:pPr>
+            <a:r>
+              <a:rPr lang="en-US" sz="1500"/>
+              <a:t>Years at Company 2.56e-04</a:t>
+            </a:r>
+          </a:p>
+          <a:p>
+            <a:pPr lvl="1">
+              <a:lnSpc>
+                <a:spcPct val="100000"/>
+              </a:lnSpc>
+            </a:pPr>
+            <a:r>
+              <a:rPr lang="en-US" sz="1500"/>
+              <a:t>Job Satisfaction 1.50e-02</a:t>
+            </a:r>
+          </a:p>
+          <a:p>
+            <a:pPr lvl="1">
+              <a:lnSpc>
+                <a:spcPct val="100000"/>
+              </a:lnSpc>
+            </a:pPr>
+            <a:r>
+              <a:rPr lang="en-US" sz="1500"/>
+              <a:t>Distance From Home 1.64e-02</a:t>
+            </a:r>
+          </a:p>
+          <a:p>
+            <a:pPr lvl="1">
+              <a:lnSpc>
+                <a:spcPct val="100000"/>
+              </a:lnSpc>
+            </a:pPr>
+            <a:r>
+              <a:rPr lang="en-US" sz="1500"/>
+              <a:t>Work Life Balance 1.90e-02</a:t>
+            </a:r>
+          </a:p>
+          <a:p>
+            <a:pPr lvl="1">
+              <a:lnSpc>
+                <a:spcPct val="100000"/>
+              </a:lnSpc>
+            </a:pPr>
+            <a:r>
+              <a:rPr lang="en-US" sz="1500"/>
+              <a:t>Environment Satisfaction 3.40e-02</a:t>
+            </a:r>
+          </a:p>
+          <a:p>
+            <a:pPr>
+              <a:lnSpc>
+                <a:spcPct val="100000"/>
+              </a:lnSpc>
+            </a:pPr>
+            <a:endParaRPr lang="en-US" sz="1500"/>
           </a:p>
         </p:txBody>
       </p:sp>
+      <p:pic>
+        <p:nvPicPr>
+          <p:cNvPr id="7" name="Graphic 6" descr="Research">
+            <a:extLst>
+              <a:ext uri="{FF2B5EF4-FFF2-40B4-BE49-F238E27FC236}">
+                <a16:creationId xmlns:a16="http://schemas.microsoft.com/office/drawing/2014/main" id="{6DAD8254-606D-2243-704D-1048089F9729}"/>
+              </a:ext>
+            </a:extLst>
+          </p:cNvPr>
+          <p:cNvPicPr>
+            <a:picLocks noChangeAspect="1"/>
+          </p:cNvPicPr>
+          <p:nvPr/>
+        </p:nvPicPr>
+        <p:blipFill>
+          <a:blip r:embed="rId2">
+            <a:extLst>
+              <a:ext uri="{28A0092B-C50C-407E-A947-70E740481C1C}">
+                <a14:useLocalDpi xmlns:a14="http://schemas.microsoft.com/office/drawing/2010/main" val="0"/>
+              </a:ext>
+              <a:ext uri="{96DAC541-7B7A-43D3-8B79-37D633B846F1}">
+                <asvg:svgBlip xmlns:asvg="http://schemas.microsoft.com/office/drawing/2016/SVG/main" r:embed="rId3"/>
+              </a:ext>
+            </a:extLst>
+          </a:blip>
+          <a:stretch>
+            <a:fillRect/>
+          </a:stretch>
+        </p:blipFill>
+        <p:spPr>
+          <a:xfrm>
+            <a:off x="7679814" y="1329879"/>
+            <a:ext cx="4097657" cy="4097657"/>
+          </a:xfrm>
+          <a:prstGeom prst="rect">
+            <a:avLst/>
+          </a:prstGeom>
+        </p:spPr>
+      </p:pic>
     </p:spTree>
     <p:extLst>
       <p:ext uri="{BB962C8B-B14F-4D97-AF65-F5344CB8AC3E}">
-        <p14:creationId xmlns:p14="http://schemas.microsoft.com/office/powerpoint/2010/main" val="90255204"/>
+        <p14:creationId xmlns:p14="http://schemas.microsoft.com/office/powerpoint/2010/main" val="512184436"/>
       </p:ext>
     </p:extLst>
   </p:cSld>

--- a/CaseStudy2Presentation.pptx
+++ b/CaseStudy2Presentation.pptx
@@ -12037,7 +12037,7 @@
           <a:p>
             <a:pPr algn="ctr"/>
             <a:r>
-              <a:rPr lang="en-US" sz="6200">
+              <a:rPr lang="en-US" sz="6200" dirty="0">
                 <a:solidFill>
                   <a:srgbClr val="FFFFFF"/>
                 </a:solidFill>
@@ -12045,14 +12045,14 @@
               <a:t>Attrition Prediction:</a:t>
             </a:r>
             <a:br>
-              <a:rPr lang="en-US" sz="6200">
+              <a:rPr lang="en-US" sz="6200" dirty="0">
                 <a:solidFill>
                   <a:srgbClr val="FFFFFF"/>
                 </a:solidFill>
               </a:rPr>
             </a:br>
             <a:r>
-              <a:rPr lang="en-US" sz="6200">
+              <a:rPr lang="en-US" sz="6200" dirty="0">
                 <a:solidFill>
                   <a:srgbClr val="FFFFFF"/>
                 </a:solidFill>
@@ -12312,6 +12312,9 @@
   <p:clrMapOvr>
     <a:masterClrMapping/>
   </p:clrMapOvr>
+  <p:transition spd="slow">
+    <p:wipe/>
+  </p:transition>
   <p:timing>
     <p:tnLst>
       <p:par>
@@ -12324,9 +12327,6 @@
                     <p:cTn id="3" fill="hold">
                       <p:stCondLst>
                         <p:cond delay="indefinite"/>
-                        <p:cond evt="onBegin" delay="0">
-                          <p:tn val="2"/>
-                        </p:cond>
                       </p:stCondLst>
                       <p:childTnLst>
                         <p:par>
@@ -12336,13 +12336,10 @@
                             </p:stCondLst>
                             <p:childTnLst>
                               <p:par>
-                                <p:cTn id="5" presetID="10" presetClass="entr" presetSubtype="0" fill="hold" grpId="0" nodeType="withEffect">
+                                <p:cTn id="5" presetID="2" presetClass="entr" presetSubtype="4" fill="hold" grpId="0" nodeType="clickEffect">
                                   <p:stCondLst>
-                                    <p:cond delay="1000"/>
+                                    <p:cond delay="0"/>
                                   </p:stCondLst>
-                                  <p:iterate type="lt">
-                                    <p:tmPct val="10000"/>
-                                  </p:iterate>
                                   <p:childTnLst>
                                     <p:set>
                                       <p:cBhvr>
@@ -12362,19 +12359,57 @@
                                         <p:strVal val="visible"/>
                                       </p:to>
                                     </p:set>
-                                    <p:animEffect transition="in" filter="fade">
-                                      <p:cBhvr>
-                                        <p:cTn id="7" dur="400"/>
+                                    <p:anim calcmode="lin" valueType="num">
+                                      <p:cBhvr additive="base">
+                                        <p:cTn id="7" dur="500" fill="hold"/>
                                         <p:tgtEl>
                                           <p:spTgt spid="2"/>
                                         </p:tgtEl>
+                                        <p:attrNameLst>
+                                          <p:attrName>ppt_x</p:attrName>
+                                        </p:attrNameLst>
                                       </p:cBhvr>
-                                    </p:animEffect>
+                                      <p:tavLst>
+                                        <p:tav tm="0">
+                                          <p:val>
+                                            <p:strVal val="#ppt_x"/>
+                                          </p:val>
+                                        </p:tav>
+                                        <p:tav tm="100000">
+                                          <p:val>
+                                            <p:strVal val="#ppt_x"/>
+                                          </p:val>
+                                        </p:tav>
+                                      </p:tavLst>
+                                    </p:anim>
+                                    <p:anim calcmode="lin" valueType="num">
+                                      <p:cBhvr additive="base">
+                                        <p:cTn id="8" dur="500" fill="hold"/>
+                                        <p:tgtEl>
+                                          <p:spTgt spid="2"/>
+                                        </p:tgtEl>
+                                        <p:attrNameLst>
+                                          <p:attrName>ppt_y</p:attrName>
+                                        </p:attrNameLst>
+                                      </p:cBhvr>
+                                      <p:tavLst>
+                                        <p:tav tm="0">
+                                          <p:val>
+                                            <p:strVal val="1+#ppt_h/2"/>
+                                          </p:val>
+                                        </p:tav>
+                                        <p:tav tm="100000">
+                                          <p:val>
+                                            <p:strVal val="#ppt_y"/>
+                                          </p:val>
+                                        </p:tav>
+                                      </p:tavLst>
+                                    </p:anim>
                                   </p:childTnLst>
                                 </p:cTn>
                               </p:par>
                               <p:par>
-                                <p:cTn id="8" presetID="10" presetClass="entr" presetSubtype="0" fill="hold" grpId="0" nodeType="withEffect">
+                                <p:cTn id="9" presetID="10" presetClass="entr" presetSubtype="0" fill="hold" grpId="0" nodeType="withEffect">
                                   <p:stCondLst>
                                     <p:cond delay="2000"/>
                                   </p:stCondLst>
@@ -12384,7 +12419,7 @@
                                   <p:childTnLst>
                                     <p:set>
                                       <p:cBhvr>
-                                        <p:cTn id="9" dur="1" fill="hold">
+                                        <p:cTn id="10" dur="1" fill="hold">
                                           <p:stCondLst>
                                             <p:cond delay="0"/>
                                           </p:stCondLst>
@@ -12406,7 +12441,7 @@
                                     </p:set>
                                     <p:animEffect transition="in" filter="fade">
                                       <p:cBhvr>
-                                        <p:cTn id="10" dur="400"/>
+                                        <p:cTn id="11" dur="400"/>
                                         <p:tgtEl>
                                           <p:spTgt spid="3">
                                             <p:txEl>
@@ -12757,7 +12792,7 @@
           <a:p>
             <a:pPr algn="ctr"/>
             <a:r>
-              <a:rPr lang="en-US" sz="5200"/>
+              <a:rPr lang="en-US" sz="5200" dirty="0"/>
               <a:t>Job Role vs Attrition</a:t>
             </a:r>
           </a:p>
@@ -13028,6 +13063,95 @@
   <p:clrMapOvr>
     <a:masterClrMapping/>
   </p:clrMapOvr>
+  <p:transition spd="slow">
+    <p:push dir="u"/>
+  </p:transition>
+  <p:timing>
+    <p:tnLst>
+      <p:par>
+        <p:cTn id="1" dur="indefinite" restart="never" nodeType="tmRoot">
+          <p:childTnLst>
+            <p:seq concurrent="1" nextAc="seek">
+              <p:cTn id="2" dur="indefinite" nodeType="mainSeq">
+                <p:childTnLst>
+                  <p:par>
+                    <p:cTn id="3" fill="hold">
+                      <p:stCondLst>
+                        <p:cond delay="indefinite"/>
+                      </p:stCondLst>
+                      <p:childTnLst>
+                        <p:par>
+                          <p:cTn id="4" fill="hold">
+                            <p:stCondLst>
+                              <p:cond delay="0"/>
+                            </p:stCondLst>
+                            <p:childTnLst>
+                              <p:par>
+                                <p:cTn id="5" presetID="22" presetClass="entr" presetSubtype="4" fill="hold" grpId="0" nodeType="clickEffect">
+                                  <p:stCondLst>
+                                    <p:cond delay="0"/>
+                                  </p:stCondLst>
+                                  <p:childTnLst>
+                                    <p:set>
+                                      <p:cBhvr>
+                                        <p:cTn id="6" dur="1" fill="hold">
+                                          <p:stCondLst>
+                                            <p:cond delay="0"/>
+                                          </p:stCondLst>
+                                        </p:cTn>
+                                        <p:tgtEl>
+                                          <p:spTgt spid="2"/>
+                                        </p:tgtEl>
+                                        <p:attrNameLst>
+                                          <p:attrName>style.visibility</p:attrName>
+                                        </p:attrNameLst>
+                                      </p:cBhvr>
+                                      <p:to>
+                                        <p:strVal val="visible"/>
+                                      </p:to>
+                                    </p:set>
+                                    <p:animEffect transition="in" filter="wipe(down)">
+                                      <p:cBhvr>
+                                        <p:cTn id="7" dur="500"/>
+                                        <p:tgtEl>
+                                          <p:spTgt spid="2"/>
+                                        </p:tgtEl>
+                                      </p:cBhvr>
+                                    </p:animEffect>
+                                  </p:childTnLst>
+                                </p:cTn>
+                              </p:par>
+                            </p:childTnLst>
+                          </p:cTn>
+                        </p:par>
+                      </p:childTnLst>
+                    </p:cTn>
+                  </p:par>
+                </p:childTnLst>
+              </p:cTn>
+              <p:prevCondLst>
+                <p:cond evt="onPrev" delay="0">
+                  <p:tgtEl>
+                    <p:sldTgt/>
+                  </p:tgtEl>
+                </p:cond>
+              </p:prevCondLst>
+              <p:nextCondLst>
+                <p:cond evt="onNext" delay="0">
+                  <p:tgtEl>
+                    <p:sldTgt/>
+                  </p:tgtEl>
+                </p:cond>
+              </p:nextCondLst>
+            </p:seq>
+          </p:childTnLst>
+        </p:cTn>
+      </p:par>
+    </p:tnLst>
+    <p:bldLst>
+      <p:bldP spid="2" grpId="0"/>
+    </p:bldLst>
+  </p:timing>
 </p:sld>
 </file>
 
@@ -13334,7 +13458,7 @@
           <a:p>
             <a:pPr algn="ctr"/>
             <a:r>
-              <a:rPr lang="en-US" sz="5200"/>
+              <a:rPr lang="en-US" sz="5200" dirty="0"/>
               <a:t>Marital Status vs Attrition</a:t>
             </a:r>
           </a:p>
@@ -13605,6 +13729,133 @@
   <p:clrMapOvr>
     <a:masterClrMapping/>
   </p:clrMapOvr>
+  <p:transition spd="slow">
+    <p:push dir="u"/>
+  </p:transition>
+  <p:timing>
+    <p:tnLst>
+      <p:par>
+        <p:cTn id="1" dur="indefinite" restart="never" nodeType="tmRoot">
+          <p:childTnLst>
+            <p:seq concurrent="1" nextAc="seek">
+              <p:cTn id="2" dur="indefinite" nodeType="mainSeq">
+                <p:childTnLst>
+                  <p:par>
+                    <p:cTn id="3" fill="hold">
+                      <p:stCondLst>
+                        <p:cond delay="indefinite"/>
+                      </p:stCondLst>
+                      <p:childTnLst>
+                        <p:par>
+                          <p:cTn id="4" fill="hold">
+                            <p:stCondLst>
+                              <p:cond delay="0"/>
+                            </p:stCondLst>
+                            <p:childTnLst>
+                              <p:par>
+                                <p:cTn id="5" presetID="2" presetClass="entr" presetSubtype="4" fill="hold" grpId="0" nodeType="clickEffect">
+                                  <p:stCondLst>
+                                    <p:cond delay="0"/>
+                                  </p:stCondLst>
+                                  <p:childTnLst>
+                                    <p:set>
+                                      <p:cBhvr>
+                                        <p:cTn id="6" dur="1" fill="hold">
+                                          <p:stCondLst>
+                                            <p:cond delay="0"/>
+                                          </p:stCondLst>
+                                        </p:cTn>
+                                        <p:tgtEl>
+                                          <p:spTgt spid="2"/>
+                                        </p:tgtEl>
+                                        <p:attrNameLst>
+                                          <p:attrName>style.visibility</p:attrName>
+                                        </p:attrNameLst>
+                                      </p:cBhvr>
+                                      <p:to>
+                                        <p:strVal val="visible"/>
+                                      </p:to>
+                                    </p:set>
+                                    <p:anim calcmode="lin" valueType="num">
+                                      <p:cBhvr additive="base">
+                                        <p:cTn id="7" dur="500" fill="hold"/>
+                                        <p:tgtEl>
+                                          <p:spTgt spid="2"/>
+                                        </p:tgtEl>
+                                        <p:attrNameLst>
+                                          <p:attrName>ppt_x</p:attrName>
+                                        </p:attrNameLst>
+                                      </p:cBhvr>
+                                      <p:tavLst>
+                                        <p:tav tm="0">
+                                          <p:val>
+                                            <p:strVal val="#ppt_x"/>
+                                          </p:val>
+                                        </p:tav>
+                                        <p:tav tm="100000">
+                                          <p:val>
+                                            <p:strVal val="#ppt_x"/>
+                                          </p:val>
+                                        </p:tav>
+                                      </p:tavLst>
+                                    </p:anim>
+                                    <p:anim calcmode="lin" valueType="num">
+                                      <p:cBhvr additive="base">
+                                        <p:cTn id="8" dur="500" fill="hold"/>
+                                        <p:tgtEl>
+                                          <p:spTgt spid="2"/>
+                                        </p:tgtEl>
+                                        <p:attrNameLst>
+                                          <p:attrName>ppt_y</p:attrName>
+                                        </p:attrNameLst>
+                                      </p:cBhvr>
+                                      <p:tavLst>
+                                        <p:tav tm="0">
+                                          <p:val>
+                                            <p:strVal val="1+#ppt_h/2"/>
+                                          </p:val>
+                                        </p:tav>
+                                        <p:tav tm="100000">
+                                          <p:val>
+                                            <p:strVal val="#ppt_y"/>
+                                          </p:val>
+                                        </p:tav>
+                                      </p:tavLst>
+                                    </p:anim>
+                                  </p:childTnLst>
+                                </p:cTn>
+                              </p:par>
+                            </p:childTnLst>
+                          </p:cTn>
+                        </p:par>
+                      </p:childTnLst>
+                    </p:cTn>
+                  </p:par>
+                </p:childTnLst>
+              </p:cTn>
+              <p:prevCondLst>
+                <p:cond evt="onPrev" delay="0">
+                  <p:tgtEl>
+                    <p:sldTgt/>
+                  </p:tgtEl>
+                </p:cond>
+              </p:prevCondLst>
+              <p:nextCondLst>
+                <p:cond evt="onNext" delay="0">
+                  <p:tgtEl>
+                    <p:sldTgt/>
+                  </p:tgtEl>
+                </p:cond>
+              </p:nextCondLst>
+            </p:seq>
+          </p:childTnLst>
+        </p:cTn>
+      </p:par>
+    </p:tnLst>
+    <p:bldLst>
+      <p:bldP spid="2" grpId="0"/>
+    </p:bldLst>
+  </p:timing>
 </p:sld>
 </file>
 
@@ -13911,7 +14162,7 @@
           <a:p>
             <a:pPr algn="ctr"/>
             <a:r>
-              <a:rPr lang="en-US" sz="5200"/>
+              <a:rPr lang="en-US" sz="5200" dirty="0"/>
               <a:t>Overtime vs Attrition</a:t>
             </a:r>
           </a:p>
@@ -14182,6 +14433,95 @@
   <p:clrMapOvr>
     <a:masterClrMapping/>
   </p:clrMapOvr>
+  <p:transition spd="slow">
+    <p:push dir="u"/>
+  </p:transition>
+  <p:timing>
+    <p:tnLst>
+      <p:par>
+        <p:cTn id="1" dur="indefinite" restart="never" nodeType="tmRoot">
+          <p:childTnLst>
+            <p:seq concurrent="1" nextAc="seek">
+              <p:cTn id="2" dur="indefinite" nodeType="mainSeq">
+                <p:childTnLst>
+                  <p:par>
+                    <p:cTn id="3" fill="hold">
+                      <p:stCondLst>
+                        <p:cond delay="indefinite"/>
+                      </p:stCondLst>
+                      <p:childTnLst>
+                        <p:par>
+                          <p:cTn id="4" fill="hold">
+                            <p:stCondLst>
+                              <p:cond delay="0"/>
+                            </p:stCondLst>
+                            <p:childTnLst>
+                              <p:par>
+                                <p:cTn id="5" presetID="10" presetClass="entr" presetSubtype="0" fill="hold" grpId="0" nodeType="clickEffect">
+                                  <p:stCondLst>
+                                    <p:cond delay="0"/>
+                                  </p:stCondLst>
+                                  <p:childTnLst>
+                                    <p:set>
+                                      <p:cBhvr>
+                                        <p:cTn id="6" dur="1" fill="hold">
+                                          <p:stCondLst>
+                                            <p:cond delay="0"/>
+                                          </p:stCondLst>
+                                        </p:cTn>
+                                        <p:tgtEl>
+                                          <p:spTgt spid="2"/>
+                                        </p:tgtEl>
+                                        <p:attrNameLst>
+                                          <p:attrName>style.visibility</p:attrName>
+                                        </p:attrNameLst>
+                                      </p:cBhvr>
+                                      <p:to>
+                                        <p:strVal val="visible"/>
+                                      </p:to>
+                                    </p:set>
+                                    <p:animEffect transition="in" filter="fade">
+                                      <p:cBhvr>
+                                        <p:cTn id="7" dur="500"/>
+                                        <p:tgtEl>
+                                          <p:spTgt spid="2"/>
+                                        </p:tgtEl>
+                                      </p:cBhvr>
+                                    </p:animEffect>
+                                  </p:childTnLst>
+                                </p:cTn>
+                              </p:par>
+                            </p:childTnLst>
+                          </p:cTn>
+                        </p:par>
+                      </p:childTnLst>
+                    </p:cTn>
+                  </p:par>
+                </p:childTnLst>
+              </p:cTn>
+              <p:prevCondLst>
+                <p:cond evt="onPrev" delay="0">
+                  <p:tgtEl>
+                    <p:sldTgt/>
+                  </p:tgtEl>
+                </p:cond>
+              </p:prevCondLst>
+              <p:nextCondLst>
+                <p:cond evt="onNext" delay="0">
+                  <p:tgtEl>
+                    <p:sldTgt/>
+                  </p:tgtEl>
+                </p:cond>
+              </p:nextCondLst>
+            </p:seq>
+          </p:childTnLst>
+        </p:cTn>
+      </p:par>
+    </p:tnLst>
+    <p:bldLst>
+      <p:bldP spid="2" grpId="0"/>
+    </p:bldLst>
+  </p:timing>
 </p:sld>
 </file>
 
@@ -14687,21 +15027,8 @@
                   <a:srgbClr val="FFFFFF"/>
                 </a:solidFill>
               </a:rPr>
-              <a:t>The Naïve Bayes Model came closest at 80% accuracy, but ~30</a:t>
+              <a:t>The Naïve Bayes Model came closest at 80% accuracy, but ~30% specificity. </a:t>
             </a:r>
-            <a:r>
-              <a:rPr lang="en-US" sz="2000">
-                <a:solidFill>
-                  <a:srgbClr val="FFFFFF"/>
-                </a:solidFill>
-              </a:rPr>
-              <a:t>% specificity. </a:t>
-            </a:r>
-            <a:endParaRPr lang="en-US" sz="2000" dirty="0">
-              <a:solidFill>
-                <a:srgbClr val="FFFFFF"/>
-              </a:solidFill>
-            </a:endParaRPr>
           </a:p>
           <a:p>
             <a:r>
@@ -14732,12 +15059,307 @@
   <p:clrMapOvr>
     <a:masterClrMapping/>
   </p:clrMapOvr>
+  <mc:AlternateContent xmlns:mc="http://schemas.openxmlformats.org/markup-compatibility/2006">
+    <mc:Choice xmlns:p14="http://schemas.microsoft.com/office/powerpoint/2010/main" Requires="p14">
+      <p:transition spd="slow" p14:dur="3400">
+        <p14:reveal/>
+      </p:transition>
+    </mc:Choice>
+    <mc:Fallback>
+      <p:transition spd="slow">
+        <p:fade/>
+      </p:transition>
+    </mc:Fallback>
+  </mc:AlternateContent>
+  <p:timing>
+    <p:tnLst>
+      <p:par>
+        <p:cTn id="1" dur="indefinite" restart="never" nodeType="tmRoot">
+          <p:childTnLst>
+            <p:seq concurrent="1" nextAc="seek">
+              <p:cTn id="2" dur="indefinite" nodeType="mainSeq">
+                <p:childTnLst>
+                  <p:par>
+                    <p:cTn id="3" fill="hold">
+                      <p:stCondLst>
+                        <p:cond delay="indefinite"/>
+                      </p:stCondLst>
+                      <p:childTnLst>
+                        <p:par>
+                          <p:cTn id="4" fill="hold">
+                            <p:stCondLst>
+                              <p:cond delay="0"/>
+                            </p:stCondLst>
+                            <p:childTnLst>
+                              <p:par>
+                                <p:cTn id="5" presetID="1" presetClass="entr" presetSubtype="0" fill="hold" grpId="0" nodeType="clickEffect">
+                                  <p:stCondLst>
+                                    <p:cond delay="0"/>
+                                  </p:stCondLst>
+                                  <p:childTnLst>
+                                    <p:set>
+                                      <p:cBhvr>
+                                        <p:cTn id="6" dur="1" fill="hold">
+                                          <p:stCondLst>
+                                            <p:cond delay="0"/>
+                                          </p:stCondLst>
+                                        </p:cTn>
+                                        <p:tgtEl>
+                                          <p:spTgt spid="2"/>
+                                        </p:tgtEl>
+                                        <p:attrNameLst>
+                                          <p:attrName>style.visibility</p:attrName>
+                                        </p:attrNameLst>
+                                      </p:cBhvr>
+                                      <p:to>
+                                        <p:strVal val="visible"/>
+                                      </p:to>
+                                    </p:set>
+                                  </p:childTnLst>
+                                </p:cTn>
+                              </p:par>
+                            </p:childTnLst>
+                          </p:cTn>
+                        </p:par>
+                      </p:childTnLst>
+                    </p:cTn>
+                  </p:par>
+                  <p:par>
+                    <p:cTn id="7" fill="hold">
+                      <p:stCondLst>
+                        <p:cond delay="indefinite"/>
+                      </p:stCondLst>
+                      <p:childTnLst>
+                        <p:par>
+                          <p:cTn id="8" fill="hold">
+                            <p:stCondLst>
+                              <p:cond delay="0"/>
+                            </p:stCondLst>
+                            <p:childTnLst>
+                              <p:par>
+                                <p:cTn id="9" presetID="1" presetClass="entr" presetSubtype="0" fill="hold" grpId="0" nodeType="clickEffect">
+                                  <p:stCondLst>
+                                    <p:cond delay="0"/>
+                                  </p:stCondLst>
+                                  <p:childTnLst>
+                                    <p:set>
+                                      <p:cBhvr>
+                                        <p:cTn id="10" dur="1" fill="hold">
+                                          <p:stCondLst>
+                                            <p:cond delay="0"/>
+                                          </p:stCondLst>
+                                        </p:cTn>
+                                        <p:tgtEl>
+                                          <p:spTgt spid="3">
+                                            <p:txEl>
+                                              <p:pRg st="0" end="0"/>
+                                            </p:txEl>
+                                          </p:spTgt>
+                                        </p:tgtEl>
+                                        <p:attrNameLst>
+                                          <p:attrName>style.visibility</p:attrName>
+                                        </p:attrNameLst>
+                                      </p:cBhvr>
+                                      <p:to>
+                                        <p:strVal val="visible"/>
+                                      </p:to>
+                                    </p:set>
+                                  </p:childTnLst>
+                                </p:cTn>
+                              </p:par>
+                            </p:childTnLst>
+                          </p:cTn>
+                        </p:par>
+                      </p:childTnLst>
+                    </p:cTn>
+                  </p:par>
+                  <p:par>
+                    <p:cTn id="11" fill="hold">
+                      <p:stCondLst>
+                        <p:cond delay="indefinite"/>
+                      </p:stCondLst>
+                      <p:childTnLst>
+                        <p:par>
+                          <p:cTn id="12" fill="hold">
+                            <p:stCondLst>
+                              <p:cond delay="0"/>
+                            </p:stCondLst>
+                            <p:childTnLst>
+                              <p:par>
+                                <p:cTn id="13" presetID="1" presetClass="entr" presetSubtype="0" fill="hold" grpId="0" nodeType="clickEffect">
+                                  <p:stCondLst>
+                                    <p:cond delay="0"/>
+                                  </p:stCondLst>
+                                  <p:childTnLst>
+                                    <p:set>
+                                      <p:cBhvr>
+                                        <p:cTn id="14" dur="1" fill="hold">
+                                          <p:stCondLst>
+                                            <p:cond delay="0"/>
+                                          </p:stCondLst>
+                                        </p:cTn>
+                                        <p:tgtEl>
+                                          <p:spTgt spid="3">
+                                            <p:txEl>
+                                              <p:pRg st="1" end="1"/>
+                                            </p:txEl>
+                                          </p:spTgt>
+                                        </p:tgtEl>
+                                        <p:attrNameLst>
+                                          <p:attrName>style.visibility</p:attrName>
+                                        </p:attrNameLst>
+                                      </p:cBhvr>
+                                      <p:to>
+                                        <p:strVal val="visible"/>
+                                      </p:to>
+                                    </p:set>
+                                  </p:childTnLst>
+                                </p:cTn>
+                              </p:par>
+                            </p:childTnLst>
+                          </p:cTn>
+                        </p:par>
+                      </p:childTnLst>
+                    </p:cTn>
+                  </p:par>
+                  <p:par>
+                    <p:cTn id="15" fill="hold">
+                      <p:stCondLst>
+                        <p:cond delay="indefinite"/>
+                      </p:stCondLst>
+                      <p:childTnLst>
+                        <p:par>
+                          <p:cTn id="16" fill="hold">
+                            <p:stCondLst>
+                              <p:cond delay="0"/>
+                            </p:stCondLst>
+                            <p:childTnLst>
+                              <p:par>
+                                <p:cTn id="17" presetID="1" presetClass="entr" presetSubtype="0" fill="hold" grpId="0" nodeType="clickEffect">
+                                  <p:stCondLst>
+                                    <p:cond delay="0"/>
+                                  </p:stCondLst>
+                                  <p:childTnLst>
+                                    <p:set>
+                                      <p:cBhvr>
+                                        <p:cTn id="18" dur="1" fill="hold">
+                                          <p:stCondLst>
+                                            <p:cond delay="0"/>
+                                          </p:stCondLst>
+                                        </p:cTn>
+                                        <p:tgtEl>
+                                          <p:spTgt spid="3">
+                                            <p:txEl>
+                                              <p:pRg st="2" end="2"/>
+                                            </p:txEl>
+                                          </p:spTgt>
+                                        </p:tgtEl>
+                                        <p:attrNameLst>
+                                          <p:attrName>style.visibility</p:attrName>
+                                        </p:attrNameLst>
+                                      </p:cBhvr>
+                                      <p:to>
+                                        <p:strVal val="visible"/>
+                                      </p:to>
+                                    </p:set>
+                                  </p:childTnLst>
+                                </p:cTn>
+                              </p:par>
+                            </p:childTnLst>
+                          </p:cTn>
+                        </p:par>
+                      </p:childTnLst>
+                    </p:cTn>
+                  </p:par>
+                  <p:par>
+                    <p:cTn id="19" fill="hold">
+                      <p:stCondLst>
+                        <p:cond delay="indefinite"/>
+                      </p:stCondLst>
+                      <p:childTnLst>
+                        <p:par>
+                          <p:cTn id="20" fill="hold">
+                            <p:stCondLst>
+                              <p:cond delay="0"/>
+                            </p:stCondLst>
+                            <p:childTnLst>
+                              <p:par>
+                                <p:cTn id="21" presetID="1" presetClass="entr" presetSubtype="0" fill="hold" grpId="0" nodeType="clickEffect">
+                                  <p:stCondLst>
+                                    <p:cond delay="0"/>
+                                  </p:stCondLst>
+                                  <p:childTnLst>
+                                    <p:set>
+                                      <p:cBhvr>
+                                        <p:cTn id="22" dur="1" fill="hold">
+                                          <p:stCondLst>
+                                            <p:cond delay="0"/>
+                                          </p:stCondLst>
+                                        </p:cTn>
+                                        <p:tgtEl>
+                                          <p:spTgt spid="3">
+                                            <p:txEl>
+                                              <p:pRg st="3" end="3"/>
+                                            </p:txEl>
+                                          </p:spTgt>
+                                        </p:tgtEl>
+                                        <p:attrNameLst>
+                                          <p:attrName>style.visibility</p:attrName>
+                                        </p:attrNameLst>
+                                      </p:cBhvr>
+                                      <p:to>
+                                        <p:strVal val="visible"/>
+                                      </p:to>
+                                    </p:set>
+                                  </p:childTnLst>
+                                </p:cTn>
+                              </p:par>
+                            </p:childTnLst>
+                          </p:cTn>
+                        </p:par>
+                      </p:childTnLst>
+                    </p:cTn>
+                  </p:par>
+                </p:childTnLst>
+              </p:cTn>
+              <p:prevCondLst>
+                <p:cond evt="onPrev" delay="0">
+                  <p:tgtEl>
+                    <p:sldTgt/>
+                  </p:tgtEl>
+                </p:cond>
+              </p:prevCondLst>
+              <p:nextCondLst>
+                <p:cond evt="onNext" delay="0">
+                  <p:tgtEl>
+                    <p:sldTgt/>
+                  </p:tgtEl>
+                </p:cond>
+              </p:nextCondLst>
+            </p:seq>
+          </p:childTnLst>
+        </p:cTn>
+      </p:par>
+    </p:tnLst>
+    <p:bldLst>
+      <p:bldP spid="2" grpId="0"/>
+      <p:bldP spid="3" grpId="0" build="p"/>
+    </p:bldLst>
+  </p:timing>
 </p:sld>
 </file>
 
 <file path=ppt/slides/slide14.xml><?xml version="1.0" encoding="utf-8"?>
 <p:sld xmlns:a="http://schemas.openxmlformats.org/drawingml/2006/main" xmlns:r="http://schemas.openxmlformats.org/officeDocument/2006/relationships" xmlns:p="http://schemas.openxmlformats.org/presentationml/2006/main">
   <p:cSld>
+    <p:bg>
+      <p:bgPr>
+        <a:solidFill>
+          <a:schemeClr val="bg1"/>
+        </a:solidFill>
+        <a:effectLst/>
+      </p:bgPr>
+    </p:bg>
     <p:spTree>
       <p:nvGrpSpPr>
         <p:cNvPr id="1" name=""/>
@@ -14754,6 +15376,304 @@
       </p:grpSpPr>
       <p:sp>
         <p:nvSpPr>
+          <p:cNvPr id="31" name="Rectangle 30">
+            <a:extLst>
+              <a:ext uri="{FF2B5EF4-FFF2-40B4-BE49-F238E27FC236}">
+                <a16:creationId xmlns:a16="http://schemas.microsoft.com/office/drawing/2014/main" id="{8D06CE56-3881-4ADA-8CEF-D18B02C242A3}"/>
+              </a:ext>
+              <a:ext uri="{C183D7F6-B498-43B3-948B-1728B52AA6E4}">
+                <adec:decorative xmlns:adec="http://schemas.microsoft.com/office/drawing/2017/decorative" val="1"/>
+              </a:ext>
+            </a:extLst>
+          </p:cNvPr>
+          <p:cNvSpPr>
+            <a:spLocks noGrp="1" noRot="1" noChangeAspect="1" noMove="1" noResize="1" noEditPoints="1" noAdjustHandles="1" noChangeArrowheads="1" noChangeShapeType="1" noTextEdit="1"/>
+          </p:cNvSpPr>
+          <p:nvPr>
+            <p:extLst>
+              <p:ext uri="{386F3935-93C4-4BCD-93E2-E3B085C9AB24}">
+                <p16:designElem xmlns:p16="http://schemas.microsoft.com/office/powerpoint/2015/main" val="1"/>
+              </p:ext>
+            </p:extLst>
+          </p:nvPr>
+        </p:nvSpPr>
+        <p:spPr>
+          <a:xfrm rot="5400000">
+            <a:off x="857544" y="346791"/>
+            <a:ext cx="146304" cy="704088"/>
+          </a:xfrm>
+          <a:prstGeom prst="rect">
+            <a:avLst/>
+          </a:prstGeom>
+          <a:solidFill>
+            <a:schemeClr val="accent1"/>
+          </a:solidFill>
+          <a:ln>
+            <a:noFill/>
+          </a:ln>
+        </p:spPr>
+        <p:style>
+          <a:lnRef idx="2">
+            <a:schemeClr val="accent1">
+              <a:shade val="50000"/>
+            </a:schemeClr>
+          </a:lnRef>
+          <a:fillRef idx="1">
+            <a:schemeClr val="accent1"/>
+          </a:fillRef>
+          <a:effectRef idx="0">
+            <a:schemeClr val="accent1"/>
+          </a:effectRef>
+          <a:fontRef idx="minor">
+            <a:schemeClr val="lt1"/>
+          </a:fontRef>
+        </p:style>
+        <p:txBody>
+          <a:bodyPr rtlCol="0" anchor="ctr"/>
+          <a:lstStyle/>
+          <a:p>
+            <a:pPr marL="0" marR="0" lvl="0" indent="0" algn="ctr" defTabSz="914400" rtl="0" eaLnBrk="1" fontAlgn="auto" latinLnBrk="0" hangingPunct="1">
+              <a:lnSpc>
+                <a:spcPct val="100000"/>
+              </a:lnSpc>
+              <a:spcBef>
+                <a:spcPts val="0"/>
+              </a:spcBef>
+              <a:spcAft>
+                <a:spcPts val="0"/>
+              </a:spcAft>
+              <a:buClrTx/>
+              <a:buSzTx/>
+              <a:buFontTx/>
+              <a:buNone/>
+              <a:tabLst/>
+              <a:defRPr/>
+            </a:pPr>
+            <a:endParaRPr kumimoji="0" lang="en-US" sz="1800" b="0" i="0" u="none" strike="noStrike" kern="1200" cap="none" spc="0" normalizeH="0" baseline="0" noProof="0">
+              <a:ln>
+                <a:noFill/>
+              </a:ln>
+              <a:solidFill>
+                <a:prstClr val="white"/>
+              </a:solidFill>
+              <a:effectLst/>
+              <a:uLnTx/>
+              <a:uFillTx/>
+              <a:latin typeface="Calibri" panose="020F0502020204030204"/>
+              <a:ea typeface="+mn-ea"/>
+              <a:cs typeface="+mn-cs"/>
+            </a:endParaRPr>
+          </a:p>
+        </p:txBody>
+      </p:sp>
+      <p:sp>
+        <p:nvSpPr>
+          <p:cNvPr id="33" name="Rectangle 32">
+            <a:extLst>
+              <a:ext uri="{FF2B5EF4-FFF2-40B4-BE49-F238E27FC236}">
+                <a16:creationId xmlns:a16="http://schemas.microsoft.com/office/drawing/2014/main" id="{79F3C543-62EC-4433-9C93-A2CD8764E9B4}"/>
+              </a:ext>
+              <a:ext uri="{C183D7F6-B498-43B3-948B-1728B52AA6E4}">
+                <adec:decorative xmlns:adec="http://schemas.microsoft.com/office/drawing/2017/decorative" val="1"/>
+              </a:ext>
+            </a:extLst>
+          </p:cNvPr>
+          <p:cNvSpPr>
+            <a:spLocks noGrp="1" noRot="1" noChangeAspect="1" noMove="1" noResize="1" noEditPoints="1" noAdjustHandles="1" noChangeArrowheads="1" noChangeShapeType="1" noTextEdit="1"/>
+          </p:cNvSpPr>
+          <p:nvPr>
+            <p:extLst>
+              <p:ext uri="{386F3935-93C4-4BCD-93E2-E3B085C9AB24}">
+                <p16:designElem xmlns:p16="http://schemas.microsoft.com/office/powerpoint/2015/main" val="1"/>
+              </p:ext>
+            </p:extLst>
+          </p:nvPr>
+        </p:nvSpPr>
+        <p:spPr>
+          <a:xfrm flipV="1">
+            <a:off x="578652" y="4501201"/>
+            <a:ext cx="11034696" cy="18288"/>
+          </a:xfrm>
+          <a:prstGeom prst="rect">
+            <a:avLst/>
+          </a:prstGeom>
+          <a:solidFill>
+            <a:schemeClr val="tx2">
+              <a:lumMod val="25000"/>
+              <a:lumOff val="75000"/>
+            </a:schemeClr>
+          </a:solidFill>
+          <a:ln w="3175">
+            <a:noFill/>
+          </a:ln>
+          <a:effectLst/>
+        </p:spPr>
+        <p:style>
+          <a:lnRef idx="2">
+            <a:schemeClr val="accent1">
+              <a:shade val="50000"/>
+            </a:schemeClr>
+          </a:lnRef>
+          <a:fillRef idx="1">
+            <a:schemeClr val="accent1"/>
+          </a:fillRef>
+          <a:effectRef idx="0">
+            <a:schemeClr val="accent1"/>
+          </a:effectRef>
+          <a:fontRef idx="minor">
+            <a:schemeClr val="lt1"/>
+          </a:fontRef>
+        </p:style>
+        <p:txBody>
+          <a:bodyPr rtlCol="0" anchor="ctr"/>
+          <a:lstStyle/>
+          <a:p>
+            <a:pPr marL="0" marR="0" lvl="0" indent="0" algn="ctr" defTabSz="914400" rtl="0" eaLnBrk="1" fontAlgn="auto" latinLnBrk="0" hangingPunct="1">
+              <a:lnSpc>
+                <a:spcPct val="100000"/>
+              </a:lnSpc>
+              <a:spcBef>
+                <a:spcPts val="0"/>
+              </a:spcBef>
+              <a:spcAft>
+                <a:spcPts val="0"/>
+              </a:spcAft>
+              <a:buClrTx/>
+              <a:buSzTx/>
+              <a:buFontTx/>
+              <a:buNone/>
+              <a:tabLst/>
+              <a:defRPr/>
+            </a:pPr>
+            <a:endParaRPr kumimoji="0" lang="en-US" sz="1800" b="0" i="0" u="none" strike="noStrike" kern="1200" cap="none" spc="0" normalizeH="0" baseline="0" noProof="0">
+              <a:ln>
+                <a:noFill/>
+              </a:ln>
+              <a:solidFill>
+                <a:prstClr val="white"/>
+              </a:solidFill>
+              <a:effectLst/>
+              <a:uLnTx/>
+              <a:uFillTx/>
+              <a:latin typeface="Calibri" panose="020F0502020204030204"/>
+              <a:ea typeface="+mn-ea"/>
+              <a:cs typeface="+mn-cs"/>
+            </a:endParaRPr>
+          </a:p>
+        </p:txBody>
+      </p:sp>
+      <p:pic>
+        <p:nvPicPr>
+          <p:cNvPr id="24" name="Picture 23" descr="Analogue wall clock">
+            <a:extLst>
+              <a:ext uri="{FF2B5EF4-FFF2-40B4-BE49-F238E27FC236}">
+                <a16:creationId xmlns:a16="http://schemas.microsoft.com/office/drawing/2014/main" id="{AB4DAE8E-340F-1881-8BEE-ADB489DB85EF}"/>
+              </a:ext>
+            </a:extLst>
+          </p:cNvPr>
+          <p:cNvPicPr>
+            <a:picLocks noChangeAspect="1"/>
+          </p:cNvPicPr>
+          <p:nvPr/>
+        </p:nvPicPr>
+        <p:blipFill rotWithShape="1">
+          <a:blip r:embed="rId2"/>
+          <a:srcRect t="3575" b="11839"/>
+          <a:stretch/>
+        </p:blipFill>
+        <p:spPr>
+          <a:xfrm>
+            <a:off x="-3047" y="10"/>
+            <a:ext cx="12191999" cy="6857990"/>
+          </a:xfrm>
+          <a:prstGeom prst="rect">
+            <a:avLst/>
+          </a:prstGeom>
+        </p:spPr>
+      </p:pic>
+      <p:sp>
+        <p:nvSpPr>
+          <p:cNvPr id="35" name="Rectangle 34">
+            <a:extLst>
+              <a:ext uri="{FF2B5EF4-FFF2-40B4-BE49-F238E27FC236}">
+                <a16:creationId xmlns:a16="http://schemas.microsoft.com/office/drawing/2014/main" id="{007891EC-4501-44ED-A8C8-B11B6DB767AB}"/>
+              </a:ext>
+              <a:ext uri="{C183D7F6-B498-43B3-948B-1728B52AA6E4}">
+                <adec:decorative xmlns:adec="http://schemas.microsoft.com/office/drawing/2017/decorative" val="1"/>
+              </a:ext>
+            </a:extLst>
+          </p:cNvPr>
+          <p:cNvSpPr>
+            <a:spLocks noGrp="1" noRot="1" noChangeAspect="1" noMove="1" noResize="1" noEditPoints="1" noAdjustHandles="1" noChangeArrowheads="1" noChangeShapeType="1" noTextEdit="1"/>
+          </p:cNvSpPr>
+          <p:nvPr>
+            <p:extLst>
+              <p:ext uri="{386F3935-93C4-4BCD-93E2-E3B085C9AB24}">
+                <p16:designElem xmlns:p16="http://schemas.microsoft.com/office/powerpoint/2015/main" val="1"/>
+              </p:ext>
+            </p:extLst>
+          </p:nvPr>
+        </p:nvSpPr>
+        <p:spPr>
+          <a:xfrm>
+            <a:off x="0" y="2207602"/>
+            <a:ext cx="12191999" cy="3162146"/>
+          </a:xfrm>
+          <a:prstGeom prst="rect">
+            <a:avLst/>
+          </a:prstGeom>
+          <a:gradFill flip="none" rotWithShape="1">
+            <a:gsLst>
+              <a:gs pos="0">
+                <a:schemeClr val="tx2">
+                  <a:alpha val="0"/>
+                </a:schemeClr>
+              </a:gs>
+              <a:gs pos="50000">
+                <a:schemeClr val="tx2">
+                  <a:alpha val="35000"/>
+                </a:schemeClr>
+              </a:gs>
+              <a:gs pos="100000">
+                <a:schemeClr val="tx2">
+                  <a:alpha val="0"/>
+                </a:schemeClr>
+              </a:gs>
+            </a:gsLst>
+            <a:lin ang="16200000" scaled="1"/>
+            <a:tileRect/>
+          </a:gradFill>
+          <a:ln>
+            <a:noFill/>
+          </a:ln>
+        </p:spPr>
+        <p:style>
+          <a:lnRef idx="2">
+            <a:schemeClr val="accent1">
+              <a:shade val="50000"/>
+            </a:schemeClr>
+          </a:lnRef>
+          <a:fillRef idx="1">
+            <a:schemeClr val="accent1"/>
+          </a:fillRef>
+          <a:effectRef idx="0">
+            <a:schemeClr val="accent1"/>
+          </a:effectRef>
+          <a:fontRef idx="minor">
+            <a:schemeClr val="lt1"/>
+          </a:fontRef>
+        </p:style>
+        <p:txBody>
+          <a:bodyPr rtlCol="0" anchor="ctr"/>
+          <a:lstStyle/>
+          <a:p>
+            <a:pPr algn="ctr"/>
+            <a:endParaRPr lang="en-US"/>
+          </a:p>
+        </p:txBody>
+      </p:sp>
+      <p:sp>
+        <p:nvSpPr>
           <p:cNvPr id="2" name="Title 1">
             <a:extLst>
               <a:ext uri="{FF2B5EF4-FFF2-40B4-BE49-F238E27FC236}">
@@ -14768,43 +15688,96 @@
             <p:ph type="title"/>
           </p:nvPr>
         </p:nvSpPr>
-        <p:spPr/>
+        <p:spPr>
+          <a:xfrm>
+            <a:off x="643466" y="643467"/>
+            <a:ext cx="10905059" cy="3330353"/>
+          </a:xfrm>
+          <a:effectLst>
+            <a:outerShdw blurRad="50800" dist="38100" dir="2700000" algn="tl" rotWithShape="0">
+              <a:prstClr val="black">
+                <a:alpha val="40000"/>
+              </a:prstClr>
+            </a:outerShdw>
+          </a:effectLst>
+        </p:spPr>
         <p:txBody>
-          <a:bodyPr/>
+          <a:bodyPr vert="horz" lIns="91440" tIns="45720" rIns="91440" bIns="45720" rtlCol="0" anchor="b">
+            <a:normAutofit/>
+          </a:bodyPr>
           <a:lstStyle/>
           <a:p>
+            <a:pPr algn="ctr"/>
             <a:r>
-              <a:rPr lang="en-US" dirty="0"/>
-              <a:t>Thank you for your time</a:t>
+              <a:rPr lang="en-US" sz="3600" dirty="0">
+                <a:solidFill>
+                  <a:schemeClr val="bg1"/>
+                </a:solidFill>
+              </a:rPr>
+              <a:t>thank you for your time</a:t>
             </a:r>
           </a:p>
         </p:txBody>
       </p:sp>
-      <p:sp>
-        <p:nvSpPr>
-          <p:cNvPr id="3" name="Content Placeholder 2">
+      <p:cxnSp>
+        <p:nvCxnSpPr>
+          <p:cNvPr id="37" name="Straight Connector 36">
             <a:extLst>
               <a:ext uri="{FF2B5EF4-FFF2-40B4-BE49-F238E27FC236}">
-                <a16:creationId xmlns:a16="http://schemas.microsoft.com/office/drawing/2014/main" id="{E7A34B4B-6EF4-38FA-146B-73A3F343892A}"/>
+                <a16:creationId xmlns:a16="http://schemas.microsoft.com/office/drawing/2014/main" id="{34E5597F-CE67-4085-9548-E6A8036DA3BB}"/>
+              </a:ext>
+              <a:ext uri="{C183D7F6-B498-43B3-948B-1728B52AA6E4}">
+                <adec:decorative xmlns:adec="http://schemas.microsoft.com/office/drawing/2017/decorative" val="1"/>
               </a:ext>
             </a:extLst>
           </p:cNvPr>
-          <p:cNvSpPr>
-            <a:spLocks noGrp="1"/>
-          </p:cNvSpPr>
+          <p:cNvCxnSpPr>
+            <a:cxnSpLocks noGrp="1" noRot="1" noChangeAspect="1" noMove="1" noResize="1" noEditPoints="1" noAdjustHandles="1" noChangeArrowheads="1" noChangeShapeType="1"/>
+          </p:cNvCxnSpPr>
           <p:nvPr>
-            <p:ph idx="1"/>
+            <p:extLst>
+              <p:ext uri="{386F3935-93C4-4BCD-93E2-E3B085C9AB24}">
+                <p16:designElem xmlns:p16="http://schemas.microsoft.com/office/powerpoint/2015/main" val="1"/>
+              </p:ext>
+            </p:extLst>
           </p:nvPr>
-        </p:nvSpPr>
-        <p:spPr/>
-        <p:txBody>
-          <a:bodyPr/>
-          <a:lstStyle/>
-          <a:p>
-            <a:endParaRPr lang="en-US" dirty="0"/>
-          </a:p>
-        </p:txBody>
-      </p:sp>
+        </p:nvCxnSpPr>
+        <p:spPr>
+          <a:xfrm>
+            <a:off x="3393881" y="4035362"/>
+            <a:ext cx="5404237" cy="0"/>
+          </a:xfrm>
+          <a:prstGeom prst="line">
+            <a:avLst/>
+          </a:prstGeom>
+          <a:ln>
+            <a:solidFill>
+              <a:schemeClr val="bg1"/>
+            </a:solidFill>
+          </a:ln>
+          <a:effectLst>
+            <a:outerShdw blurRad="50800" dist="38100" dir="2700000" algn="tl" rotWithShape="0">
+              <a:prstClr val="black">
+                <a:alpha val="40000"/>
+              </a:prstClr>
+            </a:outerShdw>
+          </a:effectLst>
+        </p:spPr>
+        <p:style>
+          <a:lnRef idx="1">
+            <a:schemeClr val="accent1"/>
+          </a:lnRef>
+          <a:fillRef idx="0">
+            <a:schemeClr val="accent1"/>
+          </a:fillRef>
+          <a:effectRef idx="0">
+            <a:schemeClr val="accent1"/>
+          </a:effectRef>
+          <a:fontRef idx="minor">
+            <a:schemeClr val="tx1"/>
+          </a:fontRef>
+        </p:style>
+      </p:cxnSp>
     </p:spTree>
     <p:extLst>
       <p:ext uri="{BB962C8B-B14F-4D97-AF65-F5344CB8AC3E}">
@@ -14815,6 +15788,104 @@
   <p:clrMapOvr>
     <a:masterClrMapping/>
   </p:clrMapOvr>
+  <mc:AlternateContent xmlns:mc="http://schemas.openxmlformats.org/markup-compatibility/2006">
+    <mc:Choice xmlns:p14="http://schemas.microsoft.com/office/powerpoint/2010/main" Requires="p14">
+      <p:transition spd="slow" p14:dur="3400">
+        <p14:reveal/>
+      </p:transition>
+    </mc:Choice>
+    <mc:Fallback>
+      <p:transition spd="slow">
+        <p:fade/>
+      </p:transition>
+    </mc:Fallback>
+  </mc:AlternateContent>
+  <p:timing>
+    <p:tnLst>
+      <p:par>
+        <p:cTn id="1" dur="indefinite" restart="never" nodeType="tmRoot">
+          <p:childTnLst>
+            <p:seq concurrent="1" nextAc="seek">
+              <p:cTn id="2" dur="indefinite" nodeType="mainSeq">
+                <p:childTnLst>
+                  <p:par>
+                    <p:cTn id="3" fill="hold">
+                      <p:stCondLst>
+                        <p:cond delay="indefinite"/>
+                      </p:stCondLst>
+                      <p:childTnLst>
+                        <p:par>
+                          <p:cTn id="4" fill="hold">
+                            <p:stCondLst>
+                              <p:cond delay="0"/>
+                            </p:stCondLst>
+                            <p:childTnLst>
+                              <p:par>
+                                <p:cTn id="5" presetID="10" presetClass="entr" presetSubtype="0" fill="hold" grpId="0" nodeType="clickEffect">
+                                  <p:stCondLst>
+                                    <p:cond delay="0"/>
+                                  </p:stCondLst>
+                                  <p:childTnLst>
+                                    <p:set>
+                                      <p:cBhvr>
+                                        <p:cTn id="6" dur="1" fill="hold">
+                                          <p:stCondLst>
+                                            <p:cond delay="0"/>
+                                          </p:stCondLst>
+                                        </p:cTn>
+                                        <p:tgtEl>
+                                          <p:spTgt spid="2"/>
+                                        </p:tgtEl>
+                                        <p:attrNameLst>
+                                          <p:attrName>style.visibility</p:attrName>
+                                        </p:attrNameLst>
+                                      </p:cBhvr>
+                                      <p:to>
+                                        <p:strVal val="visible"/>
+                                      </p:to>
+                                    </p:set>
+                                    <p:animEffect transition="in" filter="fade">
+                                      <p:cBhvr>
+                                        <p:cTn id="7" dur="500"/>
+                                        <p:tgtEl>
+                                          <p:spTgt spid="2"/>
+                                        </p:tgtEl>
+                                      </p:cBhvr>
+                                    </p:animEffect>
+                                  </p:childTnLst>
+                                </p:cTn>
+                              </p:par>
+                            </p:childTnLst>
+                          </p:cTn>
+                        </p:par>
+                      </p:childTnLst>
+                    </p:cTn>
+                  </p:par>
+                </p:childTnLst>
+              </p:cTn>
+              <p:prevCondLst>
+                <p:cond evt="onPrev" delay="0">
+                  <p:tgtEl>
+                    <p:sldTgt/>
+                  </p:tgtEl>
+                </p:cond>
+              </p:prevCondLst>
+              <p:nextCondLst>
+                <p:cond evt="onNext" delay="0">
+                  <p:tgtEl>
+                    <p:sldTgt/>
+                  </p:tgtEl>
+                </p:cond>
+              </p:nextCondLst>
+            </p:seq>
+          </p:childTnLst>
+        </p:cTn>
+      </p:par>
+    </p:tnLst>
+    <p:bldLst>
+      <p:bldP spid="2" grpId="0"/>
+    </p:bldLst>
+  </p:timing>
 </p:sld>
 </file>
 
@@ -15071,7 +16142,7 @@
           <a:lstStyle/>
           <a:p>
             <a:r>
-              <a:rPr lang="en-US" sz="6000">
+              <a:rPr lang="en-US" sz="6000" dirty="0">
                 <a:solidFill>
                   <a:srgbClr val="FFFFFF"/>
                 </a:solidFill>
@@ -15360,6 +16431,207 @@
   <p:clrMapOvr>
     <a:masterClrMapping/>
   </p:clrMapOvr>
+  <mc:AlternateContent xmlns:mc="http://schemas.openxmlformats.org/markup-compatibility/2006">
+    <mc:Choice xmlns:p14="http://schemas.microsoft.com/office/powerpoint/2010/main" Requires="p14">
+      <p:transition spd="med" p14:dur="700">
+        <p:fade/>
+      </p:transition>
+    </mc:Choice>
+    <mc:Fallback>
+      <p:transition spd="med">
+        <p:fade/>
+      </p:transition>
+    </mc:Fallback>
+  </mc:AlternateContent>
+  <p:timing>
+    <p:tnLst>
+      <p:par>
+        <p:cTn id="1" dur="indefinite" restart="never" nodeType="tmRoot">
+          <p:childTnLst>
+            <p:seq concurrent="1" nextAc="seek">
+              <p:cTn id="2" dur="indefinite" nodeType="mainSeq">
+                <p:childTnLst>
+                  <p:par>
+                    <p:cTn id="3" fill="hold">
+                      <p:stCondLst>
+                        <p:cond delay="indefinite"/>
+                      </p:stCondLst>
+                      <p:childTnLst>
+                        <p:par>
+                          <p:cTn id="4" fill="hold">
+                            <p:stCondLst>
+                              <p:cond delay="0"/>
+                            </p:stCondLst>
+                            <p:childTnLst>
+                              <p:par>
+                                <p:cTn id="5" presetID="1" presetClass="entr" presetSubtype="0" fill="hold" grpId="0" nodeType="clickEffect">
+                                  <p:stCondLst>
+                                    <p:cond delay="0"/>
+                                  </p:stCondLst>
+                                  <p:childTnLst>
+                                    <p:set>
+                                      <p:cBhvr>
+                                        <p:cTn id="6" dur="1" fill="hold">
+                                          <p:stCondLst>
+                                            <p:cond delay="0"/>
+                                          </p:stCondLst>
+                                        </p:cTn>
+                                        <p:tgtEl>
+                                          <p:spTgt spid="2"/>
+                                        </p:tgtEl>
+                                        <p:attrNameLst>
+                                          <p:attrName>style.visibility</p:attrName>
+                                        </p:attrNameLst>
+                                      </p:cBhvr>
+                                      <p:to>
+                                        <p:strVal val="visible"/>
+                                      </p:to>
+                                    </p:set>
+                                  </p:childTnLst>
+                                </p:cTn>
+                              </p:par>
+                            </p:childTnLst>
+                          </p:cTn>
+                        </p:par>
+                      </p:childTnLst>
+                    </p:cTn>
+                  </p:par>
+                  <p:par>
+                    <p:cTn id="7" fill="hold">
+                      <p:stCondLst>
+                        <p:cond delay="indefinite"/>
+                      </p:stCondLst>
+                      <p:childTnLst>
+                        <p:par>
+                          <p:cTn id="8" fill="hold">
+                            <p:stCondLst>
+                              <p:cond delay="0"/>
+                            </p:stCondLst>
+                            <p:childTnLst>
+                              <p:par>
+                                <p:cTn id="9" presetID="1" presetClass="entr" presetSubtype="0" fill="hold" nodeType="clickEffect">
+                                  <p:stCondLst>
+                                    <p:cond delay="0"/>
+                                  </p:stCondLst>
+                                  <p:childTnLst>
+                                    <p:set>
+                                      <p:cBhvr>
+                                        <p:cTn id="10" dur="1" fill="hold">
+                                          <p:stCondLst>
+                                            <p:cond delay="0"/>
+                                          </p:stCondLst>
+                                        </p:cTn>
+                                        <p:tgtEl>
+                                          <p:spTgt spid="3">
+                                            <p:txEl>
+                                              <p:pRg st="0" end="0"/>
+                                            </p:txEl>
+                                          </p:spTgt>
+                                        </p:tgtEl>
+                                        <p:attrNameLst>
+                                          <p:attrName>style.visibility</p:attrName>
+                                        </p:attrNameLst>
+                                      </p:cBhvr>
+                                      <p:to>
+                                        <p:strVal val="visible"/>
+                                      </p:to>
+                                    </p:set>
+                                  </p:childTnLst>
+                                </p:cTn>
+                              </p:par>
+                              <p:par>
+                                <p:cTn id="11" presetID="1" presetClass="entr" presetSubtype="0" fill="hold" nodeType="withEffect">
+                                  <p:stCondLst>
+                                    <p:cond delay="0"/>
+                                  </p:stCondLst>
+                                  <p:childTnLst>
+                                    <p:set>
+                                      <p:cBhvr>
+                                        <p:cTn id="12" dur="1" fill="hold">
+                                          <p:stCondLst>
+                                            <p:cond delay="0"/>
+                                          </p:stCondLst>
+                                        </p:cTn>
+                                        <p:tgtEl>
+                                          <p:spTgt spid="3">
+                                            <p:txEl>
+                                              <p:pRg st="2" end="2"/>
+                                            </p:txEl>
+                                          </p:spTgt>
+                                        </p:tgtEl>
+                                        <p:attrNameLst>
+                                          <p:attrName>style.visibility</p:attrName>
+                                        </p:attrNameLst>
+                                      </p:cBhvr>
+                                      <p:to>
+                                        <p:strVal val="visible"/>
+                                      </p:to>
+                                    </p:set>
+                                  </p:childTnLst>
+                                </p:cTn>
+                              </p:par>
+                              <p:par>
+                                <p:cTn id="13" presetID="1" presetClass="entr" presetSubtype="0" fill="hold" nodeType="withEffect">
+                                  <p:stCondLst>
+                                    <p:cond delay="0"/>
+                                  </p:stCondLst>
+                                  <p:childTnLst>
+                                    <p:set>
+                                      <p:cBhvr>
+                                        <p:cTn id="14" dur="1" fill="hold">
+                                          <p:stCondLst>
+                                            <p:cond delay="0"/>
+                                          </p:stCondLst>
+                                        </p:cTn>
+                                        <p:tgtEl>
+                                          <p:spTgt spid="3">
+                                            <p:txEl>
+                                              <p:pRg st="1" end="1"/>
+                                            </p:txEl>
+                                          </p:spTgt>
+                                        </p:tgtEl>
+                                        <p:attrNameLst>
+                                          <p:attrName>style.visibility</p:attrName>
+                                        </p:attrNameLst>
+                                      </p:cBhvr>
+                                      <p:to>
+                                        <p:strVal val="visible"/>
+                                      </p:to>
+                                    </p:set>
+                                  </p:childTnLst>
+                                </p:cTn>
+                              </p:par>
+                            </p:childTnLst>
+                          </p:cTn>
+                        </p:par>
+                      </p:childTnLst>
+                    </p:cTn>
+                  </p:par>
+                </p:childTnLst>
+              </p:cTn>
+              <p:prevCondLst>
+                <p:cond evt="onPrev" delay="0">
+                  <p:tgtEl>
+                    <p:sldTgt/>
+                  </p:tgtEl>
+                </p:cond>
+              </p:prevCondLst>
+              <p:nextCondLst>
+                <p:cond evt="onNext" delay="0">
+                  <p:tgtEl>
+                    <p:sldTgt/>
+                  </p:tgtEl>
+                </p:cond>
+              </p:nextCondLst>
+            </p:seq>
+          </p:childTnLst>
+        </p:cTn>
+      </p:par>
+    </p:tnLst>
+    <p:bldLst>
+      <p:bldP spid="2" grpId="0"/>
+    </p:bldLst>
+  </p:timing>
 </p:sld>
 </file>
 
@@ -15451,6 +16723,160 @@
   <p:clrMapOvr>
     <a:masterClrMapping/>
   </p:clrMapOvr>
+  <mc:AlternateContent xmlns:mc="http://schemas.openxmlformats.org/markup-compatibility/2006">
+    <mc:Choice xmlns:p14="http://schemas.microsoft.com/office/powerpoint/2010/main" Requires="p14">
+      <p:transition spd="slow" p14:dur="3400">
+        <p14:reveal/>
+      </p:transition>
+    </mc:Choice>
+    <mc:Fallback>
+      <p:transition spd="slow">
+        <p:fade/>
+      </p:transition>
+    </mc:Fallback>
+  </mc:AlternateContent>
+  <p:timing>
+    <p:tnLst>
+      <p:par>
+        <p:cTn id="1" dur="indefinite" restart="never" nodeType="tmRoot">
+          <p:childTnLst>
+            <p:seq concurrent="1" nextAc="seek">
+              <p:cTn id="2" dur="indefinite" nodeType="mainSeq">
+                <p:childTnLst>
+                  <p:par>
+                    <p:cTn id="3" fill="hold">
+                      <p:stCondLst>
+                        <p:cond delay="indefinite"/>
+                      </p:stCondLst>
+                      <p:childTnLst>
+                        <p:par>
+                          <p:cTn id="4" fill="hold">
+                            <p:stCondLst>
+                              <p:cond delay="0"/>
+                            </p:stCondLst>
+                            <p:childTnLst>
+                              <p:par>
+                                <p:cTn id="5" presetID="22" presetClass="entr" presetSubtype="4" fill="hold" grpId="0" nodeType="clickEffect">
+                                  <p:stCondLst>
+                                    <p:cond delay="0"/>
+                                  </p:stCondLst>
+                                  <p:childTnLst>
+                                    <p:set>
+                                      <p:cBhvr>
+                                        <p:cTn id="6" dur="1" fill="hold">
+                                          <p:stCondLst>
+                                            <p:cond delay="0"/>
+                                          </p:stCondLst>
+                                        </p:cTn>
+                                        <p:tgtEl>
+                                          <p:spTgt spid="2"/>
+                                        </p:tgtEl>
+                                        <p:attrNameLst>
+                                          <p:attrName>style.visibility</p:attrName>
+                                        </p:attrNameLst>
+                                      </p:cBhvr>
+                                      <p:to>
+                                        <p:strVal val="visible"/>
+                                      </p:to>
+                                    </p:set>
+                                    <p:animEffect transition="in" filter="wipe(down)">
+                                      <p:cBhvr>
+                                        <p:cTn id="7" dur="500"/>
+                                        <p:tgtEl>
+                                          <p:spTgt spid="2"/>
+                                        </p:tgtEl>
+                                      </p:cBhvr>
+                                    </p:animEffect>
+                                  </p:childTnLst>
+                                </p:cTn>
+                              </p:par>
+                            </p:childTnLst>
+                          </p:cTn>
+                        </p:par>
+                      </p:childTnLst>
+                    </p:cTn>
+                  </p:par>
+                  <p:par>
+                    <p:cTn id="8" fill="hold">
+                      <p:stCondLst>
+                        <p:cond delay="indefinite"/>
+                      </p:stCondLst>
+                      <p:childTnLst>
+                        <p:par>
+                          <p:cTn id="9" fill="hold">
+                            <p:stCondLst>
+                              <p:cond delay="0"/>
+                            </p:stCondLst>
+                            <p:childTnLst>
+                              <p:par>
+                                <p:cTn id="10" presetID="10" presetClass="entr" presetSubtype="0" fill="hold" grpId="0" nodeType="clickEffect">
+                                  <p:stCondLst>
+                                    <p:cond delay="0"/>
+                                  </p:stCondLst>
+                                  <p:childTnLst>
+                                    <p:set>
+                                      <p:cBhvr>
+                                        <p:cTn id="11" dur="1" fill="hold">
+                                          <p:stCondLst>
+                                            <p:cond delay="0"/>
+                                          </p:stCondLst>
+                                        </p:cTn>
+                                        <p:tgtEl>
+                                          <p:spTgt spid="15"/>
+                                        </p:tgtEl>
+                                        <p:attrNameLst>
+                                          <p:attrName>style.visibility</p:attrName>
+                                        </p:attrNameLst>
+                                      </p:cBhvr>
+                                      <p:to>
+                                        <p:strVal val="visible"/>
+                                      </p:to>
+                                    </p:set>
+                                    <p:animEffect transition="in" filter="fade">
+                                      <p:cBhvr>
+                                        <p:cTn id="12" dur="500"/>
+                                        <p:tgtEl>
+                                          <p:spTgt spid="15"/>
+                                        </p:tgtEl>
+                                      </p:cBhvr>
+                                    </p:animEffect>
+                                  </p:childTnLst>
+                                </p:cTn>
+                              </p:par>
+                            </p:childTnLst>
+                          </p:cTn>
+                        </p:par>
+                      </p:childTnLst>
+                    </p:cTn>
+                  </p:par>
+                </p:childTnLst>
+              </p:cTn>
+              <p:prevCondLst>
+                <p:cond evt="onPrev" delay="0">
+                  <p:tgtEl>
+                    <p:sldTgt/>
+                  </p:tgtEl>
+                </p:cond>
+              </p:prevCondLst>
+              <p:nextCondLst>
+                <p:cond evt="onNext" delay="0">
+                  <p:tgtEl>
+                    <p:sldTgt/>
+                  </p:tgtEl>
+                </p:cond>
+              </p:nextCondLst>
+            </p:seq>
+          </p:childTnLst>
+        </p:cTn>
+      </p:par>
+    </p:tnLst>
+    <p:bldLst>
+      <p:bldP spid="2" grpId="0"/>
+      <p:bldGraphic spid="15" grpId="0">
+        <p:bldAsOne/>
+      </p:bldGraphic>
+    </p:bldLst>
+  </p:timing>
 </p:sld>
 </file>
 
@@ -16007,6 +17433,454 @@
   <p:clrMapOvr>
     <a:masterClrMapping/>
   </p:clrMapOvr>
+  <p:transition spd="slow">
+    <p:push dir="u"/>
+  </p:transition>
+  <p:timing>
+    <p:tnLst>
+      <p:par>
+        <p:cTn id="1" dur="indefinite" restart="never" nodeType="tmRoot">
+          <p:childTnLst>
+            <p:seq concurrent="1" nextAc="seek">
+              <p:cTn id="2" dur="indefinite" nodeType="mainSeq">
+                <p:childTnLst>
+                  <p:par>
+                    <p:cTn id="3" fill="hold">
+                      <p:stCondLst>
+                        <p:cond delay="indefinite"/>
+                      </p:stCondLst>
+                      <p:childTnLst>
+                        <p:par>
+                          <p:cTn id="4" fill="hold">
+                            <p:stCondLst>
+                              <p:cond delay="0"/>
+                            </p:stCondLst>
+                            <p:childTnLst>
+                              <p:par>
+                                <p:cTn id="5" presetID="42" presetClass="entr" presetSubtype="0" fill="hold" grpId="0" nodeType="clickEffect">
+                                  <p:stCondLst>
+                                    <p:cond delay="0"/>
+                                  </p:stCondLst>
+                                  <p:childTnLst>
+                                    <p:set>
+                                      <p:cBhvr>
+                                        <p:cTn id="6" dur="1" fill="hold">
+                                          <p:stCondLst>
+                                            <p:cond delay="0"/>
+                                          </p:stCondLst>
+                                        </p:cTn>
+                                        <p:tgtEl>
+                                          <p:spTgt spid="2"/>
+                                        </p:tgtEl>
+                                        <p:attrNameLst>
+                                          <p:attrName>style.visibility</p:attrName>
+                                        </p:attrNameLst>
+                                      </p:cBhvr>
+                                      <p:to>
+                                        <p:strVal val="visible"/>
+                                      </p:to>
+                                    </p:set>
+                                    <p:animEffect transition="in" filter="fade">
+                                      <p:cBhvr>
+                                        <p:cTn id="7" dur="1000"/>
+                                        <p:tgtEl>
+                                          <p:spTgt spid="2"/>
+                                        </p:tgtEl>
+                                      </p:cBhvr>
+                                    </p:animEffect>
+                                    <p:anim calcmode="lin" valueType="num">
+                                      <p:cBhvr>
+                                        <p:cTn id="8" dur="1000" fill="hold"/>
+                                        <p:tgtEl>
+                                          <p:spTgt spid="2"/>
+                                        </p:tgtEl>
+                                        <p:attrNameLst>
+                                          <p:attrName>ppt_x</p:attrName>
+                                        </p:attrNameLst>
+                                      </p:cBhvr>
+                                      <p:tavLst>
+                                        <p:tav tm="0">
+                                          <p:val>
+                                            <p:strVal val="#ppt_x"/>
+                                          </p:val>
+                                        </p:tav>
+                                        <p:tav tm="100000">
+                                          <p:val>
+                                            <p:strVal val="#ppt_x"/>
+                                          </p:val>
+                                        </p:tav>
+                                      </p:tavLst>
+                                    </p:anim>
+                                    <p:anim calcmode="lin" valueType="num">
+                                      <p:cBhvr>
+                                        <p:cTn id="9" dur="1000" fill="hold"/>
+                                        <p:tgtEl>
+                                          <p:spTgt spid="2"/>
+                                        </p:tgtEl>
+                                        <p:attrNameLst>
+                                          <p:attrName>ppt_y</p:attrName>
+                                        </p:attrNameLst>
+                                      </p:cBhvr>
+                                      <p:tavLst>
+                                        <p:tav tm="0">
+                                          <p:val>
+                                            <p:strVal val="#ppt_y+.1"/>
+                                          </p:val>
+                                        </p:tav>
+                                        <p:tav tm="100000">
+                                          <p:val>
+                                            <p:strVal val="#ppt_y"/>
+                                          </p:val>
+                                        </p:tav>
+                                      </p:tavLst>
+                                    </p:anim>
+                                  </p:childTnLst>
+                                </p:cTn>
+                              </p:par>
+                            </p:childTnLst>
+                          </p:cTn>
+                        </p:par>
+                      </p:childTnLst>
+                    </p:cTn>
+                  </p:par>
+                  <p:par>
+                    <p:cTn id="10" fill="hold">
+                      <p:stCondLst>
+                        <p:cond delay="indefinite"/>
+                      </p:stCondLst>
+                      <p:childTnLst>
+                        <p:par>
+                          <p:cTn id="11" fill="hold">
+                            <p:stCondLst>
+                              <p:cond delay="0"/>
+                            </p:stCondLst>
+                            <p:childTnLst>
+                              <p:par>
+                                <p:cTn id="12" presetID="22" presetClass="entr" presetSubtype="4" fill="hold" grpId="0" nodeType="clickEffect">
+                                  <p:stCondLst>
+                                    <p:cond delay="0"/>
+                                  </p:stCondLst>
+                                  <p:childTnLst>
+                                    <p:set>
+                                      <p:cBhvr>
+                                        <p:cTn id="13" dur="1" fill="hold">
+                                          <p:stCondLst>
+                                            <p:cond delay="0"/>
+                                          </p:stCondLst>
+                                        </p:cTn>
+                                        <p:tgtEl>
+                                          <p:spTgt spid="3">
+                                            <p:txEl>
+                                              <p:pRg st="0" end="0"/>
+                                            </p:txEl>
+                                          </p:spTgt>
+                                        </p:tgtEl>
+                                        <p:attrNameLst>
+                                          <p:attrName>style.visibility</p:attrName>
+                                        </p:attrNameLst>
+                                      </p:cBhvr>
+                                      <p:to>
+                                        <p:strVal val="visible"/>
+                                      </p:to>
+                                    </p:set>
+                                    <p:animEffect transition="in" filter="wipe(down)">
+                                      <p:cBhvr>
+                                        <p:cTn id="14" dur="500"/>
+                                        <p:tgtEl>
+                                          <p:spTgt spid="3">
+                                            <p:txEl>
+                                              <p:pRg st="0" end="0"/>
+                                            </p:txEl>
+                                          </p:spTgt>
+                                        </p:tgtEl>
+                                      </p:cBhvr>
+                                    </p:animEffect>
+                                  </p:childTnLst>
+                                </p:cTn>
+                              </p:par>
+                              <p:par>
+                                <p:cTn id="15" presetID="22" presetClass="entr" presetSubtype="4" fill="hold" grpId="0" nodeType="withEffect">
+                                  <p:stCondLst>
+                                    <p:cond delay="0"/>
+                                  </p:stCondLst>
+                                  <p:childTnLst>
+                                    <p:set>
+                                      <p:cBhvr>
+                                        <p:cTn id="16" dur="1" fill="hold">
+                                          <p:stCondLst>
+                                            <p:cond delay="0"/>
+                                          </p:stCondLst>
+                                        </p:cTn>
+                                        <p:tgtEl>
+                                          <p:spTgt spid="3">
+                                            <p:txEl>
+                                              <p:pRg st="1" end="1"/>
+                                            </p:txEl>
+                                          </p:spTgt>
+                                        </p:tgtEl>
+                                        <p:attrNameLst>
+                                          <p:attrName>style.visibility</p:attrName>
+                                        </p:attrNameLst>
+                                      </p:cBhvr>
+                                      <p:to>
+                                        <p:strVal val="visible"/>
+                                      </p:to>
+                                    </p:set>
+                                    <p:animEffect transition="in" filter="wipe(down)">
+                                      <p:cBhvr>
+                                        <p:cTn id="17" dur="500"/>
+                                        <p:tgtEl>
+                                          <p:spTgt spid="3">
+                                            <p:txEl>
+                                              <p:pRg st="1" end="1"/>
+                                            </p:txEl>
+                                          </p:spTgt>
+                                        </p:tgtEl>
+                                      </p:cBhvr>
+                                    </p:animEffect>
+                                  </p:childTnLst>
+                                </p:cTn>
+                              </p:par>
+                            </p:childTnLst>
+                          </p:cTn>
+                        </p:par>
+                      </p:childTnLst>
+                    </p:cTn>
+                  </p:par>
+                  <p:par>
+                    <p:cTn id="18" fill="hold">
+                      <p:stCondLst>
+                        <p:cond delay="indefinite"/>
+                      </p:stCondLst>
+                      <p:childTnLst>
+                        <p:par>
+                          <p:cTn id="19" fill="hold">
+                            <p:stCondLst>
+                              <p:cond delay="0"/>
+                            </p:stCondLst>
+                            <p:childTnLst>
+                              <p:par>
+                                <p:cTn id="20" presetID="22" presetClass="entr" presetSubtype="4" fill="hold" grpId="0" nodeType="clickEffect">
+                                  <p:stCondLst>
+                                    <p:cond delay="0"/>
+                                  </p:stCondLst>
+                                  <p:childTnLst>
+                                    <p:set>
+                                      <p:cBhvr>
+                                        <p:cTn id="21" dur="1" fill="hold">
+                                          <p:stCondLst>
+                                            <p:cond delay="0"/>
+                                          </p:stCondLst>
+                                        </p:cTn>
+                                        <p:tgtEl>
+                                          <p:spTgt spid="3">
+                                            <p:txEl>
+                                              <p:pRg st="2" end="2"/>
+                                            </p:txEl>
+                                          </p:spTgt>
+                                        </p:tgtEl>
+                                        <p:attrNameLst>
+                                          <p:attrName>style.visibility</p:attrName>
+                                        </p:attrNameLst>
+                                      </p:cBhvr>
+                                      <p:to>
+                                        <p:strVal val="visible"/>
+                                      </p:to>
+                                    </p:set>
+                                    <p:animEffect transition="in" filter="wipe(down)">
+                                      <p:cBhvr>
+                                        <p:cTn id="22" dur="500"/>
+                                        <p:tgtEl>
+                                          <p:spTgt spid="3">
+                                            <p:txEl>
+                                              <p:pRg st="2" end="2"/>
+                                            </p:txEl>
+                                          </p:spTgt>
+                                        </p:tgtEl>
+                                      </p:cBhvr>
+                                    </p:animEffect>
+                                  </p:childTnLst>
+                                </p:cTn>
+                              </p:par>
+                              <p:par>
+                                <p:cTn id="23" presetID="22" presetClass="entr" presetSubtype="4" fill="hold" grpId="0" nodeType="withEffect">
+                                  <p:stCondLst>
+                                    <p:cond delay="0"/>
+                                  </p:stCondLst>
+                                  <p:childTnLst>
+                                    <p:set>
+                                      <p:cBhvr>
+                                        <p:cTn id="24" dur="1" fill="hold">
+                                          <p:stCondLst>
+                                            <p:cond delay="0"/>
+                                          </p:stCondLst>
+                                        </p:cTn>
+                                        <p:tgtEl>
+                                          <p:spTgt spid="3">
+                                            <p:txEl>
+                                              <p:pRg st="3" end="3"/>
+                                            </p:txEl>
+                                          </p:spTgt>
+                                        </p:tgtEl>
+                                        <p:attrNameLst>
+                                          <p:attrName>style.visibility</p:attrName>
+                                        </p:attrNameLst>
+                                      </p:cBhvr>
+                                      <p:to>
+                                        <p:strVal val="visible"/>
+                                      </p:to>
+                                    </p:set>
+                                    <p:animEffect transition="in" filter="wipe(down)">
+                                      <p:cBhvr>
+                                        <p:cTn id="25" dur="500"/>
+                                        <p:tgtEl>
+                                          <p:spTgt spid="3">
+                                            <p:txEl>
+                                              <p:pRg st="3" end="3"/>
+                                            </p:txEl>
+                                          </p:spTgt>
+                                        </p:tgtEl>
+                                      </p:cBhvr>
+                                    </p:animEffect>
+                                  </p:childTnLst>
+                                </p:cTn>
+                              </p:par>
+                            </p:childTnLst>
+                          </p:cTn>
+                        </p:par>
+                      </p:childTnLst>
+                    </p:cTn>
+                  </p:par>
+                  <p:par>
+                    <p:cTn id="26" fill="hold">
+                      <p:stCondLst>
+                        <p:cond delay="indefinite"/>
+                      </p:stCondLst>
+                      <p:childTnLst>
+                        <p:par>
+                          <p:cTn id="27" fill="hold">
+                            <p:stCondLst>
+                              <p:cond delay="0"/>
+                            </p:stCondLst>
+                            <p:childTnLst>
+                              <p:par>
+                                <p:cTn id="28" presetID="22" presetClass="entr" presetSubtype="4" fill="hold" grpId="0" nodeType="clickEffect">
+                                  <p:stCondLst>
+                                    <p:cond delay="0"/>
+                                  </p:stCondLst>
+                                  <p:childTnLst>
+                                    <p:set>
+                                      <p:cBhvr>
+                                        <p:cTn id="29" dur="1" fill="hold">
+                                          <p:stCondLst>
+                                            <p:cond delay="0"/>
+                                          </p:stCondLst>
+                                        </p:cTn>
+                                        <p:tgtEl>
+                                          <p:spTgt spid="3">
+                                            <p:txEl>
+                                              <p:pRg st="4" end="4"/>
+                                            </p:txEl>
+                                          </p:spTgt>
+                                        </p:tgtEl>
+                                        <p:attrNameLst>
+                                          <p:attrName>style.visibility</p:attrName>
+                                        </p:attrNameLst>
+                                      </p:cBhvr>
+                                      <p:to>
+                                        <p:strVal val="visible"/>
+                                      </p:to>
+                                    </p:set>
+                                    <p:animEffect transition="in" filter="wipe(down)">
+                                      <p:cBhvr>
+                                        <p:cTn id="30" dur="500"/>
+                                        <p:tgtEl>
+                                          <p:spTgt spid="3">
+                                            <p:txEl>
+                                              <p:pRg st="4" end="4"/>
+                                            </p:txEl>
+                                          </p:spTgt>
+                                        </p:tgtEl>
+                                      </p:cBhvr>
+                                    </p:animEffect>
+                                  </p:childTnLst>
+                                </p:cTn>
+                              </p:par>
+                              <p:par>
+                                <p:cTn id="31" presetID="22" presetClass="entr" presetSubtype="4" fill="hold" grpId="0" nodeType="withEffect">
+                                  <p:stCondLst>
+                                    <p:cond delay="0"/>
+                                  </p:stCondLst>
+                                  <p:childTnLst>
+                                    <p:set>
+                                      <p:cBhvr>
+                                        <p:cTn id="32" dur="1" fill="hold">
+                                          <p:stCondLst>
+                                            <p:cond delay="0"/>
+                                          </p:stCondLst>
+                                        </p:cTn>
+                                        <p:tgtEl>
+                                          <p:spTgt spid="3">
+                                            <p:txEl>
+                                              <p:pRg st="5" end="5"/>
+                                            </p:txEl>
+                                          </p:spTgt>
+                                        </p:tgtEl>
+                                        <p:attrNameLst>
+                                          <p:attrName>style.visibility</p:attrName>
+                                        </p:attrNameLst>
+                                      </p:cBhvr>
+                                      <p:to>
+                                        <p:strVal val="visible"/>
+                                      </p:to>
+                                    </p:set>
+                                    <p:animEffect transition="in" filter="wipe(down)">
+                                      <p:cBhvr>
+                                        <p:cTn id="33" dur="500"/>
+                                        <p:tgtEl>
+                                          <p:spTgt spid="3">
+                                            <p:txEl>
+                                              <p:pRg st="5" end="5"/>
+                                            </p:txEl>
+                                          </p:spTgt>
+                                        </p:tgtEl>
+                                      </p:cBhvr>
+                                    </p:animEffect>
+                                  </p:childTnLst>
+                                </p:cTn>
+                              </p:par>
+                            </p:childTnLst>
+                          </p:cTn>
+                        </p:par>
+                      </p:childTnLst>
+                    </p:cTn>
+                  </p:par>
+                </p:childTnLst>
+              </p:cTn>
+              <p:prevCondLst>
+                <p:cond evt="onPrev" delay="0">
+                  <p:tgtEl>
+                    <p:sldTgt/>
+                  </p:tgtEl>
+                </p:cond>
+              </p:prevCondLst>
+              <p:nextCondLst>
+                <p:cond evt="onNext" delay="0">
+                  <p:tgtEl>
+                    <p:sldTgt/>
+                  </p:tgtEl>
+                </p:cond>
+              </p:nextCondLst>
+            </p:seq>
+          </p:childTnLst>
+        </p:cTn>
+      </p:par>
+    </p:tnLst>
+    <p:bldLst>
+      <p:bldP spid="2" grpId="0"/>
+      <p:bldP spid="3" grpId="0" build="p"/>
+    </p:bldLst>
+  </p:timing>
 </p:sld>
 </file>
 
@@ -16098,6 +17972,152 @@
   <p:clrMapOvr>
     <a:masterClrMapping/>
   </p:clrMapOvr>
+  <mc:AlternateContent xmlns:mc="http://schemas.openxmlformats.org/markup-compatibility/2006">
+    <mc:Choice xmlns:p14="http://schemas.microsoft.com/office/powerpoint/2010/main" Requires="p14">
+      <p:transition spd="slow" p14:dur="3400">
+        <p14:reveal/>
+      </p:transition>
+    </mc:Choice>
+    <mc:Fallback>
+      <p:transition spd="slow">
+        <p:fade/>
+      </p:transition>
+    </mc:Fallback>
+  </mc:AlternateContent>
+  <p:timing>
+    <p:tnLst>
+      <p:par>
+        <p:cTn id="1" dur="indefinite" restart="never" nodeType="tmRoot">
+          <p:childTnLst>
+            <p:seq concurrent="1" nextAc="seek">
+              <p:cTn id="2" dur="indefinite" nodeType="mainSeq">
+                <p:childTnLst>
+                  <p:par>
+                    <p:cTn id="3" fill="hold">
+                      <p:stCondLst>
+                        <p:cond delay="indefinite"/>
+                      </p:stCondLst>
+                      <p:childTnLst>
+                        <p:par>
+                          <p:cTn id="4" fill="hold">
+                            <p:stCondLst>
+                              <p:cond delay="0"/>
+                            </p:stCondLst>
+                            <p:childTnLst>
+                              <p:par>
+                                <p:cTn id="5" presetID="1" presetClass="entr" presetSubtype="0" fill="hold" grpId="0" nodeType="clickEffect">
+                                  <p:stCondLst>
+                                    <p:cond delay="0"/>
+                                  </p:stCondLst>
+                                  <p:childTnLst>
+                                    <p:set>
+                                      <p:cBhvr>
+                                        <p:cTn id="6" dur="1" fill="hold">
+                                          <p:stCondLst>
+                                            <p:cond delay="0"/>
+                                          </p:stCondLst>
+                                        </p:cTn>
+                                        <p:tgtEl>
+                                          <p:spTgt spid="2"/>
+                                        </p:tgtEl>
+                                        <p:attrNameLst>
+                                          <p:attrName>style.visibility</p:attrName>
+                                        </p:attrNameLst>
+                                      </p:cBhvr>
+                                      <p:to>
+                                        <p:strVal val="visible"/>
+                                      </p:to>
+                                    </p:set>
+                                  </p:childTnLst>
+                                </p:cTn>
+                              </p:par>
+                            </p:childTnLst>
+                          </p:cTn>
+                        </p:par>
+                      </p:childTnLst>
+                    </p:cTn>
+                  </p:par>
+                  <p:par>
+                    <p:cTn id="7" fill="hold">
+                      <p:stCondLst>
+                        <p:cond delay="indefinite"/>
+                      </p:stCondLst>
+                      <p:childTnLst>
+                        <p:par>
+                          <p:cTn id="8" fill="hold">
+                            <p:stCondLst>
+                              <p:cond delay="0"/>
+                            </p:stCondLst>
+                            <p:childTnLst>
+                              <p:par>
+                                <p:cTn id="9" presetID="22" presetClass="entr" presetSubtype="4" fill="hold" grpId="0" nodeType="clickEffect">
+                                  <p:stCondLst>
+                                    <p:cond delay="0"/>
+                                  </p:stCondLst>
+                                  <p:childTnLst>
+                                    <p:set>
+                                      <p:cBhvr>
+                                        <p:cTn id="10" dur="1" fill="hold">
+                                          <p:stCondLst>
+                                            <p:cond delay="0"/>
+                                          </p:stCondLst>
+                                        </p:cTn>
+                                        <p:tgtEl>
+                                          <p:spTgt spid="15"/>
+                                        </p:tgtEl>
+                                        <p:attrNameLst>
+                                          <p:attrName>style.visibility</p:attrName>
+                                        </p:attrNameLst>
+                                      </p:cBhvr>
+                                      <p:to>
+                                        <p:strVal val="visible"/>
+                                      </p:to>
+                                    </p:set>
+                                    <p:animEffect transition="in" filter="wipe(down)">
+                                      <p:cBhvr>
+                                        <p:cTn id="11" dur="500"/>
+                                        <p:tgtEl>
+                                          <p:spTgt spid="15"/>
+                                        </p:tgtEl>
+                                      </p:cBhvr>
+                                    </p:animEffect>
+                                  </p:childTnLst>
+                                </p:cTn>
+                              </p:par>
+                            </p:childTnLst>
+                          </p:cTn>
+                        </p:par>
+                      </p:childTnLst>
+                    </p:cTn>
+                  </p:par>
+                </p:childTnLst>
+              </p:cTn>
+              <p:prevCondLst>
+                <p:cond evt="onPrev" delay="0">
+                  <p:tgtEl>
+                    <p:sldTgt/>
+                  </p:tgtEl>
+                </p:cond>
+              </p:prevCondLst>
+              <p:nextCondLst>
+                <p:cond evt="onNext" delay="0">
+                  <p:tgtEl>
+                    <p:sldTgt/>
+                  </p:tgtEl>
+                </p:cond>
+              </p:nextCondLst>
+            </p:seq>
+          </p:childTnLst>
+        </p:cTn>
+      </p:par>
+    </p:tnLst>
+    <p:bldLst>
+      <p:bldP spid="2" grpId="0"/>
+      <p:bldGraphic spid="15" grpId="0">
+        <p:bldAsOne/>
+      </p:bldGraphic>
+    </p:bldLst>
+  </p:timing>
 </p:sld>
 </file>
 
@@ -16601,6 +18621,302 @@
   <p:clrMapOvr>
     <a:masterClrMapping/>
   </p:clrMapOvr>
+  <p:transition spd="slow">
+    <p:push dir="u"/>
+  </p:transition>
+  <p:timing>
+    <p:tnLst>
+      <p:par>
+        <p:cTn id="1" dur="indefinite" restart="never" nodeType="tmRoot">
+          <p:childTnLst>
+            <p:seq concurrent="1" nextAc="seek">
+              <p:cTn id="2" dur="indefinite" nodeType="mainSeq">
+                <p:childTnLst>
+                  <p:par>
+                    <p:cTn id="3" fill="hold">
+                      <p:stCondLst>
+                        <p:cond delay="indefinite"/>
+                      </p:stCondLst>
+                      <p:childTnLst>
+                        <p:par>
+                          <p:cTn id="4" fill="hold">
+                            <p:stCondLst>
+                              <p:cond delay="0"/>
+                            </p:stCondLst>
+                            <p:childTnLst>
+                              <p:par>
+                                <p:cTn id="5" presetID="16" presetClass="entr" presetSubtype="21" fill="hold" grpId="0" nodeType="clickEffect">
+                                  <p:stCondLst>
+                                    <p:cond delay="0"/>
+                                  </p:stCondLst>
+                                  <p:childTnLst>
+                                    <p:set>
+                                      <p:cBhvr>
+                                        <p:cTn id="6" dur="1" fill="hold">
+                                          <p:stCondLst>
+                                            <p:cond delay="0"/>
+                                          </p:stCondLst>
+                                        </p:cTn>
+                                        <p:tgtEl>
+                                          <p:spTgt spid="2"/>
+                                        </p:tgtEl>
+                                        <p:attrNameLst>
+                                          <p:attrName>style.visibility</p:attrName>
+                                        </p:attrNameLst>
+                                      </p:cBhvr>
+                                      <p:to>
+                                        <p:strVal val="visible"/>
+                                      </p:to>
+                                    </p:set>
+                                    <p:animEffect transition="in" filter="barn(inVertical)">
+                                      <p:cBhvr>
+                                        <p:cTn id="7" dur="500"/>
+                                        <p:tgtEl>
+                                          <p:spTgt spid="2"/>
+                                        </p:tgtEl>
+                                      </p:cBhvr>
+                                    </p:animEffect>
+                                  </p:childTnLst>
+                                </p:cTn>
+                              </p:par>
+                            </p:childTnLst>
+                          </p:cTn>
+                        </p:par>
+                      </p:childTnLst>
+                    </p:cTn>
+                  </p:par>
+                  <p:par>
+                    <p:cTn id="8" fill="hold">
+                      <p:stCondLst>
+                        <p:cond delay="indefinite"/>
+                      </p:stCondLst>
+                      <p:childTnLst>
+                        <p:par>
+                          <p:cTn id="9" fill="hold">
+                            <p:stCondLst>
+                              <p:cond delay="0"/>
+                            </p:stCondLst>
+                            <p:childTnLst>
+                              <p:par>
+                                <p:cTn id="10" presetID="2" presetClass="entr" presetSubtype="4" fill="hold" grpId="0" nodeType="clickEffect">
+                                  <p:stCondLst>
+                                    <p:cond delay="0"/>
+                                  </p:stCondLst>
+                                  <p:childTnLst>
+                                    <p:set>
+                                      <p:cBhvr>
+                                        <p:cTn id="11" dur="1" fill="hold">
+                                          <p:stCondLst>
+                                            <p:cond delay="0"/>
+                                          </p:stCondLst>
+                                        </p:cTn>
+                                        <p:tgtEl>
+                                          <p:spTgt spid="3">
+                                            <p:txEl>
+                                              <p:pRg st="0" end="0"/>
+                                            </p:txEl>
+                                          </p:spTgt>
+                                        </p:tgtEl>
+                                        <p:attrNameLst>
+                                          <p:attrName>style.visibility</p:attrName>
+                                        </p:attrNameLst>
+                                      </p:cBhvr>
+                                      <p:to>
+                                        <p:strVal val="visible"/>
+                                      </p:to>
+                                    </p:set>
+                                    <p:anim calcmode="lin" valueType="num">
+                                      <p:cBhvr additive="base">
+                                        <p:cTn id="12" dur="500" fill="hold"/>
+                                        <p:tgtEl>
+                                          <p:spTgt spid="3">
+                                            <p:txEl>
+                                              <p:pRg st="0" end="0"/>
+                                            </p:txEl>
+                                          </p:spTgt>
+                                        </p:tgtEl>
+                                        <p:attrNameLst>
+                                          <p:attrName>ppt_x</p:attrName>
+                                        </p:attrNameLst>
+                                      </p:cBhvr>
+                                      <p:tavLst>
+                                        <p:tav tm="0">
+                                          <p:val>
+                                            <p:strVal val="#ppt_x"/>
+                                          </p:val>
+                                        </p:tav>
+                                        <p:tav tm="100000">
+                                          <p:val>
+                                            <p:strVal val="#ppt_x"/>
+                                          </p:val>
+                                        </p:tav>
+                                      </p:tavLst>
+                                    </p:anim>
+                                    <p:anim calcmode="lin" valueType="num">
+                                      <p:cBhvr additive="base">
+                                        <p:cTn id="13" dur="500" fill="hold"/>
+                                        <p:tgtEl>
+                                          <p:spTgt spid="3">
+                                            <p:txEl>
+                                              <p:pRg st="0" end="0"/>
+                                            </p:txEl>
+                                          </p:spTgt>
+                                        </p:tgtEl>
+                                        <p:attrNameLst>
+                                          <p:attrName>ppt_y</p:attrName>
+                                        </p:attrNameLst>
+                                      </p:cBhvr>
+                                      <p:tavLst>
+                                        <p:tav tm="0">
+                                          <p:val>
+                                            <p:strVal val="1+#ppt_h/2"/>
+                                          </p:val>
+                                        </p:tav>
+                                        <p:tav tm="100000">
+                                          <p:val>
+                                            <p:strVal val="#ppt_y"/>
+                                          </p:val>
+                                        </p:tav>
+                                      </p:tavLst>
+                                    </p:anim>
+                                  </p:childTnLst>
+                                </p:cTn>
+                              </p:par>
+                            </p:childTnLst>
+                          </p:cTn>
+                        </p:par>
+                      </p:childTnLst>
+                    </p:cTn>
+                  </p:par>
+                  <p:par>
+                    <p:cTn id="14" fill="hold">
+                      <p:stCondLst>
+                        <p:cond delay="indefinite"/>
+                      </p:stCondLst>
+                      <p:childTnLst>
+                        <p:par>
+                          <p:cTn id="15" fill="hold">
+                            <p:stCondLst>
+                              <p:cond delay="0"/>
+                            </p:stCondLst>
+                            <p:childTnLst>
+                              <p:par>
+                                <p:cTn id="16" presetID="2" presetClass="entr" presetSubtype="4" fill="hold" grpId="0" nodeType="clickEffect">
+                                  <p:stCondLst>
+                                    <p:cond delay="0"/>
+                                  </p:stCondLst>
+                                  <p:childTnLst>
+                                    <p:set>
+                                      <p:cBhvr>
+                                        <p:cTn id="17" dur="1" fill="hold">
+                                          <p:stCondLst>
+                                            <p:cond delay="0"/>
+                                          </p:stCondLst>
+                                        </p:cTn>
+                                        <p:tgtEl>
+                                          <p:spTgt spid="3">
+                                            <p:txEl>
+                                              <p:pRg st="1" end="1"/>
+                                            </p:txEl>
+                                          </p:spTgt>
+                                        </p:tgtEl>
+                                        <p:attrNameLst>
+                                          <p:attrName>style.visibility</p:attrName>
+                                        </p:attrNameLst>
+                                      </p:cBhvr>
+                                      <p:to>
+                                        <p:strVal val="visible"/>
+                                      </p:to>
+                                    </p:set>
+                                    <p:anim calcmode="lin" valueType="num">
+                                      <p:cBhvr additive="base">
+                                        <p:cTn id="18" dur="500" fill="hold"/>
+                                        <p:tgtEl>
+                                          <p:spTgt spid="3">
+                                            <p:txEl>
+                                              <p:pRg st="1" end="1"/>
+                                            </p:txEl>
+                                          </p:spTgt>
+                                        </p:tgtEl>
+                                        <p:attrNameLst>
+                                          <p:attrName>ppt_x</p:attrName>
+                                        </p:attrNameLst>
+                                      </p:cBhvr>
+                                      <p:tavLst>
+                                        <p:tav tm="0">
+                                          <p:val>
+                                            <p:strVal val="#ppt_x"/>
+                                          </p:val>
+                                        </p:tav>
+                                        <p:tav tm="100000">
+                                          <p:val>
+                                            <p:strVal val="#ppt_x"/>
+                                          </p:val>
+                                        </p:tav>
+                                      </p:tavLst>
+                                    </p:anim>
+                                    <p:anim calcmode="lin" valueType="num">
+                                      <p:cBhvr additive="base">
+                                        <p:cTn id="19" dur="500" fill="hold"/>
+                                        <p:tgtEl>
+                                          <p:spTgt spid="3">
+                                            <p:txEl>
+                                              <p:pRg st="1" end="1"/>
+                                            </p:txEl>
+                                          </p:spTgt>
+                                        </p:tgtEl>
+                                        <p:attrNameLst>
+                                          <p:attrName>ppt_y</p:attrName>
+                                        </p:attrNameLst>
+                                      </p:cBhvr>
+                                      <p:tavLst>
+                                        <p:tav tm="0">
+                                          <p:val>
+                                            <p:strVal val="1+#ppt_h/2"/>
+                                          </p:val>
+                                        </p:tav>
+                                        <p:tav tm="100000">
+                                          <p:val>
+                                            <p:strVal val="#ppt_y"/>
+                                          </p:val>
+                                        </p:tav>
+                                      </p:tavLst>
+                                    </p:anim>
+                                  </p:childTnLst>
+                                </p:cTn>
+                              </p:par>
+                            </p:childTnLst>
+                          </p:cTn>
+                        </p:par>
+                      </p:childTnLst>
+                    </p:cTn>
+                  </p:par>
+                </p:childTnLst>
+              </p:cTn>
+              <p:prevCondLst>
+                <p:cond evt="onPrev" delay="0">
+                  <p:tgtEl>
+                    <p:sldTgt/>
+                  </p:tgtEl>
+                </p:cond>
+              </p:prevCondLst>
+              <p:nextCondLst>
+                <p:cond evt="onNext" delay="0">
+                  <p:tgtEl>
+                    <p:sldTgt/>
+                  </p:tgtEl>
+                </p:cond>
+              </p:nextCondLst>
+            </p:seq>
+          </p:childTnLst>
+        </p:cTn>
+      </p:par>
+    </p:tnLst>
+    <p:bldLst>
+      <p:bldP spid="2" grpId="0"/>
+      <p:bldP spid="3" grpId="0" build="p"/>
+    </p:bldLst>
+  </p:timing>
 </p:sld>
 </file>
 
@@ -17132,7 +19448,7 @@
           <a:lstStyle/>
           <a:p>
             <a:r>
-              <a:rPr lang="en-US" sz="3200"/>
+              <a:rPr lang="en-US" sz="3200" dirty="0"/>
               <a:t>How Did We Come to These Conclusions?</a:t>
             </a:r>
           </a:p>
@@ -17264,7 +19580,7 @@
               </a:lnSpc>
             </a:pPr>
             <a:r>
-              <a:rPr lang="en-US" sz="1500"/>
+              <a:rPr lang="en-US" sz="1500" dirty="0"/>
               <a:t>Creating a correlation table yielded interesting results – after sorting through all of the relationships, 3 variables returned with the highest correlation</a:t>
             </a:r>
           </a:p>
@@ -17274,7 +19590,7 @@
                 <a:spcPct val="100000"/>
               </a:lnSpc>
             </a:pPr>
-            <a:endParaRPr lang="en-US" sz="1500"/>
+            <a:endParaRPr lang="en-US" sz="1500" dirty="0"/>
           </a:p>
           <a:p>
             <a:pPr>
@@ -17283,7 +19599,7 @@
               </a:lnSpc>
             </a:pPr>
             <a:r>
-              <a:rPr lang="en-US" sz="1500"/>
+              <a:rPr lang="en-US" sz="1500" dirty="0"/>
               <a:t>It’s important to note that correlation does not equal causation, but this led us to further explore the data</a:t>
             </a:r>
           </a:p>
@@ -17293,7 +19609,7 @@
                 <a:spcPct val="100000"/>
               </a:lnSpc>
             </a:pPr>
-            <a:endParaRPr lang="en-US" sz="1500"/>
+            <a:endParaRPr lang="en-US" sz="1500" dirty="0"/>
           </a:p>
           <a:p>
             <a:pPr>
@@ -17302,7 +19618,7 @@
               </a:lnSpc>
             </a:pPr>
             <a:r>
-              <a:rPr lang="en-US" sz="1500"/>
+              <a:rPr lang="en-US" sz="1500" dirty="0"/>
               <a:t>The coefficients were:</a:t>
             </a:r>
           </a:p>
@@ -17313,7 +19629,7 @@
               </a:lnSpc>
             </a:pPr>
             <a:r>
-              <a:rPr lang="en-US" sz="1500"/>
+              <a:rPr lang="en-US" sz="1500" dirty="0"/>
               <a:t>Overtime – 0.272</a:t>
             </a:r>
           </a:p>
@@ -17324,7 +19640,7 @@
               </a:lnSpc>
             </a:pPr>
             <a:r>
-              <a:rPr lang="en-US" sz="1500"/>
+              <a:rPr lang="en-US" sz="1500" dirty="0"/>
               <a:t>Marital Status – 0.197</a:t>
             </a:r>
           </a:p>
@@ -17335,7 +19651,7 @@
               </a:lnSpc>
             </a:pPr>
             <a:r>
-              <a:rPr lang="en-US" sz="1500"/>
+              <a:rPr lang="en-US" sz="1500" dirty="0"/>
               <a:t>Job Role – 0.09</a:t>
             </a:r>
           </a:p>
@@ -17351,6 +19667,786 @@
   <p:clrMapOvr>
     <a:masterClrMapping/>
   </p:clrMapOvr>
+  <p:transition spd="slow">
+    <p:wipe/>
+  </p:transition>
+  <p:timing>
+    <p:tnLst>
+      <p:par>
+        <p:cTn id="1" dur="indefinite" restart="never" nodeType="tmRoot">
+          <p:childTnLst>
+            <p:seq concurrent="1" nextAc="seek">
+              <p:cTn id="2" dur="indefinite" nodeType="mainSeq">
+                <p:childTnLst>
+                  <p:par>
+                    <p:cTn id="3" fill="hold">
+                      <p:stCondLst>
+                        <p:cond delay="indefinite"/>
+                      </p:stCondLst>
+                      <p:childTnLst>
+                        <p:par>
+                          <p:cTn id="4" fill="hold">
+                            <p:stCondLst>
+                              <p:cond delay="0"/>
+                            </p:stCondLst>
+                            <p:childTnLst>
+                              <p:par>
+                                <p:cTn id="5" presetID="10" presetClass="entr" presetSubtype="0" fill="hold" grpId="0" nodeType="clickEffect">
+                                  <p:stCondLst>
+                                    <p:cond delay="0"/>
+                                  </p:stCondLst>
+                                  <p:childTnLst>
+                                    <p:set>
+                                      <p:cBhvr>
+                                        <p:cTn id="6" dur="1" fill="hold">
+                                          <p:stCondLst>
+                                            <p:cond delay="0"/>
+                                          </p:stCondLst>
+                                        </p:cTn>
+                                        <p:tgtEl>
+                                          <p:spTgt spid="2"/>
+                                        </p:tgtEl>
+                                        <p:attrNameLst>
+                                          <p:attrName>style.visibility</p:attrName>
+                                        </p:attrNameLst>
+                                      </p:cBhvr>
+                                      <p:to>
+                                        <p:strVal val="visible"/>
+                                      </p:to>
+                                    </p:set>
+                                    <p:animEffect transition="in" filter="fade">
+                                      <p:cBhvr>
+                                        <p:cTn id="7" dur="500"/>
+                                        <p:tgtEl>
+                                          <p:spTgt spid="2"/>
+                                        </p:tgtEl>
+                                      </p:cBhvr>
+                                    </p:animEffect>
+                                  </p:childTnLst>
+                                </p:cTn>
+                              </p:par>
+                            </p:childTnLst>
+                          </p:cTn>
+                        </p:par>
+                      </p:childTnLst>
+                    </p:cTn>
+                  </p:par>
+                  <p:par>
+                    <p:cTn id="8" fill="hold">
+                      <p:stCondLst>
+                        <p:cond delay="indefinite"/>
+                      </p:stCondLst>
+                      <p:childTnLst>
+                        <p:par>
+                          <p:cTn id="9" fill="hold">
+                            <p:stCondLst>
+                              <p:cond delay="0"/>
+                            </p:stCondLst>
+                            <p:childTnLst>
+                              <p:par>
+                                <p:cTn id="10" presetID="42" presetClass="entr" presetSubtype="0" fill="hold" grpId="0" nodeType="clickEffect">
+                                  <p:stCondLst>
+                                    <p:cond delay="0"/>
+                                  </p:stCondLst>
+                                  <p:childTnLst>
+                                    <p:set>
+                                      <p:cBhvr>
+                                        <p:cTn id="11" dur="1" fill="hold">
+                                          <p:stCondLst>
+                                            <p:cond delay="0"/>
+                                          </p:stCondLst>
+                                        </p:cTn>
+                                        <p:tgtEl>
+                                          <p:spTgt spid="3">
+                                            <p:txEl>
+                                              <p:pRg st="0" end="0"/>
+                                            </p:txEl>
+                                          </p:spTgt>
+                                        </p:tgtEl>
+                                        <p:attrNameLst>
+                                          <p:attrName>style.visibility</p:attrName>
+                                        </p:attrNameLst>
+                                      </p:cBhvr>
+                                      <p:to>
+                                        <p:strVal val="visible"/>
+                                      </p:to>
+                                    </p:set>
+                                    <p:animEffect transition="in" filter="fade">
+                                      <p:cBhvr>
+                                        <p:cTn id="12" dur="1000"/>
+                                        <p:tgtEl>
+                                          <p:spTgt spid="3">
+                                            <p:txEl>
+                                              <p:pRg st="0" end="0"/>
+                                            </p:txEl>
+                                          </p:spTgt>
+                                        </p:tgtEl>
+                                      </p:cBhvr>
+                                    </p:animEffect>
+                                    <p:anim calcmode="lin" valueType="num">
+                                      <p:cBhvr>
+                                        <p:cTn id="13" dur="1000" fill="hold"/>
+                                        <p:tgtEl>
+                                          <p:spTgt spid="3">
+                                            <p:txEl>
+                                              <p:pRg st="0" end="0"/>
+                                            </p:txEl>
+                                          </p:spTgt>
+                                        </p:tgtEl>
+                                        <p:attrNameLst>
+                                          <p:attrName>ppt_x</p:attrName>
+                                        </p:attrNameLst>
+                                      </p:cBhvr>
+                                      <p:tavLst>
+                                        <p:tav tm="0">
+                                          <p:val>
+                                            <p:strVal val="#ppt_x"/>
+                                          </p:val>
+                                        </p:tav>
+                                        <p:tav tm="100000">
+                                          <p:val>
+                                            <p:strVal val="#ppt_x"/>
+                                          </p:val>
+                                        </p:tav>
+                                      </p:tavLst>
+                                    </p:anim>
+                                    <p:anim calcmode="lin" valueType="num">
+                                      <p:cBhvr>
+                                        <p:cTn id="14" dur="1000" fill="hold"/>
+                                        <p:tgtEl>
+                                          <p:spTgt spid="3">
+                                            <p:txEl>
+                                              <p:pRg st="0" end="0"/>
+                                            </p:txEl>
+                                          </p:spTgt>
+                                        </p:tgtEl>
+                                        <p:attrNameLst>
+                                          <p:attrName>ppt_y</p:attrName>
+                                        </p:attrNameLst>
+                                      </p:cBhvr>
+                                      <p:tavLst>
+                                        <p:tav tm="0">
+                                          <p:val>
+                                            <p:strVal val="#ppt_y+.1"/>
+                                          </p:val>
+                                        </p:tav>
+                                        <p:tav tm="100000">
+                                          <p:val>
+                                            <p:strVal val="#ppt_y"/>
+                                          </p:val>
+                                        </p:tav>
+                                      </p:tavLst>
+                                    </p:anim>
+                                  </p:childTnLst>
+                                </p:cTn>
+                              </p:par>
+                            </p:childTnLst>
+                          </p:cTn>
+                        </p:par>
+                      </p:childTnLst>
+                    </p:cTn>
+                  </p:par>
+                  <p:par>
+                    <p:cTn id="15" fill="hold">
+                      <p:stCondLst>
+                        <p:cond delay="indefinite"/>
+                      </p:stCondLst>
+                      <p:childTnLst>
+                        <p:par>
+                          <p:cTn id="16" fill="hold">
+                            <p:stCondLst>
+                              <p:cond delay="0"/>
+                            </p:stCondLst>
+                            <p:childTnLst>
+                              <p:par>
+                                <p:cTn id="17" presetID="42" presetClass="entr" presetSubtype="0" fill="hold" grpId="0" nodeType="clickEffect">
+                                  <p:stCondLst>
+                                    <p:cond delay="0"/>
+                                  </p:stCondLst>
+                                  <p:childTnLst>
+                                    <p:set>
+                                      <p:cBhvr>
+                                        <p:cTn id="18" dur="1" fill="hold">
+                                          <p:stCondLst>
+                                            <p:cond delay="0"/>
+                                          </p:stCondLst>
+                                        </p:cTn>
+                                        <p:tgtEl>
+                                          <p:spTgt spid="3">
+                                            <p:txEl>
+                                              <p:pRg st="2" end="2"/>
+                                            </p:txEl>
+                                          </p:spTgt>
+                                        </p:tgtEl>
+                                        <p:attrNameLst>
+                                          <p:attrName>style.visibility</p:attrName>
+                                        </p:attrNameLst>
+                                      </p:cBhvr>
+                                      <p:to>
+                                        <p:strVal val="visible"/>
+                                      </p:to>
+                                    </p:set>
+                                    <p:animEffect transition="in" filter="fade">
+                                      <p:cBhvr>
+                                        <p:cTn id="19" dur="1000"/>
+                                        <p:tgtEl>
+                                          <p:spTgt spid="3">
+                                            <p:txEl>
+                                              <p:pRg st="2" end="2"/>
+                                            </p:txEl>
+                                          </p:spTgt>
+                                        </p:tgtEl>
+                                      </p:cBhvr>
+                                    </p:animEffect>
+                                    <p:anim calcmode="lin" valueType="num">
+                                      <p:cBhvr>
+                                        <p:cTn id="20" dur="1000" fill="hold"/>
+                                        <p:tgtEl>
+                                          <p:spTgt spid="3">
+                                            <p:txEl>
+                                              <p:pRg st="2" end="2"/>
+                                            </p:txEl>
+                                          </p:spTgt>
+                                        </p:tgtEl>
+                                        <p:attrNameLst>
+                                          <p:attrName>ppt_x</p:attrName>
+                                        </p:attrNameLst>
+                                      </p:cBhvr>
+                                      <p:tavLst>
+                                        <p:tav tm="0">
+                                          <p:val>
+                                            <p:strVal val="#ppt_x"/>
+                                          </p:val>
+                                        </p:tav>
+                                        <p:tav tm="100000">
+                                          <p:val>
+                                            <p:strVal val="#ppt_x"/>
+                                          </p:val>
+                                        </p:tav>
+                                      </p:tavLst>
+                                    </p:anim>
+                                    <p:anim calcmode="lin" valueType="num">
+                                      <p:cBhvr>
+                                        <p:cTn id="21" dur="1000" fill="hold"/>
+                                        <p:tgtEl>
+                                          <p:spTgt spid="3">
+                                            <p:txEl>
+                                              <p:pRg st="2" end="2"/>
+                                            </p:txEl>
+                                          </p:spTgt>
+                                        </p:tgtEl>
+                                        <p:attrNameLst>
+                                          <p:attrName>ppt_y</p:attrName>
+                                        </p:attrNameLst>
+                                      </p:cBhvr>
+                                      <p:tavLst>
+                                        <p:tav tm="0">
+                                          <p:val>
+                                            <p:strVal val="#ppt_y+.1"/>
+                                          </p:val>
+                                        </p:tav>
+                                        <p:tav tm="100000">
+                                          <p:val>
+                                            <p:strVal val="#ppt_y"/>
+                                          </p:val>
+                                        </p:tav>
+                                      </p:tavLst>
+                                    </p:anim>
+                                  </p:childTnLst>
+                                </p:cTn>
+                              </p:par>
+                            </p:childTnLst>
+                          </p:cTn>
+                        </p:par>
+                      </p:childTnLst>
+                    </p:cTn>
+                  </p:par>
+                  <p:par>
+                    <p:cTn id="22" fill="hold">
+                      <p:stCondLst>
+                        <p:cond delay="indefinite"/>
+                      </p:stCondLst>
+                      <p:childTnLst>
+                        <p:par>
+                          <p:cTn id="23" fill="hold">
+                            <p:stCondLst>
+                              <p:cond delay="0"/>
+                            </p:stCondLst>
+                            <p:childTnLst>
+                              <p:par>
+                                <p:cTn id="24" presetID="42" presetClass="entr" presetSubtype="0" fill="hold" grpId="0" nodeType="clickEffect">
+                                  <p:stCondLst>
+                                    <p:cond delay="0"/>
+                                  </p:stCondLst>
+                                  <p:childTnLst>
+                                    <p:set>
+                                      <p:cBhvr>
+                                        <p:cTn id="25" dur="1" fill="hold">
+                                          <p:stCondLst>
+                                            <p:cond delay="0"/>
+                                          </p:stCondLst>
+                                        </p:cTn>
+                                        <p:tgtEl>
+                                          <p:spTgt spid="3">
+                                            <p:txEl>
+                                              <p:pRg st="4" end="4"/>
+                                            </p:txEl>
+                                          </p:spTgt>
+                                        </p:tgtEl>
+                                        <p:attrNameLst>
+                                          <p:attrName>style.visibility</p:attrName>
+                                        </p:attrNameLst>
+                                      </p:cBhvr>
+                                      <p:to>
+                                        <p:strVal val="visible"/>
+                                      </p:to>
+                                    </p:set>
+                                    <p:animEffect transition="in" filter="fade">
+                                      <p:cBhvr>
+                                        <p:cTn id="26" dur="1000"/>
+                                        <p:tgtEl>
+                                          <p:spTgt spid="3">
+                                            <p:txEl>
+                                              <p:pRg st="4" end="4"/>
+                                            </p:txEl>
+                                          </p:spTgt>
+                                        </p:tgtEl>
+                                      </p:cBhvr>
+                                    </p:animEffect>
+                                    <p:anim calcmode="lin" valueType="num">
+                                      <p:cBhvr>
+                                        <p:cTn id="27" dur="1000" fill="hold"/>
+                                        <p:tgtEl>
+                                          <p:spTgt spid="3">
+                                            <p:txEl>
+                                              <p:pRg st="4" end="4"/>
+                                            </p:txEl>
+                                          </p:spTgt>
+                                        </p:tgtEl>
+                                        <p:attrNameLst>
+                                          <p:attrName>ppt_x</p:attrName>
+                                        </p:attrNameLst>
+                                      </p:cBhvr>
+                                      <p:tavLst>
+                                        <p:tav tm="0">
+                                          <p:val>
+                                            <p:strVal val="#ppt_x"/>
+                                          </p:val>
+                                        </p:tav>
+                                        <p:tav tm="100000">
+                                          <p:val>
+                                            <p:strVal val="#ppt_x"/>
+                                          </p:val>
+                                        </p:tav>
+                                      </p:tavLst>
+                                    </p:anim>
+                                    <p:anim calcmode="lin" valueType="num">
+                                      <p:cBhvr>
+                                        <p:cTn id="28" dur="1000" fill="hold"/>
+                                        <p:tgtEl>
+                                          <p:spTgt spid="3">
+                                            <p:txEl>
+                                              <p:pRg st="4" end="4"/>
+                                            </p:txEl>
+                                          </p:spTgt>
+                                        </p:tgtEl>
+                                        <p:attrNameLst>
+                                          <p:attrName>ppt_y</p:attrName>
+                                        </p:attrNameLst>
+                                      </p:cBhvr>
+                                      <p:tavLst>
+                                        <p:tav tm="0">
+                                          <p:val>
+                                            <p:strVal val="#ppt_y+.1"/>
+                                          </p:val>
+                                        </p:tav>
+                                        <p:tav tm="100000">
+                                          <p:val>
+                                            <p:strVal val="#ppt_y"/>
+                                          </p:val>
+                                        </p:tav>
+                                      </p:tavLst>
+                                    </p:anim>
+                                  </p:childTnLst>
+                                </p:cTn>
+                              </p:par>
+                            </p:childTnLst>
+                          </p:cTn>
+                        </p:par>
+                      </p:childTnLst>
+                    </p:cTn>
+                  </p:par>
+                  <p:par>
+                    <p:cTn id="29" fill="hold">
+                      <p:stCondLst>
+                        <p:cond delay="indefinite"/>
+                      </p:stCondLst>
+                      <p:childTnLst>
+                        <p:par>
+                          <p:cTn id="30" fill="hold">
+                            <p:stCondLst>
+                              <p:cond delay="0"/>
+                            </p:stCondLst>
+                            <p:childTnLst>
+                              <p:par>
+                                <p:cTn id="31" presetID="42" presetClass="entr" presetSubtype="0" fill="hold" grpId="0" nodeType="clickEffect">
+                                  <p:stCondLst>
+                                    <p:cond delay="0"/>
+                                  </p:stCondLst>
+                                  <p:childTnLst>
+                                    <p:set>
+                                      <p:cBhvr>
+                                        <p:cTn id="32" dur="1" fill="hold">
+                                          <p:stCondLst>
+                                            <p:cond delay="0"/>
+                                          </p:stCondLst>
+                                        </p:cTn>
+                                        <p:tgtEl>
+                                          <p:spTgt spid="3">
+                                            <p:txEl>
+                                              <p:pRg st="5" end="5"/>
+                                            </p:txEl>
+                                          </p:spTgt>
+                                        </p:tgtEl>
+                                        <p:attrNameLst>
+                                          <p:attrName>style.visibility</p:attrName>
+                                        </p:attrNameLst>
+                                      </p:cBhvr>
+                                      <p:to>
+                                        <p:strVal val="visible"/>
+                                      </p:to>
+                                    </p:set>
+                                    <p:animEffect transition="in" filter="fade">
+                                      <p:cBhvr>
+                                        <p:cTn id="33" dur="1000"/>
+                                        <p:tgtEl>
+                                          <p:spTgt spid="3">
+                                            <p:txEl>
+                                              <p:pRg st="5" end="5"/>
+                                            </p:txEl>
+                                          </p:spTgt>
+                                        </p:tgtEl>
+                                      </p:cBhvr>
+                                    </p:animEffect>
+                                    <p:anim calcmode="lin" valueType="num">
+                                      <p:cBhvr>
+                                        <p:cTn id="34" dur="1000" fill="hold"/>
+                                        <p:tgtEl>
+                                          <p:spTgt spid="3">
+                                            <p:txEl>
+                                              <p:pRg st="5" end="5"/>
+                                            </p:txEl>
+                                          </p:spTgt>
+                                        </p:tgtEl>
+                                        <p:attrNameLst>
+                                          <p:attrName>ppt_x</p:attrName>
+                                        </p:attrNameLst>
+                                      </p:cBhvr>
+                                      <p:tavLst>
+                                        <p:tav tm="0">
+                                          <p:val>
+                                            <p:strVal val="#ppt_x"/>
+                                          </p:val>
+                                        </p:tav>
+                                        <p:tav tm="100000">
+                                          <p:val>
+                                            <p:strVal val="#ppt_x"/>
+                                          </p:val>
+                                        </p:tav>
+                                      </p:tavLst>
+                                    </p:anim>
+                                    <p:anim calcmode="lin" valueType="num">
+                                      <p:cBhvr>
+                                        <p:cTn id="35" dur="1000" fill="hold"/>
+                                        <p:tgtEl>
+                                          <p:spTgt spid="3">
+                                            <p:txEl>
+                                              <p:pRg st="5" end="5"/>
+                                            </p:txEl>
+                                          </p:spTgt>
+                                        </p:tgtEl>
+                                        <p:attrNameLst>
+                                          <p:attrName>ppt_y</p:attrName>
+                                        </p:attrNameLst>
+                                      </p:cBhvr>
+                                      <p:tavLst>
+                                        <p:tav tm="0">
+                                          <p:val>
+                                            <p:strVal val="#ppt_y+.1"/>
+                                          </p:val>
+                                        </p:tav>
+                                        <p:tav tm="100000">
+                                          <p:val>
+                                            <p:strVal val="#ppt_y"/>
+                                          </p:val>
+                                        </p:tav>
+                                      </p:tavLst>
+                                    </p:anim>
+                                  </p:childTnLst>
+                                </p:cTn>
+                              </p:par>
+                            </p:childTnLst>
+                          </p:cTn>
+                        </p:par>
+                      </p:childTnLst>
+                    </p:cTn>
+                  </p:par>
+                  <p:par>
+                    <p:cTn id="36" fill="hold">
+                      <p:stCondLst>
+                        <p:cond delay="indefinite"/>
+                      </p:stCondLst>
+                      <p:childTnLst>
+                        <p:par>
+                          <p:cTn id="37" fill="hold">
+                            <p:stCondLst>
+                              <p:cond delay="0"/>
+                            </p:stCondLst>
+                            <p:childTnLst>
+                              <p:par>
+                                <p:cTn id="38" presetID="42" presetClass="entr" presetSubtype="0" fill="hold" grpId="0" nodeType="clickEffect">
+                                  <p:stCondLst>
+                                    <p:cond delay="0"/>
+                                  </p:stCondLst>
+                                  <p:childTnLst>
+                                    <p:set>
+                                      <p:cBhvr>
+                                        <p:cTn id="39" dur="1" fill="hold">
+                                          <p:stCondLst>
+                                            <p:cond delay="0"/>
+                                          </p:stCondLst>
+                                        </p:cTn>
+                                        <p:tgtEl>
+                                          <p:spTgt spid="3">
+                                            <p:txEl>
+                                              <p:pRg st="6" end="6"/>
+                                            </p:txEl>
+                                          </p:spTgt>
+                                        </p:tgtEl>
+                                        <p:attrNameLst>
+                                          <p:attrName>style.visibility</p:attrName>
+                                        </p:attrNameLst>
+                                      </p:cBhvr>
+                                      <p:to>
+                                        <p:strVal val="visible"/>
+                                      </p:to>
+                                    </p:set>
+                                    <p:animEffect transition="in" filter="fade">
+                                      <p:cBhvr>
+                                        <p:cTn id="40" dur="1000"/>
+                                        <p:tgtEl>
+                                          <p:spTgt spid="3">
+                                            <p:txEl>
+                                              <p:pRg st="6" end="6"/>
+                                            </p:txEl>
+                                          </p:spTgt>
+                                        </p:tgtEl>
+                                      </p:cBhvr>
+                                    </p:animEffect>
+                                    <p:anim calcmode="lin" valueType="num">
+                                      <p:cBhvr>
+                                        <p:cTn id="41" dur="1000" fill="hold"/>
+                                        <p:tgtEl>
+                                          <p:spTgt spid="3">
+                                            <p:txEl>
+                                              <p:pRg st="6" end="6"/>
+                                            </p:txEl>
+                                          </p:spTgt>
+                                        </p:tgtEl>
+                                        <p:attrNameLst>
+                                          <p:attrName>ppt_x</p:attrName>
+                                        </p:attrNameLst>
+                                      </p:cBhvr>
+                                      <p:tavLst>
+                                        <p:tav tm="0">
+                                          <p:val>
+                                            <p:strVal val="#ppt_x"/>
+                                          </p:val>
+                                        </p:tav>
+                                        <p:tav tm="100000">
+                                          <p:val>
+                                            <p:strVal val="#ppt_x"/>
+                                          </p:val>
+                                        </p:tav>
+                                      </p:tavLst>
+                                    </p:anim>
+                                    <p:anim calcmode="lin" valueType="num">
+                                      <p:cBhvr>
+                                        <p:cTn id="42" dur="1000" fill="hold"/>
+                                        <p:tgtEl>
+                                          <p:spTgt spid="3">
+                                            <p:txEl>
+                                              <p:pRg st="6" end="6"/>
+                                            </p:txEl>
+                                          </p:spTgt>
+                                        </p:tgtEl>
+                                        <p:attrNameLst>
+                                          <p:attrName>ppt_y</p:attrName>
+                                        </p:attrNameLst>
+                                      </p:cBhvr>
+                                      <p:tavLst>
+                                        <p:tav tm="0">
+                                          <p:val>
+                                            <p:strVal val="#ppt_y+.1"/>
+                                          </p:val>
+                                        </p:tav>
+                                        <p:tav tm="100000">
+                                          <p:val>
+                                            <p:strVal val="#ppt_y"/>
+                                          </p:val>
+                                        </p:tav>
+                                      </p:tavLst>
+                                    </p:anim>
+                                  </p:childTnLst>
+                                </p:cTn>
+                              </p:par>
+                            </p:childTnLst>
+                          </p:cTn>
+                        </p:par>
+                      </p:childTnLst>
+                    </p:cTn>
+                  </p:par>
+                  <p:par>
+                    <p:cTn id="43" fill="hold">
+                      <p:stCondLst>
+                        <p:cond delay="indefinite"/>
+                      </p:stCondLst>
+                      <p:childTnLst>
+                        <p:par>
+                          <p:cTn id="44" fill="hold">
+                            <p:stCondLst>
+                              <p:cond delay="0"/>
+                            </p:stCondLst>
+                            <p:childTnLst>
+                              <p:par>
+                                <p:cTn id="45" presetID="42" presetClass="entr" presetSubtype="0" fill="hold" grpId="0" nodeType="clickEffect">
+                                  <p:stCondLst>
+                                    <p:cond delay="0"/>
+                                  </p:stCondLst>
+                                  <p:childTnLst>
+                                    <p:set>
+                                      <p:cBhvr>
+                                        <p:cTn id="46" dur="1" fill="hold">
+                                          <p:stCondLst>
+                                            <p:cond delay="0"/>
+                                          </p:stCondLst>
+                                        </p:cTn>
+                                        <p:tgtEl>
+                                          <p:spTgt spid="3">
+                                            <p:txEl>
+                                              <p:pRg st="7" end="7"/>
+                                            </p:txEl>
+                                          </p:spTgt>
+                                        </p:tgtEl>
+                                        <p:attrNameLst>
+                                          <p:attrName>style.visibility</p:attrName>
+                                        </p:attrNameLst>
+                                      </p:cBhvr>
+                                      <p:to>
+                                        <p:strVal val="visible"/>
+                                      </p:to>
+                                    </p:set>
+                                    <p:animEffect transition="in" filter="fade">
+                                      <p:cBhvr>
+                                        <p:cTn id="47" dur="1000"/>
+                                        <p:tgtEl>
+                                          <p:spTgt spid="3">
+                                            <p:txEl>
+                                              <p:pRg st="7" end="7"/>
+                                            </p:txEl>
+                                          </p:spTgt>
+                                        </p:tgtEl>
+                                      </p:cBhvr>
+                                    </p:animEffect>
+                                    <p:anim calcmode="lin" valueType="num">
+                                      <p:cBhvr>
+                                        <p:cTn id="48" dur="1000" fill="hold"/>
+                                        <p:tgtEl>
+                                          <p:spTgt spid="3">
+                                            <p:txEl>
+                                              <p:pRg st="7" end="7"/>
+                                            </p:txEl>
+                                          </p:spTgt>
+                                        </p:tgtEl>
+                                        <p:attrNameLst>
+                                          <p:attrName>ppt_x</p:attrName>
+                                        </p:attrNameLst>
+                                      </p:cBhvr>
+                                      <p:tavLst>
+                                        <p:tav tm="0">
+                                          <p:val>
+                                            <p:strVal val="#ppt_x"/>
+                                          </p:val>
+                                        </p:tav>
+                                        <p:tav tm="100000">
+                                          <p:val>
+                                            <p:strVal val="#ppt_x"/>
+                                          </p:val>
+                                        </p:tav>
+                                      </p:tavLst>
+                                    </p:anim>
+                                    <p:anim calcmode="lin" valueType="num">
+                                      <p:cBhvr>
+                                        <p:cTn id="49" dur="1000" fill="hold"/>
+                                        <p:tgtEl>
+                                          <p:spTgt spid="3">
+                                            <p:txEl>
+                                              <p:pRg st="7" end="7"/>
+                                            </p:txEl>
+                                          </p:spTgt>
+                                        </p:tgtEl>
+                                        <p:attrNameLst>
+                                          <p:attrName>ppt_y</p:attrName>
+                                        </p:attrNameLst>
+                                      </p:cBhvr>
+                                      <p:tavLst>
+                                        <p:tav tm="0">
+                                          <p:val>
+                                            <p:strVal val="#ppt_y+.1"/>
+                                          </p:val>
+                                        </p:tav>
+                                        <p:tav tm="100000">
+                                          <p:val>
+                                            <p:strVal val="#ppt_y"/>
+                                          </p:val>
+                                        </p:tav>
+                                      </p:tavLst>
+                                    </p:anim>
+                                  </p:childTnLst>
+                                </p:cTn>
+                              </p:par>
+                            </p:childTnLst>
+                          </p:cTn>
+                        </p:par>
+                      </p:childTnLst>
+                    </p:cTn>
+                  </p:par>
+                </p:childTnLst>
+              </p:cTn>
+              <p:prevCondLst>
+                <p:cond evt="onPrev" delay="0">
+                  <p:tgtEl>
+                    <p:sldTgt/>
+                  </p:tgtEl>
+                </p:cond>
+              </p:prevCondLst>
+              <p:nextCondLst>
+                <p:cond evt="onNext" delay="0">
+                  <p:tgtEl>
+                    <p:sldTgt/>
+                  </p:tgtEl>
+                </p:cond>
+              </p:nextCondLst>
+            </p:seq>
+          </p:childTnLst>
+        </p:cTn>
+      </p:par>
+    </p:tnLst>
+    <p:bldLst>
+      <p:bldP spid="2" grpId="0"/>
+      <p:bldP spid="3" grpId="0" build="p"/>
+    </p:bldLst>
+  </p:timing>
 </p:sld>
 </file>
 
@@ -17806,7 +20902,7 @@
           <a:lstStyle/>
           <a:p>
             <a:r>
-              <a:rPr lang="en-US"/>
+              <a:rPr lang="en-US" dirty="0"/>
               <a:t>How Did We Come to These Conclusions?</a:t>
             </a:r>
           </a:p>
@@ -17933,37 +21029,37 @@
           <a:lstStyle/>
           <a:p>
             <a:r>
-              <a:rPr lang="en-US" sz="1900"/>
+              <a:rPr lang="en-US" sz="1900" dirty="0"/>
               <a:t>Running t-tests to determine whether the variable had an impact on attrition yielded different results from the correlation analysis. </a:t>
             </a:r>
           </a:p>
           <a:p>
             <a:r>
-              <a:rPr lang="en-US" sz="1900"/>
+              <a:rPr lang="en-US" sz="1900" dirty="0"/>
               <a:t>The test works by comparing each case against the others with the influence of a given variable removed. The test then provides a p-value (or likelihood of the effect being random). </a:t>
             </a:r>
           </a:p>
           <a:p>
             <a:r>
-              <a:rPr lang="en-US" sz="1900"/>
+              <a:rPr lang="en-US" sz="1900" dirty="0"/>
               <a:t>Lower p-values mean a higher likelihood that the influence is causal and not chance. (&lt;0.05 or 5.0e-2 is typical for a conclusion)</a:t>
             </a:r>
           </a:p>
           <a:p>
             <a:r>
-              <a:rPr lang="en-US" sz="1900"/>
+              <a:rPr lang="en-US" sz="1900" dirty="0"/>
               <a:t>Monthly Income 2.412e-07</a:t>
             </a:r>
           </a:p>
           <a:p>
             <a:r>
-              <a:rPr lang="en-US" sz="1900"/>
+              <a:rPr lang="en-US" sz="1900" dirty="0"/>
               <a:t>Job Level 4.041e-07</a:t>
             </a:r>
           </a:p>
           <a:p>
             <a:r>
-              <a:rPr lang="en-US" sz="1900"/>
+              <a:rPr lang="en-US" sz="1900" dirty="0"/>
               <a:t>Working Years 6.59e-07</a:t>
             </a:r>
           </a:p>
@@ -17979,6 +21075,715 @@
   <p:clrMapOvr>
     <a:masterClrMapping/>
   </p:clrMapOvr>
+  <mc:AlternateContent xmlns:mc="http://schemas.openxmlformats.org/markup-compatibility/2006">
+    <mc:Choice xmlns:p14="http://schemas.microsoft.com/office/powerpoint/2010/main" Requires="p14">
+      <p:transition spd="slow" p14:dur="3400">
+        <p14:reveal/>
+      </p:transition>
+    </mc:Choice>
+    <mc:Fallback>
+      <p:transition spd="slow">
+        <p:fade/>
+      </p:transition>
+    </mc:Fallback>
+  </mc:AlternateContent>
+  <p:timing>
+    <p:tnLst>
+      <p:par>
+        <p:cTn id="1" dur="indefinite" restart="never" nodeType="tmRoot">
+          <p:childTnLst>
+            <p:seq concurrent="1" nextAc="seek">
+              <p:cTn id="2" dur="indefinite" nodeType="mainSeq">
+                <p:childTnLst>
+                  <p:par>
+                    <p:cTn id="3" fill="hold">
+                      <p:stCondLst>
+                        <p:cond delay="indefinite"/>
+                      </p:stCondLst>
+                      <p:childTnLst>
+                        <p:par>
+                          <p:cTn id="4" fill="hold">
+                            <p:stCondLst>
+                              <p:cond delay="0"/>
+                            </p:stCondLst>
+                            <p:childTnLst>
+                              <p:par>
+                                <p:cTn id="5" presetID="1" presetClass="entr" presetSubtype="0" fill="hold" grpId="0" nodeType="clickEffect">
+                                  <p:stCondLst>
+                                    <p:cond delay="0"/>
+                                  </p:stCondLst>
+                                  <p:childTnLst>
+                                    <p:set>
+                                      <p:cBhvr>
+                                        <p:cTn id="6" dur="1" fill="hold">
+                                          <p:stCondLst>
+                                            <p:cond delay="0"/>
+                                          </p:stCondLst>
+                                        </p:cTn>
+                                        <p:tgtEl>
+                                          <p:spTgt spid="2"/>
+                                        </p:tgtEl>
+                                        <p:attrNameLst>
+                                          <p:attrName>style.visibility</p:attrName>
+                                        </p:attrNameLst>
+                                      </p:cBhvr>
+                                      <p:to>
+                                        <p:strVal val="visible"/>
+                                      </p:to>
+                                    </p:set>
+                                  </p:childTnLst>
+                                </p:cTn>
+                              </p:par>
+                            </p:childTnLst>
+                          </p:cTn>
+                        </p:par>
+                      </p:childTnLst>
+                    </p:cTn>
+                  </p:par>
+                  <p:par>
+                    <p:cTn id="7" fill="hold">
+                      <p:stCondLst>
+                        <p:cond delay="indefinite"/>
+                      </p:stCondLst>
+                      <p:childTnLst>
+                        <p:par>
+                          <p:cTn id="8" fill="hold">
+                            <p:stCondLst>
+                              <p:cond delay="0"/>
+                            </p:stCondLst>
+                            <p:childTnLst>
+                              <p:par>
+                                <p:cTn id="9" presetID="2" presetClass="entr" presetSubtype="4" fill="hold" grpId="0" nodeType="clickEffect">
+                                  <p:stCondLst>
+                                    <p:cond delay="0"/>
+                                  </p:stCondLst>
+                                  <p:childTnLst>
+                                    <p:set>
+                                      <p:cBhvr>
+                                        <p:cTn id="10" dur="1" fill="hold">
+                                          <p:stCondLst>
+                                            <p:cond delay="0"/>
+                                          </p:stCondLst>
+                                        </p:cTn>
+                                        <p:tgtEl>
+                                          <p:spTgt spid="3">
+                                            <p:txEl>
+                                              <p:pRg st="0" end="0"/>
+                                            </p:txEl>
+                                          </p:spTgt>
+                                        </p:tgtEl>
+                                        <p:attrNameLst>
+                                          <p:attrName>style.visibility</p:attrName>
+                                        </p:attrNameLst>
+                                      </p:cBhvr>
+                                      <p:to>
+                                        <p:strVal val="visible"/>
+                                      </p:to>
+                                    </p:set>
+                                    <p:anim calcmode="lin" valueType="num">
+                                      <p:cBhvr additive="base">
+                                        <p:cTn id="11" dur="500" fill="hold"/>
+                                        <p:tgtEl>
+                                          <p:spTgt spid="3">
+                                            <p:txEl>
+                                              <p:pRg st="0" end="0"/>
+                                            </p:txEl>
+                                          </p:spTgt>
+                                        </p:tgtEl>
+                                        <p:attrNameLst>
+                                          <p:attrName>ppt_x</p:attrName>
+                                        </p:attrNameLst>
+                                      </p:cBhvr>
+                                      <p:tavLst>
+                                        <p:tav tm="0">
+                                          <p:val>
+                                            <p:strVal val="#ppt_x"/>
+                                          </p:val>
+                                        </p:tav>
+                                        <p:tav tm="100000">
+                                          <p:val>
+                                            <p:strVal val="#ppt_x"/>
+                                          </p:val>
+                                        </p:tav>
+                                      </p:tavLst>
+                                    </p:anim>
+                                    <p:anim calcmode="lin" valueType="num">
+                                      <p:cBhvr additive="base">
+                                        <p:cTn id="12" dur="500" fill="hold"/>
+                                        <p:tgtEl>
+                                          <p:spTgt spid="3">
+                                            <p:txEl>
+                                              <p:pRg st="0" end="0"/>
+                                            </p:txEl>
+                                          </p:spTgt>
+                                        </p:tgtEl>
+                                        <p:attrNameLst>
+                                          <p:attrName>ppt_y</p:attrName>
+                                        </p:attrNameLst>
+                                      </p:cBhvr>
+                                      <p:tavLst>
+                                        <p:tav tm="0">
+                                          <p:val>
+                                            <p:strVal val="1+#ppt_h/2"/>
+                                          </p:val>
+                                        </p:tav>
+                                        <p:tav tm="100000">
+                                          <p:val>
+                                            <p:strVal val="#ppt_y"/>
+                                          </p:val>
+                                        </p:tav>
+                                      </p:tavLst>
+                                    </p:anim>
+                                  </p:childTnLst>
+                                </p:cTn>
+                              </p:par>
+                            </p:childTnLst>
+                          </p:cTn>
+                        </p:par>
+                      </p:childTnLst>
+                    </p:cTn>
+                  </p:par>
+                  <p:par>
+                    <p:cTn id="13" fill="hold">
+                      <p:stCondLst>
+                        <p:cond delay="indefinite"/>
+                      </p:stCondLst>
+                      <p:childTnLst>
+                        <p:par>
+                          <p:cTn id="14" fill="hold">
+                            <p:stCondLst>
+                              <p:cond delay="0"/>
+                            </p:stCondLst>
+                            <p:childTnLst>
+                              <p:par>
+                                <p:cTn id="15" presetID="2" presetClass="entr" presetSubtype="4" fill="hold" grpId="0" nodeType="clickEffect">
+                                  <p:stCondLst>
+                                    <p:cond delay="0"/>
+                                  </p:stCondLst>
+                                  <p:childTnLst>
+                                    <p:set>
+                                      <p:cBhvr>
+                                        <p:cTn id="16" dur="1" fill="hold">
+                                          <p:stCondLst>
+                                            <p:cond delay="0"/>
+                                          </p:stCondLst>
+                                        </p:cTn>
+                                        <p:tgtEl>
+                                          <p:spTgt spid="3">
+                                            <p:txEl>
+                                              <p:pRg st="1" end="1"/>
+                                            </p:txEl>
+                                          </p:spTgt>
+                                        </p:tgtEl>
+                                        <p:attrNameLst>
+                                          <p:attrName>style.visibility</p:attrName>
+                                        </p:attrNameLst>
+                                      </p:cBhvr>
+                                      <p:to>
+                                        <p:strVal val="visible"/>
+                                      </p:to>
+                                    </p:set>
+                                    <p:anim calcmode="lin" valueType="num">
+                                      <p:cBhvr additive="base">
+                                        <p:cTn id="17" dur="500" fill="hold"/>
+                                        <p:tgtEl>
+                                          <p:spTgt spid="3">
+                                            <p:txEl>
+                                              <p:pRg st="1" end="1"/>
+                                            </p:txEl>
+                                          </p:spTgt>
+                                        </p:tgtEl>
+                                        <p:attrNameLst>
+                                          <p:attrName>ppt_x</p:attrName>
+                                        </p:attrNameLst>
+                                      </p:cBhvr>
+                                      <p:tavLst>
+                                        <p:tav tm="0">
+                                          <p:val>
+                                            <p:strVal val="#ppt_x"/>
+                                          </p:val>
+                                        </p:tav>
+                                        <p:tav tm="100000">
+                                          <p:val>
+                                            <p:strVal val="#ppt_x"/>
+                                          </p:val>
+                                        </p:tav>
+                                      </p:tavLst>
+                                    </p:anim>
+                                    <p:anim calcmode="lin" valueType="num">
+                                      <p:cBhvr additive="base">
+                                        <p:cTn id="18" dur="500" fill="hold"/>
+                                        <p:tgtEl>
+                                          <p:spTgt spid="3">
+                                            <p:txEl>
+                                              <p:pRg st="1" end="1"/>
+                                            </p:txEl>
+                                          </p:spTgt>
+                                        </p:tgtEl>
+                                        <p:attrNameLst>
+                                          <p:attrName>ppt_y</p:attrName>
+                                        </p:attrNameLst>
+                                      </p:cBhvr>
+                                      <p:tavLst>
+                                        <p:tav tm="0">
+                                          <p:val>
+                                            <p:strVal val="1+#ppt_h/2"/>
+                                          </p:val>
+                                        </p:tav>
+                                        <p:tav tm="100000">
+                                          <p:val>
+                                            <p:strVal val="#ppt_y"/>
+                                          </p:val>
+                                        </p:tav>
+                                      </p:tavLst>
+                                    </p:anim>
+                                  </p:childTnLst>
+                                </p:cTn>
+                              </p:par>
+                            </p:childTnLst>
+                          </p:cTn>
+                        </p:par>
+                      </p:childTnLst>
+                    </p:cTn>
+                  </p:par>
+                  <p:par>
+                    <p:cTn id="19" fill="hold">
+                      <p:stCondLst>
+                        <p:cond delay="indefinite"/>
+                      </p:stCondLst>
+                      <p:childTnLst>
+                        <p:par>
+                          <p:cTn id="20" fill="hold">
+                            <p:stCondLst>
+                              <p:cond delay="0"/>
+                            </p:stCondLst>
+                            <p:childTnLst>
+                              <p:par>
+                                <p:cTn id="21" presetID="2" presetClass="entr" presetSubtype="4" fill="hold" grpId="0" nodeType="clickEffect">
+                                  <p:stCondLst>
+                                    <p:cond delay="0"/>
+                                  </p:stCondLst>
+                                  <p:childTnLst>
+                                    <p:set>
+                                      <p:cBhvr>
+                                        <p:cTn id="22" dur="1" fill="hold">
+                                          <p:stCondLst>
+                                            <p:cond delay="0"/>
+                                          </p:stCondLst>
+                                        </p:cTn>
+                                        <p:tgtEl>
+                                          <p:spTgt spid="3">
+                                            <p:txEl>
+                                              <p:pRg st="2" end="2"/>
+                                            </p:txEl>
+                                          </p:spTgt>
+                                        </p:tgtEl>
+                                        <p:attrNameLst>
+                                          <p:attrName>style.visibility</p:attrName>
+                                        </p:attrNameLst>
+                                      </p:cBhvr>
+                                      <p:to>
+                                        <p:strVal val="visible"/>
+                                      </p:to>
+                                    </p:set>
+                                    <p:anim calcmode="lin" valueType="num">
+                                      <p:cBhvr additive="base">
+                                        <p:cTn id="23" dur="500" fill="hold"/>
+                                        <p:tgtEl>
+                                          <p:spTgt spid="3">
+                                            <p:txEl>
+                                              <p:pRg st="2" end="2"/>
+                                            </p:txEl>
+                                          </p:spTgt>
+                                        </p:tgtEl>
+                                        <p:attrNameLst>
+                                          <p:attrName>ppt_x</p:attrName>
+                                        </p:attrNameLst>
+                                      </p:cBhvr>
+                                      <p:tavLst>
+                                        <p:tav tm="0">
+                                          <p:val>
+                                            <p:strVal val="#ppt_x"/>
+                                          </p:val>
+                                        </p:tav>
+                                        <p:tav tm="100000">
+                                          <p:val>
+                                            <p:strVal val="#ppt_x"/>
+                                          </p:val>
+                                        </p:tav>
+                                      </p:tavLst>
+                                    </p:anim>
+                                    <p:anim calcmode="lin" valueType="num">
+                                      <p:cBhvr additive="base">
+                                        <p:cTn id="24" dur="500" fill="hold"/>
+                                        <p:tgtEl>
+                                          <p:spTgt spid="3">
+                                            <p:txEl>
+                                              <p:pRg st="2" end="2"/>
+                                            </p:txEl>
+                                          </p:spTgt>
+                                        </p:tgtEl>
+                                        <p:attrNameLst>
+                                          <p:attrName>ppt_y</p:attrName>
+                                        </p:attrNameLst>
+                                      </p:cBhvr>
+                                      <p:tavLst>
+                                        <p:tav tm="0">
+                                          <p:val>
+                                            <p:strVal val="1+#ppt_h/2"/>
+                                          </p:val>
+                                        </p:tav>
+                                        <p:tav tm="100000">
+                                          <p:val>
+                                            <p:strVal val="#ppt_y"/>
+                                          </p:val>
+                                        </p:tav>
+                                      </p:tavLst>
+                                    </p:anim>
+                                  </p:childTnLst>
+                                </p:cTn>
+                              </p:par>
+                            </p:childTnLst>
+                          </p:cTn>
+                        </p:par>
+                      </p:childTnLst>
+                    </p:cTn>
+                  </p:par>
+                  <p:par>
+                    <p:cTn id="25" fill="hold">
+                      <p:stCondLst>
+                        <p:cond delay="indefinite"/>
+                      </p:stCondLst>
+                      <p:childTnLst>
+                        <p:par>
+                          <p:cTn id="26" fill="hold">
+                            <p:stCondLst>
+                              <p:cond delay="0"/>
+                            </p:stCondLst>
+                            <p:childTnLst>
+                              <p:par>
+                                <p:cTn id="27" presetID="2" presetClass="entr" presetSubtype="4" fill="hold" grpId="0" nodeType="clickEffect">
+                                  <p:stCondLst>
+                                    <p:cond delay="0"/>
+                                  </p:stCondLst>
+                                  <p:childTnLst>
+                                    <p:set>
+                                      <p:cBhvr>
+                                        <p:cTn id="28" dur="1" fill="hold">
+                                          <p:stCondLst>
+                                            <p:cond delay="0"/>
+                                          </p:stCondLst>
+                                        </p:cTn>
+                                        <p:tgtEl>
+                                          <p:spTgt spid="3">
+                                            <p:txEl>
+                                              <p:pRg st="3" end="3"/>
+                                            </p:txEl>
+                                          </p:spTgt>
+                                        </p:tgtEl>
+                                        <p:attrNameLst>
+                                          <p:attrName>style.visibility</p:attrName>
+                                        </p:attrNameLst>
+                                      </p:cBhvr>
+                                      <p:to>
+                                        <p:strVal val="visible"/>
+                                      </p:to>
+                                    </p:set>
+                                    <p:anim calcmode="lin" valueType="num">
+                                      <p:cBhvr additive="base">
+                                        <p:cTn id="29" dur="500" fill="hold"/>
+                                        <p:tgtEl>
+                                          <p:spTgt spid="3">
+                                            <p:txEl>
+                                              <p:pRg st="3" end="3"/>
+                                            </p:txEl>
+                                          </p:spTgt>
+                                        </p:tgtEl>
+                                        <p:attrNameLst>
+                                          <p:attrName>ppt_x</p:attrName>
+                                        </p:attrNameLst>
+                                      </p:cBhvr>
+                                      <p:tavLst>
+                                        <p:tav tm="0">
+                                          <p:val>
+                                            <p:strVal val="#ppt_x"/>
+                                          </p:val>
+                                        </p:tav>
+                                        <p:tav tm="100000">
+                                          <p:val>
+                                            <p:strVal val="#ppt_x"/>
+                                          </p:val>
+                                        </p:tav>
+                                      </p:tavLst>
+                                    </p:anim>
+                                    <p:anim calcmode="lin" valueType="num">
+                                      <p:cBhvr additive="base">
+                                        <p:cTn id="30" dur="500" fill="hold"/>
+                                        <p:tgtEl>
+                                          <p:spTgt spid="3">
+                                            <p:txEl>
+                                              <p:pRg st="3" end="3"/>
+                                            </p:txEl>
+                                          </p:spTgt>
+                                        </p:tgtEl>
+                                        <p:attrNameLst>
+                                          <p:attrName>ppt_y</p:attrName>
+                                        </p:attrNameLst>
+                                      </p:cBhvr>
+                                      <p:tavLst>
+                                        <p:tav tm="0">
+                                          <p:val>
+                                            <p:strVal val="1+#ppt_h/2"/>
+                                          </p:val>
+                                        </p:tav>
+                                        <p:tav tm="100000">
+                                          <p:val>
+                                            <p:strVal val="#ppt_y"/>
+                                          </p:val>
+                                        </p:tav>
+                                      </p:tavLst>
+                                    </p:anim>
+                                  </p:childTnLst>
+                                </p:cTn>
+                              </p:par>
+                            </p:childTnLst>
+                          </p:cTn>
+                        </p:par>
+                      </p:childTnLst>
+                    </p:cTn>
+                  </p:par>
+                  <p:par>
+                    <p:cTn id="31" fill="hold">
+                      <p:stCondLst>
+                        <p:cond delay="indefinite"/>
+                      </p:stCondLst>
+                      <p:childTnLst>
+                        <p:par>
+                          <p:cTn id="32" fill="hold">
+                            <p:stCondLst>
+                              <p:cond delay="0"/>
+                            </p:stCondLst>
+                            <p:childTnLst>
+                              <p:par>
+                                <p:cTn id="33" presetID="2" presetClass="entr" presetSubtype="4" fill="hold" grpId="0" nodeType="clickEffect">
+                                  <p:stCondLst>
+                                    <p:cond delay="0"/>
+                                  </p:stCondLst>
+                                  <p:childTnLst>
+                                    <p:set>
+                                      <p:cBhvr>
+                                        <p:cTn id="34" dur="1" fill="hold">
+                                          <p:stCondLst>
+                                            <p:cond delay="0"/>
+                                          </p:stCondLst>
+                                        </p:cTn>
+                                        <p:tgtEl>
+                                          <p:spTgt spid="3">
+                                            <p:txEl>
+                                              <p:pRg st="4" end="4"/>
+                                            </p:txEl>
+                                          </p:spTgt>
+                                        </p:tgtEl>
+                                        <p:attrNameLst>
+                                          <p:attrName>style.visibility</p:attrName>
+                                        </p:attrNameLst>
+                                      </p:cBhvr>
+                                      <p:to>
+                                        <p:strVal val="visible"/>
+                                      </p:to>
+                                    </p:set>
+                                    <p:anim calcmode="lin" valueType="num">
+                                      <p:cBhvr additive="base">
+                                        <p:cTn id="35" dur="500" fill="hold"/>
+                                        <p:tgtEl>
+                                          <p:spTgt spid="3">
+                                            <p:txEl>
+                                              <p:pRg st="4" end="4"/>
+                                            </p:txEl>
+                                          </p:spTgt>
+                                        </p:tgtEl>
+                                        <p:attrNameLst>
+                                          <p:attrName>ppt_x</p:attrName>
+                                        </p:attrNameLst>
+                                      </p:cBhvr>
+                                      <p:tavLst>
+                                        <p:tav tm="0">
+                                          <p:val>
+                                            <p:strVal val="#ppt_x"/>
+                                          </p:val>
+                                        </p:tav>
+                                        <p:tav tm="100000">
+                                          <p:val>
+                                            <p:strVal val="#ppt_x"/>
+                                          </p:val>
+                                        </p:tav>
+                                      </p:tavLst>
+                                    </p:anim>
+                                    <p:anim calcmode="lin" valueType="num">
+                                      <p:cBhvr additive="base">
+                                        <p:cTn id="36" dur="500" fill="hold"/>
+                                        <p:tgtEl>
+                                          <p:spTgt spid="3">
+                                            <p:txEl>
+                                              <p:pRg st="4" end="4"/>
+                                            </p:txEl>
+                                          </p:spTgt>
+                                        </p:tgtEl>
+                                        <p:attrNameLst>
+                                          <p:attrName>ppt_y</p:attrName>
+                                        </p:attrNameLst>
+                                      </p:cBhvr>
+                                      <p:tavLst>
+                                        <p:tav tm="0">
+                                          <p:val>
+                                            <p:strVal val="1+#ppt_h/2"/>
+                                          </p:val>
+                                        </p:tav>
+                                        <p:tav tm="100000">
+                                          <p:val>
+                                            <p:strVal val="#ppt_y"/>
+                                          </p:val>
+                                        </p:tav>
+                                      </p:tavLst>
+                                    </p:anim>
+                                  </p:childTnLst>
+                                </p:cTn>
+                              </p:par>
+                            </p:childTnLst>
+                          </p:cTn>
+                        </p:par>
+                      </p:childTnLst>
+                    </p:cTn>
+                  </p:par>
+                  <p:par>
+                    <p:cTn id="37" fill="hold">
+                      <p:stCondLst>
+                        <p:cond delay="indefinite"/>
+                      </p:stCondLst>
+                      <p:childTnLst>
+                        <p:par>
+                          <p:cTn id="38" fill="hold">
+                            <p:stCondLst>
+                              <p:cond delay="0"/>
+                            </p:stCondLst>
+                            <p:childTnLst>
+                              <p:par>
+                                <p:cTn id="39" presetID="2" presetClass="entr" presetSubtype="4" fill="hold" grpId="0" nodeType="clickEffect">
+                                  <p:stCondLst>
+                                    <p:cond delay="0"/>
+                                  </p:stCondLst>
+                                  <p:childTnLst>
+                                    <p:set>
+                                      <p:cBhvr>
+                                        <p:cTn id="40" dur="1" fill="hold">
+                                          <p:stCondLst>
+                                            <p:cond delay="0"/>
+                                          </p:stCondLst>
+                                        </p:cTn>
+                                        <p:tgtEl>
+                                          <p:spTgt spid="3">
+                                            <p:txEl>
+                                              <p:pRg st="5" end="5"/>
+                                            </p:txEl>
+                                          </p:spTgt>
+                                        </p:tgtEl>
+                                        <p:attrNameLst>
+                                          <p:attrName>style.visibility</p:attrName>
+                                        </p:attrNameLst>
+                                      </p:cBhvr>
+                                      <p:to>
+                                        <p:strVal val="visible"/>
+                                      </p:to>
+                                    </p:set>
+                                    <p:anim calcmode="lin" valueType="num">
+                                      <p:cBhvr additive="base">
+                                        <p:cTn id="41" dur="500" fill="hold"/>
+                                        <p:tgtEl>
+                                          <p:spTgt spid="3">
+                                            <p:txEl>
+                                              <p:pRg st="5" end="5"/>
+                                            </p:txEl>
+                                          </p:spTgt>
+                                        </p:tgtEl>
+                                        <p:attrNameLst>
+                                          <p:attrName>ppt_x</p:attrName>
+                                        </p:attrNameLst>
+                                      </p:cBhvr>
+                                      <p:tavLst>
+                                        <p:tav tm="0">
+                                          <p:val>
+                                            <p:strVal val="#ppt_x"/>
+                                          </p:val>
+                                        </p:tav>
+                                        <p:tav tm="100000">
+                                          <p:val>
+                                            <p:strVal val="#ppt_x"/>
+                                          </p:val>
+                                        </p:tav>
+                                      </p:tavLst>
+                                    </p:anim>
+                                    <p:anim calcmode="lin" valueType="num">
+                                      <p:cBhvr additive="base">
+                                        <p:cTn id="42" dur="500" fill="hold"/>
+                                        <p:tgtEl>
+                                          <p:spTgt spid="3">
+                                            <p:txEl>
+                                              <p:pRg st="5" end="5"/>
+                                            </p:txEl>
+                                          </p:spTgt>
+                                        </p:tgtEl>
+                                        <p:attrNameLst>
+                                          <p:attrName>ppt_y</p:attrName>
+                                        </p:attrNameLst>
+                                      </p:cBhvr>
+                                      <p:tavLst>
+                                        <p:tav tm="0">
+                                          <p:val>
+                                            <p:strVal val="1+#ppt_h/2"/>
+                                          </p:val>
+                                        </p:tav>
+                                        <p:tav tm="100000">
+                                          <p:val>
+                                            <p:strVal val="#ppt_y"/>
+                                          </p:val>
+                                        </p:tav>
+                                      </p:tavLst>
+                                    </p:anim>
+                                  </p:childTnLst>
+                                </p:cTn>
+                              </p:par>
+                            </p:childTnLst>
+                          </p:cTn>
+                        </p:par>
+                      </p:childTnLst>
+                    </p:cTn>
+                  </p:par>
+                </p:childTnLst>
+              </p:cTn>
+              <p:prevCondLst>
+                <p:cond evt="onPrev" delay="0">
+                  <p:tgtEl>
+                    <p:sldTgt/>
+                  </p:tgtEl>
+                </p:cond>
+              </p:prevCondLst>
+              <p:nextCondLst>
+                <p:cond evt="onNext" delay="0">
+                  <p:tgtEl>
+                    <p:sldTgt/>
+                  </p:tgtEl>
+                </p:cond>
+              </p:nextCondLst>
+            </p:seq>
+          </p:childTnLst>
+        </p:cTn>
+      </p:par>
+    </p:tnLst>
+    <p:bldLst>
+      <p:bldP spid="2" grpId="0"/>
+      <p:bldP spid="3" grpId="0" build="p"/>
+    </p:bldLst>
+  </p:timing>
 </p:sld>
 </file>
 
@@ -18198,7 +22003,7 @@
           <a:lstStyle/>
           <a:p>
             <a:r>
-              <a:rPr lang="en-US" sz="3200"/>
+              <a:rPr lang="en-US" sz="3200" dirty="0"/>
               <a:t>T-test results continued</a:t>
             </a:r>
           </a:p>
@@ -18426,7 +22231,7 @@
               </a:lnSpc>
             </a:pPr>
             <a:r>
-              <a:rPr lang="en-US" sz="1500"/>
+              <a:rPr lang="en-US" sz="1500" dirty="0"/>
               <a:t>While we searched for the top 3 variables, there were many more that would fit the standard for being significant.</a:t>
             </a:r>
           </a:p>
@@ -18437,7 +22242,7 @@
               </a:lnSpc>
             </a:pPr>
             <a:r>
-              <a:rPr lang="en-US" sz="1500"/>
+              <a:rPr lang="en-US" sz="1500" dirty="0"/>
               <a:t>Years in Current Role 1.522e-06</a:t>
             </a:r>
           </a:p>
@@ -18448,7 +22253,7 @@
               </a:lnSpc>
             </a:pPr>
             <a:r>
-              <a:rPr lang="en-US" sz="1500"/>
+              <a:rPr lang="en-US" sz="1500" dirty="0"/>
               <a:t>Job Involvement 2.00e-06</a:t>
             </a:r>
           </a:p>
@@ -18459,7 +22264,7 @@
               </a:lnSpc>
             </a:pPr>
             <a:r>
-              <a:rPr lang="en-US" sz="1500"/>
+              <a:rPr lang="en-US" sz="1500" dirty="0"/>
               <a:t>Years with Current Manager 5.08e-06</a:t>
             </a:r>
           </a:p>
@@ -18470,7 +22275,7 @@
               </a:lnSpc>
             </a:pPr>
             <a:r>
-              <a:rPr lang="en-US" sz="1500"/>
+              <a:rPr lang="en-US" sz="1500" dirty="0"/>
               <a:t>Stock Option Level 3.86e-06</a:t>
             </a:r>
           </a:p>
@@ -18481,7 +22286,7 @@
               </a:lnSpc>
             </a:pPr>
             <a:r>
-              <a:rPr lang="en-US" sz="1500"/>
+              <a:rPr lang="en-US" sz="1500" dirty="0"/>
               <a:t>Age 5.04e-05</a:t>
             </a:r>
           </a:p>
@@ -18492,7 +22297,7 @@
               </a:lnSpc>
             </a:pPr>
             <a:r>
-              <a:rPr lang="en-US" sz="1500"/>
+              <a:rPr lang="en-US" sz="1500" dirty="0"/>
               <a:t>Years at Company 2.56e-04</a:t>
             </a:r>
           </a:p>
@@ -18503,7 +22308,7 @@
               </a:lnSpc>
             </a:pPr>
             <a:r>
-              <a:rPr lang="en-US" sz="1500"/>
+              <a:rPr lang="en-US" sz="1500" dirty="0"/>
               <a:t>Job Satisfaction 1.50e-02</a:t>
             </a:r>
           </a:p>
@@ -18514,7 +22319,7 @@
               </a:lnSpc>
             </a:pPr>
             <a:r>
-              <a:rPr lang="en-US" sz="1500"/>
+              <a:rPr lang="en-US" sz="1500" dirty="0"/>
               <a:t>Distance From Home 1.64e-02</a:t>
             </a:r>
           </a:p>
@@ -18525,7 +22330,7 @@
               </a:lnSpc>
             </a:pPr>
             <a:r>
-              <a:rPr lang="en-US" sz="1500"/>
+              <a:rPr lang="en-US" sz="1500" dirty="0"/>
               <a:t>Work Life Balance 1.90e-02</a:t>
             </a:r>
           </a:p>
@@ -18536,7 +22341,7 @@
               </a:lnSpc>
             </a:pPr>
             <a:r>
-              <a:rPr lang="en-US" sz="1500"/>
+              <a:rPr lang="en-US" sz="1500" dirty="0"/>
               <a:t>Environment Satisfaction 3.40e-02</a:t>
             </a:r>
           </a:p>
@@ -18546,7 +22351,7 @@
                 <a:spcPct val="100000"/>
               </a:lnSpc>
             </a:pPr>
-            <a:endParaRPr lang="en-US" sz="1500"/>
+            <a:endParaRPr lang="en-US" sz="1500" dirty="0"/>
           </a:p>
         </p:txBody>
       </p:sp>
@@ -18599,6 +22404,1228 @@
   <p:clrMapOvr>
     <a:masterClrMapping/>
   </p:clrMapOvr>
+  <mc:AlternateContent xmlns:mc="http://schemas.openxmlformats.org/markup-compatibility/2006">
+    <mc:Choice xmlns:p14="http://schemas.microsoft.com/office/powerpoint/2010/main" Requires="p14">
+      <p:transition spd="slow" p14:dur="3400">
+        <p14:reveal/>
+      </p:transition>
+    </mc:Choice>
+    <mc:Fallback>
+      <p:transition spd="slow">
+        <p:fade/>
+      </p:transition>
+    </mc:Fallback>
+  </mc:AlternateContent>
+  <p:timing>
+    <p:tnLst>
+      <p:par>
+        <p:cTn id="1" dur="indefinite" restart="never" nodeType="tmRoot">
+          <p:childTnLst>
+            <p:seq concurrent="1" nextAc="seek">
+              <p:cTn id="2" dur="indefinite" nodeType="mainSeq">
+                <p:childTnLst>
+                  <p:par>
+                    <p:cTn id="3" fill="hold">
+                      <p:stCondLst>
+                        <p:cond delay="indefinite"/>
+                      </p:stCondLst>
+                      <p:childTnLst>
+                        <p:par>
+                          <p:cTn id="4" fill="hold">
+                            <p:stCondLst>
+                              <p:cond delay="0"/>
+                            </p:stCondLst>
+                            <p:childTnLst>
+                              <p:par>
+                                <p:cTn id="5" presetID="2" presetClass="entr" presetSubtype="4" fill="hold" grpId="0" nodeType="clickEffect">
+                                  <p:stCondLst>
+                                    <p:cond delay="0"/>
+                                  </p:stCondLst>
+                                  <p:childTnLst>
+                                    <p:set>
+                                      <p:cBhvr>
+                                        <p:cTn id="6" dur="1" fill="hold">
+                                          <p:stCondLst>
+                                            <p:cond delay="0"/>
+                                          </p:stCondLst>
+                                        </p:cTn>
+                                        <p:tgtEl>
+                                          <p:spTgt spid="2"/>
+                                        </p:tgtEl>
+                                        <p:attrNameLst>
+                                          <p:attrName>style.visibility</p:attrName>
+                                        </p:attrNameLst>
+                                      </p:cBhvr>
+                                      <p:to>
+                                        <p:strVal val="visible"/>
+                                      </p:to>
+                                    </p:set>
+                                    <p:anim calcmode="lin" valueType="num">
+                                      <p:cBhvr additive="base">
+                                        <p:cTn id="7" dur="500" fill="hold"/>
+                                        <p:tgtEl>
+                                          <p:spTgt spid="2"/>
+                                        </p:tgtEl>
+                                        <p:attrNameLst>
+                                          <p:attrName>ppt_x</p:attrName>
+                                        </p:attrNameLst>
+                                      </p:cBhvr>
+                                      <p:tavLst>
+                                        <p:tav tm="0">
+                                          <p:val>
+                                            <p:strVal val="#ppt_x"/>
+                                          </p:val>
+                                        </p:tav>
+                                        <p:tav tm="100000">
+                                          <p:val>
+                                            <p:strVal val="#ppt_x"/>
+                                          </p:val>
+                                        </p:tav>
+                                      </p:tavLst>
+                                    </p:anim>
+                                    <p:anim calcmode="lin" valueType="num">
+                                      <p:cBhvr additive="base">
+                                        <p:cTn id="8" dur="500" fill="hold"/>
+                                        <p:tgtEl>
+                                          <p:spTgt spid="2"/>
+                                        </p:tgtEl>
+                                        <p:attrNameLst>
+                                          <p:attrName>ppt_y</p:attrName>
+                                        </p:attrNameLst>
+                                      </p:cBhvr>
+                                      <p:tavLst>
+                                        <p:tav tm="0">
+                                          <p:val>
+                                            <p:strVal val="1+#ppt_h/2"/>
+                                          </p:val>
+                                        </p:tav>
+                                        <p:tav tm="100000">
+                                          <p:val>
+                                            <p:strVal val="#ppt_y"/>
+                                          </p:val>
+                                        </p:tav>
+                                      </p:tavLst>
+                                    </p:anim>
+                                  </p:childTnLst>
+                                </p:cTn>
+                              </p:par>
+                            </p:childTnLst>
+                          </p:cTn>
+                        </p:par>
+                      </p:childTnLst>
+                    </p:cTn>
+                  </p:par>
+                  <p:par>
+                    <p:cTn id="9" fill="hold">
+                      <p:stCondLst>
+                        <p:cond delay="indefinite"/>
+                      </p:stCondLst>
+                      <p:childTnLst>
+                        <p:par>
+                          <p:cTn id="10" fill="hold">
+                            <p:stCondLst>
+                              <p:cond delay="0"/>
+                            </p:stCondLst>
+                            <p:childTnLst>
+                              <p:par>
+                                <p:cTn id="11" presetID="42" presetClass="entr" presetSubtype="0" fill="hold" grpId="0" nodeType="clickEffect">
+                                  <p:stCondLst>
+                                    <p:cond delay="0"/>
+                                  </p:stCondLst>
+                                  <p:childTnLst>
+                                    <p:set>
+                                      <p:cBhvr>
+                                        <p:cTn id="12" dur="1" fill="hold">
+                                          <p:stCondLst>
+                                            <p:cond delay="0"/>
+                                          </p:stCondLst>
+                                        </p:cTn>
+                                        <p:tgtEl>
+                                          <p:spTgt spid="3">
+                                            <p:txEl>
+                                              <p:pRg st="0" end="0"/>
+                                            </p:txEl>
+                                          </p:spTgt>
+                                        </p:tgtEl>
+                                        <p:attrNameLst>
+                                          <p:attrName>style.visibility</p:attrName>
+                                        </p:attrNameLst>
+                                      </p:cBhvr>
+                                      <p:to>
+                                        <p:strVal val="visible"/>
+                                      </p:to>
+                                    </p:set>
+                                    <p:animEffect transition="in" filter="fade">
+                                      <p:cBhvr>
+                                        <p:cTn id="13" dur="1000"/>
+                                        <p:tgtEl>
+                                          <p:spTgt spid="3">
+                                            <p:txEl>
+                                              <p:pRg st="0" end="0"/>
+                                            </p:txEl>
+                                          </p:spTgt>
+                                        </p:tgtEl>
+                                      </p:cBhvr>
+                                    </p:animEffect>
+                                    <p:anim calcmode="lin" valueType="num">
+                                      <p:cBhvr>
+                                        <p:cTn id="14" dur="1000" fill="hold"/>
+                                        <p:tgtEl>
+                                          <p:spTgt spid="3">
+                                            <p:txEl>
+                                              <p:pRg st="0" end="0"/>
+                                            </p:txEl>
+                                          </p:spTgt>
+                                        </p:tgtEl>
+                                        <p:attrNameLst>
+                                          <p:attrName>ppt_x</p:attrName>
+                                        </p:attrNameLst>
+                                      </p:cBhvr>
+                                      <p:tavLst>
+                                        <p:tav tm="0">
+                                          <p:val>
+                                            <p:strVal val="#ppt_x"/>
+                                          </p:val>
+                                        </p:tav>
+                                        <p:tav tm="100000">
+                                          <p:val>
+                                            <p:strVal val="#ppt_x"/>
+                                          </p:val>
+                                        </p:tav>
+                                      </p:tavLst>
+                                    </p:anim>
+                                    <p:anim calcmode="lin" valueType="num">
+                                      <p:cBhvr>
+                                        <p:cTn id="15" dur="1000" fill="hold"/>
+                                        <p:tgtEl>
+                                          <p:spTgt spid="3">
+                                            <p:txEl>
+                                              <p:pRg st="0" end="0"/>
+                                            </p:txEl>
+                                          </p:spTgt>
+                                        </p:tgtEl>
+                                        <p:attrNameLst>
+                                          <p:attrName>ppt_y</p:attrName>
+                                        </p:attrNameLst>
+                                      </p:cBhvr>
+                                      <p:tavLst>
+                                        <p:tav tm="0">
+                                          <p:val>
+                                            <p:strVal val="#ppt_y+.1"/>
+                                          </p:val>
+                                        </p:tav>
+                                        <p:tav tm="100000">
+                                          <p:val>
+                                            <p:strVal val="#ppt_y"/>
+                                          </p:val>
+                                        </p:tav>
+                                      </p:tavLst>
+                                    </p:anim>
+                                  </p:childTnLst>
+                                </p:cTn>
+                              </p:par>
+                              <p:par>
+                                <p:cTn id="16" presetID="42" presetClass="entr" presetSubtype="0" fill="hold" grpId="0" nodeType="withEffect">
+                                  <p:stCondLst>
+                                    <p:cond delay="0"/>
+                                  </p:stCondLst>
+                                  <p:childTnLst>
+                                    <p:set>
+                                      <p:cBhvr>
+                                        <p:cTn id="17" dur="1" fill="hold">
+                                          <p:stCondLst>
+                                            <p:cond delay="0"/>
+                                          </p:stCondLst>
+                                        </p:cTn>
+                                        <p:tgtEl>
+                                          <p:spTgt spid="3">
+                                            <p:txEl>
+                                              <p:pRg st="1" end="1"/>
+                                            </p:txEl>
+                                          </p:spTgt>
+                                        </p:tgtEl>
+                                        <p:attrNameLst>
+                                          <p:attrName>style.visibility</p:attrName>
+                                        </p:attrNameLst>
+                                      </p:cBhvr>
+                                      <p:to>
+                                        <p:strVal val="visible"/>
+                                      </p:to>
+                                    </p:set>
+                                    <p:animEffect transition="in" filter="fade">
+                                      <p:cBhvr>
+                                        <p:cTn id="18" dur="1000"/>
+                                        <p:tgtEl>
+                                          <p:spTgt spid="3">
+                                            <p:txEl>
+                                              <p:pRg st="1" end="1"/>
+                                            </p:txEl>
+                                          </p:spTgt>
+                                        </p:tgtEl>
+                                      </p:cBhvr>
+                                    </p:animEffect>
+                                    <p:anim calcmode="lin" valueType="num">
+                                      <p:cBhvr>
+                                        <p:cTn id="19" dur="1000" fill="hold"/>
+                                        <p:tgtEl>
+                                          <p:spTgt spid="3">
+                                            <p:txEl>
+                                              <p:pRg st="1" end="1"/>
+                                            </p:txEl>
+                                          </p:spTgt>
+                                        </p:tgtEl>
+                                        <p:attrNameLst>
+                                          <p:attrName>ppt_x</p:attrName>
+                                        </p:attrNameLst>
+                                      </p:cBhvr>
+                                      <p:tavLst>
+                                        <p:tav tm="0">
+                                          <p:val>
+                                            <p:strVal val="#ppt_x"/>
+                                          </p:val>
+                                        </p:tav>
+                                        <p:tav tm="100000">
+                                          <p:val>
+                                            <p:strVal val="#ppt_x"/>
+                                          </p:val>
+                                        </p:tav>
+                                      </p:tavLst>
+                                    </p:anim>
+                                    <p:anim calcmode="lin" valueType="num">
+                                      <p:cBhvr>
+                                        <p:cTn id="20" dur="1000" fill="hold"/>
+                                        <p:tgtEl>
+                                          <p:spTgt spid="3">
+                                            <p:txEl>
+                                              <p:pRg st="1" end="1"/>
+                                            </p:txEl>
+                                          </p:spTgt>
+                                        </p:tgtEl>
+                                        <p:attrNameLst>
+                                          <p:attrName>ppt_y</p:attrName>
+                                        </p:attrNameLst>
+                                      </p:cBhvr>
+                                      <p:tavLst>
+                                        <p:tav tm="0">
+                                          <p:val>
+                                            <p:strVal val="#ppt_y+.1"/>
+                                          </p:val>
+                                        </p:tav>
+                                        <p:tav tm="100000">
+                                          <p:val>
+                                            <p:strVal val="#ppt_y"/>
+                                          </p:val>
+                                        </p:tav>
+                                      </p:tavLst>
+                                    </p:anim>
+                                  </p:childTnLst>
+                                </p:cTn>
+                              </p:par>
+                              <p:par>
+                                <p:cTn id="21" presetID="42" presetClass="entr" presetSubtype="0" fill="hold" grpId="0" nodeType="withEffect">
+                                  <p:stCondLst>
+                                    <p:cond delay="0"/>
+                                  </p:stCondLst>
+                                  <p:childTnLst>
+                                    <p:set>
+                                      <p:cBhvr>
+                                        <p:cTn id="22" dur="1" fill="hold">
+                                          <p:stCondLst>
+                                            <p:cond delay="0"/>
+                                          </p:stCondLst>
+                                        </p:cTn>
+                                        <p:tgtEl>
+                                          <p:spTgt spid="3">
+                                            <p:txEl>
+                                              <p:pRg st="2" end="2"/>
+                                            </p:txEl>
+                                          </p:spTgt>
+                                        </p:tgtEl>
+                                        <p:attrNameLst>
+                                          <p:attrName>style.visibility</p:attrName>
+                                        </p:attrNameLst>
+                                      </p:cBhvr>
+                                      <p:to>
+                                        <p:strVal val="visible"/>
+                                      </p:to>
+                                    </p:set>
+                                    <p:animEffect transition="in" filter="fade">
+                                      <p:cBhvr>
+                                        <p:cTn id="23" dur="1000"/>
+                                        <p:tgtEl>
+                                          <p:spTgt spid="3">
+                                            <p:txEl>
+                                              <p:pRg st="2" end="2"/>
+                                            </p:txEl>
+                                          </p:spTgt>
+                                        </p:tgtEl>
+                                      </p:cBhvr>
+                                    </p:animEffect>
+                                    <p:anim calcmode="lin" valueType="num">
+                                      <p:cBhvr>
+                                        <p:cTn id="24" dur="1000" fill="hold"/>
+                                        <p:tgtEl>
+                                          <p:spTgt spid="3">
+                                            <p:txEl>
+                                              <p:pRg st="2" end="2"/>
+                                            </p:txEl>
+                                          </p:spTgt>
+                                        </p:tgtEl>
+                                        <p:attrNameLst>
+                                          <p:attrName>ppt_x</p:attrName>
+                                        </p:attrNameLst>
+                                      </p:cBhvr>
+                                      <p:tavLst>
+                                        <p:tav tm="0">
+                                          <p:val>
+                                            <p:strVal val="#ppt_x"/>
+                                          </p:val>
+                                        </p:tav>
+                                        <p:tav tm="100000">
+                                          <p:val>
+                                            <p:strVal val="#ppt_x"/>
+                                          </p:val>
+                                        </p:tav>
+                                      </p:tavLst>
+                                    </p:anim>
+                                    <p:anim calcmode="lin" valueType="num">
+                                      <p:cBhvr>
+                                        <p:cTn id="25" dur="1000" fill="hold"/>
+                                        <p:tgtEl>
+                                          <p:spTgt spid="3">
+                                            <p:txEl>
+                                              <p:pRg st="2" end="2"/>
+                                            </p:txEl>
+                                          </p:spTgt>
+                                        </p:tgtEl>
+                                        <p:attrNameLst>
+                                          <p:attrName>ppt_y</p:attrName>
+                                        </p:attrNameLst>
+                                      </p:cBhvr>
+                                      <p:tavLst>
+                                        <p:tav tm="0">
+                                          <p:val>
+                                            <p:strVal val="#ppt_y+.1"/>
+                                          </p:val>
+                                        </p:tav>
+                                        <p:tav tm="100000">
+                                          <p:val>
+                                            <p:strVal val="#ppt_y"/>
+                                          </p:val>
+                                        </p:tav>
+                                      </p:tavLst>
+                                    </p:anim>
+                                  </p:childTnLst>
+                                </p:cTn>
+                              </p:par>
+                              <p:par>
+                                <p:cTn id="26" presetID="42" presetClass="entr" presetSubtype="0" fill="hold" grpId="0" nodeType="withEffect">
+                                  <p:stCondLst>
+                                    <p:cond delay="0"/>
+                                  </p:stCondLst>
+                                  <p:childTnLst>
+                                    <p:set>
+                                      <p:cBhvr>
+                                        <p:cTn id="27" dur="1" fill="hold">
+                                          <p:stCondLst>
+                                            <p:cond delay="0"/>
+                                          </p:stCondLst>
+                                        </p:cTn>
+                                        <p:tgtEl>
+                                          <p:spTgt spid="3">
+                                            <p:txEl>
+                                              <p:pRg st="3" end="3"/>
+                                            </p:txEl>
+                                          </p:spTgt>
+                                        </p:tgtEl>
+                                        <p:attrNameLst>
+                                          <p:attrName>style.visibility</p:attrName>
+                                        </p:attrNameLst>
+                                      </p:cBhvr>
+                                      <p:to>
+                                        <p:strVal val="visible"/>
+                                      </p:to>
+                                    </p:set>
+                                    <p:animEffect transition="in" filter="fade">
+                                      <p:cBhvr>
+                                        <p:cTn id="28" dur="1000"/>
+                                        <p:tgtEl>
+                                          <p:spTgt spid="3">
+                                            <p:txEl>
+                                              <p:pRg st="3" end="3"/>
+                                            </p:txEl>
+                                          </p:spTgt>
+                                        </p:tgtEl>
+                                      </p:cBhvr>
+                                    </p:animEffect>
+                                    <p:anim calcmode="lin" valueType="num">
+                                      <p:cBhvr>
+                                        <p:cTn id="29" dur="1000" fill="hold"/>
+                                        <p:tgtEl>
+                                          <p:spTgt spid="3">
+                                            <p:txEl>
+                                              <p:pRg st="3" end="3"/>
+                                            </p:txEl>
+                                          </p:spTgt>
+                                        </p:tgtEl>
+                                        <p:attrNameLst>
+                                          <p:attrName>ppt_x</p:attrName>
+                                        </p:attrNameLst>
+                                      </p:cBhvr>
+                                      <p:tavLst>
+                                        <p:tav tm="0">
+                                          <p:val>
+                                            <p:strVal val="#ppt_x"/>
+                                          </p:val>
+                                        </p:tav>
+                                        <p:tav tm="100000">
+                                          <p:val>
+                                            <p:strVal val="#ppt_x"/>
+                                          </p:val>
+                                        </p:tav>
+                                      </p:tavLst>
+                                    </p:anim>
+                                    <p:anim calcmode="lin" valueType="num">
+                                      <p:cBhvr>
+                                        <p:cTn id="30" dur="1000" fill="hold"/>
+                                        <p:tgtEl>
+                                          <p:spTgt spid="3">
+                                            <p:txEl>
+                                              <p:pRg st="3" end="3"/>
+                                            </p:txEl>
+                                          </p:spTgt>
+                                        </p:tgtEl>
+                                        <p:attrNameLst>
+                                          <p:attrName>ppt_y</p:attrName>
+                                        </p:attrNameLst>
+                                      </p:cBhvr>
+                                      <p:tavLst>
+                                        <p:tav tm="0">
+                                          <p:val>
+                                            <p:strVal val="#ppt_y+.1"/>
+                                          </p:val>
+                                        </p:tav>
+                                        <p:tav tm="100000">
+                                          <p:val>
+                                            <p:strVal val="#ppt_y"/>
+                                          </p:val>
+                                        </p:tav>
+                                      </p:tavLst>
+                                    </p:anim>
+                                  </p:childTnLst>
+                                </p:cTn>
+                              </p:par>
+                              <p:par>
+                                <p:cTn id="31" presetID="42" presetClass="entr" presetSubtype="0" fill="hold" grpId="0" nodeType="withEffect">
+                                  <p:stCondLst>
+                                    <p:cond delay="0"/>
+                                  </p:stCondLst>
+                                  <p:childTnLst>
+                                    <p:set>
+                                      <p:cBhvr>
+                                        <p:cTn id="32" dur="1" fill="hold">
+                                          <p:stCondLst>
+                                            <p:cond delay="0"/>
+                                          </p:stCondLst>
+                                        </p:cTn>
+                                        <p:tgtEl>
+                                          <p:spTgt spid="3">
+                                            <p:txEl>
+                                              <p:pRg st="4" end="4"/>
+                                            </p:txEl>
+                                          </p:spTgt>
+                                        </p:tgtEl>
+                                        <p:attrNameLst>
+                                          <p:attrName>style.visibility</p:attrName>
+                                        </p:attrNameLst>
+                                      </p:cBhvr>
+                                      <p:to>
+                                        <p:strVal val="visible"/>
+                                      </p:to>
+                                    </p:set>
+                                    <p:animEffect transition="in" filter="fade">
+                                      <p:cBhvr>
+                                        <p:cTn id="33" dur="1000"/>
+                                        <p:tgtEl>
+                                          <p:spTgt spid="3">
+                                            <p:txEl>
+                                              <p:pRg st="4" end="4"/>
+                                            </p:txEl>
+                                          </p:spTgt>
+                                        </p:tgtEl>
+                                      </p:cBhvr>
+                                    </p:animEffect>
+                                    <p:anim calcmode="lin" valueType="num">
+                                      <p:cBhvr>
+                                        <p:cTn id="34" dur="1000" fill="hold"/>
+                                        <p:tgtEl>
+                                          <p:spTgt spid="3">
+                                            <p:txEl>
+                                              <p:pRg st="4" end="4"/>
+                                            </p:txEl>
+                                          </p:spTgt>
+                                        </p:tgtEl>
+                                        <p:attrNameLst>
+                                          <p:attrName>ppt_x</p:attrName>
+                                        </p:attrNameLst>
+                                      </p:cBhvr>
+                                      <p:tavLst>
+                                        <p:tav tm="0">
+                                          <p:val>
+                                            <p:strVal val="#ppt_x"/>
+                                          </p:val>
+                                        </p:tav>
+                                        <p:tav tm="100000">
+                                          <p:val>
+                                            <p:strVal val="#ppt_x"/>
+                                          </p:val>
+                                        </p:tav>
+                                      </p:tavLst>
+                                    </p:anim>
+                                    <p:anim calcmode="lin" valueType="num">
+                                      <p:cBhvr>
+                                        <p:cTn id="35" dur="1000" fill="hold"/>
+                                        <p:tgtEl>
+                                          <p:spTgt spid="3">
+                                            <p:txEl>
+                                              <p:pRg st="4" end="4"/>
+                                            </p:txEl>
+                                          </p:spTgt>
+                                        </p:tgtEl>
+                                        <p:attrNameLst>
+                                          <p:attrName>ppt_y</p:attrName>
+                                        </p:attrNameLst>
+                                      </p:cBhvr>
+                                      <p:tavLst>
+                                        <p:tav tm="0">
+                                          <p:val>
+                                            <p:strVal val="#ppt_y+.1"/>
+                                          </p:val>
+                                        </p:tav>
+                                        <p:tav tm="100000">
+                                          <p:val>
+                                            <p:strVal val="#ppt_y"/>
+                                          </p:val>
+                                        </p:tav>
+                                      </p:tavLst>
+                                    </p:anim>
+                                  </p:childTnLst>
+                                </p:cTn>
+                              </p:par>
+                              <p:par>
+                                <p:cTn id="36" presetID="42" presetClass="entr" presetSubtype="0" fill="hold" grpId="0" nodeType="withEffect">
+                                  <p:stCondLst>
+                                    <p:cond delay="0"/>
+                                  </p:stCondLst>
+                                  <p:childTnLst>
+                                    <p:set>
+                                      <p:cBhvr>
+                                        <p:cTn id="37" dur="1" fill="hold">
+                                          <p:stCondLst>
+                                            <p:cond delay="0"/>
+                                          </p:stCondLst>
+                                        </p:cTn>
+                                        <p:tgtEl>
+                                          <p:spTgt spid="3">
+                                            <p:txEl>
+                                              <p:pRg st="5" end="5"/>
+                                            </p:txEl>
+                                          </p:spTgt>
+                                        </p:tgtEl>
+                                        <p:attrNameLst>
+                                          <p:attrName>style.visibility</p:attrName>
+                                        </p:attrNameLst>
+                                      </p:cBhvr>
+                                      <p:to>
+                                        <p:strVal val="visible"/>
+                                      </p:to>
+                                    </p:set>
+                                    <p:animEffect transition="in" filter="fade">
+                                      <p:cBhvr>
+                                        <p:cTn id="38" dur="1000"/>
+                                        <p:tgtEl>
+                                          <p:spTgt spid="3">
+                                            <p:txEl>
+                                              <p:pRg st="5" end="5"/>
+                                            </p:txEl>
+                                          </p:spTgt>
+                                        </p:tgtEl>
+                                      </p:cBhvr>
+                                    </p:animEffect>
+                                    <p:anim calcmode="lin" valueType="num">
+                                      <p:cBhvr>
+                                        <p:cTn id="39" dur="1000" fill="hold"/>
+                                        <p:tgtEl>
+                                          <p:spTgt spid="3">
+                                            <p:txEl>
+                                              <p:pRg st="5" end="5"/>
+                                            </p:txEl>
+                                          </p:spTgt>
+                                        </p:tgtEl>
+                                        <p:attrNameLst>
+                                          <p:attrName>ppt_x</p:attrName>
+                                        </p:attrNameLst>
+                                      </p:cBhvr>
+                                      <p:tavLst>
+                                        <p:tav tm="0">
+                                          <p:val>
+                                            <p:strVal val="#ppt_x"/>
+                                          </p:val>
+                                        </p:tav>
+                                        <p:tav tm="100000">
+                                          <p:val>
+                                            <p:strVal val="#ppt_x"/>
+                                          </p:val>
+                                        </p:tav>
+                                      </p:tavLst>
+                                    </p:anim>
+                                    <p:anim calcmode="lin" valueType="num">
+                                      <p:cBhvr>
+                                        <p:cTn id="40" dur="1000" fill="hold"/>
+                                        <p:tgtEl>
+                                          <p:spTgt spid="3">
+                                            <p:txEl>
+                                              <p:pRg st="5" end="5"/>
+                                            </p:txEl>
+                                          </p:spTgt>
+                                        </p:tgtEl>
+                                        <p:attrNameLst>
+                                          <p:attrName>ppt_y</p:attrName>
+                                        </p:attrNameLst>
+                                      </p:cBhvr>
+                                      <p:tavLst>
+                                        <p:tav tm="0">
+                                          <p:val>
+                                            <p:strVal val="#ppt_y+.1"/>
+                                          </p:val>
+                                        </p:tav>
+                                        <p:tav tm="100000">
+                                          <p:val>
+                                            <p:strVal val="#ppt_y"/>
+                                          </p:val>
+                                        </p:tav>
+                                      </p:tavLst>
+                                    </p:anim>
+                                  </p:childTnLst>
+                                </p:cTn>
+                              </p:par>
+                              <p:par>
+                                <p:cTn id="41" presetID="42" presetClass="entr" presetSubtype="0" fill="hold" grpId="0" nodeType="withEffect">
+                                  <p:stCondLst>
+                                    <p:cond delay="0"/>
+                                  </p:stCondLst>
+                                  <p:childTnLst>
+                                    <p:set>
+                                      <p:cBhvr>
+                                        <p:cTn id="42" dur="1" fill="hold">
+                                          <p:stCondLst>
+                                            <p:cond delay="0"/>
+                                          </p:stCondLst>
+                                        </p:cTn>
+                                        <p:tgtEl>
+                                          <p:spTgt spid="3">
+                                            <p:txEl>
+                                              <p:pRg st="6" end="6"/>
+                                            </p:txEl>
+                                          </p:spTgt>
+                                        </p:tgtEl>
+                                        <p:attrNameLst>
+                                          <p:attrName>style.visibility</p:attrName>
+                                        </p:attrNameLst>
+                                      </p:cBhvr>
+                                      <p:to>
+                                        <p:strVal val="visible"/>
+                                      </p:to>
+                                    </p:set>
+                                    <p:animEffect transition="in" filter="fade">
+                                      <p:cBhvr>
+                                        <p:cTn id="43" dur="1000"/>
+                                        <p:tgtEl>
+                                          <p:spTgt spid="3">
+                                            <p:txEl>
+                                              <p:pRg st="6" end="6"/>
+                                            </p:txEl>
+                                          </p:spTgt>
+                                        </p:tgtEl>
+                                      </p:cBhvr>
+                                    </p:animEffect>
+                                    <p:anim calcmode="lin" valueType="num">
+                                      <p:cBhvr>
+                                        <p:cTn id="44" dur="1000" fill="hold"/>
+                                        <p:tgtEl>
+                                          <p:spTgt spid="3">
+                                            <p:txEl>
+                                              <p:pRg st="6" end="6"/>
+                                            </p:txEl>
+                                          </p:spTgt>
+                                        </p:tgtEl>
+                                        <p:attrNameLst>
+                                          <p:attrName>ppt_x</p:attrName>
+                                        </p:attrNameLst>
+                                      </p:cBhvr>
+                                      <p:tavLst>
+                                        <p:tav tm="0">
+                                          <p:val>
+                                            <p:strVal val="#ppt_x"/>
+                                          </p:val>
+                                        </p:tav>
+                                        <p:tav tm="100000">
+                                          <p:val>
+                                            <p:strVal val="#ppt_x"/>
+                                          </p:val>
+                                        </p:tav>
+                                      </p:tavLst>
+                                    </p:anim>
+                                    <p:anim calcmode="lin" valueType="num">
+                                      <p:cBhvr>
+                                        <p:cTn id="45" dur="1000" fill="hold"/>
+                                        <p:tgtEl>
+                                          <p:spTgt spid="3">
+                                            <p:txEl>
+                                              <p:pRg st="6" end="6"/>
+                                            </p:txEl>
+                                          </p:spTgt>
+                                        </p:tgtEl>
+                                        <p:attrNameLst>
+                                          <p:attrName>ppt_y</p:attrName>
+                                        </p:attrNameLst>
+                                      </p:cBhvr>
+                                      <p:tavLst>
+                                        <p:tav tm="0">
+                                          <p:val>
+                                            <p:strVal val="#ppt_y+.1"/>
+                                          </p:val>
+                                        </p:tav>
+                                        <p:tav tm="100000">
+                                          <p:val>
+                                            <p:strVal val="#ppt_y"/>
+                                          </p:val>
+                                        </p:tav>
+                                      </p:tavLst>
+                                    </p:anim>
+                                  </p:childTnLst>
+                                </p:cTn>
+                              </p:par>
+                              <p:par>
+                                <p:cTn id="46" presetID="42" presetClass="entr" presetSubtype="0" fill="hold" grpId="0" nodeType="withEffect">
+                                  <p:stCondLst>
+                                    <p:cond delay="0"/>
+                                  </p:stCondLst>
+                                  <p:childTnLst>
+                                    <p:set>
+                                      <p:cBhvr>
+                                        <p:cTn id="47" dur="1" fill="hold">
+                                          <p:stCondLst>
+                                            <p:cond delay="0"/>
+                                          </p:stCondLst>
+                                        </p:cTn>
+                                        <p:tgtEl>
+                                          <p:spTgt spid="3">
+                                            <p:txEl>
+                                              <p:pRg st="7" end="7"/>
+                                            </p:txEl>
+                                          </p:spTgt>
+                                        </p:tgtEl>
+                                        <p:attrNameLst>
+                                          <p:attrName>style.visibility</p:attrName>
+                                        </p:attrNameLst>
+                                      </p:cBhvr>
+                                      <p:to>
+                                        <p:strVal val="visible"/>
+                                      </p:to>
+                                    </p:set>
+                                    <p:animEffect transition="in" filter="fade">
+                                      <p:cBhvr>
+                                        <p:cTn id="48" dur="1000"/>
+                                        <p:tgtEl>
+                                          <p:spTgt spid="3">
+                                            <p:txEl>
+                                              <p:pRg st="7" end="7"/>
+                                            </p:txEl>
+                                          </p:spTgt>
+                                        </p:tgtEl>
+                                      </p:cBhvr>
+                                    </p:animEffect>
+                                    <p:anim calcmode="lin" valueType="num">
+                                      <p:cBhvr>
+                                        <p:cTn id="49" dur="1000" fill="hold"/>
+                                        <p:tgtEl>
+                                          <p:spTgt spid="3">
+                                            <p:txEl>
+                                              <p:pRg st="7" end="7"/>
+                                            </p:txEl>
+                                          </p:spTgt>
+                                        </p:tgtEl>
+                                        <p:attrNameLst>
+                                          <p:attrName>ppt_x</p:attrName>
+                                        </p:attrNameLst>
+                                      </p:cBhvr>
+                                      <p:tavLst>
+                                        <p:tav tm="0">
+                                          <p:val>
+                                            <p:strVal val="#ppt_x"/>
+                                          </p:val>
+                                        </p:tav>
+                                        <p:tav tm="100000">
+                                          <p:val>
+                                            <p:strVal val="#ppt_x"/>
+                                          </p:val>
+                                        </p:tav>
+                                      </p:tavLst>
+                                    </p:anim>
+                                    <p:anim calcmode="lin" valueType="num">
+                                      <p:cBhvr>
+                                        <p:cTn id="50" dur="1000" fill="hold"/>
+                                        <p:tgtEl>
+                                          <p:spTgt spid="3">
+                                            <p:txEl>
+                                              <p:pRg st="7" end="7"/>
+                                            </p:txEl>
+                                          </p:spTgt>
+                                        </p:tgtEl>
+                                        <p:attrNameLst>
+                                          <p:attrName>ppt_y</p:attrName>
+                                        </p:attrNameLst>
+                                      </p:cBhvr>
+                                      <p:tavLst>
+                                        <p:tav tm="0">
+                                          <p:val>
+                                            <p:strVal val="#ppt_y+.1"/>
+                                          </p:val>
+                                        </p:tav>
+                                        <p:tav tm="100000">
+                                          <p:val>
+                                            <p:strVal val="#ppt_y"/>
+                                          </p:val>
+                                        </p:tav>
+                                      </p:tavLst>
+                                    </p:anim>
+                                  </p:childTnLst>
+                                </p:cTn>
+                              </p:par>
+                              <p:par>
+                                <p:cTn id="51" presetID="42" presetClass="entr" presetSubtype="0" fill="hold" grpId="0" nodeType="withEffect">
+                                  <p:stCondLst>
+                                    <p:cond delay="0"/>
+                                  </p:stCondLst>
+                                  <p:childTnLst>
+                                    <p:set>
+                                      <p:cBhvr>
+                                        <p:cTn id="52" dur="1" fill="hold">
+                                          <p:stCondLst>
+                                            <p:cond delay="0"/>
+                                          </p:stCondLst>
+                                        </p:cTn>
+                                        <p:tgtEl>
+                                          <p:spTgt spid="3">
+                                            <p:txEl>
+                                              <p:pRg st="8" end="8"/>
+                                            </p:txEl>
+                                          </p:spTgt>
+                                        </p:tgtEl>
+                                        <p:attrNameLst>
+                                          <p:attrName>style.visibility</p:attrName>
+                                        </p:attrNameLst>
+                                      </p:cBhvr>
+                                      <p:to>
+                                        <p:strVal val="visible"/>
+                                      </p:to>
+                                    </p:set>
+                                    <p:animEffect transition="in" filter="fade">
+                                      <p:cBhvr>
+                                        <p:cTn id="53" dur="1000"/>
+                                        <p:tgtEl>
+                                          <p:spTgt spid="3">
+                                            <p:txEl>
+                                              <p:pRg st="8" end="8"/>
+                                            </p:txEl>
+                                          </p:spTgt>
+                                        </p:tgtEl>
+                                      </p:cBhvr>
+                                    </p:animEffect>
+                                    <p:anim calcmode="lin" valueType="num">
+                                      <p:cBhvr>
+                                        <p:cTn id="54" dur="1000" fill="hold"/>
+                                        <p:tgtEl>
+                                          <p:spTgt spid="3">
+                                            <p:txEl>
+                                              <p:pRg st="8" end="8"/>
+                                            </p:txEl>
+                                          </p:spTgt>
+                                        </p:tgtEl>
+                                        <p:attrNameLst>
+                                          <p:attrName>ppt_x</p:attrName>
+                                        </p:attrNameLst>
+                                      </p:cBhvr>
+                                      <p:tavLst>
+                                        <p:tav tm="0">
+                                          <p:val>
+                                            <p:strVal val="#ppt_x"/>
+                                          </p:val>
+                                        </p:tav>
+                                        <p:tav tm="100000">
+                                          <p:val>
+                                            <p:strVal val="#ppt_x"/>
+                                          </p:val>
+                                        </p:tav>
+                                      </p:tavLst>
+                                    </p:anim>
+                                    <p:anim calcmode="lin" valueType="num">
+                                      <p:cBhvr>
+                                        <p:cTn id="55" dur="1000" fill="hold"/>
+                                        <p:tgtEl>
+                                          <p:spTgt spid="3">
+                                            <p:txEl>
+                                              <p:pRg st="8" end="8"/>
+                                            </p:txEl>
+                                          </p:spTgt>
+                                        </p:tgtEl>
+                                        <p:attrNameLst>
+                                          <p:attrName>ppt_y</p:attrName>
+                                        </p:attrNameLst>
+                                      </p:cBhvr>
+                                      <p:tavLst>
+                                        <p:tav tm="0">
+                                          <p:val>
+                                            <p:strVal val="#ppt_y+.1"/>
+                                          </p:val>
+                                        </p:tav>
+                                        <p:tav tm="100000">
+                                          <p:val>
+                                            <p:strVal val="#ppt_y"/>
+                                          </p:val>
+                                        </p:tav>
+                                      </p:tavLst>
+                                    </p:anim>
+                                  </p:childTnLst>
+                                </p:cTn>
+                              </p:par>
+                              <p:par>
+                                <p:cTn id="56" presetID="42" presetClass="entr" presetSubtype="0" fill="hold" grpId="0" nodeType="withEffect">
+                                  <p:stCondLst>
+                                    <p:cond delay="0"/>
+                                  </p:stCondLst>
+                                  <p:childTnLst>
+                                    <p:set>
+                                      <p:cBhvr>
+                                        <p:cTn id="57" dur="1" fill="hold">
+                                          <p:stCondLst>
+                                            <p:cond delay="0"/>
+                                          </p:stCondLst>
+                                        </p:cTn>
+                                        <p:tgtEl>
+                                          <p:spTgt spid="3">
+                                            <p:txEl>
+                                              <p:pRg st="9" end="9"/>
+                                            </p:txEl>
+                                          </p:spTgt>
+                                        </p:tgtEl>
+                                        <p:attrNameLst>
+                                          <p:attrName>style.visibility</p:attrName>
+                                        </p:attrNameLst>
+                                      </p:cBhvr>
+                                      <p:to>
+                                        <p:strVal val="visible"/>
+                                      </p:to>
+                                    </p:set>
+                                    <p:animEffect transition="in" filter="fade">
+                                      <p:cBhvr>
+                                        <p:cTn id="58" dur="1000"/>
+                                        <p:tgtEl>
+                                          <p:spTgt spid="3">
+                                            <p:txEl>
+                                              <p:pRg st="9" end="9"/>
+                                            </p:txEl>
+                                          </p:spTgt>
+                                        </p:tgtEl>
+                                      </p:cBhvr>
+                                    </p:animEffect>
+                                    <p:anim calcmode="lin" valueType="num">
+                                      <p:cBhvr>
+                                        <p:cTn id="59" dur="1000" fill="hold"/>
+                                        <p:tgtEl>
+                                          <p:spTgt spid="3">
+                                            <p:txEl>
+                                              <p:pRg st="9" end="9"/>
+                                            </p:txEl>
+                                          </p:spTgt>
+                                        </p:tgtEl>
+                                        <p:attrNameLst>
+                                          <p:attrName>ppt_x</p:attrName>
+                                        </p:attrNameLst>
+                                      </p:cBhvr>
+                                      <p:tavLst>
+                                        <p:tav tm="0">
+                                          <p:val>
+                                            <p:strVal val="#ppt_x"/>
+                                          </p:val>
+                                        </p:tav>
+                                        <p:tav tm="100000">
+                                          <p:val>
+                                            <p:strVal val="#ppt_x"/>
+                                          </p:val>
+                                        </p:tav>
+                                      </p:tavLst>
+                                    </p:anim>
+                                    <p:anim calcmode="lin" valueType="num">
+                                      <p:cBhvr>
+                                        <p:cTn id="60" dur="1000" fill="hold"/>
+                                        <p:tgtEl>
+                                          <p:spTgt spid="3">
+                                            <p:txEl>
+                                              <p:pRg st="9" end="9"/>
+                                            </p:txEl>
+                                          </p:spTgt>
+                                        </p:tgtEl>
+                                        <p:attrNameLst>
+                                          <p:attrName>ppt_y</p:attrName>
+                                        </p:attrNameLst>
+                                      </p:cBhvr>
+                                      <p:tavLst>
+                                        <p:tav tm="0">
+                                          <p:val>
+                                            <p:strVal val="#ppt_y+.1"/>
+                                          </p:val>
+                                        </p:tav>
+                                        <p:tav tm="100000">
+                                          <p:val>
+                                            <p:strVal val="#ppt_y"/>
+                                          </p:val>
+                                        </p:tav>
+                                      </p:tavLst>
+                                    </p:anim>
+                                  </p:childTnLst>
+                                </p:cTn>
+                              </p:par>
+                              <p:par>
+                                <p:cTn id="61" presetID="42" presetClass="entr" presetSubtype="0" fill="hold" grpId="0" nodeType="withEffect">
+                                  <p:stCondLst>
+                                    <p:cond delay="0"/>
+                                  </p:stCondLst>
+                                  <p:childTnLst>
+                                    <p:set>
+                                      <p:cBhvr>
+                                        <p:cTn id="62" dur="1" fill="hold">
+                                          <p:stCondLst>
+                                            <p:cond delay="0"/>
+                                          </p:stCondLst>
+                                        </p:cTn>
+                                        <p:tgtEl>
+                                          <p:spTgt spid="3">
+                                            <p:txEl>
+                                              <p:pRg st="10" end="10"/>
+                                            </p:txEl>
+                                          </p:spTgt>
+                                        </p:tgtEl>
+                                        <p:attrNameLst>
+                                          <p:attrName>style.visibility</p:attrName>
+                                        </p:attrNameLst>
+                                      </p:cBhvr>
+                                      <p:to>
+                                        <p:strVal val="visible"/>
+                                      </p:to>
+                                    </p:set>
+                                    <p:animEffect transition="in" filter="fade">
+                                      <p:cBhvr>
+                                        <p:cTn id="63" dur="1000"/>
+                                        <p:tgtEl>
+                                          <p:spTgt spid="3">
+                                            <p:txEl>
+                                              <p:pRg st="10" end="10"/>
+                                            </p:txEl>
+                                          </p:spTgt>
+                                        </p:tgtEl>
+                                      </p:cBhvr>
+                                    </p:animEffect>
+                                    <p:anim calcmode="lin" valueType="num">
+                                      <p:cBhvr>
+                                        <p:cTn id="64" dur="1000" fill="hold"/>
+                                        <p:tgtEl>
+                                          <p:spTgt spid="3">
+                                            <p:txEl>
+                                              <p:pRg st="10" end="10"/>
+                                            </p:txEl>
+                                          </p:spTgt>
+                                        </p:tgtEl>
+                                        <p:attrNameLst>
+                                          <p:attrName>ppt_x</p:attrName>
+                                        </p:attrNameLst>
+                                      </p:cBhvr>
+                                      <p:tavLst>
+                                        <p:tav tm="0">
+                                          <p:val>
+                                            <p:strVal val="#ppt_x"/>
+                                          </p:val>
+                                        </p:tav>
+                                        <p:tav tm="100000">
+                                          <p:val>
+                                            <p:strVal val="#ppt_x"/>
+                                          </p:val>
+                                        </p:tav>
+                                      </p:tavLst>
+                                    </p:anim>
+                                    <p:anim calcmode="lin" valueType="num">
+                                      <p:cBhvr>
+                                        <p:cTn id="65" dur="1000" fill="hold"/>
+                                        <p:tgtEl>
+                                          <p:spTgt spid="3">
+                                            <p:txEl>
+                                              <p:pRg st="10" end="10"/>
+                                            </p:txEl>
+                                          </p:spTgt>
+                                        </p:tgtEl>
+                                        <p:attrNameLst>
+                                          <p:attrName>ppt_y</p:attrName>
+                                        </p:attrNameLst>
+                                      </p:cBhvr>
+                                      <p:tavLst>
+                                        <p:tav tm="0">
+                                          <p:val>
+                                            <p:strVal val="#ppt_y+.1"/>
+                                          </p:val>
+                                        </p:tav>
+                                        <p:tav tm="100000">
+                                          <p:val>
+                                            <p:strVal val="#ppt_y"/>
+                                          </p:val>
+                                        </p:tav>
+                                      </p:tavLst>
+                                    </p:anim>
+                                  </p:childTnLst>
+                                </p:cTn>
+                              </p:par>
+                            </p:childTnLst>
+                          </p:cTn>
+                        </p:par>
+                      </p:childTnLst>
+                    </p:cTn>
+                  </p:par>
+                </p:childTnLst>
+              </p:cTn>
+              <p:prevCondLst>
+                <p:cond evt="onPrev" delay="0">
+                  <p:tgtEl>
+                    <p:sldTgt/>
+                  </p:tgtEl>
+                </p:cond>
+              </p:prevCondLst>
+              <p:nextCondLst>
+                <p:cond evt="onNext" delay="0">
+                  <p:tgtEl>
+                    <p:sldTgt/>
+                  </p:tgtEl>
+                </p:cond>
+              </p:nextCondLst>
+            </p:seq>
+          </p:childTnLst>
+        </p:cTn>
+      </p:par>
+    </p:tnLst>
+    <p:bldLst>
+      <p:bldP spid="2" grpId="0"/>
+      <p:bldP spid="3" grpId="0" build="p"/>
+    </p:bldLst>
+  </p:timing>
 </p:sld>
 </file>
 
